--- a/assets/blueprint_renew_to_graph.pptx
+++ b/assets/blueprint_renew_to_graph.pptx
@@ -4,8 +4,12 @@
   <p:sldMasterIdLst>
     <p:sldMasterId id="2147483648" r:id="rId1"/>
   </p:sldMasterIdLst>
+  <p:notesMasterIdLst>
+    <p:notesMasterId r:id="rId4"/>
+  </p:notesMasterIdLst>
   <p:sldIdLst>
     <p:sldId id="257" r:id="rId2"/>
+    <p:sldId id="258" r:id="rId3"/>
   </p:sldIdLst>
   <p:sldSz cx="12192000" cy="6858000"/>
   <p:notesSz cx="6858000" cy="9144000"/>
@@ -2588,6 +2592,90 @@
 </inkml:ink>
 </file>
 
+<file path=ppt/ink/ink84.xml><?xml version="1.0" encoding="utf-8"?>
+<inkml:ink xmlns:inkml="http://www.w3.org/2003/InkML">
+  <inkml:definitions>
+    <inkml:context xml:id="ctx0">
+      <inkml:inkSource xml:id="inkSrc0">
+        <inkml:traceFormat>
+          <inkml:channel name="X" type="integer" min="-2.14748E9" max="2.14748E9" units="cm"/>
+          <inkml:channel name="Y" type="integer" min="-2.14748E9" max="2.14748E9" units="cm"/>
+          <inkml:channel name="F" type="integer" max="32767" units="dev"/>
+        </inkml:traceFormat>
+        <inkml:channelProperties>
+          <inkml:channelProperty channel="X" name="resolution" value="1000" units="1/cm"/>
+          <inkml:channelProperty channel="Y" name="resolution" value="1000" units="1/cm"/>
+          <inkml:channelProperty channel="F" name="resolution" value="0" units="1/dev"/>
+        </inkml:channelProperties>
+      </inkml:inkSource>
+      <inkml:timestamp xml:id="ts0" timeString="2024-06-16T19:47:50.565"/>
+    </inkml:context>
+    <inkml:brush xml:id="br0">
+      <inkml:brushProperty name="width" value="0.05" units="cm"/>
+      <inkml:brushProperty name="height" value="0.05" units="cm"/>
+      <inkml:brushProperty name="color" value="#004F8B"/>
+    </inkml:brush>
+  </inkml:definitions>
+  <inkml:trace contextRef="#ctx0" brushRef="#br0">0 0 24575</inkml:trace>
+</inkml:ink>
+</file>
+
+<file path=ppt/ink/ink85.xml><?xml version="1.0" encoding="utf-8"?>
+<inkml:ink xmlns:inkml="http://www.w3.org/2003/InkML">
+  <inkml:definitions>
+    <inkml:context xml:id="ctx0">
+      <inkml:inkSource xml:id="inkSrc0">
+        <inkml:traceFormat>
+          <inkml:channel name="X" type="integer" min="-2.14748E9" max="2.14748E9" units="cm"/>
+          <inkml:channel name="Y" type="integer" min="-2.14748E9" max="2.14748E9" units="cm"/>
+          <inkml:channel name="F" type="integer" max="32767" units="dev"/>
+        </inkml:traceFormat>
+        <inkml:channelProperties>
+          <inkml:channelProperty channel="X" name="resolution" value="1000" units="1/cm"/>
+          <inkml:channelProperty channel="Y" name="resolution" value="1000" units="1/cm"/>
+          <inkml:channelProperty channel="F" name="resolution" value="0" units="1/dev"/>
+        </inkml:channelProperties>
+      </inkml:inkSource>
+      <inkml:timestamp xml:id="ts0" timeString="2024-06-16T20:39:20.924"/>
+    </inkml:context>
+    <inkml:brush xml:id="br0">
+      <inkml:brushProperty name="width" value="0.05" units="cm"/>
+      <inkml:brushProperty name="height" value="0.05" units="cm"/>
+      <inkml:brushProperty name="color" value="#004F8B"/>
+    </inkml:brush>
+  </inkml:definitions>
+  <inkml:trace contextRef="#ctx0" brushRef="#br0">1 2 24575,'103'-2'0,"112"5"0,-140 7 0,-44-5 0,53 2 0,2 3 0,-4 0 0,20 0 0,10 1 0,-15 0 0,-6-1 0,-49-7 0,72 16 0,-69-11 0,53 4 0,-69-9 0,0 1 0,34 11 0,-36-9 0,-1 0 0,1-2 0,29 2 0,-30-6 0,1 1 0,-1 1 0,0 2 0,0 1 0,31 9 0,-26-6 0,0-2 0,61 6 0,-35-6 0,-18-3 0,56-3 0,24 1 0,-62 10 0,13 0 0,107 10 0,-125-13 0,100 5 0,-133-12 0,0 0 0,29 8 0,35 2 0,383-12 0,-443-1 0,0 0 0,0-2 0,36-10 0,-35 8 0,0 0 0,0 2 0,30-2 0,116-9 0,-95 8 0,146 7 0,-94 2 0,169-2-1365,-278 0-5461</inkml:trace>
+</inkml:ink>
+</file>
+
+<file path=ppt/ink/ink86.xml><?xml version="1.0" encoding="utf-8"?>
+<inkml:ink xmlns:inkml="http://www.w3.org/2003/InkML">
+  <inkml:definitions>
+    <inkml:context xml:id="ctx0">
+      <inkml:inkSource xml:id="inkSrc0">
+        <inkml:traceFormat>
+          <inkml:channel name="X" type="integer" min="-2.14748E9" max="2.14748E9" units="cm"/>
+          <inkml:channel name="Y" type="integer" min="-2.14748E9" max="2.14748E9" units="cm"/>
+          <inkml:channel name="F" type="integer" max="32767" units="dev"/>
+        </inkml:traceFormat>
+        <inkml:channelProperties>
+          <inkml:channelProperty channel="X" name="resolution" value="1000" units="1/cm"/>
+          <inkml:channelProperty channel="Y" name="resolution" value="1000" units="1/cm"/>
+          <inkml:channelProperty channel="F" name="resolution" value="0" units="1/dev"/>
+        </inkml:channelProperties>
+      </inkml:inkSource>
+      <inkml:timestamp xml:id="ts0" timeString="2024-06-16T20:40:30.043"/>
+    </inkml:context>
+    <inkml:brush xml:id="br0">
+      <inkml:brushProperty name="width" value="0.05" units="cm"/>
+      <inkml:brushProperty name="height" value="0.05" units="cm"/>
+      <inkml:brushProperty name="color" value="#004F8B"/>
+    </inkml:brush>
+  </inkml:definitions>
+  <inkml:trace contextRef="#ctx0" brushRef="#br0">4 0 24575,'-4'0'0</inkml:trace>
+</inkml:ink>
+</file>
+
 <file path=ppt/ink/ink9.xml><?xml version="1.0" encoding="utf-8"?>
 <inkml:ink xmlns:inkml="http://www.w3.org/2003/InkML">
   <inkml:definitions>
@@ -2614,6 +2702,523 @@
   </inkml:definitions>
   <inkml:trace contextRef="#ctx0" brushRef="#br0">1 1 24575,'20'0'0,"0"0"0,0 2 0,0 1 0,-1 0 0,23 7 0,-37-8 0,0 0 0,0 0 0,0 0 0,-1 1 0,1-1 0,-1 1 0,1 0 0,-1 0 0,0 1 0,0-1 0,3 5 0,-5-5 0,0 0 0,-1-1 0,1 1 0,-1 0 0,1 0 0,-1 1 0,0-1 0,0 0 0,0 0 0,-1 0 0,1 1 0,-1-1 0,0 0 0,0 1 0,0-1 0,0 0 0,-1 0 0,1 1 0,-2 3 0,0-3 0,1 0 0,-1 0 0,0 0 0,0-1 0,-1 1 0,1-1 0,-1 1 0,0-1 0,0 0 0,0 0 0,0 0 0,-1 0 0,1-1 0,-1 1 0,1-1 0,-1 0 0,0 0 0,0 0 0,0-1 0,-5 2 0,0 1 0,8-4 0,1 0 0,0 0 0,0 0 0,0 1 0,0-1 0,0 0 0,0 0 0,0 0 0,-1 0 0,1 0 0,0 0 0,0 0 0,0 0 0,0 0 0,0 0 0,0 0 0,0 0 0,0 1 0,0-1 0,-1 0 0,1 0 0,0 0 0,0 0 0,0 0 0,0 0 0,0 0 0,0 1 0,0-1 0,0 0 0,0 0 0,0 0 0,0 0 0,0 0 0,0 1 0,0-1 0,0 0 0,0 0 0,0 0 0,0 0 0,0 0 0,0 0 0,0 0 0,0 1 0,0-1 0,0 0 0,1 0 0,-1 0 0,0 0 0,0 0 0,0 0 0,0 0 0,0 1 0,0-1 0,0 0 0,0 0 0,0 0 0,1 0 0,10 6 0,14 2 0,-19-8 0,0 1 0,-1 1 0,1-1 0,0 1 0,-1 0 0,1 1 0,-1-1 0,1 1 0,-1 0 0,0 0 0,5 5 0,-8-6 0,0 0 0,0 0 0,-1 0 0,1 0 0,-1 0 0,1 0 0,-1 1 0,0-1 0,0 0 0,0 1 0,0-1 0,0 1 0,0-1 0,-1 1 0,1 0 0,-1-1 0,0 1 0,0 0 0,0-1 0,0 1 0,0 0 0,-1-1 0,1 1 0,-1-1 0,1 1 0,-1-1 0,-2 6 0,0-4 3,-1 0-1,1 1 0,-1-1 0,0 0 1,0-1-1,0 1 0,0-1 0,0 0 1,-1 0-1,0 0 0,1 0 0,-1-1 1,0 0-1,-1 0 0,1 0 0,0-1 1,-6 2-1,-30 13-1408,29-9-5420</inkml:trace>
 </inkml:ink>
+</file>
+
+<file path=ppt/notesMasters/notesMaster1.xml><?xml version="1.0" encoding="utf-8"?>
+<p:notesMaster xmlns:a="http://schemas.openxmlformats.org/drawingml/2006/main" xmlns:r="http://schemas.openxmlformats.org/officeDocument/2006/relationships" xmlns:p="http://schemas.openxmlformats.org/presentationml/2006/main">
+  <p:cSld>
+    <p:bg>
+      <p:bgRef idx="1001">
+        <a:schemeClr val="bg1"/>
+      </p:bgRef>
+    </p:bg>
+    <p:spTree>
+      <p:nvGrpSpPr>
+        <p:cNvPr id="1" name=""/>
+        <p:cNvGrpSpPr/>
+        <p:nvPr/>
+      </p:nvGrpSpPr>
+      <p:grpSpPr>
+        <a:xfrm>
+          <a:off x="0" y="0"/>
+          <a:ext cx="0" cy="0"/>
+          <a:chOff x="0" y="0"/>
+          <a:chExt cx="0" cy="0"/>
+        </a:xfrm>
+      </p:grpSpPr>
+      <p:sp>
+        <p:nvSpPr>
+          <p:cNvPr id="2" name="머리글 개체 틀 1"/>
+          <p:cNvSpPr>
+            <a:spLocks noGrp="1"/>
+          </p:cNvSpPr>
+          <p:nvPr>
+            <p:ph type="hdr" sz="quarter"/>
+          </p:nvPr>
+        </p:nvSpPr>
+        <p:spPr>
+          <a:xfrm>
+            <a:off x="0" y="0"/>
+            <a:ext cx="2971800" cy="458788"/>
+          </a:xfrm>
+          <a:prstGeom prst="rect">
+            <a:avLst/>
+          </a:prstGeom>
+        </p:spPr>
+        <p:txBody>
+          <a:bodyPr vert="horz" lIns="91440" tIns="45720" rIns="91440" bIns="45720" rtlCol="0"/>
+          <a:lstStyle>
+            <a:lvl1pPr algn="l">
+              <a:defRPr sz="1200"/>
+            </a:lvl1pPr>
+          </a:lstStyle>
+          <a:p>
+            <a:endParaRPr lang="ko-KR" altLang="en-US"/>
+          </a:p>
+        </p:txBody>
+      </p:sp>
+      <p:sp>
+        <p:nvSpPr>
+          <p:cNvPr id="3" name="날짜 개체 틀 2"/>
+          <p:cNvSpPr>
+            <a:spLocks noGrp="1"/>
+          </p:cNvSpPr>
+          <p:nvPr>
+            <p:ph type="dt" idx="1"/>
+          </p:nvPr>
+        </p:nvSpPr>
+        <p:spPr>
+          <a:xfrm>
+            <a:off x="3884613" y="0"/>
+            <a:ext cx="2971800" cy="458788"/>
+          </a:xfrm>
+          <a:prstGeom prst="rect">
+            <a:avLst/>
+          </a:prstGeom>
+        </p:spPr>
+        <p:txBody>
+          <a:bodyPr vert="horz" lIns="91440" tIns="45720" rIns="91440" bIns="45720" rtlCol="0"/>
+          <a:lstStyle>
+            <a:lvl1pPr algn="r">
+              <a:defRPr sz="1200"/>
+            </a:lvl1pPr>
+          </a:lstStyle>
+          <a:p>
+            <a:fld id="{A5A78F9D-3B9E-499D-8FE7-EF4E3B34BE1D}" type="datetimeFigureOut">
+              <a:rPr lang="ko-KR" altLang="en-US" smtClean="0"/>
+              <a:t>2024-06-20</a:t>
+            </a:fld>
+            <a:endParaRPr lang="ko-KR" altLang="en-US"/>
+          </a:p>
+        </p:txBody>
+      </p:sp>
+      <p:sp>
+        <p:nvSpPr>
+          <p:cNvPr id="4" name="슬라이드 이미지 개체 틀 3"/>
+          <p:cNvSpPr>
+            <a:spLocks noGrp="1" noRot="1" noChangeAspect="1"/>
+          </p:cNvSpPr>
+          <p:nvPr>
+            <p:ph type="sldImg" idx="2"/>
+          </p:nvPr>
+        </p:nvSpPr>
+        <p:spPr>
+          <a:xfrm>
+            <a:off x="685800" y="1143000"/>
+            <a:ext cx="5486400" cy="3086100"/>
+          </a:xfrm>
+          <a:prstGeom prst="rect">
+            <a:avLst/>
+          </a:prstGeom>
+          <a:noFill/>
+          <a:ln w="12700">
+            <a:solidFill>
+              <a:prstClr val="black"/>
+            </a:solidFill>
+          </a:ln>
+        </p:spPr>
+        <p:txBody>
+          <a:bodyPr vert="horz" lIns="91440" tIns="45720" rIns="91440" bIns="45720" rtlCol="0" anchor="ctr"/>
+          <a:lstStyle/>
+          <a:p>
+            <a:endParaRPr lang="ko-KR" altLang="en-US"/>
+          </a:p>
+        </p:txBody>
+      </p:sp>
+      <p:sp>
+        <p:nvSpPr>
+          <p:cNvPr id="5" name="슬라이드 노트 개체 틀 4"/>
+          <p:cNvSpPr>
+            <a:spLocks noGrp="1"/>
+          </p:cNvSpPr>
+          <p:nvPr>
+            <p:ph type="body" sz="quarter" idx="3"/>
+          </p:nvPr>
+        </p:nvSpPr>
+        <p:spPr>
+          <a:xfrm>
+            <a:off x="685800" y="4400550"/>
+            <a:ext cx="5486400" cy="3600450"/>
+          </a:xfrm>
+          <a:prstGeom prst="rect">
+            <a:avLst/>
+          </a:prstGeom>
+        </p:spPr>
+        <p:txBody>
+          <a:bodyPr vert="horz" lIns="91440" tIns="45720" rIns="91440" bIns="45720" rtlCol="0"/>
+          <a:lstStyle/>
+          <a:p>
+            <a:pPr lvl="0"/>
+            <a:r>
+              <a:rPr lang="ko-KR" altLang="en-US"/>
+              <a:t>마스터 텍스트 스타일을 편집하려면 클릭</a:t>
+            </a:r>
+          </a:p>
+          <a:p>
+            <a:pPr lvl="1"/>
+            <a:r>
+              <a:rPr lang="ko-KR" altLang="en-US"/>
+              <a:t>두 번째 수준</a:t>
+            </a:r>
+          </a:p>
+          <a:p>
+            <a:pPr lvl="2"/>
+            <a:r>
+              <a:rPr lang="ko-KR" altLang="en-US"/>
+              <a:t>세 번째 수준</a:t>
+            </a:r>
+          </a:p>
+          <a:p>
+            <a:pPr lvl="3"/>
+            <a:r>
+              <a:rPr lang="ko-KR" altLang="en-US"/>
+              <a:t>네 번째 수준</a:t>
+            </a:r>
+          </a:p>
+          <a:p>
+            <a:pPr lvl="4"/>
+            <a:r>
+              <a:rPr lang="ko-KR" altLang="en-US"/>
+              <a:t>다섯 번째 수준</a:t>
+            </a:r>
+          </a:p>
+        </p:txBody>
+      </p:sp>
+      <p:sp>
+        <p:nvSpPr>
+          <p:cNvPr id="6" name="바닥글 개체 틀 5"/>
+          <p:cNvSpPr>
+            <a:spLocks noGrp="1"/>
+          </p:cNvSpPr>
+          <p:nvPr>
+            <p:ph type="ftr" sz="quarter" idx="4"/>
+          </p:nvPr>
+        </p:nvSpPr>
+        <p:spPr>
+          <a:xfrm>
+            <a:off x="0" y="8685213"/>
+            <a:ext cx="2971800" cy="458787"/>
+          </a:xfrm>
+          <a:prstGeom prst="rect">
+            <a:avLst/>
+          </a:prstGeom>
+        </p:spPr>
+        <p:txBody>
+          <a:bodyPr vert="horz" lIns="91440" tIns="45720" rIns="91440" bIns="45720" rtlCol="0" anchor="b"/>
+          <a:lstStyle>
+            <a:lvl1pPr algn="l">
+              <a:defRPr sz="1200"/>
+            </a:lvl1pPr>
+          </a:lstStyle>
+          <a:p>
+            <a:endParaRPr lang="ko-KR" altLang="en-US"/>
+          </a:p>
+        </p:txBody>
+      </p:sp>
+      <p:sp>
+        <p:nvSpPr>
+          <p:cNvPr id="7" name="슬라이드 번호 개체 틀 6"/>
+          <p:cNvSpPr>
+            <a:spLocks noGrp="1"/>
+          </p:cNvSpPr>
+          <p:nvPr>
+            <p:ph type="sldNum" sz="quarter" idx="5"/>
+          </p:nvPr>
+        </p:nvSpPr>
+        <p:spPr>
+          <a:xfrm>
+            <a:off x="3884613" y="8685213"/>
+            <a:ext cx="2971800" cy="458787"/>
+          </a:xfrm>
+          <a:prstGeom prst="rect">
+            <a:avLst/>
+          </a:prstGeom>
+        </p:spPr>
+        <p:txBody>
+          <a:bodyPr vert="horz" lIns="91440" tIns="45720" rIns="91440" bIns="45720" rtlCol="0" anchor="b"/>
+          <a:lstStyle>
+            <a:lvl1pPr algn="r">
+              <a:defRPr sz="1200"/>
+            </a:lvl1pPr>
+          </a:lstStyle>
+          <a:p>
+            <a:fld id="{38FBA24E-4F43-489E-8F40-2A03B6509A96}" type="slidenum">
+              <a:rPr lang="ko-KR" altLang="en-US" smtClean="0"/>
+              <a:t>‹#›</a:t>
+            </a:fld>
+            <a:endParaRPr lang="ko-KR" altLang="en-US"/>
+          </a:p>
+        </p:txBody>
+      </p:sp>
+    </p:spTree>
+    <p:extLst>
+      <p:ext uri="{BB962C8B-B14F-4D97-AF65-F5344CB8AC3E}">
+        <p14:creationId xmlns:p14="http://schemas.microsoft.com/office/powerpoint/2010/main" val="789045428"/>
+      </p:ext>
+    </p:extLst>
+  </p:cSld>
+  <p:clrMap bg1="lt1" tx1="dk1" bg2="lt2" tx2="dk2" accent1="accent1" accent2="accent2" accent3="accent3" accent4="accent4" accent5="accent5" accent6="accent6" hlink="hlink" folHlink="folHlink"/>
+  <p:notesStyle>
+    <a:lvl1pPr marL="0" algn="l" defTabSz="914400" rtl="0" eaLnBrk="1" latinLnBrk="1" hangingPunct="1">
+      <a:defRPr sz="1200" kern="1200">
+        <a:solidFill>
+          <a:schemeClr val="tx1"/>
+        </a:solidFill>
+        <a:latin typeface="+mn-lt"/>
+        <a:ea typeface="+mn-ea"/>
+        <a:cs typeface="+mn-cs"/>
+      </a:defRPr>
+    </a:lvl1pPr>
+    <a:lvl2pPr marL="457200" algn="l" defTabSz="914400" rtl="0" eaLnBrk="1" latinLnBrk="1" hangingPunct="1">
+      <a:defRPr sz="1200" kern="1200">
+        <a:solidFill>
+          <a:schemeClr val="tx1"/>
+        </a:solidFill>
+        <a:latin typeface="+mn-lt"/>
+        <a:ea typeface="+mn-ea"/>
+        <a:cs typeface="+mn-cs"/>
+      </a:defRPr>
+    </a:lvl2pPr>
+    <a:lvl3pPr marL="914400" algn="l" defTabSz="914400" rtl="0" eaLnBrk="1" latinLnBrk="1" hangingPunct="1">
+      <a:defRPr sz="1200" kern="1200">
+        <a:solidFill>
+          <a:schemeClr val="tx1"/>
+        </a:solidFill>
+        <a:latin typeface="+mn-lt"/>
+        <a:ea typeface="+mn-ea"/>
+        <a:cs typeface="+mn-cs"/>
+      </a:defRPr>
+    </a:lvl3pPr>
+    <a:lvl4pPr marL="1371600" algn="l" defTabSz="914400" rtl="0" eaLnBrk="1" latinLnBrk="1" hangingPunct="1">
+      <a:defRPr sz="1200" kern="1200">
+        <a:solidFill>
+          <a:schemeClr val="tx1"/>
+        </a:solidFill>
+        <a:latin typeface="+mn-lt"/>
+        <a:ea typeface="+mn-ea"/>
+        <a:cs typeface="+mn-cs"/>
+      </a:defRPr>
+    </a:lvl4pPr>
+    <a:lvl5pPr marL="1828800" algn="l" defTabSz="914400" rtl="0" eaLnBrk="1" latinLnBrk="1" hangingPunct="1">
+      <a:defRPr sz="1200" kern="1200">
+        <a:solidFill>
+          <a:schemeClr val="tx1"/>
+        </a:solidFill>
+        <a:latin typeface="+mn-lt"/>
+        <a:ea typeface="+mn-ea"/>
+        <a:cs typeface="+mn-cs"/>
+      </a:defRPr>
+    </a:lvl5pPr>
+    <a:lvl6pPr marL="2286000" algn="l" defTabSz="914400" rtl="0" eaLnBrk="1" latinLnBrk="1" hangingPunct="1">
+      <a:defRPr sz="1200" kern="1200">
+        <a:solidFill>
+          <a:schemeClr val="tx1"/>
+        </a:solidFill>
+        <a:latin typeface="+mn-lt"/>
+        <a:ea typeface="+mn-ea"/>
+        <a:cs typeface="+mn-cs"/>
+      </a:defRPr>
+    </a:lvl6pPr>
+    <a:lvl7pPr marL="2743200" algn="l" defTabSz="914400" rtl="0" eaLnBrk="1" latinLnBrk="1" hangingPunct="1">
+      <a:defRPr sz="1200" kern="1200">
+        <a:solidFill>
+          <a:schemeClr val="tx1"/>
+        </a:solidFill>
+        <a:latin typeface="+mn-lt"/>
+        <a:ea typeface="+mn-ea"/>
+        <a:cs typeface="+mn-cs"/>
+      </a:defRPr>
+    </a:lvl7pPr>
+    <a:lvl8pPr marL="3200400" algn="l" defTabSz="914400" rtl="0" eaLnBrk="1" latinLnBrk="1" hangingPunct="1">
+      <a:defRPr sz="1200" kern="1200">
+        <a:solidFill>
+          <a:schemeClr val="tx1"/>
+        </a:solidFill>
+        <a:latin typeface="+mn-lt"/>
+        <a:ea typeface="+mn-ea"/>
+        <a:cs typeface="+mn-cs"/>
+      </a:defRPr>
+    </a:lvl8pPr>
+    <a:lvl9pPr marL="3657600" algn="l" defTabSz="914400" rtl="0" eaLnBrk="1" latinLnBrk="1" hangingPunct="1">
+      <a:defRPr sz="1200" kern="1200">
+        <a:solidFill>
+          <a:schemeClr val="tx1"/>
+        </a:solidFill>
+        <a:latin typeface="+mn-lt"/>
+        <a:ea typeface="+mn-ea"/>
+        <a:cs typeface="+mn-cs"/>
+      </a:defRPr>
+    </a:lvl9pPr>
+  </p:notesStyle>
+</p:notesMaster>
+</file>
+
+<file path=ppt/notesSlides/notesSlide1.xml><?xml version="1.0" encoding="utf-8"?>
+<p:notes xmlns:a="http://schemas.openxmlformats.org/drawingml/2006/main" xmlns:r="http://schemas.openxmlformats.org/officeDocument/2006/relationships" xmlns:p="http://schemas.openxmlformats.org/presentationml/2006/main">
+  <p:cSld>
+    <p:spTree>
+      <p:nvGrpSpPr>
+        <p:cNvPr id="1" name=""/>
+        <p:cNvGrpSpPr/>
+        <p:nvPr/>
+      </p:nvGrpSpPr>
+      <p:grpSpPr>
+        <a:xfrm>
+          <a:off x="0" y="0"/>
+          <a:ext cx="0" cy="0"/>
+          <a:chOff x="0" y="0"/>
+          <a:chExt cx="0" cy="0"/>
+        </a:xfrm>
+      </p:grpSpPr>
+      <p:sp>
+        <p:nvSpPr>
+          <p:cNvPr id="2" name="슬라이드 이미지 개체 틀 1"/>
+          <p:cNvSpPr>
+            <a:spLocks noGrp="1" noRot="1" noChangeAspect="1"/>
+          </p:cNvSpPr>
+          <p:nvPr>
+            <p:ph type="sldImg"/>
+          </p:nvPr>
+        </p:nvSpPr>
+        <p:spPr/>
+      </p:sp>
+      <p:sp>
+        <p:nvSpPr>
+          <p:cNvPr id="3" name="슬라이드 노트 개체 틀 2"/>
+          <p:cNvSpPr>
+            <a:spLocks noGrp="1"/>
+          </p:cNvSpPr>
+          <p:nvPr>
+            <p:ph type="body" idx="1"/>
+          </p:nvPr>
+        </p:nvSpPr>
+        <p:spPr/>
+        <p:txBody>
+          <a:bodyPr/>
+          <a:lstStyle/>
+          <a:p>
+            <a:endParaRPr lang="ko-KR" altLang="en-US" dirty="0"/>
+          </a:p>
+        </p:txBody>
+      </p:sp>
+      <p:sp>
+        <p:nvSpPr>
+          <p:cNvPr id="4" name="슬라이드 번호 개체 틀 3"/>
+          <p:cNvSpPr>
+            <a:spLocks noGrp="1"/>
+          </p:cNvSpPr>
+          <p:nvPr>
+            <p:ph type="sldNum" sz="quarter" idx="5"/>
+          </p:nvPr>
+        </p:nvSpPr>
+        <p:spPr/>
+        <p:txBody>
+          <a:bodyPr/>
+          <a:lstStyle/>
+          <a:p>
+            <a:fld id="{38FBA24E-4F43-489E-8F40-2A03B6509A96}" type="slidenum">
+              <a:rPr lang="ko-KR" altLang="en-US" smtClean="0"/>
+              <a:t>1</a:t>
+            </a:fld>
+            <a:endParaRPr lang="ko-KR" altLang="en-US"/>
+          </a:p>
+        </p:txBody>
+      </p:sp>
+    </p:spTree>
+    <p:extLst>
+      <p:ext uri="{BB962C8B-B14F-4D97-AF65-F5344CB8AC3E}">
+        <p14:creationId xmlns:p14="http://schemas.microsoft.com/office/powerpoint/2010/main" val="824573518"/>
+      </p:ext>
+    </p:extLst>
+  </p:cSld>
+  <p:clrMapOvr>
+    <a:masterClrMapping/>
+  </p:clrMapOvr>
+</p:notes>
+</file>
+
+<file path=ppt/notesSlides/notesSlide2.xml><?xml version="1.0" encoding="utf-8"?>
+<p:notes xmlns:a="http://schemas.openxmlformats.org/drawingml/2006/main" xmlns:r="http://schemas.openxmlformats.org/officeDocument/2006/relationships" xmlns:p="http://schemas.openxmlformats.org/presentationml/2006/main">
+  <p:cSld>
+    <p:spTree>
+      <p:nvGrpSpPr>
+        <p:cNvPr id="1" name=""/>
+        <p:cNvGrpSpPr/>
+        <p:nvPr/>
+      </p:nvGrpSpPr>
+      <p:grpSpPr>
+        <a:xfrm>
+          <a:off x="0" y="0"/>
+          <a:ext cx="0" cy="0"/>
+          <a:chOff x="0" y="0"/>
+          <a:chExt cx="0" cy="0"/>
+        </a:xfrm>
+      </p:grpSpPr>
+      <p:sp>
+        <p:nvSpPr>
+          <p:cNvPr id="2" name="슬라이드 이미지 개체 틀 1"/>
+          <p:cNvSpPr>
+            <a:spLocks noGrp="1" noRot="1" noChangeAspect="1"/>
+          </p:cNvSpPr>
+          <p:nvPr>
+            <p:ph type="sldImg"/>
+          </p:nvPr>
+        </p:nvSpPr>
+        <p:spPr/>
+      </p:sp>
+      <p:sp>
+        <p:nvSpPr>
+          <p:cNvPr id="3" name="슬라이드 노트 개체 틀 2"/>
+          <p:cNvSpPr>
+            <a:spLocks noGrp="1"/>
+          </p:cNvSpPr>
+          <p:nvPr>
+            <p:ph type="body" idx="1"/>
+          </p:nvPr>
+        </p:nvSpPr>
+        <p:spPr/>
+        <p:txBody>
+          <a:bodyPr/>
+          <a:lstStyle/>
+          <a:p>
+            <a:endParaRPr lang="ko-KR" altLang="en-US" dirty="0"/>
+          </a:p>
+        </p:txBody>
+      </p:sp>
+      <p:sp>
+        <p:nvSpPr>
+          <p:cNvPr id="4" name="슬라이드 번호 개체 틀 3"/>
+          <p:cNvSpPr>
+            <a:spLocks noGrp="1"/>
+          </p:cNvSpPr>
+          <p:nvPr>
+            <p:ph type="sldNum" sz="quarter" idx="5"/>
+          </p:nvPr>
+        </p:nvSpPr>
+        <p:spPr/>
+        <p:txBody>
+          <a:bodyPr/>
+          <a:lstStyle/>
+          <a:p>
+            <a:fld id="{38FBA24E-4F43-489E-8F40-2A03B6509A96}" type="slidenum">
+              <a:rPr lang="ko-KR" altLang="en-US" smtClean="0"/>
+              <a:t>2</a:t>
+            </a:fld>
+            <a:endParaRPr lang="ko-KR" altLang="en-US"/>
+          </a:p>
+        </p:txBody>
+      </p:sp>
+    </p:spTree>
+    <p:extLst>
+      <p:ext uri="{BB962C8B-B14F-4D97-AF65-F5344CB8AC3E}">
+        <p14:creationId xmlns:p14="http://schemas.microsoft.com/office/powerpoint/2010/main" val="1189791453"/>
+      </p:ext>
+    </p:extLst>
+  </p:cSld>
+  <p:clrMapOvr>
+    <a:masterClrMapping/>
+  </p:clrMapOvr>
+</p:notes>
 </file>
 
 <file path=ppt/slideLayouts/slideLayout1.xml><?xml version="1.0" encoding="utf-8"?>
@@ -2763,7 +3368,7 @@
           <a:p>
             <a:fld id="{AE74DC06-2FED-4DD1-B76E-01B9D03E1585}" type="datetimeFigureOut">
               <a:rPr lang="ko-KR" altLang="en-US" smtClean="0"/>
-              <a:t>2024-06-17</a:t>
+              <a:t>2024-06-20</a:t>
             </a:fld>
             <a:endParaRPr lang="ko-KR" altLang="en-US"/>
           </a:p>
@@ -2961,7 +3566,7 @@
           <a:p>
             <a:fld id="{AE74DC06-2FED-4DD1-B76E-01B9D03E1585}" type="datetimeFigureOut">
               <a:rPr lang="ko-KR" altLang="en-US" smtClean="0"/>
-              <a:t>2024-06-17</a:t>
+              <a:t>2024-06-20</a:t>
             </a:fld>
             <a:endParaRPr lang="ko-KR" altLang="en-US"/>
           </a:p>
@@ -3169,7 +3774,7 @@
           <a:p>
             <a:fld id="{AE74DC06-2FED-4DD1-B76E-01B9D03E1585}" type="datetimeFigureOut">
               <a:rPr lang="ko-KR" altLang="en-US" smtClean="0"/>
-              <a:t>2024-06-17</a:t>
+              <a:t>2024-06-20</a:t>
             </a:fld>
             <a:endParaRPr lang="ko-KR" altLang="en-US"/>
           </a:p>
@@ -3367,7 +3972,7 @@
           <a:p>
             <a:fld id="{AE74DC06-2FED-4DD1-B76E-01B9D03E1585}" type="datetimeFigureOut">
               <a:rPr lang="ko-KR" altLang="en-US" smtClean="0"/>
-              <a:t>2024-06-17</a:t>
+              <a:t>2024-06-20</a:t>
             </a:fld>
             <a:endParaRPr lang="ko-KR" altLang="en-US"/>
           </a:p>
@@ -3642,7 +4247,7 @@
           <a:p>
             <a:fld id="{AE74DC06-2FED-4DD1-B76E-01B9D03E1585}" type="datetimeFigureOut">
               <a:rPr lang="ko-KR" altLang="en-US" smtClean="0"/>
-              <a:t>2024-06-17</a:t>
+              <a:t>2024-06-20</a:t>
             </a:fld>
             <a:endParaRPr lang="ko-KR" altLang="en-US"/>
           </a:p>
@@ -3907,7 +4512,7 @@
           <a:p>
             <a:fld id="{AE74DC06-2FED-4DD1-B76E-01B9D03E1585}" type="datetimeFigureOut">
               <a:rPr lang="ko-KR" altLang="en-US" smtClean="0"/>
-              <a:t>2024-06-17</a:t>
+              <a:t>2024-06-20</a:t>
             </a:fld>
             <a:endParaRPr lang="ko-KR" altLang="en-US"/>
           </a:p>
@@ -4319,7 +4924,7 @@
           <a:p>
             <a:fld id="{AE74DC06-2FED-4DD1-B76E-01B9D03E1585}" type="datetimeFigureOut">
               <a:rPr lang="ko-KR" altLang="en-US" smtClean="0"/>
-              <a:t>2024-06-17</a:t>
+              <a:t>2024-06-20</a:t>
             </a:fld>
             <a:endParaRPr lang="ko-KR" altLang="en-US"/>
           </a:p>
@@ -4460,7 +5065,7 @@
           <a:p>
             <a:fld id="{AE74DC06-2FED-4DD1-B76E-01B9D03E1585}" type="datetimeFigureOut">
               <a:rPr lang="ko-KR" altLang="en-US" smtClean="0"/>
-              <a:t>2024-06-17</a:t>
+              <a:t>2024-06-20</a:t>
             </a:fld>
             <a:endParaRPr lang="ko-KR" altLang="en-US"/>
           </a:p>
@@ -4573,7 +5178,7 @@
           <a:p>
             <a:fld id="{AE74DC06-2FED-4DD1-B76E-01B9D03E1585}" type="datetimeFigureOut">
               <a:rPr lang="ko-KR" altLang="en-US" smtClean="0"/>
-              <a:t>2024-06-17</a:t>
+              <a:t>2024-06-20</a:t>
             </a:fld>
             <a:endParaRPr lang="ko-KR" altLang="en-US"/>
           </a:p>
@@ -4884,7 +5489,7 @@
           <a:p>
             <a:fld id="{AE74DC06-2FED-4DD1-B76E-01B9D03E1585}" type="datetimeFigureOut">
               <a:rPr lang="ko-KR" altLang="en-US" smtClean="0"/>
-              <a:t>2024-06-17</a:t>
+              <a:t>2024-06-20</a:t>
             </a:fld>
             <a:endParaRPr lang="ko-KR" altLang="en-US"/>
           </a:p>
@@ -5172,7 +5777,7 @@
           <a:p>
             <a:fld id="{AE74DC06-2FED-4DD1-B76E-01B9D03E1585}" type="datetimeFigureOut">
               <a:rPr lang="ko-KR" altLang="en-US" smtClean="0"/>
-              <a:t>2024-06-17</a:t>
+              <a:t>2024-06-20</a:t>
             </a:fld>
             <a:endParaRPr lang="ko-KR" altLang="en-US"/>
           </a:p>
@@ -5413,7 +6018,7 @@
           <a:p>
             <a:fld id="{AE74DC06-2FED-4DD1-B76E-01B9D03E1585}" type="datetimeFigureOut">
               <a:rPr lang="ko-KR" altLang="en-US" smtClean="0"/>
-              <a:t>2024-06-17</a:t>
+              <a:t>2024-06-20</a:t>
             </a:fld>
             <a:endParaRPr lang="ko-KR" altLang="en-US"/>
           </a:p>
@@ -5845,7 +6450,7 @@
           <p:nvPr/>
         </p:nvPicPr>
         <p:blipFill>
-          <a:blip r:embed="rId2"/>
+          <a:blip r:embed="rId3"/>
           <a:stretch>
             <a:fillRect/>
           </a:stretch>
@@ -6044,7 +6649,7 @@
       </p:sp>
       <mc:AlternateContent xmlns:mc="http://schemas.openxmlformats.org/markup-compatibility/2006" xmlns:p14="http://schemas.microsoft.com/office/powerpoint/2010/main">
         <mc:Choice Requires="p14">
-          <p:contentPart p14:bwMode="auto" r:id="rId3">
+          <p:contentPart p14:bwMode="auto" r:id="rId4">
             <p14:nvContentPartPr>
               <p14:cNvPr id="13" name="잉크 12">
                 <a:extLst>
@@ -6076,7 +6681,7 @@
               <p:nvPr/>
             </p:nvPicPr>
             <p:blipFill>
-              <a:blip r:embed="rId4"/>
+              <a:blip r:embed="rId5"/>
               <a:stretch>
                 <a:fillRect/>
               </a:stretch>
@@ -6115,7 +6720,7 @@
         </p:grpSpPr>
         <mc:AlternateContent xmlns:mc="http://schemas.openxmlformats.org/markup-compatibility/2006" xmlns:p14="http://schemas.microsoft.com/office/powerpoint/2010/main">
           <mc:Choice Requires="p14">
-            <p:contentPart p14:bwMode="auto" r:id="rId5">
+            <p:contentPart p14:bwMode="auto" r:id="rId6">
               <p14:nvContentPartPr>
                 <p14:cNvPr id="19" name="잉크 18">
                   <a:extLst>
@@ -6147,7 +6752,7 @@
                 <p:nvPr/>
               </p:nvPicPr>
               <p:blipFill>
-                <a:blip r:embed="rId6"/>
+                <a:blip r:embed="rId7"/>
                 <a:stretch>
                   <a:fillRect/>
                 </a:stretch>
@@ -6166,7 +6771,7 @@
         </mc:AlternateContent>
         <mc:AlternateContent xmlns:mc="http://schemas.openxmlformats.org/markup-compatibility/2006" xmlns:p14="http://schemas.microsoft.com/office/powerpoint/2010/main">
           <mc:Choice Requires="p14">
-            <p:contentPart p14:bwMode="auto" r:id="rId7">
+            <p:contentPart p14:bwMode="auto" r:id="rId8">
               <p14:nvContentPartPr>
                 <p14:cNvPr id="20" name="잉크 19">
                   <a:extLst>
@@ -6198,7 +6803,7 @@
                 <p:nvPr/>
               </p:nvPicPr>
               <p:blipFill>
-                <a:blip r:embed="rId8"/>
+                <a:blip r:embed="rId9"/>
                 <a:stretch>
                   <a:fillRect/>
                 </a:stretch>
@@ -6217,7 +6822,7 @@
         </mc:AlternateContent>
         <mc:AlternateContent xmlns:mc="http://schemas.openxmlformats.org/markup-compatibility/2006" xmlns:p14="http://schemas.microsoft.com/office/powerpoint/2010/main">
           <mc:Choice Requires="p14">
-            <p:contentPart p14:bwMode="auto" r:id="rId9">
+            <p:contentPart p14:bwMode="auto" r:id="rId10">
               <p14:nvContentPartPr>
                 <p14:cNvPr id="23" name="잉크 22">
                   <a:extLst>
@@ -6249,7 +6854,7 @@
                 <p:nvPr/>
               </p:nvPicPr>
               <p:blipFill>
-                <a:blip r:embed="rId10"/>
+                <a:blip r:embed="rId11"/>
                 <a:stretch>
                   <a:fillRect/>
                 </a:stretch>
@@ -6268,7 +6873,7 @@
         </mc:AlternateContent>
         <mc:AlternateContent xmlns:mc="http://schemas.openxmlformats.org/markup-compatibility/2006" xmlns:p14="http://schemas.microsoft.com/office/powerpoint/2010/main">
           <mc:Choice Requires="p14">
-            <p:contentPart p14:bwMode="auto" r:id="rId11">
+            <p:contentPart p14:bwMode="auto" r:id="rId12">
               <p14:nvContentPartPr>
                 <p14:cNvPr id="25" name="잉크 24">
                   <a:extLst>
@@ -6300,7 +6905,7 @@
                 <p:nvPr/>
               </p:nvPicPr>
               <p:blipFill>
-                <a:blip r:embed="rId12"/>
+                <a:blip r:embed="rId13"/>
                 <a:stretch>
                   <a:fillRect/>
                 </a:stretch>
@@ -6320,7 +6925,7 @@
       </p:grpSp>
       <mc:AlternateContent xmlns:mc="http://schemas.openxmlformats.org/markup-compatibility/2006" xmlns:p14="http://schemas.microsoft.com/office/powerpoint/2010/main">
         <mc:Choice Requires="p14">
-          <p:contentPart p14:bwMode="auto" r:id="rId13">
+          <p:contentPart p14:bwMode="auto" r:id="rId14">
             <p14:nvContentPartPr>
               <p14:cNvPr id="27" name="잉크 26">
                 <a:extLst>
@@ -6352,7 +6957,7 @@
               <p:nvPr/>
             </p:nvPicPr>
             <p:blipFill>
-              <a:blip r:embed="rId4"/>
+              <a:blip r:embed="rId5"/>
               <a:stretch>
                 <a:fillRect/>
               </a:stretch>
@@ -6369,9 +6974,9 @@
           </p:pic>
         </mc:Fallback>
       </mc:AlternateContent>
-      <mc:AlternateContent xmlns:mc="http://schemas.openxmlformats.org/markup-compatibility/2006">
-        <mc:Choice xmlns:p14="http://schemas.microsoft.com/office/powerpoint/2010/main" Requires="p14">
-          <p:contentPart p14:bwMode="auto" r:id="rId14">
+      <mc:AlternateContent xmlns:mc="http://schemas.openxmlformats.org/markup-compatibility/2006" xmlns:p14="http://schemas.microsoft.com/office/powerpoint/2010/main">
+        <mc:Choice Requires="p14">
+          <p:contentPart p14:bwMode="auto" r:id="rId15">
             <p14:nvContentPartPr>
               <p14:cNvPr id="12" name="잉크 11">
                 <a:extLst>
@@ -6389,7 +6994,7 @@
             </p14:xfrm>
           </p:contentPart>
         </mc:Choice>
-        <mc:Fallback>
+        <mc:Fallback xmlns="">
           <p:pic>
             <p:nvPicPr>
               <p:cNvPr id="12" name="잉크 11">
@@ -6403,7 +7008,7 @@
               <p:nvPr/>
             </p:nvPicPr>
             <p:blipFill>
-              <a:blip r:embed="rId15"/>
+              <a:blip r:embed="rId16"/>
               <a:stretch>
                 <a:fillRect/>
               </a:stretch>
@@ -6440,9 +7045,9 @@
             <a:chExt cx="114120" cy="290880"/>
           </a:xfrm>
         </p:grpSpPr>
-        <mc:AlternateContent xmlns:mc="http://schemas.openxmlformats.org/markup-compatibility/2006">
-          <mc:Choice xmlns:p14="http://schemas.microsoft.com/office/powerpoint/2010/main" Requires="p14">
-            <p:contentPart p14:bwMode="auto" r:id="rId16">
+        <mc:AlternateContent xmlns:mc="http://schemas.openxmlformats.org/markup-compatibility/2006" xmlns:p14="http://schemas.microsoft.com/office/powerpoint/2010/main">
+          <mc:Choice Requires="p14">
+            <p:contentPart p14:bwMode="auto" r:id="rId17">
               <p14:nvContentPartPr>
                 <p14:cNvPr id="14" name="잉크 13">
                   <a:extLst>
@@ -6460,7 +7065,7 @@
               </p14:xfrm>
             </p:contentPart>
           </mc:Choice>
-          <mc:Fallback>
+          <mc:Fallback xmlns="">
             <p:pic>
               <p:nvPicPr>
                 <p:cNvPr id="14" name="잉크 13">
@@ -6474,7 +7079,7 @@
                 <p:nvPr/>
               </p:nvPicPr>
               <p:blipFill>
-                <a:blip r:embed="rId17"/>
+                <a:blip r:embed="rId18"/>
                 <a:stretch>
                   <a:fillRect/>
                 </a:stretch>
@@ -6491,9 +7096,9 @@
             </p:pic>
           </mc:Fallback>
         </mc:AlternateContent>
-        <mc:AlternateContent xmlns:mc="http://schemas.openxmlformats.org/markup-compatibility/2006">
-          <mc:Choice xmlns:p14="http://schemas.microsoft.com/office/powerpoint/2010/main" Requires="p14">
-            <p:contentPart p14:bwMode="auto" r:id="rId18">
+        <mc:AlternateContent xmlns:mc="http://schemas.openxmlformats.org/markup-compatibility/2006" xmlns:p14="http://schemas.microsoft.com/office/powerpoint/2010/main">
+          <mc:Choice Requires="p14">
+            <p:contentPart p14:bwMode="auto" r:id="rId19">
               <p14:nvContentPartPr>
                 <p14:cNvPr id="15" name="잉크 14">
                   <a:extLst>
@@ -6511,7 +7116,7 @@
               </p14:xfrm>
             </p:contentPart>
           </mc:Choice>
-          <mc:Fallback>
+          <mc:Fallback xmlns="">
             <p:pic>
               <p:nvPicPr>
                 <p:cNvPr id="15" name="잉크 14">
@@ -6525,7 +7130,7 @@
                 <p:nvPr/>
               </p:nvPicPr>
               <p:blipFill>
-                <a:blip r:embed="rId19"/>
+                <a:blip r:embed="rId20"/>
                 <a:stretch>
                   <a:fillRect/>
                 </a:stretch>
@@ -6542,9 +7147,9 @@
             </p:pic>
           </mc:Fallback>
         </mc:AlternateContent>
-        <mc:AlternateContent xmlns:mc="http://schemas.openxmlformats.org/markup-compatibility/2006">
-          <mc:Choice xmlns:p14="http://schemas.microsoft.com/office/powerpoint/2010/main" Requires="p14">
-            <p:contentPart p14:bwMode="auto" r:id="rId20">
+        <mc:AlternateContent xmlns:mc="http://schemas.openxmlformats.org/markup-compatibility/2006" xmlns:p14="http://schemas.microsoft.com/office/powerpoint/2010/main">
+          <mc:Choice Requires="p14">
+            <p:contentPart p14:bwMode="auto" r:id="rId21">
               <p14:nvContentPartPr>
                 <p14:cNvPr id="22" name="잉크 21">
                   <a:extLst>
@@ -6562,7 +7167,7 @@
               </p14:xfrm>
             </p:contentPart>
           </mc:Choice>
-          <mc:Fallback>
+          <mc:Fallback xmlns="">
             <p:pic>
               <p:nvPicPr>
                 <p:cNvPr id="22" name="잉크 21">
@@ -6576,7 +7181,7 @@
                 <p:nvPr/>
               </p:nvPicPr>
               <p:blipFill>
-                <a:blip r:embed="rId21"/>
+                <a:blip r:embed="rId22"/>
                 <a:stretch>
                   <a:fillRect/>
                 </a:stretch>
@@ -6593,9 +7198,9 @@
             </p:pic>
           </mc:Fallback>
         </mc:AlternateContent>
-        <mc:AlternateContent xmlns:mc="http://schemas.openxmlformats.org/markup-compatibility/2006">
-          <mc:Choice xmlns:p14="http://schemas.microsoft.com/office/powerpoint/2010/main" Requires="p14">
-            <p:contentPart p14:bwMode="auto" r:id="rId22">
+        <mc:AlternateContent xmlns:mc="http://schemas.openxmlformats.org/markup-compatibility/2006" xmlns:p14="http://schemas.microsoft.com/office/powerpoint/2010/main">
+          <mc:Choice Requires="p14">
+            <p:contentPart p14:bwMode="auto" r:id="rId23">
               <p14:nvContentPartPr>
                 <p14:cNvPr id="24" name="잉크 23">
                   <a:extLst>
@@ -6613,7 +7218,7 @@
               </p14:xfrm>
             </p:contentPart>
           </mc:Choice>
-          <mc:Fallback>
+          <mc:Fallback xmlns="">
             <p:pic>
               <p:nvPicPr>
                 <p:cNvPr id="24" name="잉크 23">
@@ -6627,7 +7232,7 @@
                 <p:nvPr/>
               </p:nvPicPr>
               <p:blipFill>
-                <a:blip r:embed="rId23"/>
+                <a:blip r:embed="rId24"/>
                 <a:stretch>
                   <a:fillRect/>
                 </a:stretch>
@@ -6665,9 +7270,9 @@
             <a:chExt cx="124200" cy="412560"/>
           </a:xfrm>
         </p:grpSpPr>
-        <mc:AlternateContent xmlns:mc="http://schemas.openxmlformats.org/markup-compatibility/2006">
-          <mc:Choice xmlns:p14="http://schemas.microsoft.com/office/powerpoint/2010/main" Requires="p14">
-            <p:contentPart p14:bwMode="auto" r:id="rId24">
+        <mc:AlternateContent xmlns:mc="http://schemas.openxmlformats.org/markup-compatibility/2006" xmlns:p14="http://schemas.microsoft.com/office/powerpoint/2010/main">
+          <mc:Choice Requires="p14">
+            <p:contentPart p14:bwMode="auto" r:id="rId25">
               <p14:nvContentPartPr>
                 <p14:cNvPr id="16" name="잉크 15">
                   <a:extLst>
@@ -6685,7 +7290,7 @@
               </p14:xfrm>
             </p:contentPart>
           </mc:Choice>
-          <mc:Fallback>
+          <mc:Fallback xmlns="">
             <p:pic>
               <p:nvPicPr>
                 <p:cNvPr id="16" name="잉크 15">
@@ -6699,7 +7304,7 @@
                 <p:nvPr/>
               </p:nvPicPr>
               <p:blipFill>
-                <a:blip r:embed="rId25"/>
+                <a:blip r:embed="rId26"/>
                 <a:stretch>
                   <a:fillRect/>
                 </a:stretch>
@@ -6716,9 +7321,9 @@
             </p:pic>
           </mc:Fallback>
         </mc:AlternateContent>
-        <mc:AlternateContent xmlns:mc="http://schemas.openxmlformats.org/markup-compatibility/2006">
-          <mc:Choice xmlns:p14="http://schemas.microsoft.com/office/powerpoint/2010/main" Requires="p14">
-            <p:contentPart p14:bwMode="auto" r:id="rId26">
+        <mc:AlternateContent xmlns:mc="http://schemas.openxmlformats.org/markup-compatibility/2006" xmlns:p14="http://schemas.microsoft.com/office/powerpoint/2010/main">
+          <mc:Choice Requires="p14">
+            <p:contentPart p14:bwMode="auto" r:id="rId27">
               <p14:nvContentPartPr>
                 <p14:cNvPr id="17" name="잉크 16">
                   <a:extLst>
@@ -6736,7 +7341,7 @@
               </p14:xfrm>
             </p:contentPart>
           </mc:Choice>
-          <mc:Fallback>
+          <mc:Fallback xmlns="">
             <p:pic>
               <p:nvPicPr>
                 <p:cNvPr id="17" name="잉크 16">
@@ -6750,7 +7355,7 @@
                 <p:nvPr/>
               </p:nvPicPr>
               <p:blipFill>
-                <a:blip r:embed="rId27"/>
+                <a:blip r:embed="rId28"/>
                 <a:stretch>
                   <a:fillRect/>
                 </a:stretch>
@@ -6767,9 +7372,9 @@
             </p:pic>
           </mc:Fallback>
         </mc:AlternateContent>
-        <mc:AlternateContent xmlns:mc="http://schemas.openxmlformats.org/markup-compatibility/2006">
-          <mc:Choice xmlns:p14="http://schemas.microsoft.com/office/powerpoint/2010/main" Requires="p14">
-            <p:contentPart p14:bwMode="auto" r:id="rId28">
+        <mc:AlternateContent xmlns:mc="http://schemas.openxmlformats.org/markup-compatibility/2006" xmlns:p14="http://schemas.microsoft.com/office/powerpoint/2010/main">
+          <mc:Choice Requires="p14">
+            <p:contentPart p14:bwMode="auto" r:id="rId29">
               <p14:nvContentPartPr>
                 <p14:cNvPr id="28" name="잉크 27">
                   <a:extLst>
@@ -6787,7 +7392,7 @@
               </p14:xfrm>
             </p:contentPart>
           </mc:Choice>
-          <mc:Fallback>
+          <mc:Fallback xmlns="">
             <p:pic>
               <p:nvPicPr>
                 <p:cNvPr id="28" name="잉크 27">
@@ -6801,7 +7406,7 @@
                 <p:nvPr/>
               </p:nvPicPr>
               <p:blipFill>
-                <a:blip r:embed="rId29"/>
+                <a:blip r:embed="rId30"/>
                 <a:stretch>
                   <a:fillRect/>
                 </a:stretch>
@@ -6819,9 +7424,9 @@
           </mc:Fallback>
         </mc:AlternateContent>
       </p:grpSp>
-      <mc:AlternateContent xmlns:mc="http://schemas.openxmlformats.org/markup-compatibility/2006">
-        <mc:Choice xmlns:p14="http://schemas.microsoft.com/office/powerpoint/2010/main" Requires="p14">
-          <p:contentPart p14:bwMode="auto" r:id="rId30">
+      <mc:AlternateContent xmlns:mc="http://schemas.openxmlformats.org/markup-compatibility/2006" xmlns:p14="http://schemas.microsoft.com/office/powerpoint/2010/main">
+        <mc:Choice Requires="p14">
+          <p:contentPart p14:bwMode="auto" r:id="rId31">
             <p14:nvContentPartPr>
               <p14:cNvPr id="37" name="잉크 36">
                 <a:extLst>
@@ -6839,7 +7444,7 @@
             </p14:xfrm>
           </p:contentPart>
         </mc:Choice>
-        <mc:Fallback>
+        <mc:Fallback xmlns="">
           <p:pic>
             <p:nvPicPr>
               <p:cNvPr id="37" name="잉크 36">
@@ -6853,7 +7458,7 @@
               <p:nvPr/>
             </p:nvPicPr>
             <p:blipFill>
-              <a:blip r:embed="rId31"/>
+              <a:blip r:embed="rId32"/>
               <a:stretch>
                 <a:fillRect/>
               </a:stretch>
@@ -6870,9 +7475,9 @@
           </p:pic>
         </mc:Fallback>
       </mc:AlternateContent>
-      <mc:AlternateContent xmlns:mc="http://schemas.openxmlformats.org/markup-compatibility/2006">
-        <mc:Choice xmlns:p14="http://schemas.microsoft.com/office/powerpoint/2010/main" Requires="p14">
-          <p:contentPart p14:bwMode="auto" r:id="rId32">
+      <mc:AlternateContent xmlns:mc="http://schemas.openxmlformats.org/markup-compatibility/2006" xmlns:p14="http://schemas.microsoft.com/office/powerpoint/2010/main">
+        <mc:Choice Requires="p14">
+          <p:contentPart p14:bwMode="auto" r:id="rId33">
             <p14:nvContentPartPr>
               <p14:cNvPr id="38" name="잉크 37">
                 <a:extLst>
@@ -6890,7 +7495,7 @@
             </p14:xfrm>
           </p:contentPart>
         </mc:Choice>
-        <mc:Fallback>
+        <mc:Fallback xmlns="">
           <p:pic>
             <p:nvPicPr>
               <p:cNvPr id="38" name="잉크 37">
@@ -6904,7 +7509,7 @@
               <p:nvPr/>
             </p:nvPicPr>
             <p:blipFill>
-              <a:blip r:embed="rId33"/>
+              <a:blip r:embed="rId34"/>
               <a:stretch>
                 <a:fillRect/>
               </a:stretch>
@@ -6921,9 +7526,9 @@
           </p:pic>
         </mc:Fallback>
       </mc:AlternateContent>
-      <mc:AlternateContent xmlns:mc="http://schemas.openxmlformats.org/markup-compatibility/2006">
-        <mc:Choice xmlns:p14="http://schemas.microsoft.com/office/powerpoint/2010/main" Requires="p14">
-          <p:contentPart p14:bwMode="auto" r:id="rId34">
+      <mc:AlternateContent xmlns:mc="http://schemas.openxmlformats.org/markup-compatibility/2006" xmlns:p14="http://schemas.microsoft.com/office/powerpoint/2010/main">
+        <mc:Choice Requires="p14">
+          <p:contentPart p14:bwMode="auto" r:id="rId35">
             <p14:nvContentPartPr>
               <p14:cNvPr id="45" name="잉크 44">
                 <a:extLst>
@@ -6941,7 +7546,7 @@
             </p14:xfrm>
           </p:contentPart>
         </mc:Choice>
-        <mc:Fallback>
+        <mc:Fallback xmlns="">
           <p:pic>
             <p:nvPicPr>
               <p:cNvPr id="45" name="잉크 44">
@@ -6955,7 +7560,7 @@
               <p:nvPr/>
             </p:nvPicPr>
             <p:blipFill>
-              <a:blip r:embed="rId35"/>
+              <a:blip r:embed="rId36"/>
               <a:stretch>
                 <a:fillRect/>
               </a:stretch>
@@ -6972,9 +7577,9 @@
           </p:pic>
         </mc:Fallback>
       </mc:AlternateContent>
-      <mc:AlternateContent xmlns:mc="http://schemas.openxmlformats.org/markup-compatibility/2006">
-        <mc:Choice xmlns:p14="http://schemas.microsoft.com/office/powerpoint/2010/main" Requires="p14">
-          <p:contentPart p14:bwMode="auto" r:id="rId36">
+      <mc:AlternateContent xmlns:mc="http://schemas.openxmlformats.org/markup-compatibility/2006" xmlns:p14="http://schemas.microsoft.com/office/powerpoint/2010/main">
+        <mc:Choice Requires="p14">
+          <p:contentPart p14:bwMode="auto" r:id="rId37">
             <p14:nvContentPartPr>
               <p14:cNvPr id="47" name="잉크 46">
                 <a:extLst>
@@ -6992,7 +7597,7 @@
             </p14:xfrm>
           </p:contentPart>
         </mc:Choice>
-        <mc:Fallback>
+        <mc:Fallback xmlns="">
           <p:pic>
             <p:nvPicPr>
               <p:cNvPr id="47" name="잉크 46">
@@ -7006,7 +7611,7 @@
               <p:nvPr/>
             </p:nvPicPr>
             <p:blipFill>
-              <a:blip r:embed="rId37"/>
+              <a:blip r:embed="rId38"/>
               <a:stretch>
                 <a:fillRect/>
               </a:stretch>
@@ -7023,9 +7628,9 @@
           </p:pic>
         </mc:Fallback>
       </mc:AlternateContent>
-      <mc:AlternateContent xmlns:mc="http://schemas.openxmlformats.org/markup-compatibility/2006">
-        <mc:Choice xmlns:p14="http://schemas.microsoft.com/office/powerpoint/2010/main" Requires="p14">
-          <p:contentPart p14:bwMode="auto" r:id="rId38">
+      <mc:AlternateContent xmlns:mc="http://schemas.openxmlformats.org/markup-compatibility/2006" xmlns:p14="http://schemas.microsoft.com/office/powerpoint/2010/main">
+        <mc:Choice Requires="p14">
+          <p:contentPart p14:bwMode="auto" r:id="rId39">
             <p14:nvContentPartPr>
               <p14:cNvPr id="59" name="잉크 58">
                 <a:extLst>
@@ -7043,7 +7648,7 @@
             </p14:xfrm>
           </p:contentPart>
         </mc:Choice>
-        <mc:Fallback>
+        <mc:Fallback xmlns="">
           <p:pic>
             <p:nvPicPr>
               <p:cNvPr id="59" name="잉크 58">
@@ -7057,7 +7662,7 @@
               <p:nvPr/>
             </p:nvPicPr>
             <p:blipFill>
-              <a:blip r:embed="rId39"/>
+              <a:blip r:embed="rId40"/>
               <a:stretch>
                 <a:fillRect/>
               </a:stretch>
@@ -7094,9 +7699,9 @@
             <a:chExt cx="3017880" cy="1933200"/>
           </a:xfrm>
         </p:grpSpPr>
-        <mc:AlternateContent xmlns:mc="http://schemas.openxmlformats.org/markup-compatibility/2006">
-          <mc:Choice xmlns:p14="http://schemas.microsoft.com/office/powerpoint/2010/main" Requires="p14">
-            <p:contentPart p14:bwMode="auto" r:id="rId40">
+        <mc:AlternateContent xmlns:mc="http://schemas.openxmlformats.org/markup-compatibility/2006" xmlns:p14="http://schemas.microsoft.com/office/powerpoint/2010/main">
+          <mc:Choice Requires="p14">
+            <p:contentPart p14:bwMode="auto" r:id="rId41">
               <p14:nvContentPartPr>
                 <p14:cNvPr id="31" name="잉크 30">
                   <a:extLst>
@@ -7114,7 +7719,7 @@
               </p14:xfrm>
             </p:contentPart>
           </mc:Choice>
-          <mc:Fallback>
+          <mc:Fallback xmlns="">
             <p:pic>
               <p:nvPicPr>
                 <p:cNvPr id="31" name="잉크 30">
@@ -7128,7 +7733,7 @@
                 <p:nvPr/>
               </p:nvPicPr>
               <p:blipFill>
-                <a:blip r:embed="rId41"/>
+                <a:blip r:embed="rId42"/>
                 <a:stretch>
                   <a:fillRect/>
                 </a:stretch>
@@ -7145,9 +7750,9 @@
             </p:pic>
           </mc:Fallback>
         </mc:AlternateContent>
-        <mc:AlternateContent xmlns:mc="http://schemas.openxmlformats.org/markup-compatibility/2006">
-          <mc:Choice xmlns:p14="http://schemas.microsoft.com/office/powerpoint/2010/main" Requires="p14">
-            <p:contentPart p14:bwMode="auto" r:id="rId42">
+        <mc:AlternateContent xmlns:mc="http://schemas.openxmlformats.org/markup-compatibility/2006" xmlns:p14="http://schemas.microsoft.com/office/powerpoint/2010/main">
+          <mc:Choice Requires="p14">
+            <p:contentPart p14:bwMode="auto" r:id="rId43">
               <p14:nvContentPartPr>
                 <p14:cNvPr id="32" name="잉크 31">
                   <a:extLst>
@@ -7165,7 +7770,7 @@
               </p14:xfrm>
             </p:contentPart>
           </mc:Choice>
-          <mc:Fallback>
+          <mc:Fallback xmlns="">
             <p:pic>
               <p:nvPicPr>
                 <p:cNvPr id="32" name="잉크 31">
@@ -7179,7 +7784,7 @@
                 <p:nvPr/>
               </p:nvPicPr>
               <p:blipFill>
-                <a:blip r:embed="rId43"/>
+                <a:blip r:embed="rId44"/>
                 <a:stretch>
                   <a:fillRect/>
                 </a:stretch>
@@ -7196,9 +7801,9 @@
             </p:pic>
           </mc:Fallback>
         </mc:AlternateContent>
-        <mc:AlternateContent xmlns:mc="http://schemas.openxmlformats.org/markup-compatibility/2006">
-          <mc:Choice xmlns:p14="http://schemas.microsoft.com/office/powerpoint/2010/main" Requires="p14">
-            <p:contentPart p14:bwMode="auto" r:id="rId44">
+        <mc:AlternateContent xmlns:mc="http://schemas.openxmlformats.org/markup-compatibility/2006" xmlns:p14="http://schemas.microsoft.com/office/powerpoint/2010/main">
+          <mc:Choice Requires="p14">
+            <p:contentPart p14:bwMode="auto" r:id="rId45">
               <p14:nvContentPartPr>
                 <p14:cNvPr id="34" name="잉크 33">
                   <a:extLst>
@@ -7216,7 +7821,7 @@
               </p14:xfrm>
             </p:contentPart>
           </mc:Choice>
-          <mc:Fallback>
+          <mc:Fallback xmlns="">
             <p:pic>
               <p:nvPicPr>
                 <p:cNvPr id="34" name="잉크 33">
@@ -7230,7 +7835,7 @@
                 <p:nvPr/>
               </p:nvPicPr>
               <p:blipFill>
-                <a:blip r:embed="rId45"/>
+                <a:blip r:embed="rId46"/>
                 <a:stretch>
                   <a:fillRect/>
                 </a:stretch>
@@ -7247,9 +7852,9 @@
             </p:pic>
           </mc:Fallback>
         </mc:AlternateContent>
-        <mc:AlternateContent xmlns:mc="http://schemas.openxmlformats.org/markup-compatibility/2006">
-          <mc:Choice xmlns:p14="http://schemas.microsoft.com/office/powerpoint/2010/main" Requires="p14">
-            <p:contentPart p14:bwMode="auto" r:id="rId46">
+        <mc:AlternateContent xmlns:mc="http://schemas.openxmlformats.org/markup-compatibility/2006" xmlns:p14="http://schemas.microsoft.com/office/powerpoint/2010/main">
+          <mc:Choice Requires="p14">
+            <p:contentPart p14:bwMode="auto" r:id="rId47">
               <p14:nvContentPartPr>
                 <p14:cNvPr id="35" name="잉크 34">
                   <a:extLst>
@@ -7267,7 +7872,7 @@
               </p14:xfrm>
             </p:contentPart>
           </mc:Choice>
-          <mc:Fallback>
+          <mc:Fallback xmlns="">
             <p:pic>
               <p:nvPicPr>
                 <p:cNvPr id="35" name="잉크 34">
@@ -7281,7 +7886,7 @@
                 <p:nvPr/>
               </p:nvPicPr>
               <p:blipFill>
-                <a:blip r:embed="rId47"/>
+                <a:blip r:embed="rId48"/>
                 <a:stretch>
                   <a:fillRect/>
                 </a:stretch>
@@ -7298,9 +7903,9 @@
             </p:pic>
           </mc:Fallback>
         </mc:AlternateContent>
-        <mc:AlternateContent xmlns:mc="http://schemas.openxmlformats.org/markup-compatibility/2006">
-          <mc:Choice xmlns:p14="http://schemas.microsoft.com/office/powerpoint/2010/main" Requires="p14">
-            <p:contentPart p14:bwMode="auto" r:id="rId48">
+        <mc:AlternateContent xmlns:mc="http://schemas.openxmlformats.org/markup-compatibility/2006" xmlns:p14="http://schemas.microsoft.com/office/powerpoint/2010/main">
+          <mc:Choice Requires="p14">
+            <p:contentPart p14:bwMode="auto" r:id="rId49">
               <p14:nvContentPartPr>
                 <p14:cNvPr id="49" name="잉크 48">
                   <a:extLst>
@@ -7318,7 +7923,7 @@
               </p14:xfrm>
             </p:contentPart>
           </mc:Choice>
-          <mc:Fallback>
+          <mc:Fallback xmlns="">
             <p:pic>
               <p:nvPicPr>
                 <p:cNvPr id="49" name="잉크 48">
@@ -7332,7 +7937,7 @@
                 <p:nvPr/>
               </p:nvPicPr>
               <p:blipFill>
-                <a:blip r:embed="rId49"/>
+                <a:blip r:embed="rId50"/>
                 <a:stretch>
                   <a:fillRect/>
                 </a:stretch>
@@ -7349,9 +7954,9 @@
             </p:pic>
           </mc:Fallback>
         </mc:AlternateContent>
-        <mc:AlternateContent xmlns:mc="http://schemas.openxmlformats.org/markup-compatibility/2006">
-          <mc:Choice xmlns:p14="http://schemas.microsoft.com/office/powerpoint/2010/main" Requires="p14">
-            <p:contentPart p14:bwMode="auto" r:id="rId50">
+        <mc:AlternateContent xmlns:mc="http://schemas.openxmlformats.org/markup-compatibility/2006" xmlns:p14="http://schemas.microsoft.com/office/powerpoint/2010/main">
+          <mc:Choice Requires="p14">
+            <p:contentPart p14:bwMode="auto" r:id="rId51">
               <p14:nvContentPartPr>
                 <p14:cNvPr id="50" name="잉크 49">
                   <a:extLst>
@@ -7369,7 +7974,7 @@
               </p14:xfrm>
             </p:contentPart>
           </mc:Choice>
-          <mc:Fallback>
+          <mc:Fallback xmlns="">
             <p:pic>
               <p:nvPicPr>
                 <p:cNvPr id="50" name="잉크 49">
@@ -7383,7 +7988,7 @@
                 <p:nvPr/>
               </p:nvPicPr>
               <p:blipFill>
-                <a:blip r:embed="rId51"/>
+                <a:blip r:embed="rId52"/>
                 <a:stretch>
                   <a:fillRect/>
                 </a:stretch>
@@ -7400,9 +8005,9 @@
             </p:pic>
           </mc:Fallback>
         </mc:AlternateContent>
-        <mc:AlternateContent xmlns:mc="http://schemas.openxmlformats.org/markup-compatibility/2006">
-          <mc:Choice xmlns:p14="http://schemas.microsoft.com/office/powerpoint/2010/main" Requires="p14">
-            <p:contentPart p14:bwMode="auto" r:id="rId52">
+        <mc:AlternateContent xmlns:mc="http://schemas.openxmlformats.org/markup-compatibility/2006" xmlns:p14="http://schemas.microsoft.com/office/powerpoint/2010/main">
+          <mc:Choice Requires="p14">
+            <p:contentPart p14:bwMode="auto" r:id="rId53">
               <p14:nvContentPartPr>
                 <p14:cNvPr id="51" name="잉크 50">
                   <a:extLst>
@@ -7420,7 +8025,7 @@
               </p14:xfrm>
             </p:contentPart>
           </mc:Choice>
-          <mc:Fallback>
+          <mc:Fallback xmlns="">
             <p:pic>
               <p:nvPicPr>
                 <p:cNvPr id="51" name="잉크 50">
@@ -7434,7 +8039,7 @@
                 <p:nvPr/>
               </p:nvPicPr>
               <p:blipFill>
-                <a:blip r:embed="rId53"/>
+                <a:blip r:embed="rId54"/>
                 <a:stretch>
                   <a:fillRect/>
                 </a:stretch>
@@ -7451,9 +8056,9 @@
             </p:pic>
           </mc:Fallback>
         </mc:AlternateContent>
-        <mc:AlternateContent xmlns:mc="http://schemas.openxmlformats.org/markup-compatibility/2006">
-          <mc:Choice xmlns:p14="http://schemas.microsoft.com/office/powerpoint/2010/main" Requires="p14">
-            <p:contentPart p14:bwMode="auto" r:id="rId54">
+        <mc:AlternateContent xmlns:mc="http://schemas.openxmlformats.org/markup-compatibility/2006" xmlns:p14="http://schemas.microsoft.com/office/powerpoint/2010/main">
+          <mc:Choice Requires="p14">
+            <p:contentPart p14:bwMode="auto" r:id="rId55">
               <p14:nvContentPartPr>
                 <p14:cNvPr id="52" name="잉크 51">
                   <a:extLst>
@@ -7471,7 +8076,7 @@
               </p14:xfrm>
             </p:contentPart>
           </mc:Choice>
-          <mc:Fallback>
+          <mc:Fallback xmlns="">
             <p:pic>
               <p:nvPicPr>
                 <p:cNvPr id="52" name="잉크 51">
@@ -7485,7 +8090,7 @@
                 <p:nvPr/>
               </p:nvPicPr>
               <p:blipFill>
-                <a:blip r:embed="rId55"/>
+                <a:blip r:embed="rId56"/>
                 <a:stretch>
                   <a:fillRect/>
                 </a:stretch>
@@ -7502,9 +8107,9 @@
             </p:pic>
           </mc:Fallback>
         </mc:AlternateContent>
-        <mc:AlternateContent xmlns:mc="http://schemas.openxmlformats.org/markup-compatibility/2006">
-          <mc:Choice xmlns:p14="http://schemas.microsoft.com/office/powerpoint/2010/main" Requires="p14">
-            <p:contentPart p14:bwMode="auto" r:id="rId56">
+        <mc:AlternateContent xmlns:mc="http://schemas.openxmlformats.org/markup-compatibility/2006" xmlns:p14="http://schemas.microsoft.com/office/powerpoint/2010/main">
+          <mc:Choice Requires="p14">
+            <p:contentPart p14:bwMode="auto" r:id="rId57">
               <p14:nvContentPartPr>
                 <p14:cNvPr id="53" name="잉크 52">
                   <a:extLst>
@@ -7522,7 +8127,7 @@
               </p14:xfrm>
             </p:contentPart>
           </mc:Choice>
-          <mc:Fallback>
+          <mc:Fallback xmlns="">
             <p:pic>
               <p:nvPicPr>
                 <p:cNvPr id="53" name="잉크 52">
@@ -7536,7 +8141,7 @@
                 <p:nvPr/>
               </p:nvPicPr>
               <p:blipFill>
-                <a:blip r:embed="rId57"/>
+                <a:blip r:embed="rId58"/>
                 <a:stretch>
                   <a:fillRect/>
                 </a:stretch>
@@ -7553,9 +8158,9 @@
             </p:pic>
           </mc:Fallback>
         </mc:AlternateContent>
-        <mc:AlternateContent xmlns:mc="http://schemas.openxmlformats.org/markup-compatibility/2006">
-          <mc:Choice xmlns:p14="http://schemas.microsoft.com/office/powerpoint/2010/main" Requires="p14">
-            <p:contentPart p14:bwMode="auto" r:id="rId58">
+        <mc:AlternateContent xmlns:mc="http://schemas.openxmlformats.org/markup-compatibility/2006" xmlns:p14="http://schemas.microsoft.com/office/powerpoint/2010/main">
+          <mc:Choice Requires="p14">
+            <p:contentPart p14:bwMode="auto" r:id="rId59">
               <p14:nvContentPartPr>
                 <p14:cNvPr id="54" name="잉크 53">
                   <a:extLst>
@@ -7573,7 +8178,7 @@
               </p14:xfrm>
             </p:contentPart>
           </mc:Choice>
-          <mc:Fallback>
+          <mc:Fallback xmlns="">
             <p:pic>
               <p:nvPicPr>
                 <p:cNvPr id="54" name="잉크 53">
@@ -7587,7 +8192,7 @@
                 <p:nvPr/>
               </p:nvPicPr>
               <p:blipFill>
-                <a:blip r:embed="rId59"/>
+                <a:blip r:embed="rId60"/>
                 <a:stretch>
                   <a:fillRect/>
                 </a:stretch>
@@ -7604,9 +8209,9 @@
             </p:pic>
           </mc:Fallback>
         </mc:AlternateContent>
-        <mc:AlternateContent xmlns:mc="http://schemas.openxmlformats.org/markup-compatibility/2006">
-          <mc:Choice xmlns:p14="http://schemas.microsoft.com/office/powerpoint/2010/main" Requires="p14">
-            <p:contentPart p14:bwMode="auto" r:id="rId60">
+        <mc:AlternateContent xmlns:mc="http://schemas.openxmlformats.org/markup-compatibility/2006" xmlns:p14="http://schemas.microsoft.com/office/powerpoint/2010/main">
+          <mc:Choice Requires="p14">
+            <p:contentPart p14:bwMode="auto" r:id="rId61">
               <p14:nvContentPartPr>
                 <p14:cNvPr id="60" name="잉크 59">
                   <a:extLst>
@@ -7624,7 +8229,7 @@
               </p14:xfrm>
             </p:contentPart>
           </mc:Choice>
-          <mc:Fallback>
+          <mc:Fallback xmlns="">
             <p:pic>
               <p:nvPicPr>
                 <p:cNvPr id="60" name="잉크 59">
@@ -7638,7 +8243,7 @@
                 <p:nvPr/>
               </p:nvPicPr>
               <p:blipFill>
-                <a:blip r:embed="rId61"/>
+                <a:blip r:embed="rId62"/>
                 <a:stretch>
                   <a:fillRect/>
                 </a:stretch>
@@ -7655,9 +8260,9 @@
             </p:pic>
           </mc:Fallback>
         </mc:AlternateContent>
-        <mc:AlternateContent xmlns:mc="http://schemas.openxmlformats.org/markup-compatibility/2006">
-          <mc:Choice xmlns:p14="http://schemas.microsoft.com/office/powerpoint/2010/main" Requires="p14">
-            <p:contentPart p14:bwMode="auto" r:id="rId62">
+        <mc:AlternateContent xmlns:mc="http://schemas.openxmlformats.org/markup-compatibility/2006" xmlns:p14="http://schemas.microsoft.com/office/powerpoint/2010/main">
+          <mc:Choice Requires="p14">
+            <p:contentPart p14:bwMode="auto" r:id="rId63">
               <p14:nvContentPartPr>
                 <p14:cNvPr id="61" name="잉크 60">
                   <a:extLst>
@@ -7675,7 +8280,7 @@
               </p14:xfrm>
             </p:contentPart>
           </mc:Choice>
-          <mc:Fallback>
+          <mc:Fallback xmlns="">
             <p:pic>
               <p:nvPicPr>
                 <p:cNvPr id="61" name="잉크 60">
@@ -7689,7 +8294,7 @@
                 <p:nvPr/>
               </p:nvPicPr>
               <p:blipFill>
-                <a:blip r:embed="rId63"/>
+                <a:blip r:embed="rId64"/>
                 <a:stretch>
                   <a:fillRect/>
                 </a:stretch>
@@ -7727,9 +8332,9 @@
             <a:chExt cx="2901240" cy="620640"/>
           </a:xfrm>
         </p:grpSpPr>
-        <mc:AlternateContent xmlns:mc="http://schemas.openxmlformats.org/markup-compatibility/2006">
-          <mc:Choice xmlns:p14="http://schemas.microsoft.com/office/powerpoint/2010/main" Requires="p14">
-            <p:contentPart p14:bwMode="auto" r:id="rId64">
+        <mc:AlternateContent xmlns:mc="http://schemas.openxmlformats.org/markup-compatibility/2006" xmlns:p14="http://schemas.microsoft.com/office/powerpoint/2010/main">
+          <mc:Choice Requires="p14">
+            <p:contentPart p14:bwMode="auto" r:id="rId65">
               <p14:nvContentPartPr>
                 <p14:cNvPr id="4" name="잉크 3">
                   <a:extLst>
@@ -7747,7 +8352,7 @@
               </p14:xfrm>
             </p:contentPart>
           </mc:Choice>
-          <mc:Fallback>
+          <mc:Fallback xmlns="">
             <p:pic>
               <p:nvPicPr>
                 <p:cNvPr id="4" name="잉크 3">
@@ -7761,7 +8366,7 @@
                 <p:nvPr/>
               </p:nvPicPr>
               <p:blipFill>
-                <a:blip r:embed="rId65"/>
+                <a:blip r:embed="rId66"/>
                 <a:stretch>
                   <a:fillRect/>
                 </a:stretch>
@@ -7778,9 +8383,9 @@
             </p:pic>
           </mc:Fallback>
         </mc:AlternateContent>
-        <mc:AlternateContent xmlns:mc="http://schemas.openxmlformats.org/markup-compatibility/2006">
-          <mc:Choice xmlns:p14="http://schemas.microsoft.com/office/powerpoint/2010/main" Requires="p14">
-            <p:contentPart p14:bwMode="auto" r:id="rId66">
+        <mc:AlternateContent xmlns:mc="http://schemas.openxmlformats.org/markup-compatibility/2006" xmlns:p14="http://schemas.microsoft.com/office/powerpoint/2010/main">
+          <mc:Choice Requires="p14">
+            <p:contentPart p14:bwMode="auto" r:id="rId67">
               <p14:nvContentPartPr>
                 <p14:cNvPr id="10" name="잉크 9">
                   <a:extLst>
@@ -7798,7 +8403,7 @@
               </p14:xfrm>
             </p:contentPart>
           </mc:Choice>
-          <mc:Fallback>
+          <mc:Fallback xmlns="">
             <p:pic>
               <p:nvPicPr>
                 <p:cNvPr id="10" name="잉크 9">
@@ -7812,7 +8417,7 @@
                 <p:nvPr/>
               </p:nvPicPr>
               <p:blipFill>
-                <a:blip r:embed="rId67"/>
+                <a:blip r:embed="rId68"/>
                 <a:stretch>
                   <a:fillRect/>
                 </a:stretch>
@@ -7829,9 +8434,9 @@
             </p:pic>
           </mc:Fallback>
         </mc:AlternateContent>
-        <mc:AlternateContent xmlns:mc="http://schemas.openxmlformats.org/markup-compatibility/2006">
-          <mc:Choice xmlns:p14="http://schemas.microsoft.com/office/powerpoint/2010/main" Requires="p14">
-            <p:contentPart p14:bwMode="auto" r:id="rId68">
+        <mc:AlternateContent xmlns:mc="http://schemas.openxmlformats.org/markup-compatibility/2006" xmlns:p14="http://schemas.microsoft.com/office/powerpoint/2010/main">
+          <mc:Choice Requires="p14">
+            <p:contentPart p14:bwMode="auto" r:id="rId69">
               <p14:nvContentPartPr>
                 <p14:cNvPr id="63" name="잉크 62">
                   <a:extLst>
@@ -7849,7 +8454,7 @@
               </p14:xfrm>
             </p:contentPart>
           </mc:Choice>
-          <mc:Fallback>
+          <mc:Fallback xmlns="">
             <p:pic>
               <p:nvPicPr>
                 <p:cNvPr id="63" name="잉크 62">
@@ -7863,7 +8468,7 @@
                 <p:nvPr/>
               </p:nvPicPr>
               <p:blipFill>
-                <a:blip r:embed="rId69"/>
+                <a:blip r:embed="rId70"/>
                 <a:stretch>
                   <a:fillRect/>
                 </a:stretch>
@@ -7901,9 +8506,9 @@
             <a:chExt cx="5206320" cy="3102840"/>
           </a:xfrm>
         </p:grpSpPr>
-        <mc:AlternateContent xmlns:mc="http://schemas.openxmlformats.org/markup-compatibility/2006">
-          <mc:Choice xmlns:p14="http://schemas.microsoft.com/office/powerpoint/2010/main" xmlns:aink="http://schemas.microsoft.com/office/drawing/2016/ink" Requires="p14 aink">
-            <p:contentPart p14:bwMode="auto" r:id="rId70">
+        <mc:AlternateContent xmlns:mc="http://schemas.openxmlformats.org/markup-compatibility/2006" xmlns:p14="http://schemas.microsoft.com/office/powerpoint/2010/main" xmlns:aink="http://schemas.microsoft.com/office/drawing/2016/ink">
+          <mc:Choice Requires="p14 aink">
+            <p:contentPart p14:bwMode="auto" r:id="rId71">
               <p14:nvContentPartPr>
                 <p14:cNvPr id="65" name="잉크 64">
                   <a:extLst>
@@ -7921,7 +8526,7 @@
               </p14:xfrm>
             </p:contentPart>
           </mc:Choice>
-          <mc:Fallback>
+          <mc:Fallback xmlns="">
             <p:pic>
               <p:nvPicPr>
                 <p:cNvPr id="65" name="잉크 64">
@@ -7935,7 +8540,7 @@
                 <p:nvPr/>
               </p:nvPicPr>
               <p:blipFill>
-                <a:blip r:embed="rId71"/>
+                <a:blip r:embed="rId72"/>
                 <a:stretch>
                   <a:fillRect/>
                 </a:stretch>
@@ -7952,9 +8557,9 @@
             </p:pic>
           </mc:Fallback>
         </mc:AlternateContent>
-        <mc:AlternateContent xmlns:mc="http://schemas.openxmlformats.org/markup-compatibility/2006">
-          <mc:Choice xmlns:p14="http://schemas.microsoft.com/office/powerpoint/2010/main" xmlns:aink="http://schemas.microsoft.com/office/drawing/2016/ink" Requires="p14 aink">
-            <p:contentPart p14:bwMode="auto" r:id="rId72">
+        <mc:AlternateContent xmlns:mc="http://schemas.openxmlformats.org/markup-compatibility/2006" xmlns:p14="http://schemas.microsoft.com/office/powerpoint/2010/main" xmlns:aink="http://schemas.microsoft.com/office/drawing/2016/ink">
+          <mc:Choice Requires="p14 aink">
+            <p:contentPart p14:bwMode="auto" r:id="rId73">
               <p14:nvContentPartPr>
                 <p14:cNvPr id="66" name="잉크 65">
                   <a:extLst>
@@ -7972,7 +8577,7 @@
               </p14:xfrm>
             </p:contentPart>
           </mc:Choice>
-          <mc:Fallback>
+          <mc:Fallback xmlns="">
             <p:pic>
               <p:nvPicPr>
                 <p:cNvPr id="66" name="잉크 65">
@@ -7986,7 +8591,7 @@
                 <p:nvPr/>
               </p:nvPicPr>
               <p:blipFill>
-                <a:blip r:embed="rId73"/>
+                <a:blip r:embed="rId74"/>
                 <a:stretch>
                   <a:fillRect/>
                 </a:stretch>
@@ -8003,9 +8608,9 @@
             </p:pic>
           </mc:Fallback>
         </mc:AlternateContent>
-        <mc:AlternateContent xmlns:mc="http://schemas.openxmlformats.org/markup-compatibility/2006">
-          <mc:Choice xmlns:p14="http://schemas.microsoft.com/office/powerpoint/2010/main" xmlns:aink="http://schemas.microsoft.com/office/drawing/2016/ink" Requires="p14 aink">
-            <p:contentPart p14:bwMode="auto" r:id="rId74">
+        <mc:AlternateContent xmlns:mc="http://schemas.openxmlformats.org/markup-compatibility/2006" xmlns:p14="http://schemas.microsoft.com/office/powerpoint/2010/main" xmlns:aink="http://schemas.microsoft.com/office/drawing/2016/ink">
+          <mc:Choice Requires="p14 aink">
+            <p:contentPart p14:bwMode="auto" r:id="rId75">
               <p14:nvContentPartPr>
                 <p14:cNvPr id="67" name="잉크 66">
                   <a:extLst>
@@ -8023,7 +8628,7 @@
               </p14:xfrm>
             </p:contentPart>
           </mc:Choice>
-          <mc:Fallback>
+          <mc:Fallback xmlns="">
             <p:pic>
               <p:nvPicPr>
                 <p:cNvPr id="67" name="잉크 66">
@@ -8037,7 +8642,7 @@
                 <p:nvPr/>
               </p:nvPicPr>
               <p:blipFill>
-                <a:blip r:embed="rId75"/>
+                <a:blip r:embed="rId76"/>
                 <a:stretch>
                   <a:fillRect/>
                 </a:stretch>
@@ -8054,9 +8659,9 @@
             </p:pic>
           </mc:Fallback>
         </mc:AlternateContent>
-        <mc:AlternateContent xmlns:mc="http://schemas.openxmlformats.org/markup-compatibility/2006">
-          <mc:Choice xmlns:p14="http://schemas.microsoft.com/office/powerpoint/2010/main" xmlns:aink="http://schemas.microsoft.com/office/drawing/2016/ink" Requires="p14 aink">
-            <p:contentPart p14:bwMode="auto" r:id="rId76">
+        <mc:AlternateContent xmlns:mc="http://schemas.openxmlformats.org/markup-compatibility/2006" xmlns:p14="http://schemas.microsoft.com/office/powerpoint/2010/main" xmlns:aink="http://schemas.microsoft.com/office/drawing/2016/ink">
+          <mc:Choice Requires="p14 aink">
+            <p:contentPart p14:bwMode="auto" r:id="rId77">
               <p14:nvContentPartPr>
                 <p14:cNvPr id="68" name="잉크 67">
                   <a:extLst>
@@ -8074,7 +8679,7 @@
               </p14:xfrm>
             </p:contentPart>
           </mc:Choice>
-          <mc:Fallback>
+          <mc:Fallback xmlns="">
             <p:pic>
               <p:nvPicPr>
                 <p:cNvPr id="68" name="잉크 67">
@@ -8088,7 +8693,7 @@
                 <p:nvPr/>
               </p:nvPicPr>
               <p:blipFill>
-                <a:blip r:embed="rId77"/>
+                <a:blip r:embed="rId78"/>
                 <a:stretch>
                   <a:fillRect/>
                 </a:stretch>
@@ -8105,9 +8710,9 @@
             </p:pic>
           </mc:Fallback>
         </mc:AlternateContent>
-        <mc:AlternateContent xmlns:mc="http://schemas.openxmlformats.org/markup-compatibility/2006">
-          <mc:Choice xmlns:p14="http://schemas.microsoft.com/office/powerpoint/2010/main" xmlns:aink="http://schemas.microsoft.com/office/drawing/2016/ink" Requires="p14 aink">
-            <p:contentPart p14:bwMode="auto" r:id="rId78">
+        <mc:AlternateContent xmlns:mc="http://schemas.openxmlformats.org/markup-compatibility/2006" xmlns:p14="http://schemas.microsoft.com/office/powerpoint/2010/main" xmlns:aink="http://schemas.microsoft.com/office/drawing/2016/ink">
+          <mc:Choice Requires="p14 aink">
+            <p:contentPart p14:bwMode="auto" r:id="rId79">
               <p14:nvContentPartPr>
                 <p14:cNvPr id="69" name="잉크 68">
                   <a:extLst>
@@ -8125,7 +8730,7 @@
               </p14:xfrm>
             </p:contentPart>
           </mc:Choice>
-          <mc:Fallback>
+          <mc:Fallback xmlns="">
             <p:pic>
               <p:nvPicPr>
                 <p:cNvPr id="69" name="잉크 68">
@@ -8139,7 +8744,7 @@
                 <p:nvPr/>
               </p:nvPicPr>
               <p:blipFill>
-                <a:blip r:embed="rId79"/>
+                <a:blip r:embed="rId80"/>
                 <a:stretch>
                   <a:fillRect/>
                 </a:stretch>
@@ -8156,9 +8761,9 @@
             </p:pic>
           </mc:Fallback>
         </mc:AlternateContent>
-        <mc:AlternateContent xmlns:mc="http://schemas.openxmlformats.org/markup-compatibility/2006">
-          <mc:Choice xmlns:p14="http://schemas.microsoft.com/office/powerpoint/2010/main" xmlns:aink="http://schemas.microsoft.com/office/drawing/2016/ink" Requires="p14 aink">
-            <p:contentPart p14:bwMode="auto" r:id="rId80">
+        <mc:AlternateContent xmlns:mc="http://schemas.openxmlformats.org/markup-compatibility/2006" xmlns:p14="http://schemas.microsoft.com/office/powerpoint/2010/main" xmlns:aink="http://schemas.microsoft.com/office/drawing/2016/ink">
+          <mc:Choice Requires="p14 aink">
+            <p:contentPart p14:bwMode="auto" r:id="rId81">
               <p14:nvContentPartPr>
                 <p14:cNvPr id="70" name="잉크 69">
                   <a:extLst>
@@ -8176,7 +8781,7 @@
               </p14:xfrm>
             </p:contentPart>
           </mc:Choice>
-          <mc:Fallback>
+          <mc:Fallback xmlns="">
             <p:pic>
               <p:nvPicPr>
                 <p:cNvPr id="70" name="잉크 69">
@@ -8190,7 +8795,7 @@
                 <p:nvPr/>
               </p:nvPicPr>
               <p:blipFill>
-                <a:blip r:embed="rId81"/>
+                <a:blip r:embed="rId82"/>
                 <a:stretch>
                   <a:fillRect/>
                 </a:stretch>
@@ -8207,9 +8812,9 @@
             </p:pic>
           </mc:Fallback>
         </mc:AlternateContent>
-        <mc:AlternateContent xmlns:mc="http://schemas.openxmlformats.org/markup-compatibility/2006">
-          <mc:Choice xmlns:p14="http://schemas.microsoft.com/office/powerpoint/2010/main" xmlns:aink="http://schemas.microsoft.com/office/drawing/2016/ink" Requires="p14 aink">
-            <p:contentPart p14:bwMode="auto" r:id="rId82">
+        <mc:AlternateContent xmlns:mc="http://schemas.openxmlformats.org/markup-compatibility/2006" xmlns:p14="http://schemas.microsoft.com/office/powerpoint/2010/main" xmlns:aink="http://schemas.microsoft.com/office/drawing/2016/ink">
+          <mc:Choice Requires="p14 aink">
+            <p:contentPart p14:bwMode="auto" r:id="rId83">
               <p14:nvContentPartPr>
                 <p14:cNvPr id="71" name="잉크 70">
                   <a:extLst>
@@ -8227,7 +8832,7 @@
               </p14:xfrm>
             </p:contentPart>
           </mc:Choice>
-          <mc:Fallback>
+          <mc:Fallback xmlns="">
             <p:pic>
               <p:nvPicPr>
                 <p:cNvPr id="71" name="잉크 70">
@@ -8241,7 +8846,7 @@
                 <p:nvPr/>
               </p:nvPicPr>
               <p:blipFill>
-                <a:blip r:embed="rId83"/>
+                <a:blip r:embed="rId84"/>
                 <a:stretch>
                   <a:fillRect/>
                 </a:stretch>
@@ -8258,9 +8863,9 @@
             </p:pic>
           </mc:Fallback>
         </mc:AlternateContent>
-        <mc:AlternateContent xmlns:mc="http://schemas.openxmlformats.org/markup-compatibility/2006">
-          <mc:Choice xmlns:p14="http://schemas.microsoft.com/office/powerpoint/2010/main" xmlns:aink="http://schemas.microsoft.com/office/drawing/2016/ink" Requires="p14 aink">
-            <p:contentPart p14:bwMode="auto" r:id="rId84">
+        <mc:AlternateContent xmlns:mc="http://schemas.openxmlformats.org/markup-compatibility/2006" xmlns:p14="http://schemas.microsoft.com/office/powerpoint/2010/main" xmlns:aink="http://schemas.microsoft.com/office/drawing/2016/ink">
+          <mc:Choice Requires="p14 aink">
+            <p:contentPart p14:bwMode="auto" r:id="rId85">
               <p14:nvContentPartPr>
                 <p14:cNvPr id="72" name="잉크 71">
                   <a:extLst>
@@ -8278,7 +8883,7 @@
               </p14:xfrm>
             </p:contentPart>
           </mc:Choice>
-          <mc:Fallback>
+          <mc:Fallback xmlns="">
             <p:pic>
               <p:nvPicPr>
                 <p:cNvPr id="72" name="잉크 71">
@@ -8292,7 +8897,7 @@
                 <p:nvPr/>
               </p:nvPicPr>
               <p:blipFill>
-                <a:blip r:embed="rId85"/>
+                <a:blip r:embed="rId86"/>
                 <a:stretch>
                   <a:fillRect/>
                 </a:stretch>
@@ -8309,9 +8914,9 @@
             </p:pic>
           </mc:Fallback>
         </mc:AlternateContent>
-        <mc:AlternateContent xmlns:mc="http://schemas.openxmlformats.org/markup-compatibility/2006">
-          <mc:Choice xmlns:p14="http://schemas.microsoft.com/office/powerpoint/2010/main" xmlns:aink="http://schemas.microsoft.com/office/drawing/2016/ink" Requires="p14 aink">
-            <p:contentPart p14:bwMode="auto" r:id="rId86">
+        <mc:AlternateContent xmlns:mc="http://schemas.openxmlformats.org/markup-compatibility/2006" xmlns:p14="http://schemas.microsoft.com/office/powerpoint/2010/main" xmlns:aink="http://schemas.microsoft.com/office/drawing/2016/ink">
+          <mc:Choice Requires="p14 aink">
+            <p:contentPart p14:bwMode="auto" r:id="rId87">
               <p14:nvContentPartPr>
                 <p14:cNvPr id="73" name="잉크 72">
                   <a:extLst>
@@ -8329,7 +8934,7 @@
               </p14:xfrm>
             </p:contentPart>
           </mc:Choice>
-          <mc:Fallback>
+          <mc:Fallback xmlns="">
             <p:pic>
               <p:nvPicPr>
                 <p:cNvPr id="73" name="잉크 72">
@@ -8343,7 +8948,7 @@
                 <p:nvPr/>
               </p:nvPicPr>
               <p:blipFill>
-                <a:blip r:embed="rId87"/>
+                <a:blip r:embed="rId88"/>
                 <a:stretch>
                   <a:fillRect/>
                 </a:stretch>
@@ -8360,9 +8965,9 @@
             </p:pic>
           </mc:Fallback>
         </mc:AlternateContent>
-        <mc:AlternateContent xmlns:mc="http://schemas.openxmlformats.org/markup-compatibility/2006">
-          <mc:Choice xmlns:p14="http://schemas.microsoft.com/office/powerpoint/2010/main" xmlns:aink="http://schemas.microsoft.com/office/drawing/2016/ink" Requires="p14 aink">
-            <p:contentPart p14:bwMode="auto" r:id="rId88">
+        <mc:AlternateContent xmlns:mc="http://schemas.openxmlformats.org/markup-compatibility/2006" xmlns:p14="http://schemas.microsoft.com/office/powerpoint/2010/main" xmlns:aink="http://schemas.microsoft.com/office/drawing/2016/ink">
+          <mc:Choice Requires="p14 aink">
+            <p:contentPart p14:bwMode="auto" r:id="rId89">
               <p14:nvContentPartPr>
                 <p14:cNvPr id="74" name="잉크 73">
                   <a:extLst>
@@ -8380,7 +8985,7 @@
               </p14:xfrm>
             </p:contentPart>
           </mc:Choice>
-          <mc:Fallback>
+          <mc:Fallback xmlns="">
             <p:pic>
               <p:nvPicPr>
                 <p:cNvPr id="74" name="잉크 73">
@@ -8394,7 +8999,7 @@
                 <p:nvPr/>
               </p:nvPicPr>
               <p:blipFill>
-                <a:blip r:embed="rId89"/>
+                <a:blip r:embed="rId90"/>
                 <a:stretch>
                   <a:fillRect/>
                 </a:stretch>
@@ -8411,9 +9016,9 @@
             </p:pic>
           </mc:Fallback>
         </mc:AlternateContent>
-        <mc:AlternateContent xmlns:mc="http://schemas.openxmlformats.org/markup-compatibility/2006">
-          <mc:Choice xmlns:p14="http://schemas.microsoft.com/office/powerpoint/2010/main" xmlns:aink="http://schemas.microsoft.com/office/drawing/2016/ink" Requires="p14 aink">
-            <p:contentPart p14:bwMode="auto" r:id="rId90">
+        <mc:AlternateContent xmlns:mc="http://schemas.openxmlformats.org/markup-compatibility/2006" xmlns:p14="http://schemas.microsoft.com/office/powerpoint/2010/main" xmlns:aink="http://schemas.microsoft.com/office/drawing/2016/ink">
+          <mc:Choice Requires="p14 aink">
+            <p:contentPart p14:bwMode="auto" r:id="rId91">
               <p14:nvContentPartPr>
                 <p14:cNvPr id="75" name="잉크 74">
                   <a:extLst>
@@ -8431,7 +9036,7 @@
               </p14:xfrm>
             </p:contentPart>
           </mc:Choice>
-          <mc:Fallback>
+          <mc:Fallback xmlns="">
             <p:pic>
               <p:nvPicPr>
                 <p:cNvPr id="75" name="잉크 74">
@@ -8445,7 +9050,7 @@
                 <p:nvPr/>
               </p:nvPicPr>
               <p:blipFill>
-                <a:blip r:embed="rId91"/>
+                <a:blip r:embed="rId92"/>
                 <a:stretch>
                   <a:fillRect/>
                 </a:stretch>
@@ -8462,9 +9067,9 @@
             </p:pic>
           </mc:Fallback>
         </mc:AlternateContent>
-        <mc:AlternateContent xmlns:mc="http://schemas.openxmlformats.org/markup-compatibility/2006">
-          <mc:Choice xmlns:p14="http://schemas.microsoft.com/office/powerpoint/2010/main" xmlns:aink="http://schemas.microsoft.com/office/drawing/2016/ink" Requires="p14 aink">
-            <p:contentPart p14:bwMode="auto" r:id="rId92">
+        <mc:AlternateContent xmlns:mc="http://schemas.openxmlformats.org/markup-compatibility/2006" xmlns:p14="http://schemas.microsoft.com/office/powerpoint/2010/main" xmlns:aink="http://schemas.microsoft.com/office/drawing/2016/ink">
+          <mc:Choice Requires="p14 aink">
+            <p:contentPart p14:bwMode="auto" r:id="rId93">
               <p14:nvContentPartPr>
                 <p14:cNvPr id="76" name="잉크 75">
                   <a:extLst>
@@ -8482,7 +9087,7 @@
               </p14:xfrm>
             </p:contentPart>
           </mc:Choice>
-          <mc:Fallback>
+          <mc:Fallback xmlns="">
             <p:pic>
               <p:nvPicPr>
                 <p:cNvPr id="76" name="잉크 75">
@@ -8496,7 +9101,7 @@
                 <p:nvPr/>
               </p:nvPicPr>
               <p:blipFill>
-                <a:blip r:embed="rId93"/>
+                <a:blip r:embed="rId94"/>
                 <a:stretch>
                   <a:fillRect/>
                 </a:stretch>
@@ -8513,9 +9118,9 @@
             </p:pic>
           </mc:Fallback>
         </mc:AlternateContent>
-        <mc:AlternateContent xmlns:mc="http://schemas.openxmlformats.org/markup-compatibility/2006">
-          <mc:Choice xmlns:p14="http://schemas.microsoft.com/office/powerpoint/2010/main" xmlns:aink="http://schemas.microsoft.com/office/drawing/2016/ink" Requires="p14 aink">
-            <p:contentPart p14:bwMode="auto" r:id="rId94">
+        <mc:AlternateContent xmlns:mc="http://schemas.openxmlformats.org/markup-compatibility/2006" xmlns:p14="http://schemas.microsoft.com/office/powerpoint/2010/main" xmlns:aink="http://schemas.microsoft.com/office/drawing/2016/ink">
+          <mc:Choice Requires="p14 aink">
+            <p:contentPart p14:bwMode="auto" r:id="rId95">
               <p14:nvContentPartPr>
                 <p14:cNvPr id="77" name="잉크 76">
                   <a:extLst>
@@ -8533,7 +9138,7 @@
               </p14:xfrm>
             </p:contentPart>
           </mc:Choice>
-          <mc:Fallback>
+          <mc:Fallback xmlns="">
             <p:pic>
               <p:nvPicPr>
                 <p:cNvPr id="77" name="잉크 76">
@@ -8547,7 +9152,7 @@
                 <p:nvPr/>
               </p:nvPicPr>
               <p:blipFill>
-                <a:blip r:embed="rId95"/>
+                <a:blip r:embed="rId96"/>
                 <a:stretch>
                   <a:fillRect/>
                 </a:stretch>
@@ -8564,9 +9169,9 @@
             </p:pic>
           </mc:Fallback>
         </mc:AlternateContent>
-        <mc:AlternateContent xmlns:mc="http://schemas.openxmlformats.org/markup-compatibility/2006">
-          <mc:Choice xmlns:p14="http://schemas.microsoft.com/office/powerpoint/2010/main" xmlns:aink="http://schemas.microsoft.com/office/drawing/2016/ink" Requires="p14 aink">
-            <p:contentPart p14:bwMode="auto" r:id="rId96">
+        <mc:AlternateContent xmlns:mc="http://schemas.openxmlformats.org/markup-compatibility/2006" xmlns:p14="http://schemas.microsoft.com/office/powerpoint/2010/main" xmlns:aink="http://schemas.microsoft.com/office/drawing/2016/ink">
+          <mc:Choice Requires="p14 aink">
+            <p:contentPart p14:bwMode="auto" r:id="rId97">
               <p14:nvContentPartPr>
                 <p14:cNvPr id="78" name="잉크 77">
                   <a:extLst>
@@ -8584,7 +9189,7 @@
               </p14:xfrm>
             </p:contentPart>
           </mc:Choice>
-          <mc:Fallback>
+          <mc:Fallback xmlns="">
             <p:pic>
               <p:nvPicPr>
                 <p:cNvPr id="78" name="잉크 77">
@@ -8598,7 +9203,7 @@
                 <p:nvPr/>
               </p:nvPicPr>
               <p:blipFill>
-                <a:blip r:embed="rId97"/>
+                <a:blip r:embed="rId98"/>
                 <a:stretch>
                   <a:fillRect/>
                 </a:stretch>
@@ -8615,9 +9220,9 @@
             </p:pic>
           </mc:Fallback>
         </mc:AlternateContent>
-        <mc:AlternateContent xmlns:mc="http://schemas.openxmlformats.org/markup-compatibility/2006">
-          <mc:Choice xmlns:p14="http://schemas.microsoft.com/office/powerpoint/2010/main" xmlns:aink="http://schemas.microsoft.com/office/drawing/2016/ink" Requires="p14 aink">
-            <p:contentPart p14:bwMode="auto" r:id="rId98">
+        <mc:AlternateContent xmlns:mc="http://schemas.openxmlformats.org/markup-compatibility/2006" xmlns:p14="http://schemas.microsoft.com/office/powerpoint/2010/main" xmlns:aink="http://schemas.microsoft.com/office/drawing/2016/ink">
+          <mc:Choice Requires="p14 aink">
+            <p:contentPart p14:bwMode="auto" r:id="rId99">
               <p14:nvContentPartPr>
                 <p14:cNvPr id="79" name="잉크 78">
                   <a:extLst>
@@ -8635,7 +9240,7 @@
               </p14:xfrm>
             </p:contentPart>
           </mc:Choice>
-          <mc:Fallback>
+          <mc:Fallback xmlns="">
             <p:pic>
               <p:nvPicPr>
                 <p:cNvPr id="79" name="잉크 78">
@@ -8649,7 +9254,7 @@
                 <p:nvPr/>
               </p:nvPicPr>
               <p:blipFill>
-                <a:blip r:embed="rId99"/>
+                <a:blip r:embed="rId100"/>
                 <a:stretch>
                   <a:fillRect/>
                 </a:stretch>
@@ -8667,9 +9272,9 @@
           </mc:Fallback>
         </mc:AlternateContent>
       </p:grpSp>
-      <mc:AlternateContent xmlns:mc="http://schemas.openxmlformats.org/markup-compatibility/2006">
-        <mc:Choice xmlns:p14="http://schemas.microsoft.com/office/powerpoint/2010/main" xmlns:aink="http://schemas.microsoft.com/office/drawing/2016/ink" Requires="p14 aink">
-          <p:contentPart p14:bwMode="auto" r:id="rId100">
+      <mc:AlternateContent xmlns:mc="http://schemas.openxmlformats.org/markup-compatibility/2006" xmlns:p14="http://schemas.microsoft.com/office/powerpoint/2010/main" xmlns:aink="http://schemas.microsoft.com/office/drawing/2016/ink">
+        <mc:Choice Requires="p14 aink">
+          <p:contentPart p14:bwMode="auto" r:id="rId101">
             <p14:nvContentPartPr>
               <p14:cNvPr id="83" name="잉크 82">
                 <a:extLst>
@@ -8687,7 +9292,7 @@
             </p14:xfrm>
           </p:contentPart>
         </mc:Choice>
-        <mc:Fallback>
+        <mc:Fallback xmlns="">
           <p:pic>
             <p:nvPicPr>
               <p:cNvPr id="83" name="잉크 82">
@@ -8701,7 +9306,7 @@
               <p:nvPr/>
             </p:nvPicPr>
             <p:blipFill>
-              <a:blip r:embed="rId101"/>
+              <a:blip r:embed="rId102"/>
               <a:stretch>
                 <a:fillRect/>
               </a:stretch>
@@ -8738,9 +9343,9 @@
             <a:chExt cx="1851840" cy="358920"/>
           </a:xfrm>
         </p:grpSpPr>
-        <mc:AlternateContent xmlns:mc="http://schemas.openxmlformats.org/markup-compatibility/2006">
-          <mc:Choice xmlns:p14="http://schemas.microsoft.com/office/powerpoint/2010/main" xmlns:aink="http://schemas.microsoft.com/office/drawing/2016/ink" Requires="p14 aink">
-            <p:contentPart p14:bwMode="auto" r:id="rId102">
+        <mc:AlternateContent xmlns:mc="http://schemas.openxmlformats.org/markup-compatibility/2006" xmlns:p14="http://schemas.microsoft.com/office/powerpoint/2010/main" xmlns:aink="http://schemas.microsoft.com/office/drawing/2016/ink">
+          <mc:Choice Requires="p14 aink">
+            <p:contentPart p14:bwMode="auto" r:id="rId103">
               <p14:nvContentPartPr>
                 <p14:cNvPr id="81" name="잉크 80">
                   <a:extLst>
@@ -8758,7 +9363,7 @@
               </p14:xfrm>
             </p:contentPart>
           </mc:Choice>
-          <mc:Fallback>
+          <mc:Fallback xmlns="">
             <p:pic>
               <p:nvPicPr>
                 <p:cNvPr id="81" name="잉크 80">
@@ -8772,7 +9377,7 @@
                 <p:nvPr/>
               </p:nvPicPr>
               <p:blipFill>
-                <a:blip r:embed="rId103"/>
+                <a:blip r:embed="rId104"/>
                 <a:stretch>
                   <a:fillRect/>
                 </a:stretch>
@@ -8789,9 +9394,9 @@
             </p:pic>
           </mc:Fallback>
         </mc:AlternateContent>
-        <mc:AlternateContent xmlns:mc="http://schemas.openxmlformats.org/markup-compatibility/2006">
-          <mc:Choice xmlns:p14="http://schemas.microsoft.com/office/powerpoint/2010/main" xmlns:aink="http://schemas.microsoft.com/office/drawing/2016/ink" Requires="p14 aink">
-            <p:contentPart p14:bwMode="auto" r:id="rId104">
+        <mc:AlternateContent xmlns:mc="http://schemas.openxmlformats.org/markup-compatibility/2006" xmlns:p14="http://schemas.microsoft.com/office/powerpoint/2010/main" xmlns:aink="http://schemas.microsoft.com/office/drawing/2016/ink">
+          <mc:Choice Requires="p14 aink">
+            <p:contentPart p14:bwMode="auto" r:id="rId105">
               <p14:nvContentPartPr>
                 <p14:cNvPr id="82" name="잉크 81">
                   <a:extLst>
@@ -8809,7 +9414,7 @@
               </p14:xfrm>
             </p:contentPart>
           </mc:Choice>
-          <mc:Fallback>
+          <mc:Fallback xmlns="">
             <p:pic>
               <p:nvPicPr>
                 <p:cNvPr id="82" name="잉크 81">
@@ -8823,7 +9428,7 @@
                 <p:nvPr/>
               </p:nvPicPr>
               <p:blipFill>
-                <a:blip r:embed="rId105"/>
+                <a:blip r:embed="rId106"/>
                 <a:stretch>
                   <a:fillRect/>
                 </a:stretch>
@@ -8840,9 +9445,9 @@
             </p:pic>
           </mc:Fallback>
         </mc:AlternateContent>
-        <mc:AlternateContent xmlns:mc="http://schemas.openxmlformats.org/markup-compatibility/2006">
-          <mc:Choice xmlns:p14="http://schemas.microsoft.com/office/powerpoint/2010/main" xmlns:aink="http://schemas.microsoft.com/office/drawing/2016/ink" Requires="p14 aink">
-            <p:contentPart p14:bwMode="auto" r:id="rId106">
+        <mc:AlternateContent xmlns:mc="http://schemas.openxmlformats.org/markup-compatibility/2006" xmlns:p14="http://schemas.microsoft.com/office/powerpoint/2010/main" xmlns:aink="http://schemas.microsoft.com/office/drawing/2016/ink">
+          <mc:Choice Requires="p14 aink">
+            <p:contentPart p14:bwMode="auto" r:id="rId107">
               <p14:nvContentPartPr>
                 <p14:cNvPr id="84" name="잉크 83">
                   <a:extLst>
@@ -8860,7 +9465,7 @@
               </p14:xfrm>
             </p:contentPart>
           </mc:Choice>
-          <mc:Fallback>
+          <mc:Fallback xmlns="">
             <p:pic>
               <p:nvPicPr>
                 <p:cNvPr id="84" name="잉크 83">
@@ -8874,7 +9479,7 @@
                 <p:nvPr/>
               </p:nvPicPr>
               <p:blipFill>
-                <a:blip r:embed="rId107"/>
+                <a:blip r:embed="rId108"/>
                 <a:stretch>
                   <a:fillRect/>
                 </a:stretch>
@@ -8892,9 +9497,9 @@
           </mc:Fallback>
         </mc:AlternateContent>
       </p:grpSp>
-      <mc:AlternateContent xmlns:mc="http://schemas.openxmlformats.org/markup-compatibility/2006">
-        <mc:Choice xmlns:p14="http://schemas.microsoft.com/office/powerpoint/2010/main" xmlns:aink="http://schemas.microsoft.com/office/drawing/2016/ink" Requires="p14 aink">
-          <p:contentPart p14:bwMode="auto" r:id="rId108">
+      <mc:AlternateContent xmlns:mc="http://schemas.openxmlformats.org/markup-compatibility/2006" xmlns:p14="http://schemas.microsoft.com/office/powerpoint/2010/main" xmlns:aink="http://schemas.microsoft.com/office/drawing/2016/ink">
+        <mc:Choice Requires="p14 aink">
+          <p:contentPart p14:bwMode="auto" r:id="rId109">
             <p14:nvContentPartPr>
               <p14:cNvPr id="86" name="잉크 85">
                 <a:extLst>
@@ -8912,7 +9517,7 @@
             </p14:xfrm>
           </p:contentPart>
         </mc:Choice>
-        <mc:Fallback>
+        <mc:Fallback xmlns="">
           <p:pic>
             <p:nvPicPr>
               <p:cNvPr id="86" name="잉크 85">
@@ -8926,7 +9531,7 @@
               <p:nvPr/>
             </p:nvPicPr>
             <p:blipFill>
-              <a:blip r:embed="rId109"/>
+              <a:blip r:embed="rId110"/>
               <a:stretch>
                 <a:fillRect/>
               </a:stretch>
@@ -8963,9 +9568,9 @@
             <a:chExt cx="1112400" cy="595440"/>
           </a:xfrm>
         </p:grpSpPr>
-        <mc:AlternateContent xmlns:mc="http://schemas.openxmlformats.org/markup-compatibility/2006">
-          <mc:Choice xmlns:p14="http://schemas.microsoft.com/office/powerpoint/2010/main" xmlns:aink="http://schemas.microsoft.com/office/drawing/2016/ink" Requires="p14 aink">
-            <p:contentPart p14:bwMode="auto" r:id="rId110">
+        <mc:AlternateContent xmlns:mc="http://schemas.openxmlformats.org/markup-compatibility/2006" xmlns:p14="http://schemas.microsoft.com/office/powerpoint/2010/main" xmlns:aink="http://schemas.microsoft.com/office/drawing/2016/ink">
+          <mc:Choice Requires="p14 aink">
+            <p:contentPart p14:bwMode="auto" r:id="rId111">
               <p14:nvContentPartPr>
                 <p14:cNvPr id="87" name="잉크 86">
                   <a:extLst>
@@ -8983,7 +9588,7 @@
               </p14:xfrm>
             </p:contentPart>
           </mc:Choice>
-          <mc:Fallback>
+          <mc:Fallback xmlns="">
             <p:pic>
               <p:nvPicPr>
                 <p:cNvPr id="87" name="잉크 86">
@@ -8997,7 +9602,7 @@
                 <p:nvPr/>
               </p:nvPicPr>
               <p:blipFill>
-                <a:blip r:embed="rId111"/>
+                <a:blip r:embed="rId112"/>
                 <a:stretch>
                   <a:fillRect/>
                 </a:stretch>
@@ -9014,9 +9619,9 @@
             </p:pic>
           </mc:Fallback>
         </mc:AlternateContent>
-        <mc:AlternateContent xmlns:mc="http://schemas.openxmlformats.org/markup-compatibility/2006">
-          <mc:Choice xmlns:p14="http://schemas.microsoft.com/office/powerpoint/2010/main" xmlns:aink="http://schemas.microsoft.com/office/drawing/2016/ink" Requires="p14 aink">
-            <p:contentPart p14:bwMode="auto" r:id="rId112">
+        <mc:AlternateContent xmlns:mc="http://schemas.openxmlformats.org/markup-compatibility/2006" xmlns:p14="http://schemas.microsoft.com/office/powerpoint/2010/main" xmlns:aink="http://schemas.microsoft.com/office/drawing/2016/ink">
+          <mc:Choice Requires="p14 aink">
+            <p:contentPart p14:bwMode="auto" r:id="rId113">
               <p14:nvContentPartPr>
                 <p14:cNvPr id="88" name="잉크 87">
                   <a:extLst>
@@ -9034,7 +9639,7 @@
               </p14:xfrm>
             </p:contentPart>
           </mc:Choice>
-          <mc:Fallback>
+          <mc:Fallback xmlns="">
             <p:pic>
               <p:nvPicPr>
                 <p:cNvPr id="88" name="잉크 87">
@@ -9048,7 +9653,7 @@
                 <p:nvPr/>
               </p:nvPicPr>
               <p:blipFill>
-                <a:blip r:embed="rId113"/>
+                <a:blip r:embed="rId114"/>
                 <a:stretch>
                   <a:fillRect/>
                 </a:stretch>
@@ -9065,9 +9670,9 @@
             </p:pic>
           </mc:Fallback>
         </mc:AlternateContent>
-        <mc:AlternateContent xmlns:mc="http://schemas.openxmlformats.org/markup-compatibility/2006">
-          <mc:Choice xmlns:p14="http://schemas.microsoft.com/office/powerpoint/2010/main" xmlns:aink="http://schemas.microsoft.com/office/drawing/2016/ink" Requires="p14 aink">
-            <p:contentPart p14:bwMode="auto" r:id="rId114">
+        <mc:AlternateContent xmlns:mc="http://schemas.openxmlformats.org/markup-compatibility/2006" xmlns:p14="http://schemas.microsoft.com/office/powerpoint/2010/main" xmlns:aink="http://schemas.microsoft.com/office/drawing/2016/ink">
+          <mc:Choice Requires="p14 aink">
+            <p:contentPart p14:bwMode="auto" r:id="rId115">
               <p14:nvContentPartPr>
                 <p14:cNvPr id="89" name="잉크 88">
                   <a:extLst>
@@ -9085,7 +9690,7 @@
               </p14:xfrm>
             </p:contentPart>
           </mc:Choice>
-          <mc:Fallback>
+          <mc:Fallback xmlns="">
             <p:pic>
               <p:nvPicPr>
                 <p:cNvPr id="89" name="잉크 88">
@@ -9099,7 +9704,7 @@
                 <p:nvPr/>
               </p:nvPicPr>
               <p:blipFill>
-                <a:blip r:embed="rId115"/>
+                <a:blip r:embed="rId116"/>
                 <a:stretch>
                   <a:fillRect/>
                 </a:stretch>
@@ -9116,9 +9721,9 @@
             </p:pic>
           </mc:Fallback>
         </mc:AlternateContent>
-        <mc:AlternateContent xmlns:mc="http://schemas.openxmlformats.org/markup-compatibility/2006">
-          <mc:Choice xmlns:p14="http://schemas.microsoft.com/office/powerpoint/2010/main" xmlns:aink="http://schemas.microsoft.com/office/drawing/2016/ink" Requires="p14 aink">
-            <p:contentPart p14:bwMode="auto" r:id="rId116">
+        <mc:AlternateContent xmlns:mc="http://schemas.openxmlformats.org/markup-compatibility/2006" xmlns:p14="http://schemas.microsoft.com/office/powerpoint/2010/main" xmlns:aink="http://schemas.microsoft.com/office/drawing/2016/ink">
+          <mc:Choice Requires="p14 aink">
+            <p:contentPart p14:bwMode="auto" r:id="rId117">
               <p14:nvContentPartPr>
                 <p14:cNvPr id="90" name="잉크 89">
                   <a:extLst>
@@ -9136,7 +9741,7 @@
               </p14:xfrm>
             </p:contentPart>
           </mc:Choice>
-          <mc:Fallback>
+          <mc:Fallback xmlns="">
             <p:pic>
               <p:nvPicPr>
                 <p:cNvPr id="90" name="잉크 89">
@@ -9150,7 +9755,7 @@
                 <p:nvPr/>
               </p:nvPicPr>
               <p:blipFill>
-                <a:blip r:embed="rId117"/>
+                <a:blip r:embed="rId118"/>
                 <a:stretch>
                   <a:fillRect/>
                 </a:stretch>
@@ -9167,9 +9772,9 @@
             </p:pic>
           </mc:Fallback>
         </mc:AlternateContent>
-        <mc:AlternateContent xmlns:mc="http://schemas.openxmlformats.org/markup-compatibility/2006">
-          <mc:Choice xmlns:p14="http://schemas.microsoft.com/office/powerpoint/2010/main" xmlns:aink="http://schemas.microsoft.com/office/drawing/2016/ink" Requires="p14 aink">
-            <p:contentPart p14:bwMode="auto" r:id="rId118">
+        <mc:AlternateContent xmlns:mc="http://schemas.openxmlformats.org/markup-compatibility/2006" xmlns:p14="http://schemas.microsoft.com/office/powerpoint/2010/main" xmlns:aink="http://schemas.microsoft.com/office/drawing/2016/ink">
+          <mc:Choice Requires="p14 aink">
+            <p:contentPart p14:bwMode="auto" r:id="rId119">
               <p14:nvContentPartPr>
                 <p14:cNvPr id="91" name="잉크 90">
                   <a:extLst>
@@ -9187,7 +9792,7 @@
               </p14:xfrm>
             </p:contentPart>
           </mc:Choice>
-          <mc:Fallback>
+          <mc:Fallback xmlns="">
             <p:pic>
               <p:nvPicPr>
                 <p:cNvPr id="91" name="잉크 90">
@@ -9201,7 +9806,7 @@
                 <p:nvPr/>
               </p:nvPicPr>
               <p:blipFill>
-                <a:blip r:embed="rId119"/>
+                <a:blip r:embed="rId120"/>
                 <a:stretch>
                   <a:fillRect/>
                 </a:stretch>
@@ -9218,9 +9823,9 @@
             </p:pic>
           </mc:Fallback>
         </mc:AlternateContent>
-        <mc:AlternateContent xmlns:mc="http://schemas.openxmlformats.org/markup-compatibility/2006">
-          <mc:Choice xmlns:p14="http://schemas.microsoft.com/office/powerpoint/2010/main" xmlns:aink="http://schemas.microsoft.com/office/drawing/2016/ink" Requires="p14 aink">
-            <p:contentPart p14:bwMode="auto" r:id="rId120">
+        <mc:AlternateContent xmlns:mc="http://schemas.openxmlformats.org/markup-compatibility/2006" xmlns:p14="http://schemas.microsoft.com/office/powerpoint/2010/main" xmlns:aink="http://schemas.microsoft.com/office/drawing/2016/ink">
+          <mc:Choice Requires="p14 aink">
+            <p:contentPart p14:bwMode="auto" r:id="rId121">
               <p14:nvContentPartPr>
                 <p14:cNvPr id="92" name="잉크 91">
                   <a:extLst>
@@ -9238,7 +9843,7 @@
               </p14:xfrm>
             </p:contentPart>
           </mc:Choice>
-          <mc:Fallback>
+          <mc:Fallback xmlns="">
             <p:pic>
               <p:nvPicPr>
                 <p:cNvPr id="92" name="잉크 91">
@@ -9252,7 +9857,7 @@
                 <p:nvPr/>
               </p:nvPicPr>
               <p:blipFill>
-                <a:blip r:embed="rId121"/>
+                <a:blip r:embed="rId122"/>
                 <a:stretch>
                   <a:fillRect/>
                 </a:stretch>
@@ -9269,9 +9874,9 @@
             </p:pic>
           </mc:Fallback>
         </mc:AlternateContent>
-        <mc:AlternateContent xmlns:mc="http://schemas.openxmlformats.org/markup-compatibility/2006">
-          <mc:Choice xmlns:p14="http://schemas.microsoft.com/office/powerpoint/2010/main" xmlns:aink="http://schemas.microsoft.com/office/drawing/2016/ink" Requires="p14 aink">
-            <p:contentPart p14:bwMode="auto" r:id="rId122">
+        <mc:AlternateContent xmlns:mc="http://schemas.openxmlformats.org/markup-compatibility/2006" xmlns:p14="http://schemas.microsoft.com/office/powerpoint/2010/main" xmlns:aink="http://schemas.microsoft.com/office/drawing/2016/ink">
+          <mc:Choice Requires="p14 aink">
+            <p:contentPart p14:bwMode="auto" r:id="rId123">
               <p14:nvContentPartPr>
                 <p14:cNvPr id="93" name="잉크 92">
                   <a:extLst>
@@ -9289,7 +9894,7 @@
               </p14:xfrm>
             </p:contentPart>
           </mc:Choice>
-          <mc:Fallback>
+          <mc:Fallback xmlns="">
             <p:pic>
               <p:nvPicPr>
                 <p:cNvPr id="93" name="잉크 92">
@@ -9303,7 +9908,7 @@
                 <p:nvPr/>
               </p:nvPicPr>
               <p:blipFill>
-                <a:blip r:embed="rId123"/>
+                <a:blip r:embed="rId124"/>
                 <a:stretch>
                   <a:fillRect/>
                 </a:stretch>
@@ -9320,9 +9925,9 @@
             </p:pic>
           </mc:Fallback>
         </mc:AlternateContent>
-        <mc:AlternateContent xmlns:mc="http://schemas.openxmlformats.org/markup-compatibility/2006">
-          <mc:Choice xmlns:p14="http://schemas.microsoft.com/office/powerpoint/2010/main" xmlns:aink="http://schemas.microsoft.com/office/drawing/2016/ink" Requires="p14 aink">
-            <p:contentPart p14:bwMode="auto" r:id="rId124">
+        <mc:AlternateContent xmlns:mc="http://schemas.openxmlformats.org/markup-compatibility/2006" xmlns:p14="http://schemas.microsoft.com/office/powerpoint/2010/main" xmlns:aink="http://schemas.microsoft.com/office/drawing/2016/ink">
+          <mc:Choice Requires="p14 aink">
+            <p:contentPart p14:bwMode="auto" r:id="rId125">
               <p14:nvContentPartPr>
                 <p14:cNvPr id="94" name="잉크 93">
                   <a:extLst>
@@ -9340,7 +9945,7 @@
               </p14:xfrm>
             </p:contentPart>
           </mc:Choice>
-          <mc:Fallback>
+          <mc:Fallback xmlns="">
             <p:pic>
               <p:nvPicPr>
                 <p:cNvPr id="94" name="잉크 93">
@@ -9354,7 +9959,7 @@
                 <p:nvPr/>
               </p:nvPicPr>
               <p:blipFill>
-                <a:blip r:embed="rId125"/>
+                <a:blip r:embed="rId126"/>
                 <a:stretch>
                   <a:fillRect/>
                 </a:stretch>
@@ -9392,9 +9997,9 @@
             <a:chExt cx="1760040" cy="1364400"/>
           </a:xfrm>
         </p:grpSpPr>
-        <mc:AlternateContent xmlns:mc="http://schemas.openxmlformats.org/markup-compatibility/2006">
-          <mc:Choice xmlns:p14="http://schemas.microsoft.com/office/powerpoint/2010/main" xmlns:aink="http://schemas.microsoft.com/office/drawing/2016/ink" Requires="p14 aink">
-            <p:contentPart p14:bwMode="auto" r:id="rId126">
+        <mc:AlternateContent xmlns:mc="http://schemas.openxmlformats.org/markup-compatibility/2006" xmlns:p14="http://schemas.microsoft.com/office/powerpoint/2010/main" xmlns:aink="http://schemas.microsoft.com/office/drawing/2016/ink">
+          <mc:Choice Requires="p14 aink">
+            <p:contentPart p14:bwMode="auto" r:id="rId127">
               <p14:nvContentPartPr>
                 <p14:cNvPr id="96" name="잉크 95">
                   <a:extLst>
@@ -9412,7 +10017,7 @@
               </p14:xfrm>
             </p:contentPart>
           </mc:Choice>
-          <mc:Fallback>
+          <mc:Fallback xmlns="">
             <p:pic>
               <p:nvPicPr>
                 <p:cNvPr id="96" name="잉크 95">
@@ -9426,7 +10031,7 @@
                 <p:nvPr/>
               </p:nvPicPr>
               <p:blipFill>
-                <a:blip r:embed="rId127"/>
+                <a:blip r:embed="rId128"/>
                 <a:stretch>
                   <a:fillRect/>
                 </a:stretch>
@@ -9443,9 +10048,9 @@
             </p:pic>
           </mc:Fallback>
         </mc:AlternateContent>
-        <mc:AlternateContent xmlns:mc="http://schemas.openxmlformats.org/markup-compatibility/2006">
-          <mc:Choice xmlns:p14="http://schemas.microsoft.com/office/powerpoint/2010/main" xmlns:aink="http://schemas.microsoft.com/office/drawing/2016/ink" Requires="p14 aink">
-            <p:contentPart p14:bwMode="auto" r:id="rId128">
+        <mc:AlternateContent xmlns:mc="http://schemas.openxmlformats.org/markup-compatibility/2006" xmlns:p14="http://schemas.microsoft.com/office/powerpoint/2010/main" xmlns:aink="http://schemas.microsoft.com/office/drawing/2016/ink">
+          <mc:Choice Requires="p14 aink">
+            <p:contentPart p14:bwMode="auto" r:id="rId129">
               <p14:nvContentPartPr>
                 <p14:cNvPr id="97" name="잉크 96">
                   <a:extLst>
@@ -9463,7 +10068,7 @@
               </p14:xfrm>
             </p:contentPart>
           </mc:Choice>
-          <mc:Fallback>
+          <mc:Fallback xmlns="">
             <p:pic>
               <p:nvPicPr>
                 <p:cNvPr id="97" name="잉크 96">
@@ -9477,7 +10082,7 @@
                 <p:nvPr/>
               </p:nvPicPr>
               <p:blipFill>
-                <a:blip r:embed="rId129"/>
+                <a:blip r:embed="rId130"/>
                 <a:stretch>
                   <a:fillRect/>
                 </a:stretch>
@@ -9494,9 +10099,9 @@
             </p:pic>
           </mc:Fallback>
         </mc:AlternateContent>
-        <mc:AlternateContent xmlns:mc="http://schemas.openxmlformats.org/markup-compatibility/2006">
-          <mc:Choice xmlns:p14="http://schemas.microsoft.com/office/powerpoint/2010/main" xmlns:aink="http://schemas.microsoft.com/office/drawing/2016/ink" Requires="p14 aink">
-            <p:contentPart p14:bwMode="auto" r:id="rId130">
+        <mc:AlternateContent xmlns:mc="http://schemas.openxmlformats.org/markup-compatibility/2006" xmlns:p14="http://schemas.microsoft.com/office/powerpoint/2010/main" xmlns:aink="http://schemas.microsoft.com/office/drawing/2016/ink">
+          <mc:Choice Requires="p14 aink">
+            <p:contentPart p14:bwMode="auto" r:id="rId131">
               <p14:nvContentPartPr>
                 <p14:cNvPr id="98" name="잉크 97">
                   <a:extLst>
@@ -9514,7 +10119,7 @@
               </p14:xfrm>
             </p:contentPart>
           </mc:Choice>
-          <mc:Fallback>
+          <mc:Fallback xmlns="">
             <p:pic>
               <p:nvPicPr>
                 <p:cNvPr id="98" name="잉크 97">
@@ -9528,7 +10133,7 @@
                 <p:nvPr/>
               </p:nvPicPr>
               <p:blipFill>
-                <a:blip r:embed="rId131"/>
+                <a:blip r:embed="rId132"/>
                 <a:stretch>
                   <a:fillRect/>
                 </a:stretch>
@@ -9545,9 +10150,9 @@
             </p:pic>
           </mc:Fallback>
         </mc:AlternateContent>
-        <mc:AlternateContent xmlns:mc="http://schemas.openxmlformats.org/markup-compatibility/2006">
-          <mc:Choice xmlns:p14="http://schemas.microsoft.com/office/powerpoint/2010/main" xmlns:aink="http://schemas.microsoft.com/office/drawing/2016/ink" Requires="p14 aink">
-            <p:contentPart p14:bwMode="auto" r:id="rId132">
+        <mc:AlternateContent xmlns:mc="http://schemas.openxmlformats.org/markup-compatibility/2006" xmlns:p14="http://schemas.microsoft.com/office/powerpoint/2010/main" xmlns:aink="http://schemas.microsoft.com/office/drawing/2016/ink">
+          <mc:Choice Requires="p14 aink">
+            <p:contentPart p14:bwMode="auto" r:id="rId133">
               <p14:nvContentPartPr>
                 <p14:cNvPr id="99" name="잉크 98">
                   <a:extLst>
@@ -9565,7 +10170,7 @@
               </p14:xfrm>
             </p:contentPart>
           </mc:Choice>
-          <mc:Fallback>
+          <mc:Fallback xmlns="">
             <p:pic>
               <p:nvPicPr>
                 <p:cNvPr id="99" name="잉크 98">
@@ -9579,7 +10184,7 @@
                 <p:nvPr/>
               </p:nvPicPr>
               <p:blipFill>
-                <a:blip r:embed="rId133"/>
+                <a:blip r:embed="rId134"/>
                 <a:stretch>
                   <a:fillRect/>
                 </a:stretch>
@@ -9596,9 +10201,9 @@
             </p:pic>
           </mc:Fallback>
         </mc:AlternateContent>
-        <mc:AlternateContent xmlns:mc="http://schemas.openxmlformats.org/markup-compatibility/2006">
-          <mc:Choice xmlns:p14="http://schemas.microsoft.com/office/powerpoint/2010/main" xmlns:aink="http://schemas.microsoft.com/office/drawing/2016/ink" Requires="p14 aink">
-            <p:contentPart p14:bwMode="auto" r:id="rId134">
+        <mc:AlternateContent xmlns:mc="http://schemas.openxmlformats.org/markup-compatibility/2006" xmlns:p14="http://schemas.microsoft.com/office/powerpoint/2010/main" xmlns:aink="http://schemas.microsoft.com/office/drawing/2016/ink">
+          <mc:Choice Requires="p14 aink">
+            <p:contentPart p14:bwMode="auto" r:id="rId135">
               <p14:nvContentPartPr>
                 <p14:cNvPr id="100" name="잉크 99">
                   <a:extLst>
@@ -9616,7 +10221,7 @@
               </p14:xfrm>
             </p:contentPart>
           </mc:Choice>
-          <mc:Fallback>
+          <mc:Fallback xmlns="">
             <p:pic>
               <p:nvPicPr>
                 <p:cNvPr id="100" name="잉크 99">
@@ -9630,7 +10235,7 @@
                 <p:nvPr/>
               </p:nvPicPr>
               <p:blipFill>
-                <a:blip r:embed="rId135"/>
+                <a:blip r:embed="rId136"/>
                 <a:stretch>
                   <a:fillRect/>
                 </a:stretch>
@@ -9647,9 +10252,9 @@
             </p:pic>
           </mc:Fallback>
         </mc:AlternateContent>
-        <mc:AlternateContent xmlns:mc="http://schemas.openxmlformats.org/markup-compatibility/2006">
-          <mc:Choice xmlns:p14="http://schemas.microsoft.com/office/powerpoint/2010/main" xmlns:aink="http://schemas.microsoft.com/office/drawing/2016/ink" Requires="p14 aink">
-            <p:contentPart p14:bwMode="auto" r:id="rId136">
+        <mc:AlternateContent xmlns:mc="http://schemas.openxmlformats.org/markup-compatibility/2006" xmlns:p14="http://schemas.microsoft.com/office/powerpoint/2010/main" xmlns:aink="http://schemas.microsoft.com/office/drawing/2016/ink">
+          <mc:Choice Requires="p14 aink">
+            <p:contentPart p14:bwMode="auto" r:id="rId137">
               <p14:nvContentPartPr>
                 <p14:cNvPr id="101" name="잉크 100">
                   <a:extLst>
@@ -9667,7 +10272,7 @@
               </p14:xfrm>
             </p:contentPart>
           </mc:Choice>
-          <mc:Fallback>
+          <mc:Fallback xmlns="">
             <p:pic>
               <p:nvPicPr>
                 <p:cNvPr id="101" name="잉크 100">
@@ -9681,7 +10286,7 @@
                 <p:nvPr/>
               </p:nvPicPr>
               <p:blipFill>
-                <a:blip r:embed="rId137"/>
+                <a:blip r:embed="rId138"/>
                 <a:stretch>
                   <a:fillRect/>
                 </a:stretch>
@@ -9698,9 +10303,9 @@
             </p:pic>
           </mc:Fallback>
         </mc:AlternateContent>
-        <mc:AlternateContent xmlns:mc="http://schemas.openxmlformats.org/markup-compatibility/2006">
-          <mc:Choice xmlns:p14="http://schemas.microsoft.com/office/powerpoint/2010/main" xmlns:aink="http://schemas.microsoft.com/office/drawing/2016/ink" Requires="p14 aink">
-            <p:contentPart p14:bwMode="auto" r:id="rId138">
+        <mc:AlternateContent xmlns:mc="http://schemas.openxmlformats.org/markup-compatibility/2006" xmlns:p14="http://schemas.microsoft.com/office/powerpoint/2010/main" xmlns:aink="http://schemas.microsoft.com/office/drawing/2016/ink">
+          <mc:Choice Requires="p14 aink">
+            <p:contentPart p14:bwMode="auto" r:id="rId139">
               <p14:nvContentPartPr>
                 <p14:cNvPr id="102" name="잉크 101">
                   <a:extLst>
@@ -9718,7 +10323,7 @@
               </p14:xfrm>
             </p:contentPart>
           </mc:Choice>
-          <mc:Fallback>
+          <mc:Fallback xmlns="">
             <p:pic>
               <p:nvPicPr>
                 <p:cNvPr id="102" name="잉크 101">
@@ -9732,7 +10337,7 @@
                 <p:nvPr/>
               </p:nvPicPr>
               <p:blipFill>
-                <a:blip r:embed="rId139"/>
+                <a:blip r:embed="rId140"/>
                 <a:stretch>
                   <a:fillRect/>
                 </a:stretch>
@@ -9749,9 +10354,9 @@
             </p:pic>
           </mc:Fallback>
         </mc:AlternateContent>
-        <mc:AlternateContent xmlns:mc="http://schemas.openxmlformats.org/markup-compatibility/2006">
-          <mc:Choice xmlns:p14="http://schemas.microsoft.com/office/powerpoint/2010/main" xmlns:aink="http://schemas.microsoft.com/office/drawing/2016/ink" Requires="p14 aink">
-            <p:contentPart p14:bwMode="auto" r:id="rId140">
+        <mc:AlternateContent xmlns:mc="http://schemas.openxmlformats.org/markup-compatibility/2006" xmlns:p14="http://schemas.microsoft.com/office/powerpoint/2010/main" xmlns:aink="http://schemas.microsoft.com/office/drawing/2016/ink">
+          <mc:Choice Requires="p14 aink">
+            <p:contentPart p14:bwMode="auto" r:id="rId141">
               <p14:nvContentPartPr>
                 <p14:cNvPr id="103" name="잉크 102">
                   <a:extLst>
@@ -9769,7 +10374,7 @@
               </p14:xfrm>
             </p:contentPart>
           </mc:Choice>
-          <mc:Fallback>
+          <mc:Fallback xmlns="">
             <p:pic>
               <p:nvPicPr>
                 <p:cNvPr id="103" name="잉크 102">
@@ -9783,7 +10388,7 @@
                 <p:nvPr/>
               </p:nvPicPr>
               <p:blipFill>
-                <a:blip r:embed="rId141"/>
+                <a:blip r:embed="rId142"/>
                 <a:stretch>
                   <a:fillRect/>
                 </a:stretch>
@@ -9800,9 +10405,9 @@
             </p:pic>
           </mc:Fallback>
         </mc:AlternateContent>
-        <mc:AlternateContent xmlns:mc="http://schemas.openxmlformats.org/markup-compatibility/2006">
-          <mc:Choice xmlns:p14="http://schemas.microsoft.com/office/powerpoint/2010/main" xmlns:aink="http://schemas.microsoft.com/office/drawing/2016/ink" Requires="p14 aink">
-            <p:contentPart p14:bwMode="auto" r:id="rId142">
+        <mc:AlternateContent xmlns:mc="http://schemas.openxmlformats.org/markup-compatibility/2006" xmlns:p14="http://schemas.microsoft.com/office/powerpoint/2010/main" xmlns:aink="http://schemas.microsoft.com/office/drawing/2016/ink">
+          <mc:Choice Requires="p14 aink">
+            <p:contentPart p14:bwMode="auto" r:id="rId143">
               <p14:nvContentPartPr>
                 <p14:cNvPr id="104" name="잉크 103">
                   <a:extLst>
@@ -9820,7 +10425,7 @@
               </p14:xfrm>
             </p:contentPart>
           </mc:Choice>
-          <mc:Fallback>
+          <mc:Fallback xmlns="">
             <p:pic>
               <p:nvPicPr>
                 <p:cNvPr id="104" name="잉크 103">
@@ -9834,7 +10439,7 @@
                 <p:nvPr/>
               </p:nvPicPr>
               <p:blipFill>
-                <a:blip r:embed="rId143"/>
+                <a:blip r:embed="rId144"/>
                 <a:stretch>
                   <a:fillRect/>
                 </a:stretch>
@@ -9851,9 +10456,9 @@
             </p:pic>
           </mc:Fallback>
         </mc:AlternateContent>
-        <mc:AlternateContent xmlns:mc="http://schemas.openxmlformats.org/markup-compatibility/2006">
-          <mc:Choice xmlns:p14="http://schemas.microsoft.com/office/powerpoint/2010/main" xmlns:aink="http://schemas.microsoft.com/office/drawing/2016/ink" Requires="p14 aink">
-            <p:contentPart p14:bwMode="auto" r:id="rId144">
+        <mc:AlternateContent xmlns:mc="http://schemas.openxmlformats.org/markup-compatibility/2006" xmlns:p14="http://schemas.microsoft.com/office/powerpoint/2010/main" xmlns:aink="http://schemas.microsoft.com/office/drawing/2016/ink">
+          <mc:Choice Requires="p14 aink">
+            <p:contentPart p14:bwMode="auto" r:id="rId145">
               <p14:nvContentPartPr>
                 <p14:cNvPr id="105" name="잉크 104">
                   <a:extLst>
@@ -9871,7 +10476,7 @@
               </p14:xfrm>
             </p:contentPart>
           </mc:Choice>
-          <mc:Fallback>
+          <mc:Fallback xmlns="">
             <p:pic>
               <p:nvPicPr>
                 <p:cNvPr id="105" name="잉크 104">
@@ -9885,7 +10490,7 @@
                 <p:nvPr/>
               </p:nvPicPr>
               <p:blipFill>
-                <a:blip r:embed="rId145"/>
+                <a:blip r:embed="rId146"/>
                 <a:stretch>
                   <a:fillRect/>
                 </a:stretch>
@@ -9902,9 +10507,9 @@
             </p:pic>
           </mc:Fallback>
         </mc:AlternateContent>
-        <mc:AlternateContent xmlns:mc="http://schemas.openxmlformats.org/markup-compatibility/2006">
-          <mc:Choice xmlns:p14="http://schemas.microsoft.com/office/powerpoint/2010/main" xmlns:aink="http://schemas.microsoft.com/office/drawing/2016/ink" Requires="p14 aink">
-            <p:contentPart p14:bwMode="auto" r:id="rId146">
+        <mc:AlternateContent xmlns:mc="http://schemas.openxmlformats.org/markup-compatibility/2006" xmlns:p14="http://schemas.microsoft.com/office/powerpoint/2010/main" xmlns:aink="http://schemas.microsoft.com/office/drawing/2016/ink">
+          <mc:Choice Requires="p14 aink">
+            <p:contentPart p14:bwMode="auto" r:id="rId147">
               <p14:nvContentPartPr>
                 <p14:cNvPr id="106" name="잉크 105">
                   <a:extLst>
@@ -9922,7 +10527,7 @@
               </p14:xfrm>
             </p:contentPart>
           </mc:Choice>
-          <mc:Fallback>
+          <mc:Fallback xmlns="">
             <p:pic>
               <p:nvPicPr>
                 <p:cNvPr id="106" name="잉크 105">
@@ -9936,7 +10541,7 @@
                 <p:nvPr/>
               </p:nvPicPr>
               <p:blipFill>
-                <a:blip r:embed="rId147"/>
+                <a:blip r:embed="rId148"/>
                 <a:stretch>
                   <a:fillRect/>
                 </a:stretch>
@@ -9953,9 +10558,9 @@
             </p:pic>
           </mc:Fallback>
         </mc:AlternateContent>
-        <mc:AlternateContent xmlns:mc="http://schemas.openxmlformats.org/markup-compatibility/2006">
-          <mc:Choice xmlns:p14="http://schemas.microsoft.com/office/powerpoint/2010/main" xmlns:aink="http://schemas.microsoft.com/office/drawing/2016/ink" Requires="p14 aink">
-            <p:contentPart p14:bwMode="auto" r:id="rId148">
+        <mc:AlternateContent xmlns:mc="http://schemas.openxmlformats.org/markup-compatibility/2006" xmlns:p14="http://schemas.microsoft.com/office/powerpoint/2010/main" xmlns:aink="http://schemas.microsoft.com/office/drawing/2016/ink">
+          <mc:Choice Requires="p14 aink">
+            <p:contentPart p14:bwMode="auto" r:id="rId149">
               <p14:nvContentPartPr>
                 <p14:cNvPr id="107" name="잉크 106">
                   <a:extLst>
@@ -9973,7 +10578,7 @@
               </p14:xfrm>
             </p:contentPart>
           </mc:Choice>
-          <mc:Fallback>
+          <mc:Fallback xmlns="">
             <p:pic>
               <p:nvPicPr>
                 <p:cNvPr id="107" name="잉크 106">
@@ -9987,7 +10592,7 @@
                 <p:nvPr/>
               </p:nvPicPr>
               <p:blipFill>
-                <a:blip r:embed="rId149"/>
+                <a:blip r:embed="rId150"/>
                 <a:stretch>
                   <a:fillRect/>
                 </a:stretch>
@@ -10004,9 +10609,9 @@
             </p:pic>
           </mc:Fallback>
         </mc:AlternateContent>
-        <mc:AlternateContent xmlns:mc="http://schemas.openxmlformats.org/markup-compatibility/2006">
-          <mc:Choice xmlns:p14="http://schemas.microsoft.com/office/powerpoint/2010/main" xmlns:aink="http://schemas.microsoft.com/office/drawing/2016/ink" Requires="p14 aink">
-            <p:contentPart p14:bwMode="auto" r:id="rId150">
+        <mc:AlternateContent xmlns:mc="http://schemas.openxmlformats.org/markup-compatibility/2006" xmlns:p14="http://schemas.microsoft.com/office/powerpoint/2010/main" xmlns:aink="http://schemas.microsoft.com/office/drawing/2016/ink">
+          <mc:Choice Requires="p14 aink">
+            <p:contentPart p14:bwMode="auto" r:id="rId151">
               <p14:nvContentPartPr>
                 <p14:cNvPr id="108" name="잉크 107">
                   <a:extLst>
@@ -10024,7 +10629,7 @@
               </p14:xfrm>
             </p:contentPart>
           </mc:Choice>
-          <mc:Fallback>
+          <mc:Fallback xmlns="">
             <p:pic>
               <p:nvPicPr>
                 <p:cNvPr id="108" name="잉크 107">
@@ -10038,7 +10643,7 @@
                 <p:nvPr/>
               </p:nvPicPr>
               <p:blipFill>
-                <a:blip r:embed="rId151"/>
+                <a:blip r:embed="rId152"/>
                 <a:stretch>
                   <a:fillRect/>
                 </a:stretch>
@@ -10055,9 +10660,9 @@
             </p:pic>
           </mc:Fallback>
         </mc:AlternateContent>
-        <mc:AlternateContent xmlns:mc="http://schemas.openxmlformats.org/markup-compatibility/2006">
-          <mc:Choice xmlns:p14="http://schemas.microsoft.com/office/powerpoint/2010/main" xmlns:aink="http://schemas.microsoft.com/office/drawing/2016/ink" Requires="p14 aink">
-            <p:contentPart p14:bwMode="auto" r:id="rId152">
+        <mc:AlternateContent xmlns:mc="http://schemas.openxmlformats.org/markup-compatibility/2006" xmlns:p14="http://schemas.microsoft.com/office/powerpoint/2010/main" xmlns:aink="http://schemas.microsoft.com/office/drawing/2016/ink">
+          <mc:Choice Requires="p14 aink">
+            <p:contentPart p14:bwMode="auto" r:id="rId153">
               <p14:nvContentPartPr>
                 <p14:cNvPr id="109" name="잉크 108">
                   <a:extLst>
@@ -10075,7 +10680,7 @@
               </p14:xfrm>
             </p:contentPart>
           </mc:Choice>
-          <mc:Fallback>
+          <mc:Fallback xmlns="">
             <p:pic>
               <p:nvPicPr>
                 <p:cNvPr id="109" name="잉크 108">
@@ -10089,7 +10694,7 @@
                 <p:nvPr/>
               </p:nvPicPr>
               <p:blipFill>
-                <a:blip r:embed="rId153"/>
+                <a:blip r:embed="rId154"/>
                 <a:stretch>
                   <a:fillRect/>
                 </a:stretch>
@@ -10106,9 +10711,9 @@
             </p:pic>
           </mc:Fallback>
         </mc:AlternateContent>
-        <mc:AlternateContent xmlns:mc="http://schemas.openxmlformats.org/markup-compatibility/2006">
-          <mc:Choice xmlns:p14="http://schemas.microsoft.com/office/powerpoint/2010/main" xmlns:aink="http://schemas.microsoft.com/office/drawing/2016/ink" Requires="p14 aink">
-            <p:contentPart p14:bwMode="auto" r:id="rId154">
+        <mc:AlternateContent xmlns:mc="http://schemas.openxmlformats.org/markup-compatibility/2006" xmlns:p14="http://schemas.microsoft.com/office/powerpoint/2010/main" xmlns:aink="http://schemas.microsoft.com/office/drawing/2016/ink">
+          <mc:Choice Requires="p14 aink">
+            <p:contentPart p14:bwMode="auto" r:id="rId155">
               <p14:nvContentPartPr>
                 <p14:cNvPr id="111" name="잉크 110">
                   <a:extLst>
@@ -10126,7 +10731,7 @@
               </p14:xfrm>
             </p:contentPart>
           </mc:Choice>
-          <mc:Fallback>
+          <mc:Fallback xmlns="">
             <p:pic>
               <p:nvPicPr>
                 <p:cNvPr id="111" name="잉크 110">
@@ -10140,7 +10745,7 @@
                 <p:nvPr/>
               </p:nvPicPr>
               <p:blipFill>
-                <a:blip r:embed="rId155"/>
+                <a:blip r:embed="rId156"/>
                 <a:stretch>
                   <a:fillRect/>
                 </a:stretch>
@@ -10157,9 +10762,9 @@
             </p:pic>
           </mc:Fallback>
         </mc:AlternateContent>
-        <mc:AlternateContent xmlns:mc="http://schemas.openxmlformats.org/markup-compatibility/2006">
-          <mc:Choice xmlns:p14="http://schemas.microsoft.com/office/powerpoint/2010/main" xmlns:aink="http://schemas.microsoft.com/office/drawing/2016/ink" Requires="p14 aink">
-            <p:contentPart p14:bwMode="auto" r:id="rId156">
+        <mc:AlternateContent xmlns:mc="http://schemas.openxmlformats.org/markup-compatibility/2006" xmlns:p14="http://schemas.microsoft.com/office/powerpoint/2010/main" xmlns:aink="http://schemas.microsoft.com/office/drawing/2016/ink">
+          <mc:Choice Requires="p14 aink">
+            <p:contentPart p14:bwMode="auto" r:id="rId157">
               <p14:nvContentPartPr>
                 <p14:cNvPr id="112" name="잉크 111">
                   <a:extLst>
@@ -10177,7 +10782,7 @@
               </p14:xfrm>
             </p:contentPart>
           </mc:Choice>
-          <mc:Fallback>
+          <mc:Fallback xmlns="">
             <p:pic>
               <p:nvPicPr>
                 <p:cNvPr id="112" name="잉크 111">
@@ -10191,7 +10796,7 @@
                 <p:nvPr/>
               </p:nvPicPr>
               <p:blipFill>
-                <a:blip r:embed="rId157"/>
+                <a:blip r:embed="rId158"/>
                 <a:stretch>
                   <a:fillRect/>
                 </a:stretch>
@@ -10209,9 +10814,9 @@
           </mc:Fallback>
         </mc:AlternateContent>
       </p:grpSp>
-      <mc:AlternateContent xmlns:mc="http://schemas.openxmlformats.org/markup-compatibility/2006">
-        <mc:Choice xmlns:p14="http://schemas.microsoft.com/office/powerpoint/2010/main" xmlns:aink="http://schemas.microsoft.com/office/drawing/2016/ink" Requires="p14 aink">
-          <p:contentPart p14:bwMode="auto" r:id="rId158">
+      <mc:AlternateContent xmlns:mc="http://schemas.openxmlformats.org/markup-compatibility/2006" xmlns:p14="http://schemas.microsoft.com/office/powerpoint/2010/main" xmlns:aink="http://schemas.microsoft.com/office/drawing/2016/ink">
+        <mc:Choice Requires="p14 aink">
+          <p:contentPart p14:bwMode="auto" r:id="rId159">
             <p14:nvContentPartPr>
               <p14:cNvPr id="114" name="잉크 113">
                 <a:extLst>
@@ -10229,7 +10834,7 @@
             </p14:xfrm>
           </p:contentPart>
         </mc:Choice>
-        <mc:Fallback>
+        <mc:Fallback xmlns="">
           <p:pic>
             <p:nvPicPr>
               <p:cNvPr id="114" name="잉크 113">
@@ -10243,7 +10848,7 @@
               <p:nvPr/>
             </p:nvPicPr>
             <p:blipFill>
-              <a:blip r:embed="rId159"/>
+              <a:blip r:embed="rId160"/>
               <a:stretch>
                 <a:fillRect/>
               </a:stretch>
@@ -10260,9 +10865,9 @@
           </p:pic>
         </mc:Fallback>
       </mc:AlternateContent>
-      <mc:AlternateContent xmlns:mc="http://schemas.openxmlformats.org/markup-compatibility/2006">
-        <mc:Choice xmlns:p14="http://schemas.microsoft.com/office/powerpoint/2010/main" Requires="p14">
-          <p:contentPart p14:bwMode="auto" r:id="rId160">
+      <mc:AlternateContent xmlns:mc="http://schemas.openxmlformats.org/markup-compatibility/2006" xmlns:p14="http://schemas.microsoft.com/office/powerpoint/2010/main">
+        <mc:Choice Requires="p14">
+          <p:contentPart p14:bwMode="auto" r:id="rId161">
             <p14:nvContentPartPr>
               <p14:cNvPr id="115" name="잉크 114">
                 <a:extLst>
@@ -10280,7 +10885,7 @@
             </p14:xfrm>
           </p:contentPart>
         </mc:Choice>
-        <mc:Fallback>
+        <mc:Fallback xmlns="">
           <p:pic>
             <p:nvPicPr>
               <p:cNvPr id="115" name="잉크 114">
@@ -10294,7 +10899,7 @@
               <p:nvPr/>
             </p:nvPicPr>
             <p:blipFill>
-              <a:blip r:embed="rId161"/>
+              <a:blip r:embed="rId162"/>
               <a:stretch>
                 <a:fillRect/>
               </a:stretch>
@@ -10331,9 +10936,9 @@
             <a:chExt cx="1150920" cy="820800"/>
           </a:xfrm>
         </p:grpSpPr>
-        <mc:AlternateContent xmlns:mc="http://schemas.openxmlformats.org/markup-compatibility/2006">
-          <mc:Choice xmlns:p14="http://schemas.microsoft.com/office/powerpoint/2010/main" Requires="p14">
-            <p:contentPart p14:bwMode="auto" r:id="rId162">
+        <mc:AlternateContent xmlns:mc="http://schemas.openxmlformats.org/markup-compatibility/2006" xmlns:p14="http://schemas.microsoft.com/office/powerpoint/2010/main">
+          <mc:Choice Requires="p14">
+            <p:contentPart p14:bwMode="auto" r:id="rId163">
               <p14:nvContentPartPr>
                 <p14:cNvPr id="40" name="잉크 39">
                   <a:extLst>
@@ -10351,7 +10956,7 @@
               </p14:xfrm>
             </p:contentPart>
           </mc:Choice>
-          <mc:Fallback>
+          <mc:Fallback xmlns="">
             <p:pic>
               <p:nvPicPr>
                 <p:cNvPr id="40" name="잉크 39">
@@ -10365,7 +10970,7 @@
                 <p:nvPr/>
               </p:nvPicPr>
               <p:blipFill>
-                <a:blip r:embed="rId163"/>
+                <a:blip r:embed="rId164"/>
                 <a:stretch>
                   <a:fillRect/>
                 </a:stretch>
@@ -10382,9 +10987,9 @@
             </p:pic>
           </mc:Fallback>
         </mc:AlternateContent>
-        <mc:AlternateContent xmlns:mc="http://schemas.openxmlformats.org/markup-compatibility/2006">
-          <mc:Choice xmlns:p14="http://schemas.microsoft.com/office/powerpoint/2010/main" Requires="p14">
-            <p:contentPart p14:bwMode="auto" r:id="rId164">
+        <mc:AlternateContent xmlns:mc="http://schemas.openxmlformats.org/markup-compatibility/2006" xmlns:p14="http://schemas.microsoft.com/office/powerpoint/2010/main">
+          <mc:Choice Requires="p14">
+            <p:contentPart p14:bwMode="auto" r:id="rId165">
               <p14:nvContentPartPr>
                 <p14:cNvPr id="41" name="잉크 40">
                   <a:extLst>
@@ -10402,7 +11007,7 @@
               </p14:xfrm>
             </p:contentPart>
           </mc:Choice>
-          <mc:Fallback>
+          <mc:Fallback xmlns="">
             <p:pic>
               <p:nvPicPr>
                 <p:cNvPr id="41" name="잉크 40">
@@ -10416,7 +11021,7 @@
                 <p:nvPr/>
               </p:nvPicPr>
               <p:blipFill>
-                <a:blip r:embed="rId165"/>
+                <a:blip r:embed="rId166"/>
                 <a:stretch>
                   <a:fillRect/>
                 </a:stretch>
@@ -10433,9 +11038,9 @@
             </p:pic>
           </mc:Fallback>
         </mc:AlternateContent>
-        <mc:AlternateContent xmlns:mc="http://schemas.openxmlformats.org/markup-compatibility/2006">
-          <mc:Choice xmlns:p14="http://schemas.microsoft.com/office/powerpoint/2010/main" Requires="p14">
-            <p:contentPart p14:bwMode="auto" r:id="rId166">
+        <mc:AlternateContent xmlns:mc="http://schemas.openxmlformats.org/markup-compatibility/2006" xmlns:p14="http://schemas.microsoft.com/office/powerpoint/2010/main">
+          <mc:Choice Requires="p14">
+            <p:contentPart p14:bwMode="auto" r:id="rId167">
               <p14:nvContentPartPr>
                 <p14:cNvPr id="117" name="잉크 116">
                   <a:extLst>
@@ -10453,7 +11058,7 @@
               </p14:xfrm>
             </p:contentPart>
           </mc:Choice>
-          <mc:Fallback>
+          <mc:Fallback xmlns="">
             <p:pic>
               <p:nvPicPr>
                 <p:cNvPr id="117" name="잉크 116">
@@ -10467,7 +11072,7 @@
                 <p:nvPr/>
               </p:nvPicPr>
               <p:blipFill>
-                <a:blip r:embed="rId167"/>
+                <a:blip r:embed="rId168"/>
                 <a:stretch>
                   <a:fillRect/>
                 </a:stretch>
@@ -10489,6 +11094,401 @@
     <p:extLst>
       <p:ext uri="{BB962C8B-B14F-4D97-AF65-F5344CB8AC3E}">
         <p14:creationId xmlns:p14="http://schemas.microsoft.com/office/powerpoint/2010/main" val="2566884250"/>
+      </p:ext>
+    </p:extLst>
+  </p:cSld>
+  <p:clrMapOvr>
+    <a:masterClrMapping/>
+  </p:clrMapOvr>
+</p:sld>
+</file>
+
+<file path=ppt/slides/slide2.xml><?xml version="1.0" encoding="utf-8"?>
+<p:sld xmlns:a="http://schemas.openxmlformats.org/drawingml/2006/main" xmlns:r="http://schemas.openxmlformats.org/officeDocument/2006/relationships" xmlns:p="http://schemas.openxmlformats.org/presentationml/2006/main">
+  <p:cSld>
+    <p:spTree>
+      <p:nvGrpSpPr>
+        <p:cNvPr id="1" name=""/>
+        <p:cNvGrpSpPr/>
+        <p:nvPr/>
+      </p:nvGrpSpPr>
+      <p:grpSpPr>
+        <a:xfrm>
+          <a:off x="0" y="0"/>
+          <a:ext cx="0" cy="0"/>
+          <a:chOff x="0" y="0"/>
+          <a:chExt cx="0" cy="0"/>
+        </a:xfrm>
+      </p:grpSpPr>
+      <p:pic>
+        <p:nvPicPr>
+          <p:cNvPr id="5" name="그림 4">
+            <a:extLst>
+              <a:ext uri="{FF2B5EF4-FFF2-40B4-BE49-F238E27FC236}">
+                <a16:creationId xmlns:a16="http://schemas.microsoft.com/office/drawing/2014/main" id="{0DD8E310-6E08-2DAD-7AA5-42141CDEAEC1}"/>
+              </a:ext>
+            </a:extLst>
+          </p:cNvPr>
+          <p:cNvPicPr>
+            <a:picLocks noChangeAspect="1"/>
+          </p:cNvPicPr>
+          <p:nvPr/>
+        </p:nvPicPr>
+        <p:blipFill>
+          <a:blip r:embed="rId3"/>
+          <a:stretch>
+            <a:fillRect/>
+          </a:stretch>
+        </p:blipFill>
+        <p:spPr>
+          <a:xfrm>
+            <a:off x="2145861" y="989317"/>
+            <a:ext cx="7900277" cy="4879365"/>
+          </a:xfrm>
+          <a:prstGeom prst="rect">
+            <a:avLst/>
+          </a:prstGeom>
+        </p:spPr>
+      </p:pic>
+      <p:sp>
+        <p:nvSpPr>
+          <p:cNvPr id="6" name="순서도: 연결자 5">
+            <a:extLst>
+              <a:ext uri="{FF2B5EF4-FFF2-40B4-BE49-F238E27FC236}">
+                <a16:creationId xmlns:a16="http://schemas.microsoft.com/office/drawing/2014/main" id="{DA4E70B2-0758-65C1-16E1-EA575296689B}"/>
+              </a:ext>
+            </a:extLst>
+          </p:cNvPr>
+          <p:cNvSpPr/>
+          <p:nvPr/>
+        </p:nvSpPr>
+        <p:spPr>
+          <a:xfrm>
+            <a:off x="11051931" y="3210657"/>
+            <a:ext cx="641838" cy="597875"/>
+          </a:xfrm>
+          <a:prstGeom prst="flowChartConnector">
+            <a:avLst/>
+          </a:prstGeom>
+        </p:spPr>
+        <p:style>
+          <a:lnRef idx="2">
+            <a:schemeClr val="accent1">
+              <a:shade val="15000"/>
+            </a:schemeClr>
+          </a:lnRef>
+          <a:fillRef idx="1">
+            <a:schemeClr val="accent1"/>
+          </a:fillRef>
+          <a:effectRef idx="0">
+            <a:schemeClr val="accent1"/>
+          </a:effectRef>
+          <a:fontRef idx="minor">
+            <a:schemeClr val="lt1"/>
+          </a:fontRef>
+        </p:style>
+        <p:txBody>
+          <a:bodyPr rtlCol="0" anchor="ctr"/>
+          <a:lstStyle/>
+          <a:p>
+            <a:pPr algn="ctr"/>
+            <a:r>
+              <a:rPr lang="en-US" altLang="ko-KR" dirty="0"/>
+              <a:t>G</a:t>
+            </a:r>
+            <a:endParaRPr lang="ko-KR" altLang="en-US" dirty="0"/>
+          </a:p>
+        </p:txBody>
+      </p:sp>
+      <p:sp>
+        <p:nvSpPr>
+          <p:cNvPr id="7" name="순서도: 연결자 6">
+            <a:extLst>
+              <a:ext uri="{FF2B5EF4-FFF2-40B4-BE49-F238E27FC236}">
+                <a16:creationId xmlns:a16="http://schemas.microsoft.com/office/drawing/2014/main" id="{9480BB08-C9AD-FF90-097B-8E8099370FC5}"/>
+              </a:ext>
+            </a:extLst>
+          </p:cNvPr>
+          <p:cNvSpPr/>
+          <p:nvPr/>
+        </p:nvSpPr>
+        <p:spPr>
+          <a:xfrm>
+            <a:off x="282820" y="2910254"/>
+            <a:ext cx="641838" cy="600807"/>
+          </a:xfrm>
+          <a:prstGeom prst="flowChartConnector">
+            <a:avLst/>
+          </a:prstGeom>
+        </p:spPr>
+        <p:style>
+          <a:lnRef idx="2">
+            <a:schemeClr val="accent1">
+              <a:shade val="15000"/>
+            </a:schemeClr>
+          </a:lnRef>
+          <a:fillRef idx="1">
+            <a:schemeClr val="accent1"/>
+          </a:fillRef>
+          <a:effectRef idx="0">
+            <a:schemeClr val="accent1"/>
+          </a:effectRef>
+          <a:fontRef idx="minor">
+            <a:schemeClr val="lt1"/>
+          </a:fontRef>
+        </p:style>
+        <p:txBody>
+          <a:bodyPr rtlCol="0" anchor="ctr"/>
+          <a:lstStyle/>
+          <a:p>
+            <a:pPr algn="ctr"/>
+            <a:r>
+              <a:rPr lang="en-US" altLang="ko-KR" dirty="0"/>
+              <a:t>F</a:t>
+            </a:r>
+            <a:endParaRPr lang="ko-KR" altLang="en-US" dirty="0"/>
+          </a:p>
+        </p:txBody>
+      </p:sp>
+      <p:sp>
+        <p:nvSpPr>
+          <p:cNvPr id="8" name="TextBox 7">
+            <a:extLst>
+              <a:ext uri="{FF2B5EF4-FFF2-40B4-BE49-F238E27FC236}">
+                <a16:creationId xmlns:a16="http://schemas.microsoft.com/office/drawing/2014/main" id="{2B56BAE5-502C-1FA2-3719-998C07D59917}"/>
+              </a:ext>
+            </a:extLst>
+          </p:cNvPr>
+          <p:cNvSpPr txBox="1"/>
+          <p:nvPr/>
+        </p:nvSpPr>
+        <p:spPr>
+          <a:xfrm>
+            <a:off x="10265019" y="3894992"/>
+            <a:ext cx="2857500" cy="369332"/>
+          </a:xfrm>
+          <a:prstGeom prst="rect">
+            <a:avLst/>
+          </a:prstGeom>
+          <a:noFill/>
+        </p:spPr>
+        <p:txBody>
+          <a:bodyPr wrap="square" rtlCol="0">
+            <a:spAutoFit/>
+          </a:bodyPr>
+          <a:lstStyle/>
+          <a:p>
+            <a:r>
+              <a:rPr lang="ko-KR" altLang="en-US" dirty="0"/>
+              <a:t>가천대역 </a:t>
+            </a:r>
+            <a:r>
+              <a:rPr lang="en-US" altLang="ko-KR" dirty="0"/>
+              <a:t>1</a:t>
+            </a:r>
+            <a:r>
+              <a:rPr lang="ko-KR" altLang="en-US" dirty="0" err="1"/>
+              <a:t>번출구</a:t>
+            </a:r>
+            <a:r>
+              <a:rPr lang="ko-KR" altLang="en-US" dirty="0"/>
+              <a:t> </a:t>
+            </a:r>
+          </a:p>
+        </p:txBody>
+      </p:sp>
+      <p:sp>
+        <p:nvSpPr>
+          <p:cNvPr id="9" name="TextBox 8">
+            <a:extLst>
+              <a:ext uri="{FF2B5EF4-FFF2-40B4-BE49-F238E27FC236}">
+                <a16:creationId xmlns:a16="http://schemas.microsoft.com/office/drawing/2014/main" id="{E9061809-BD74-4430-794F-152C321650C6}"/>
+              </a:ext>
+            </a:extLst>
+          </p:cNvPr>
+          <p:cNvSpPr txBox="1"/>
+          <p:nvPr/>
+        </p:nvSpPr>
+        <p:spPr>
+          <a:xfrm>
+            <a:off x="-204422" y="3525660"/>
+            <a:ext cx="2688980" cy="369332"/>
+          </a:xfrm>
+          <a:prstGeom prst="rect">
+            <a:avLst/>
+          </a:prstGeom>
+          <a:noFill/>
+        </p:spPr>
+        <p:txBody>
+          <a:bodyPr wrap="square" rtlCol="0">
+            <a:spAutoFit/>
+          </a:bodyPr>
+          <a:lstStyle/>
+          <a:p>
+            <a:r>
+              <a:rPr lang="ko-KR" altLang="en-US"/>
+              <a:t>복정동 주거단지</a:t>
+            </a:r>
+          </a:p>
+        </p:txBody>
+      </p:sp>
+      <mc:AlternateContent xmlns:mc="http://schemas.openxmlformats.org/markup-compatibility/2006" xmlns:p14="http://schemas.microsoft.com/office/powerpoint/2010/main">
+        <mc:Choice Requires="p14">
+          <p:contentPart p14:bwMode="auto" r:id="rId4">
+            <p14:nvContentPartPr>
+              <p14:cNvPr id="13" name="잉크 12">
+                <a:extLst>
+                  <a:ext uri="{FF2B5EF4-FFF2-40B4-BE49-F238E27FC236}">
+                    <a16:creationId xmlns:a16="http://schemas.microsoft.com/office/drawing/2014/main" id="{F4936B2A-6C99-EB64-6143-B0B87CA1B034}"/>
+                  </a:ext>
+                </a:extLst>
+              </p14:cNvPr>
+              <p14:cNvContentPartPr/>
+              <p14:nvPr/>
+            </p14:nvContentPartPr>
+            <p14:xfrm>
+              <a:off x="184320" y="3736426"/>
+              <a:ext cx="360" cy="360"/>
+            </p14:xfrm>
+          </p:contentPart>
+        </mc:Choice>
+        <mc:Fallback xmlns="">
+          <p:pic>
+            <p:nvPicPr>
+              <p:cNvPr id="13" name="잉크 12">
+                <a:extLst>
+                  <a:ext uri="{FF2B5EF4-FFF2-40B4-BE49-F238E27FC236}">
+                    <a16:creationId xmlns:a16="http://schemas.microsoft.com/office/drawing/2014/main" id="{F4936B2A-6C99-EB64-6143-B0B87CA1B034}"/>
+                  </a:ext>
+                </a:extLst>
+              </p:cNvPr>
+              <p:cNvPicPr/>
+              <p:nvPr/>
+            </p:nvPicPr>
+            <p:blipFill>
+              <a:blip r:embed="rId5"/>
+              <a:stretch>
+                <a:fillRect/>
+              </a:stretch>
+            </p:blipFill>
+            <p:spPr>
+              <a:xfrm>
+                <a:off x="175320" y="3727426"/>
+                <a:ext cx="18000" cy="18000"/>
+              </a:xfrm>
+              <a:prstGeom prst="rect">
+                <a:avLst/>
+              </a:prstGeom>
+            </p:spPr>
+          </p:pic>
+        </mc:Fallback>
+      </mc:AlternateContent>
+      <mc:AlternateContent xmlns:mc="http://schemas.openxmlformats.org/markup-compatibility/2006">
+        <mc:Choice xmlns:p14="http://schemas.microsoft.com/office/powerpoint/2010/main" Requires="p14">
+          <p:contentPart p14:bwMode="auto" r:id="rId6">
+            <p14:nvContentPartPr>
+              <p14:cNvPr id="19" name="잉크 18">
+                <a:extLst>
+                  <a:ext uri="{FF2B5EF4-FFF2-40B4-BE49-F238E27FC236}">
+                    <a16:creationId xmlns:a16="http://schemas.microsoft.com/office/drawing/2014/main" id="{46C9029D-552C-ED96-6AE0-1212B94C2E49}"/>
+                  </a:ext>
+                </a:extLst>
+              </p14:cNvPr>
+              <p14:cNvContentPartPr/>
+              <p14:nvPr/>
+            </p14:nvContentPartPr>
+            <p14:xfrm>
+              <a:off x="891360" y="3260460"/>
+              <a:ext cx="1652760" cy="115560"/>
+            </p14:xfrm>
+          </p:contentPart>
+        </mc:Choice>
+        <mc:Fallback>
+          <p:pic>
+            <p:nvPicPr>
+              <p:cNvPr id="19" name="잉크 18">
+                <a:extLst>
+                  <a:ext uri="{FF2B5EF4-FFF2-40B4-BE49-F238E27FC236}">
+                    <a16:creationId xmlns:a16="http://schemas.microsoft.com/office/drawing/2014/main" id="{46C9029D-552C-ED96-6AE0-1212B94C2E49}"/>
+                  </a:ext>
+                </a:extLst>
+              </p:cNvPr>
+              <p:cNvPicPr/>
+              <p:nvPr/>
+            </p:nvPicPr>
+            <p:blipFill>
+              <a:blip r:embed="rId7"/>
+              <a:stretch>
+                <a:fillRect/>
+              </a:stretch>
+            </p:blipFill>
+            <p:spPr>
+              <a:xfrm>
+                <a:off x="882360" y="3251488"/>
+                <a:ext cx="1670400" cy="133145"/>
+              </a:xfrm>
+              <a:prstGeom prst="rect">
+                <a:avLst/>
+              </a:prstGeom>
+            </p:spPr>
+          </p:pic>
+        </mc:Fallback>
+      </mc:AlternateContent>
+      <mc:AlternateContent xmlns:mc="http://schemas.openxmlformats.org/markup-compatibility/2006" xmlns:p14="http://schemas.microsoft.com/office/powerpoint/2010/main">
+        <mc:Choice Requires="p14">
+          <p:contentPart p14:bwMode="auto" r:id="rId8">
+            <p14:nvContentPartPr>
+              <p14:cNvPr id="27" name="잉크 26">
+                <a:extLst>
+                  <a:ext uri="{FF2B5EF4-FFF2-40B4-BE49-F238E27FC236}">
+                    <a16:creationId xmlns:a16="http://schemas.microsoft.com/office/drawing/2014/main" id="{66727756-65D8-38AD-E5F8-070C7224808A}"/>
+                  </a:ext>
+                </a:extLst>
+              </p14:cNvPr>
+              <p14:cNvContentPartPr/>
+              <p14:nvPr/>
+            </p14:nvContentPartPr>
+            <p14:xfrm>
+              <a:off x="-550080" y="1264620"/>
+              <a:ext cx="1800" cy="360"/>
+            </p14:xfrm>
+          </p:contentPart>
+        </mc:Choice>
+        <mc:Fallback xmlns="">
+          <p:pic>
+            <p:nvPicPr>
+              <p:cNvPr id="27" name="잉크 26">
+                <a:extLst>
+                  <a:ext uri="{FF2B5EF4-FFF2-40B4-BE49-F238E27FC236}">
+                    <a16:creationId xmlns:a16="http://schemas.microsoft.com/office/drawing/2014/main" id="{66727756-65D8-38AD-E5F8-070C7224808A}"/>
+                  </a:ext>
+                </a:extLst>
+              </p:cNvPr>
+              <p:cNvPicPr/>
+              <p:nvPr/>
+            </p:nvPicPr>
+            <p:blipFill>
+              <a:blip r:embed="rId5"/>
+              <a:stretch>
+                <a:fillRect/>
+              </a:stretch>
+            </p:blipFill>
+            <p:spPr>
+              <a:xfrm>
+                <a:off x="-559080" y="1255620"/>
+                <a:ext cx="19440" cy="18000"/>
+              </a:xfrm>
+              <a:prstGeom prst="rect">
+                <a:avLst/>
+              </a:prstGeom>
+            </p:spPr>
+          </p:pic>
+        </mc:Fallback>
+      </mc:AlternateContent>
+    </p:spTree>
+    <p:extLst>
+      <p:ext uri="{BB962C8B-B14F-4D97-AF65-F5344CB8AC3E}">
+        <p14:creationId xmlns:p14="http://schemas.microsoft.com/office/powerpoint/2010/main" val="3809178753"/>
       </p:ext>
     </p:extLst>
   </p:cSld>
@@ -10791,4 +11791,319 @@
     </a:ext>
   </a:extLst>
 </a:theme>
+</file>
+
+<file path=ppt/theme/theme2.xml><?xml version="1.0" encoding="utf-8"?>
+<a:theme xmlns:a="http://schemas.openxmlformats.org/drawingml/2006/main" name="Office 테마">
+  <a:themeElements>
+    <a:clrScheme name="Office">
+      <a:dk1>
+        <a:sysClr val="windowText" lastClr="000000"/>
+      </a:dk1>
+      <a:lt1>
+        <a:sysClr val="window" lastClr="FFFFFF"/>
+      </a:lt1>
+      <a:dk2>
+        <a:srgbClr val="0E2841"/>
+      </a:dk2>
+      <a:lt2>
+        <a:srgbClr val="E8E8E8"/>
+      </a:lt2>
+      <a:accent1>
+        <a:srgbClr val="156082"/>
+      </a:accent1>
+      <a:accent2>
+        <a:srgbClr val="E97132"/>
+      </a:accent2>
+      <a:accent3>
+        <a:srgbClr val="196B24"/>
+      </a:accent3>
+      <a:accent4>
+        <a:srgbClr val="0F9ED5"/>
+      </a:accent4>
+      <a:accent5>
+        <a:srgbClr val="A02B93"/>
+      </a:accent5>
+      <a:accent6>
+        <a:srgbClr val="4EA72E"/>
+      </a:accent6>
+      <a:hlink>
+        <a:srgbClr val="467886"/>
+      </a:hlink>
+      <a:folHlink>
+        <a:srgbClr val="96607D"/>
+      </a:folHlink>
+    </a:clrScheme>
+    <a:fontScheme name="Office">
+      <a:majorFont>
+        <a:latin typeface="맑은 고딕" panose="02110004020202020204"/>
+        <a:ea typeface=""/>
+        <a:cs typeface=""/>
+        <a:font script="Jpan" typeface="游ゴシック Light"/>
+        <a:font script="Hang" typeface="맑은 고딕"/>
+        <a:font script="Hans" typeface="等线 Light"/>
+        <a:font script="Hant" typeface="新細明體"/>
+        <a:font script="Arab" typeface="Times New Roman"/>
+        <a:font script="Hebr" typeface="Times New Roman"/>
+        <a:font script="Thai" typeface="Angsana New"/>
+        <a:font script="Ethi" typeface="Nyala"/>
+        <a:font script="Beng" typeface="Vrinda"/>
+        <a:font script="Gujr" typeface="Shruti"/>
+        <a:font script="Khmr" typeface="MoolBoran"/>
+        <a:font script="Knda" typeface="Tunga"/>
+        <a:font script="Guru" typeface="Raavi"/>
+        <a:font script="Cans" typeface="Euphemia"/>
+        <a:font script="Cher" typeface="Plantagenet Cherokee"/>
+        <a:font script="Yiii" typeface="Microsoft Yi Baiti"/>
+        <a:font script="Tibt" typeface="Microsoft Himalaya"/>
+        <a:font script="Thaa" typeface="MV Boli"/>
+        <a:font script="Deva" typeface="Mangal"/>
+        <a:font script="Telu" typeface="Gautami"/>
+        <a:font script="Taml" typeface="Latha"/>
+        <a:font script="Syrc" typeface="Estrangelo Edessa"/>
+        <a:font script="Orya" typeface="Kalinga"/>
+        <a:font script="Mlym" typeface="Kartika"/>
+        <a:font script="Laoo" typeface="DokChampa"/>
+        <a:font script="Sinh" typeface="Iskoola Pota"/>
+        <a:font script="Mong" typeface="Mongolian Baiti"/>
+        <a:font script="Viet" typeface="Times New Roman"/>
+        <a:font script="Uigh" typeface="Microsoft Uighur"/>
+        <a:font script="Geor" typeface="Sylfaen"/>
+        <a:font script="Armn" typeface="Arial"/>
+        <a:font script="Bugi" typeface="Leelawadee UI"/>
+        <a:font script="Bopo" typeface="Microsoft JhengHei"/>
+        <a:font script="Java" typeface="Javanese Text"/>
+        <a:font script="Lisu" typeface="Segoe UI"/>
+        <a:font script="Mymr" typeface="Myanmar Text"/>
+        <a:font script="Nkoo" typeface="Ebrima"/>
+        <a:font script="Olck" typeface="Nirmala UI"/>
+        <a:font script="Osma" typeface="Ebrima"/>
+        <a:font script="Phag" typeface="Phagspa"/>
+        <a:font script="Syrn" typeface="Estrangelo Edessa"/>
+        <a:font script="Syrj" typeface="Estrangelo Edessa"/>
+        <a:font script="Syre" typeface="Estrangelo Edessa"/>
+        <a:font script="Sora" typeface="Nirmala UI"/>
+        <a:font script="Tale" typeface="Microsoft Tai Le"/>
+        <a:font script="Talu" typeface="Microsoft New Tai Lue"/>
+        <a:font script="Tfng" typeface="Ebrima"/>
+      </a:majorFont>
+      <a:minorFont>
+        <a:latin typeface="맑은 고딕" panose="02110004020202020204"/>
+        <a:ea typeface=""/>
+        <a:cs typeface=""/>
+        <a:font script="Jpan" typeface="游ゴシック"/>
+        <a:font script="Hang" typeface="맑은 고딕"/>
+        <a:font script="Hans" typeface="等线"/>
+        <a:font script="Hant" typeface="新細明體"/>
+        <a:font script="Arab" typeface="Arial"/>
+        <a:font script="Hebr" typeface="Arial"/>
+        <a:font script="Thai" typeface="Cordia New"/>
+        <a:font script="Ethi" typeface="Nyala"/>
+        <a:font script="Beng" typeface="Vrinda"/>
+        <a:font script="Gujr" typeface="Shruti"/>
+        <a:font script="Khmr" typeface="DaunPenh"/>
+        <a:font script="Knda" typeface="Tunga"/>
+        <a:font script="Guru" typeface="Raavi"/>
+        <a:font script="Cans" typeface="Euphemia"/>
+        <a:font script="Cher" typeface="Plantagenet Cherokee"/>
+        <a:font script="Yiii" typeface="Microsoft Yi Baiti"/>
+        <a:font script="Tibt" typeface="Microsoft Himalaya"/>
+        <a:font script="Thaa" typeface="MV Boli"/>
+        <a:font script="Deva" typeface="Mangal"/>
+        <a:font script="Telu" typeface="Gautami"/>
+        <a:font script="Taml" typeface="Latha"/>
+        <a:font script="Syrc" typeface="Estrangelo Edessa"/>
+        <a:font script="Orya" typeface="Kalinga"/>
+        <a:font script="Mlym" typeface="Kartika"/>
+        <a:font script="Laoo" typeface="DokChampa"/>
+        <a:font script="Sinh" typeface="Iskoola Pota"/>
+        <a:font script="Mong" typeface="Mongolian Baiti"/>
+        <a:font script="Viet" typeface="Arial"/>
+        <a:font script="Uigh" typeface="Microsoft Uighur"/>
+        <a:font script="Geor" typeface="Sylfaen"/>
+        <a:font script="Armn" typeface="Arial"/>
+        <a:font script="Bugi" typeface="Leelawadee UI"/>
+        <a:font script="Bopo" typeface="Microsoft JhengHei"/>
+        <a:font script="Java" typeface="Javanese Text"/>
+        <a:font script="Lisu" typeface="Segoe UI"/>
+        <a:font script="Mymr" typeface="Myanmar Text"/>
+        <a:font script="Nkoo" typeface="Ebrima"/>
+        <a:font script="Olck" typeface="Nirmala UI"/>
+        <a:font script="Osma" typeface="Ebrima"/>
+        <a:font script="Phag" typeface="Phagspa"/>
+        <a:font script="Syrn" typeface="Estrangelo Edessa"/>
+        <a:font script="Syrj" typeface="Estrangelo Edessa"/>
+        <a:font script="Syre" typeface="Estrangelo Edessa"/>
+        <a:font script="Sora" typeface="Nirmala UI"/>
+        <a:font script="Tale" typeface="Microsoft Tai Le"/>
+        <a:font script="Talu" typeface="Microsoft New Tai Lue"/>
+        <a:font script="Tfng" typeface="Ebrima"/>
+      </a:minorFont>
+    </a:fontScheme>
+    <a:fmtScheme name="Office">
+      <a:fillStyleLst>
+        <a:solidFill>
+          <a:schemeClr val="phClr"/>
+        </a:solidFill>
+        <a:gradFill rotWithShape="1">
+          <a:gsLst>
+            <a:gs pos="0">
+              <a:schemeClr val="phClr">
+                <a:lumMod val="110000"/>
+                <a:satMod val="105000"/>
+                <a:tint val="67000"/>
+              </a:schemeClr>
+            </a:gs>
+            <a:gs pos="50000">
+              <a:schemeClr val="phClr">
+                <a:lumMod val="105000"/>
+                <a:satMod val="103000"/>
+                <a:tint val="73000"/>
+              </a:schemeClr>
+            </a:gs>
+            <a:gs pos="100000">
+              <a:schemeClr val="phClr">
+                <a:lumMod val="105000"/>
+                <a:satMod val="109000"/>
+                <a:tint val="81000"/>
+              </a:schemeClr>
+            </a:gs>
+          </a:gsLst>
+          <a:lin ang="5400000" scaled="0"/>
+        </a:gradFill>
+        <a:gradFill rotWithShape="1">
+          <a:gsLst>
+            <a:gs pos="0">
+              <a:schemeClr val="phClr">
+                <a:satMod val="103000"/>
+                <a:lumMod val="102000"/>
+                <a:tint val="94000"/>
+              </a:schemeClr>
+            </a:gs>
+            <a:gs pos="50000">
+              <a:schemeClr val="phClr">
+                <a:satMod val="110000"/>
+                <a:lumMod val="100000"/>
+                <a:shade val="100000"/>
+              </a:schemeClr>
+            </a:gs>
+            <a:gs pos="100000">
+              <a:schemeClr val="phClr">
+                <a:lumMod val="99000"/>
+                <a:satMod val="120000"/>
+                <a:shade val="78000"/>
+              </a:schemeClr>
+            </a:gs>
+          </a:gsLst>
+          <a:lin ang="5400000" scaled="0"/>
+        </a:gradFill>
+      </a:fillStyleLst>
+      <a:lnStyleLst>
+        <a:ln w="12700" cap="flat" cmpd="sng" algn="ctr">
+          <a:solidFill>
+            <a:schemeClr val="phClr"/>
+          </a:solidFill>
+          <a:prstDash val="solid"/>
+          <a:miter lim="800000"/>
+        </a:ln>
+        <a:ln w="19050" cap="flat" cmpd="sng" algn="ctr">
+          <a:solidFill>
+            <a:schemeClr val="phClr"/>
+          </a:solidFill>
+          <a:prstDash val="solid"/>
+          <a:miter lim="800000"/>
+        </a:ln>
+        <a:ln w="25400" cap="flat" cmpd="sng" algn="ctr">
+          <a:solidFill>
+            <a:schemeClr val="phClr"/>
+          </a:solidFill>
+          <a:prstDash val="solid"/>
+          <a:miter lim="800000"/>
+        </a:ln>
+      </a:lnStyleLst>
+      <a:effectStyleLst>
+        <a:effectStyle>
+          <a:effectLst/>
+        </a:effectStyle>
+        <a:effectStyle>
+          <a:effectLst/>
+        </a:effectStyle>
+        <a:effectStyle>
+          <a:effectLst>
+            <a:outerShdw blurRad="57150" dist="19050" dir="5400000" algn="ctr" rotWithShape="0">
+              <a:srgbClr val="000000">
+                <a:alpha val="63000"/>
+              </a:srgbClr>
+            </a:outerShdw>
+          </a:effectLst>
+        </a:effectStyle>
+      </a:effectStyleLst>
+      <a:bgFillStyleLst>
+        <a:solidFill>
+          <a:schemeClr val="phClr"/>
+        </a:solidFill>
+        <a:solidFill>
+          <a:schemeClr val="phClr">
+            <a:tint val="95000"/>
+            <a:satMod val="170000"/>
+          </a:schemeClr>
+        </a:solidFill>
+        <a:gradFill rotWithShape="1">
+          <a:gsLst>
+            <a:gs pos="0">
+              <a:schemeClr val="phClr">
+                <a:tint val="93000"/>
+                <a:satMod val="150000"/>
+                <a:shade val="98000"/>
+                <a:lumMod val="102000"/>
+              </a:schemeClr>
+            </a:gs>
+            <a:gs pos="50000">
+              <a:schemeClr val="phClr">
+                <a:tint val="98000"/>
+                <a:satMod val="130000"/>
+                <a:shade val="90000"/>
+                <a:lumMod val="103000"/>
+              </a:schemeClr>
+            </a:gs>
+            <a:gs pos="100000">
+              <a:schemeClr val="phClr">
+                <a:shade val="63000"/>
+                <a:satMod val="120000"/>
+              </a:schemeClr>
+            </a:gs>
+          </a:gsLst>
+          <a:lin ang="5400000" scaled="0"/>
+        </a:gradFill>
+      </a:bgFillStyleLst>
+    </a:fmtScheme>
+  </a:themeElements>
+  <a:objectDefaults>
+    <a:lnDef>
+      <a:spPr/>
+      <a:bodyPr/>
+      <a:lstStyle/>
+      <a:style>
+        <a:lnRef idx="2">
+          <a:schemeClr val="accent1"/>
+        </a:lnRef>
+        <a:fillRef idx="0">
+          <a:schemeClr val="accent1"/>
+        </a:fillRef>
+        <a:effectRef idx="1">
+          <a:schemeClr val="accent1"/>
+        </a:effectRef>
+        <a:fontRef idx="minor">
+          <a:schemeClr val="tx1"/>
+        </a:fontRef>
+      </a:style>
+    </a:lnDef>
+  </a:objectDefaults>
+  <a:extraClrSchemeLst/>
+  <a:extLst>
+    <a:ext uri="{05A4C25C-085E-4340-85A3-A5531E510DB2}">
+      <thm15:themeFamily xmlns:thm15="http://schemas.microsoft.com/office/thememl/2012/main" name="Office Theme" id="{2E142A2C-CD16-42D6-873A-C26D2A0506FA}" vid="{1BDDFF52-6CD6-40A5-AB3C-68EB2F1E4D0A}"/>
+    </a:ext>
+  </a:extLst>
+</a:theme>
 </file>
--- a/assets/blueprint_renew_to_graph.pptx
+++ b/assets/blueprint_renew_to_graph.pptx
@@ -172,6 +172,286 @@
 </inkml:ink>
 </file>
 
+<file path=ppt/ink/ink100.xml><?xml version="1.0" encoding="utf-8"?>
+<inkml:ink xmlns:inkml="http://www.w3.org/2003/InkML">
+  <inkml:definitions>
+    <inkml:context xml:id="ctx0">
+      <inkml:inkSource xml:id="inkSrc0">
+        <inkml:traceFormat>
+          <inkml:channel name="X" type="integer" min="-2.14748E9" max="2.14748E9" units="cm"/>
+          <inkml:channel name="Y" type="integer" min="-2.14748E9" max="2.14748E9" units="cm"/>
+          <inkml:channel name="F" type="integer" max="32767" units="dev"/>
+        </inkml:traceFormat>
+        <inkml:channelProperties>
+          <inkml:channelProperty channel="X" name="resolution" value="1000" units="1/cm"/>
+          <inkml:channelProperty channel="Y" name="resolution" value="1000" units="1/cm"/>
+          <inkml:channelProperty channel="F" name="resolution" value="0" units="1/dev"/>
+        </inkml:channelProperties>
+      </inkml:inkSource>
+      <inkml:timestamp xml:id="ts0" timeString="2024-06-20T19:43:39.513"/>
+    </inkml:context>
+    <inkml:brush xml:id="br0">
+      <inkml:brushProperty name="width" value="0.035" units="cm"/>
+      <inkml:brushProperty name="height" value="0.035" units="cm"/>
+      <inkml:brushProperty name="color" value="#E71224"/>
+    </inkml:brush>
+  </inkml:definitions>
+  <inkml:trace contextRef="#ctx0" brushRef="#br0">3295 352 24575,'-296'1'0,"-335"-3"0,-137-44 0,540 11 0,106 14 0,-406-82 0,312 57 0,62 18 0,-63-14 0,120 21-1365,59 13-5461</inkml:trace>
+</inkml:ink>
+</file>
+
+<file path=ppt/ink/ink101.xml><?xml version="1.0" encoding="utf-8"?>
+<inkml:ink xmlns:inkml="http://www.w3.org/2003/InkML">
+  <inkml:definitions>
+    <inkml:context xml:id="ctx0">
+      <inkml:inkSource xml:id="inkSrc0">
+        <inkml:traceFormat>
+          <inkml:channel name="X" type="integer" min="-2.14748E9" max="2.14748E9" units="cm"/>
+          <inkml:channel name="Y" type="integer" min="-2.14748E9" max="2.14748E9" units="cm"/>
+          <inkml:channel name="F" type="integer" max="32767" units="dev"/>
+        </inkml:traceFormat>
+        <inkml:channelProperties>
+          <inkml:channelProperty channel="X" name="resolution" value="1000" units="1/cm"/>
+          <inkml:channelProperty channel="Y" name="resolution" value="1000" units="1/cm"/>
+          <inkml:channelProperty channel="F" name="resolution" value="0" units="1/dev"/>
+        </inkml:channelProperties>
+      </inkml:inkSource>
+      <inkml:timestamp xml:id="ts0" timeString="2024-06-20T19:43:41.538"/>
+    </inkml:context>
+    <inkml:brush xml:id="br0">
+      <inkml:brushProperty name="width" value="0.035" units="cm"/>
+      <inkml:brushProperty name="height" value="0.035" units="cm"/>
+      <inkml:brushProperty name="color" value="#E71224"/>
+    </inkml:brush>
+  </inkml:definitions>
+  <inkml:trace contextRef="#ctx0" brushRef="#br0">5607 0 24575,'-179'6'0,"37"-1"0,-366-1-387,-313 8-83,-349 32-1001,-316-33 3398,952-13-1526,-220 2-1766,742 0-5461</inkml:trace>
+</inkml:ink>
+</file>
+
+<file path=ppt/ink/ink102.xml><?xml version="1.0" encoding="utf-8"?>
+<inkml:ink xmlns:inkml="http://www.w3.org/2003/InkML">
+  <inkml:definitions>
+    <inkml:context xml:id="ctx0">
+      <inkml:inkSource xml:id="inkSrc0">
+        <inkml:traceFormat>
+          <inkml:channel name="X" type="integer" min="-2.14748E9" max="2.14748E9" units="cm"/>
+          <inkml:channel name="Y" type="integer" min="-2.14748E9" max="2.14748E9" units="cm"/>
+          <inkml:channel name="F" type="integer" max="32767" units="dev"/>
+        </inkml:traceFormat>
+        <inkml:channelProperties>
+          <inkml:channelProperty channel="X" name="resolution" value="1000" units="1/cm"/>
+          <inkml:channelProperty channel="Y" name="resolution" value="1000" units="1/cm"/>
+          <inkml:channelProperty channel="F" name="resolution" value="0" units="1/dev"/>
+        </inkml:channelProperties>
+      </inkml:inkSource>
+      <inkml:timestamp xml:id="ts0" timeString="2024-06-20T19:43:43.379"/>
+    </inkml:context>
+    <inkml:brush xml:id="br0">
+      <inkml:brushProperty name="width" value="0.035" units="cm"/>
+      <inkml:brushProperty name="height" value="0.035" units="cm"/>
+      <inkml:brushProperty name="color" value="#E71224"/>
+    </inkml:brush>
+  </inkml:definitions>
+  <inkml:trace contextRef="#ctx0" brushRef="#br0">2429 1260 24575,'-32'1'0,"17"0"0,1-1 0,0 0 0,-1-1 0,1-1 0,-24-5 0,-22-15 0,-76-37 0,39 14 0,-109-43-727,-497-226-614,31-53 1295,463 220-78,173 118-182,2-1-1,1-2 0,-40-49 0,46 43-4419</inkml:trace>
+</inkml:ink>
+</file>
+
+<file path=ppt/ink/ink103.xml><?xml version="1.0" encoding="utf-8"?>
+<inkml:ink xmlns:inkml="http://www.w3.org/2003/InkML">
+  <inkml:definitions>
+    <inkml:context xml:id="ctx0">
+      <inkml:inkSource xml:id="inkSrc0">
+        <inkml:traceFormat>
+          <inkml:channel name="X" type="integer" min="-2.14748E9" max="2.14748E9" units="cm"/>
+          <inkml:channel name="Y" type="integer" min="-2.14748E9" max="2.14748E9" units="cm"/>
+          <inkml:channel name="F" type="integer" max="32767" units="dev"/>
+        </inkml:traceFormat>
+        <inkml:channelProperties>
+          <inkml:channelProperty channel="X" name="resolution" value="1000" units="1/cm"/>
+          <inkml:channelProperty channel="Y" name="resolution" value="1000" units="1/cm"/>
+          <inkml:channelProperty channel="F" name="resolution" value="0" units="1/dev"/>
+        </inkml:channelProperties>
+      </inkml:inkSource>
+      <inkml:timestamp xml:id="ts0" timeString="2024-06-20T19:43:44.593"/>
+    </inkml:context>
+    <inkml:brush xml:id="br0">
+      <inkml:brushProperty name="width" value="0.035" units="cm"/>
+      <inkml:brushProperty name="height" value="0.035" units="cm"/>
+      <inkml:brushProperty name="color" value="#E71224"/>
+    </inkml:brush>
+  </inkml:definitions>
+  <inkml:trace contextRef="#ctx0" brushRef="#br0">0 1785 24575,'18'-13'0,"-1"-1"0,0-1 0,-2 0 0,19-23 0,-7 7 0,83-89 0,117-168 0,-186 225 0,-2-1 0,-3-2 0,-3-1 0,32-92 0,67-195 0,-79 217 0,-36 86 0,-13 35 0,1 0 0,1 1 0,11-22 0,-11 27 0,0 0 0,-1-1 0,0 0 0,-1 1 0,0-1 0,-1-1 0,0 1 0,-1 0 0,0-1 0,-1 1 0,0-19 0,-2-14-1365,1 32-5461</inkml:trace>
+</inkml:ink>
+</file>
+
+<file path=ppt/ink/ink104.xml><?xml version="1.0" encoding="utf-8"?>
+<inkml:ink xmlns:inkml="http://www.w3.org/2003/InkML">
+  <inkml:definitions>
+    <inkml:context xml:id="ctx0">
+      <inkml:inkSource xml:id="inkSrc0">
+        <inkml:traceFormat>
+          <inkml:channel name="X" type="integer" min="-2.14748E9" max="2.14748E9" units="cm"/>
+          <inkml:channel name="Y" type="integer" min="-2.14748E9" max="2.14748E9" units="cm"/>
+          <inkml:channel name="F" type="integer" max="32767" units="dev"/>
+        </inkml:traceFormat>
+        <inkml:channelProperties>
+          <inkml:channelProperty channel="X" name="resolution" value="1000" units="1/cm"/>
+          <inkml:channelProperty channel="Y" name="resolution" value="1000" units="1/cm"/>
+          <inkml:channelProperty channel="F" name="resolution" value="0" units="1/dev"/>
+        </inkml:channelProperties>
+      </inkml:inkSource>
+      <inkml:timestamp xml:id="ts0" timeString="2024-06-20T19:43:45.101"/>
+    </inkml:context>
+    <inkml:brush xml:id="br0">
+      <inkml:brushProperty name="width" value="0.035" units="cm"/>
+      <inkml:brushProperty name="height" value="0.035" units="cm"/>
+      <inkml:brushProperty name="color" value="#E71224"/>
+    </inkml:brush>
+  </inkml:definitions>
+  <inkml:trace contextRef="#ctx0" brushRef="#br0">560 770 24575,'-1'-20'0,"0"0"0,-2 0 0,0 1 0,-2-1 0,0 1 0,-14-35 0,7 27 0,-1 2 0,-1-1 0,-1 2 0,-21-27 0,-13-6 0,-99-87 0,62 64 0,49 45 0,11 12 0,-40-49 0,53 53-1365,6 5-5461</inkml:trace>
+</inkml:ink>
+</file>
+
+<file path=ppt/ink/ink105.xml><?xml version="1.0" encoding="utf-8"?>
+<inkml:ink xmlns:inkml="http://www.w3.org/2003/InkML">
+  <inkml:definitions>
+    <inkml:context xml:id="ctx0">
+      <inkml:inkSource xml:id="inkSrc0">
+        <inkml:traceFormat>
+          <inkml:channel name="X" type="integer" min="-2.14748E9" max="2.14748E9" units="cm"/>
+          <inkml:channel name="Y" type="integer" min="-2.14748E9" max="2.14748E9" units="cm"/>
+          <inkml:channel name="F" type="integer" max="32767" units="dev"/>
+        </inkml:traceFormat>
+        <inkml:channelProperties>
+          <inkml:channelProperty channel="X" name="resolution" value="1000" units="1/cm"/>
+          <inkml:channelProperty channel="Y" name="resolution" value="1000" units="1/cm"/>
+          <inkml:channelProperty channel="F" name="resolution" value="0" units="1/dev"/>
+        </inkml:channelProperties>
+      </inkml:inkSource>
+      <inkml:timestamp xml:id="ts0" timeString="2024-06-20T19:43:45.734"/>
+    </inkml:context>
+    <inkml:brush xml:id="br0">
+      <inkml:brushProperty name="width" value="0.035" units="cm"/>
+      <inkml:brushProperty name="height" value="0.035" units="cm"/>
+      <inkml:brushProperty name="color" value="#E71224"/>
+    </inkml:brush>
+  </inkml:definitions>
+  <inkml:trace contextRef="#ctx0" brushRef="#br0">0 493 24575,'5'-2'0,"3"-4"0,3-4 0,4-6 0,8-8 0,8-10 0,6-6 0,7-2 0,3 1 0,1-2 0,10 1 0,3 2 0,2 1 0,2 3 0,-5 5 0,-9 9 0,-10 6 0,-13 8-8191</inkml:trace>
+</inkml:ink>
+</file>
+
+<file path=ppt/ink/ink106.xml><?xml version="1.0" encoding="utf-8"?>
+<inkml:ink xmlns:inkml="http://www.w3.org/2003/InkML">
+  <inkml:definitions>
+    <inkml:context xml:id="ctx0">
+      <inkml:inkSource xml:id="inkSrc0">
+        <inkml:traceFormat>
+          <inkml:channel name="X" type="integer" min="-2.14748E9" max="2.14748E9" units="cm"/>
+          <inkml:channel name="Y" type="integer" min="-2.14748E9" max="2.14748E9" units="cm"/>
+          <inkml:channel name="F" type="integer" max="32767" units="dev"/>
+        </inkml:traceFormat>
+        <inkml:channelProperties>
+          <inkml:channelProperty channel="X" name="resolution" value="1000" units="1/cm"/>
+          <inkml:channelProperty channel="Y" name="resolution" value="1000" units="1/cm"/>
+          <inkml:channelProperty channel="F" name="resolution" value="0" units="1/dev"/>
+        </inkml:channelProperties>
+      </inkml:inkSource>
+      <inkml:timestamp xml:id="ts0" timeString="2024-06-20T19:43:47.294"/>
+    </inkml:context>
+    <inkml:brush xml:id="br0">
+      <inkml:brushProperty name="width" value="0.035" units="cm"/>
+      <inkml:brushProperty name="height" value="0.035" units="cm"/>
+      <inkml:brushProperty name="color" value="#E71224"/>
+    </inkml:brush>
+  </inkml:definitions>
+  <inkml:trace contextRef="#ctx0" brushRef="#br0">0 511 24575,'89'-3'0,"151"-25"0,378-39-459,6 34-252,-308 18 574,-228 10 464,0-4 0,-1-4-1,157-44 1,-186 41-327,-36 10 0,-1 1 0,1-2 0,-1-1 0,-1-1 0,29-16 0,-31 13 0,0 1 0,0 0 0,1 1 0,1 2 0,0 0 0,28-8 0,141-19 0,1-1 0,35-15-1365,-200 45-5461</inkml:trace>
+</inkml:ink>
+</file>
+
+<file path=ppt/ink/ink107.xml><?xml version="1.0" encoding="utf-8"?>
+<inkml:ink xmlns:inkml="http://www.w3.org/2003/InkML">
+  <inkml:definitions>
+    <inkml:context xml:id="ctx0">
+      <inkml:inkSource xml:id="inkSrc0">
+        <inkml:traceFormat>
+          <inkml:channel name="X" type="integer" min="-2.14748E9" max="2.14748E9" units="cm"/>
+          <inkml:channel name="Y" type="integer" min="-2.14748E9" max="2.14748E9" units="cm"/>
+          <inkml:channel name="F" type="integer" max="32767" units="dev"/>
+        </inkml:traceFormat>
+        <inkml:channelProperties>
+          <inkml:channelProperty channel="X" name="resolution" value="1000" units="1/cm"/>
+          <inkml:channelProperty channel="Y" name="resolution" value="1000" units="1/cm"/>
+          <inkml:channelProperty channel="F" name="resolution" value="0" units="1/dev"/>
+        </inkml:channelProperties>
+      </inkml:inkSource>
+      <inkml:timestamp xml:id="ts0" timeString="2024-06-20T19:43:48.295"/>
+    </inkml:context>
+    <inkml:brush xml:id="br0">
+      <inkml:brushProperty name="width" value="0.035" units="cm"/>
+      <inkml:brushProperty name="height" value="0.035" units="cm"/>
+      <inkml:brushProperty name="color" value="#E71224"/>
+    </inkml:brush>
+  </inkml:definitions>
+  <inkml:trace contextRef="#ctx0" brushRef="#br0">0 706 24575,'45'-1'0,"0"-3"0,72-15 0,-60 9 0,1276-246-3817,-658 74 3055,-537 130 1326,-112 40-277,-1-1-1,0 0 0,23-18 0,-44 28-135,0 0 0,-1 0 0,1 0 0,-1-1 0,0 1 0,0-1 0,0 0 0,0 0 0,-1 0 1,1 0-1,-1-1 0,0 1 0,0 0 0,-1-1 0,0 0 0,1 1 0,-1-1 0,0-8 0,4-7-1516,-2 12-5461</inkml:trace>
+</inkml:ink>
+</file>
+
+<file path=ppt/ink/ink108.xml><?xml version="1.0" encoding="utf-8"?>
+<inkml:ink xmlns:inkml="http://www.w3.org/2003/InkML">
+  <inkml:definitions>
+    <inkml:context xml:id="ctx0">
+      <inkml:inkSource xml:id="inkSrc0">
+        <inkml:traceFormat>
+          <inkml:channel name="X" type="integer" min="-2.14748E9" max="2.14748E9" units="cm"/>
+          <inkml:channel name="Y" type="integer" min="-2.14748E9" max="2.14748E9" units="cm"/>
+          <inkml:channel name="F" type="integer" max="32767" units="dev"/>
+        </inkml:traceFormat>
+        <inkml:channelProperties>
+          <inkml:channelProperty channel="X" name="resolution" value="1000" units="1/cm"/>
+          <inkml:channelProperty channel="Y" name="resolution" value="1000" units="1/cm"/>
+          <inkml:channelProperty channel="F" name="resolution" value="0" units="1/dev"/>
+        </inkml:channelProperties>
+      </inkml:inkSource>
+      <inkml:timestamp xml:id="ts0" timeString="2024-06-20T19:44:06.553"/>
+    </inkml:context>
+    <inkml:brush xml:id="br0">
+      <inkml:brushProperty name="width" value="0.035" units="cm"/>
+      <inkml:brushProperty name="height" value="0.035" units="cm"/>
+      <inkml:brushProperty name="color" value="#E71224"/>
+    </inkml:brush>
+  </inkml:definitions>
+  <inkml:trace contextRef="#ctx0" brushRef="#br0">0 800 24575,'25'-2'0,"0"0"0,0-2 0,-1-1 0,36-12 0,12-3 0,419-62 0,-347 60 0,48-4 0,384 18 0,-361 10 0,81 7 0,-183-7 0,127-15 0,-238 13 0,351-45 0,-2-21 0,-58 10 0,-97 15 0,-40 6 0,159-22 0,-136 7 0,-4 2 0,154-23 0,-324 70 0,330-71 0,-319 67 0,0-1 0,26-13 0,-32 13 0,0 1 0,0 0 0,0 1 0,1 1 0,-1-1 0,1 1 0,0 1 0,18-2 0,-5 2-1365,-16 0-5461</inkml:trace>
+</inkml:ink>
+</file>
+
+<file path=ppt/ink/ink109.xml><?xml version="1.0" encoding="utf-8"?>
+<inkml:ink xmlns:inkml="http://www.w3.org/2003/InkML">
+  <inkml:definitions>
+    <inkml:context xml:id="ctx0">
+      <inkml:inkSource xml:id="inkSrc0">
+        <inkml:traceFormat>
+          <inkml:channel name="X" type="integer" min="-2.14748E9" max="2.14748E9" units="cm"/>
+          <inkml:channel name="Y" type="integer" min="-2.14748E9" max="2.14748E9" units="cm"/>
+          <inkml:channel name="F" type="integer" max="32767" units="dev"/>
+        </inkml:traceFormat>
+        <inkml:channelProperties>
+          <inkml:channelProperty channel="X" name="resolution" value="1000" units="1/cm"/>
+          <inkml:channelProperty channel="Y" name="resolution" value="1000" units="1/cm"/>
+          <inkml:channelProperty channel="F" name="resolution" value="0" units="1/dev"/>
+        </inkml:channelProperties>
+      </inkml:inkSource>
+      <inkml:timestamp xml:id="ts0" timeString="2024-06-20T19:44:08.894"/>
+    </inkml:context>
+    <inkml:brush xml:id="br0">
+      <inkml:brushProperty name="width" value="0.035" units="cm"/>
+      <inkml:brushProperty name="height" value="0.035" units="cm"/>
+      <inkml:brushProperty name="color" value="#E71224"/>
+    </inkml:brush>
+  </inkml:definitions>
+  <inkml:trace contextRef="#ctx0" brushRef="#br0">426 1813 24575,'1'-52'0,"-3"0"0,-3 0 0,-13-65 0,1 48 0,-43-107 0,10 40 0,-56-242 0,97 347 0,-2 0 0,0 1 0,-24-43 0,17 36 0,-18-50 0,22 41 0,-17-94 0,28 104 0,3-72 0,1 46 0,-1-26-1365,0 77-5461</inkml:trace>
+</inkml:ink>
+</file>
+
 <file path=ppt/ink/ink11.xml><?xml version="1.0" encoding="utf-8"?>
 <inkml:ink xmlns:inkml="http://www.w3.org/2003/InkML">
   <inkml:definitions>
@@ -200,6 +480,286 @@
 </inkml:ink>
 </file>
 
+<file path=ppt/ink/ink110.xml><?xml version="1.0" encoding="utf-8"?>
+<inkml:ink xmlns:inkml="http://www.w3.org/2003/InkML">
+  <inkml:definitions>
+    <inkml:context xml:id="ctx0">
+      <inkml:inkSource xml:id="inkSrc0">
+        <inkml:traceFormat>
+          <inkml:channel name="X" type="integer" min="-2.14748E9" max="2.14748E9" units="cm"/>
+          <inkml:channel name="Y" type="integer" min="-2.14748E9" max="2.14748E9" units="cm"/>
+          <inkml:channel name="F" type="integer" max="32767" units="dev"/>
+        </inkml:traceFormat>
+        <inkml:channelProperties>
+          <inkml:channelProperty channel="X" name="resolution" value="1000" units="1/cm"/>
+          <inkml:channelProperty channel="Y" name="resolution" value="1000" units="1/cm"/>
+          <inkml:channelProperty channel="F" name="resolution" value="0" units="1/dev"/>
+        </inkml:channelProperties>
+      </inkml:inkSource>
+      <inkml:timestamp xml:id="ts0" timeString="2024-06-20T19:44:10.998"/>
+    </inkml:context>
+    <inkml:brush xml:id="br0">
+      <inkml:brushProperty name="width" value="0.035" units="cm"/>
+      <inkml:brushProperty name="height" value="0.035" units="cm"/>
+      <inkml:brushProperty name="color" value="#E71224"/>
+    </inkml:brush>
+  </inkml:definitions>
+  <inkml:trace contextRef="#ctx0" brushRef="#br0">1110 462 24575,'-22'-13'0,"-2"1"0,1 1 0,-50-15 0,38 14 0,-178-58 0,98 33 0,-66-35 0,85 31 0,56 26 0,13 5 0,-52-27 0,24 2-12,28 17-439,0 1 0,-32-13 0,45 25-6375</inkml:trace>
+</inkml:ink>
+</file>
+
+<file path=ppt/ink/ink111.xml><?xml version="1.0" encoding="utf-8"?>
+<inkml:ink xmlns:inkml="http://www.w3.org/2003/InkML">
+  <inkml:definitions>
+    <inkml:context xml:id="ctx0">
+      <inkml:inkSource xml:id="inkSrc0">
+        <inkml:traceFormat>
+          <inkml:channel name="X" type="integer" min="-2.14748E9" max="2.14748E9" units="cm"/>
+          <inkml:channel name="Y" type="integer" min="-2.14748E9" max="2.14748E9" units="cm"/>
+          <inkml:channel name="F" type="integer" max="32767" units="dev"/>
+        </inkml:traceFormat>
+        <inkml:channelProperties>
+          <inkml:channelProperty channel="X" name="resolution" value="1000" units="1/cm"/>
+          <inkml:channelProperty channel="Y" name="resolution" value="1000" units="1/cm"/>
+          <inkml:channelProperty channel="F" name="resolution" value="0" units="1/dev"/>
+        </inkml:channelProperties>
+      </inkml:inkSource>
+      <inkml:timestamp xml:id="ts0" timeString="2024-06-20T19:44:11.554"/>
+    </inkml:context>
+    <inkml:brush xml:id="br0">
+      <inkml:brushProperty name="width" value="0.035" units="cm"/>
+      <inkml:brushProperty name="height" value="0.035" units="cm"/>
+      <inkml:brushProperty name="color" value="#E71224"/>
+    </inkml:brush>
+  </inkml:definitions>
+  <inkml:trace contextRef="#ctx0" brushRef="#br0">1261 123 24575,'-857'-34'0,"787"24"-4,-129-35 0,96 19-1353,71 18-5469</inkml:trace>
+</inkml:ink>
+</file>
+
+<file path=ppt/ink/ink112.xml><?xml version="1.0" encoding="utf-8"?>
+<inkml:ink xmlns:inkml="http://www.w3.org/2003/InkML">
+  <inkml:definitions>
+    <inkml:context xml:id="ctx0">
+      <inkml:inkSource xml:id="inkSrc0">
+        <inkml:traceFormat>
+          <inkml:channel name="X" type="integer" min="-2.14748E9" max="2.14748E9" units="cm"/>
+          <inkml:channel name="Y" type="integer" min="-2.14748E9" max="2.14748E9" units="cm"/>
+          <inkml:channel name="F" type="integer" max="32767" units="dev"/>
+        </inkml:traceFormat>
+        <inkml:channelProperties>
+          <inkml:channelProperty channel="X" name="resolution" value="1000" units="1/cm"/>
+          <inkml:channelProperty channel="Y" name="resolution" value="1000" units="1/cm"/>
+          <inkml:channelProperty channel="F" name="resolution" value="0" units="1/dev"/>
+        </inkml:channelProperties>
+      </inkml:inkSource>
+      <inkml:timestamp xml:id="ts0" timeString="2024-06-20T19:44:12.041"/>
+    </inkml:context>
+    <inkml:brush xml:id="br0">
+      <inkml:brushProperty name="width" value="0.035" units="cm"/>
+      <inkml:brushProperty name="height" value="0.035" units="cm"/>
+      <inkml:brushProperty name="color" value="#E71224"/>
+    </inkml:brush>
+  </inkml:definitions>
+  <inkml:trace contextRef="#ctx0" brushRef="#br0">1753 0 24575,'-573'19'-293,"157"-2"-7,-199-13 121,483-4-414,116 0-6233</inkml:trace>
+</inkml:ink>
+</file>
+
+<file path=ppt/ink/ink113.xml><?xml version="1.0" encoding="utf-8"?>
+<inkml:ink xmlns:inkml="http://www.w3.org/2003/InkML">
+  <inkml:definitions>
+    <inkml:context xml:id="ctx0">
+      <inkml:inkSource xml:id="inkSrc0">
+        <inkml:traceFormat>
+          <inkml:channel name="X" type="integer" min="-2.14748E9" max="2.14748E9" units="cm"/>
+          <inkml:channel name="Y" type="integer" min="-2.14748E9" max="2.14748E9" units="cm"/>
+          <inkml:channel name="F" type="integer" max="32767" units="dev"/>
+        </inkml:traceFormat>
+        <inkml:channelProperties>
+          <inkml:channelProperty channel="X" name="resolution" value="1000" units="1/cm"/>
+          <inkml:channelProperty channel="Y" name="resolution" value="1000" units="1/cm"/>
+          <inkml:channelProperty channel="F" name="resolution" value="0" units="1/dev"/>
+        </inkml:channelProperties>
+      </inkml:inkSource>
+      <inkml:timestamp xml:id="ts0" timeString="2024-06-20T19:44:12.551"/>
+    </inkml:context>
+    <inkml:brush xml:id="br0">
+      <inkml:brushProperty name="width" value="0.035" units="cm"/>
+      <inkml:brushProperty name="height" value="0.035" units="cm"/>
+      <inkml:brushProperty name="color" value="#E71224"/>
+    </inkml:brush>
+  </inkml:definitions>
+  <inkml:trace contextRef="#ctx0" brushRef="#br0">1276 445 24575,'-20'-1'0,"-1"0"0,1-2 0,-31-7 0,-61-23 0,109 32 0,-343-133 0,185 69 0,123 50 0,-391-147 0,369 145-1365,46 14-5461</inkml:trace>
+</inkml:ink>
+</file>
+
+<file path=ppt/ink/ink114.xml><?xml version="1.0" encoding="utf-8"?>
+<inkml:ink xmlns:inkml="http://www.w3.org/2003/InkML">
+  <inkml:definitions>
+    <inkml:context xml:id="ctx0">
+      <inkml:inkSource xml:id="inkSrc0">
+        <inkml:traceFormat>
+          <inkml:channel name="X" type="integer" min="-2.14748E9" max="2.14748E9" units="cm"/>
+          <inkml:channel name="Y" type="integer" min="-2.14748E9" max="2.14748E9" units="cm"/>
+          <inkml:channel name="F" type="integer" max="32767" units="dev"/>
+        </inkml:traceFormat>
+        <inkml:channelProperties>
+          <inkml:channelProperty channel="X" name="resolution" value="1000" units="1/cm"/>
+          <inkml:channelProperty channel="Y" name="resolution" value="1000" units="1/cm"/>
+          <inkml:channelProperty channel="F" name="resolution" value="0" units="1/dev"/>
+        </inkml:channelProperties>
+      </inkml:inkSource>
+      <inkml:timestamp xml:id="ts0" timeString="2024-06-20T19:44:13.052"/>
+    </inkml:context>
+    <inkml:brush xml:id="br0">
+      <inkml:brushProperty name="width" value="0.035" units="cm"/>
+      <inkml:brushProperty name="height" value="0.035" units="cm"/>
+      <inkml:brushProperty name="color" value="#E71224"/>
+    </inkml:brush>
+  </inkml:definitions>
+  <inkml:trace contextRef="#ctx0" brushRef="#br0">1352 14 24575,'-27'0'0,"-33"0"0,-25 0 0,-23 0 0,-13 0 0,1 0 0,-27 0-954,1-2 954,9-1 0,16 0-202,25 1 202,27 0 0,22 1 0,17 1 0,11 0 0,7 0 945,6 0-8925</inkml:trace>
+</inkml:ink>
+</file>
+
+<file path=ppt/ink/ink115.xml><?xml version="1.0" encoding="utf-8"?>
+<inkml:ink xmlns:inkml="http://www.w3.org/2003/InkML">
+  <inkml:definitions>
+    <inkml:context xml:id="ctx0">
+      <inkml:inkSource xml:id="inkSrc0">
+        <inkml:traceFormat>
+          <inkml:channel name="X" type="integer" min="-2.14748E9" max="2.14748E9" units="cm"/>
+          <inkml:channel name="Y" type="integer" min="-2.14748E9" max="2.14748E9" units="cm"/>
+          <inkml:channel name="F" type="integer" max="32767" units="dev"/>
+        </inkml:traceFormat>
+        <inkml:channelProperties>
+          <inkml:channelProperty channel="X" name="resolution" value="1000" units="1/cm"/>
+          <inkml:channelProperty channel="Y" name="resolution" value="1000" units="1/cm"/>
+          <inkml:channelProperty channel="F" name="resolution" value="0" units="1/dev"/>
+        </inkml:channelProperties>
+      </inkml:inkSource>
+      <inkml:timestamp xml:id="ts0" timeString="2024-06-20T19:44:13.688"/>
+    </inkml:context>
+    <inkml:brush xml:id="br0">
+      <inkml:brushProperty name="width" value="0.035" units="cm"/>
+      <inkml:brushProperty name="height" value="0.035" units="cm"/>
+      <inkml:brushProperty name="color" value="#E71224"/>
+    </inkml:brush>
+  </inkml:definitions>
+  <inkml:trace contextRef="#ctx0" brushRef="#br0">185 0 24575,'-24'56'0,"-28"92"0,48-136 0,-2 11 0,2 1 0,0 0 0,1 0 0,1 27 0,-3 30 0,-3-27 0,-2 0 0,-2-1 0,-20 54 0,27-92-455,1 0 0,-4 25 0,7-29-6371</inkml:trace>
+</inkml:ink>
+</file>
+
+<file path=ppt/ink/ink116.xml><?xml version="1.0" encoding="utf-8"?>
+<inkml:ink xmlns:inkml="http://www.w3.org/2003/InkML">
+  <inkml:definitions>
+    <inkml:context xml:id="ctx0">
+      <inkml:inkSource xml:id="inkSrc0">
+        <inkml:traceFormat>
+          <inkml:channel name="X" type="integer" min="-2.14748E9" max="2.14748E9" units="cm"/>
+          <inkml:channel name="Y" type="integer" min="-2.14748E9" max="2.14748E9" units="cm"/>
+          <inkml:channel name="F" type="integer" max="32767" units="dev"/>
+        </inkml:traceFormat>
+        <inkml:channelProperties>
+          <inkml:channelProperty channel="X" name="resolution" value="1000" units="1/cm"/>
+          <inkml:channelProperty channel="Y" name="resolution" value="1000" units="1/cm"/>
+          <inkml:channelProperty channel="F" name="resolution" value="0" units="1/dev"/>
+        </inkml:channelProperties>
+      </inkml:inkSource>
+      <inkml:timestamp xml:id="ts0" timeString="2024-06-20T19:44:14.593"/>
+    </inkml:context>
+    <inkml:brush xml:id="br0">
+      <inkml:brushProperty name="width" value="0.035" units="cm"/>
+      <inkml:brushProperty name="height" value="0.035" units="cm"/>
+      <inkml:brushProperty name="color" value="#E71224"/>
+    </inkml:brush>
+  </inkml:definitions>
+  <inkml:trace contextRef="#ctx0" brushRef="#br0">0 0 24575,'64'2'0,"114"18"0,59 29 0,-106-21 0,-115-24-273,0-2 0,0 0 0,0-1 0,17-1 0,-24-1-6553</inkml:trace>
+</inkml:ink>
+</file>
+
+<file path=ppt/ink/ink117.xml><?xml version="1.0" encoding="utf-8"?>
+<inkml:ink xmlns:inkml="http://www.w3.org/2003/InkML">
+  <inkml:definitions>
+    <inkml:context xml:id="ctx0">
+      <inkml:inkSource xml:id="inkSrc0">
+        <inkml:traceFormat>
+          <inkml:channel name="X" type="integer" min="-2.14748E9" max="2.14748E9" units="cm"/>
+          <inkml:channel name="Y" type="integer" min="-2.14748E9" max="2.14748E9" units="cm"/>
+          <inkml:channel name="F" type="integer" max="32767" units="dev"/>
+        </inkml:traceFormat>
+        <inkml:channelProperties>
+          <inkml:channelProperty channel="X" name="resolution" value="1000" units="1/cm"/>
+          <inkml:channelProperty channel="Y" name="resolution" value="1000" units="1/cm"/>
+          <inkml:channelProperty channel="F" name="resolution" value="0" units="1/dev"/>
+        </inkml:channelProperties>
+      </inkml:inkSource>
+      <inkml:timestamp xml:id="ts0" timeString="2024-06-20T19:44:23.725"/>
+    </inkml:context>
+    <inkml:brush xml:id="br0">
+      <inkml:brushProperty name="width" value="0.035" units="cm"/>
+      <inkml:brushProperty name="height" value="0.035" units="cm"/>
+      <inkml:brushProperty name="color" value="#E71224"/>
+    </inkml:brush>
+  </inkml:definitions>
+  <inkml:trace contextRef="#ctx0" brushRef="#br0">0 3555 24575,'0'-1'0,"1"0"0,-1 1 0,0-1 0,0 0 0,0 0 0,1 0 0,-1 1 0,1-1 0,-1 0 0,0 0 0,1 1 0,-1-1 0,1 0 0,0 1 0,0-2 0,2-2 0,49-51 0,64-55 0,21-22 0,139-213 0,9-10 0,-36 122 0,16 20 0,-48 66 0,36-29 0,-180 121 0,112-63 0,-132 86 0,33-16 0,172-70 0,108-12 0,-125 47 0,82-39 0,-9-26 0,-197 83 0,140-103 0,-208 128 0,-1-1 0,-2-3 0,-2-1 0,62-86 0,-90 110 0,-6 9 0,0-1 0,-1 0 0,-1-1 0,0 0 0,8-20 0,-16 34 0,10-29 0,15-29 0,-20 49 0,0 0 0,1 0 0,0 0 0,0 1 0,1 0 0,15-14 0,22-22 96,-30 29-827,25-21 1,-31 30-6096</inkml:trace>
+</inkml:ink>
+</file>
+
+<file path=ppt/ink/ink118.xml><?xml version="1.0" encoding="utf-8"?>
+<inkml:ink xmlns:inkml="http://www.w3.org/2003/InkML">
+  <inkml:definitions>
+    <inkml:context xml:id="ctx0">
+      <inkml:inkSource xml:id="inkSrc0">
+        <inkml:traceFormat>
+          <inkml:channel name="X" type="integer" min="-2.14748E9" max="2.14748E9" units="cm"/>
+          <inkml:channel name="Y" type="integer" min="-2.14748E9" max="2.14748E9" units="cm"/>
+          <inkml:channel name="F" type="integer" max="32767" units="dev"/>
+        </inkml:traceFormat>
+        <inkml:channelProperties>
+          <inkml:channelProperty channel="X" name="resolution" value="1000" units="1/cm"/>
+          <inkml:channelProperty channel="Y" name="resolution" value="1000" units="1/cm"/>
+          <inkml:channelProperty channel="F" name="resolution" value="0" units="1/dev"/>
+        </inkml:channelProperties>
+      </inkml:inkSource>
+      <inkml:timestamp xml:id="ts0" timeString="2024-06-20T19:44:41.893"/>
+    </inkml:context>
+    <inkml:brush xml:id="br0">
+      <inkml:brushProperty name="width" value="0.035" units="cm"/>
+      <inkml:brushProperty name="height" value="0.035" units="cm"/>
+      <inkml:brushProperty name="color" value="#F6630D"/>
+    </inkml:brush>
+  </inkml:definitions>
+  <inkml:trace contextRef="#ctx0" brushRef="#br0">0 0 24575,'0'5'0,"0"7"0,0 12 0,0 10 0,0 15 0,0 11 0,2 13 0,1 5 0,2-1 0,3 1 0,-1-3 0,2-10 0,-2-11 0,1-13 0,1-7 0,-1-8-8191</inkml:trace>
+</inkml:ink>
+</file>
+
+<file path=ppt/ink/ink119.xml><?xml version="1.0" encoding="utf-8"?>
+<inkml:ink xmlns:inkml="http://www.w3.org/2003/InkML">
+  <inkml:definitions>
+    <inkml:context xml:id="ctx0">
+      <inkml:inkSource xml:id="inkSrc0">
+        <inkml:traceFormat>
+          <inkml:channel name="X" type="integer" min="-2.14748E9" max="2.14748E9" units="cm"/>
+          <inkml:channel name="Y" type="integer" min="-2.14748E9" max="2.14748E9" units="cm"/>
+          <inkml:channel name="F" type="integer" max="32767" units="dev"/>
+        </inkml:traceFormat>
+        <inkml:channelProperties>
+          <inkml:channelProperty channel="X" name="resolution" value="1000" units="1/cm"/>
+          <inkml:channelProperty channel="Y" name="resolution" value="1000" units="1/cm"/>
+          <inkml:channelProperty channel="F" name="resolution" value="0" units="1/dev"/>
+        </inkml:channelProperties>
+      </inkml:inkSource>
+      <inkml:timestamp xml:id="ts0" timeString="2024-06-20T19:44:44.798"/>
+    </inkml:context>
+    <inkml:brush xml:id="br0">
+      <inkml:brushProperty name="width" value="0.035" units="cm"/>
+      <inkml:brushProperty name="height" value="0.035" units="cm"/>
+      <inkml:brushProperty name="color" value="#F6630D"/>
+    </inkml:brush>
+  </inkml:definitions>
+  <inkml:trace contextRef="#ctx0" brushRef="#br0">5 1 24575,'43'0'0,"50"1"0,-91-1 0,0 0 0,0 0 0,0 1 0,0-1 0,0 0 0,0 1 0,0-1 0,0 1 0,0 0 0,0 0 0,-1 0 0,1 0 0,0 0 0,0 0 0,-1 0 0,1 1 0,-1-1 0,1 0 0,-1 1 0,2 2 0,-2-2 0,0 1 0,0 0 0,0-1 0,0 1 0,-1 0 0,1 0 0,-1-1 0,1 1 0,-1 0 0,0 0 0,0 0 0,-1-1 0,1 1 0,-2 4 0,-1 6 0,0 1 0,-2-1 0,0-1 0,0 1 0,-1-1 0,-12 19 0,-55 67 0,17-24 0,55-73 0,-1 1 0,2-1 0,-1 1 0,0-1 0,0 1 0,0-1 0,1 1 0,-1 0 0,1-1 0,-1 1 0,1 0 0,0-1 0,-1 4 0,1-4 0,1-1 0,-1 1 0,0 0 0,1 0 0,-1-1 0,1 1 0,-1 0 0,1-1 0,-1 1 0,1 0 0,-1-1 0,1 1 0,0-1 0,-1 1 0,1-1 0,0 1 0,0-1 0,-1 0 0,1 1 0,0-1 0,0 0 0,-1 1 0,1-1 0,0 0 0,0 0 0,0 0 0,0 0 0,-1 0 0,1 0 0,1 0 0,17 1-41,-1-2-1,0 0 1,0-1-1,31-7 1,-14 2-1117,32-4-5668</inkml:trace>
+</inkml:ink>
+</file>
+
 <file path=ppt/ink/ink12.xml><?xml version="1.0" encoding="utf-8"?>
 <inkml:ink xmlns:inkml="http://www.w3.org/2003/InkML">
   <inkml:definitions>
@@ -228,6 +788,286 @@
 </inkml:ink>
 </file>
 
+<file path=ppt/ink/ink120.xml><?xml version="1.0" encoding="utf-8"?>
+<inkml:ink xmlns:inkml="http://www.w3.org/2003/InkML">
+  <inkml:definitions>
+    <inkml:context xml:id="ctx0">
+      <inkml:inkSource xml:id="inkSrc0">
+        <inkml:traceFormat>
+          <inkml:channel name="X" type="integer" min="-2.14748E9" max="2.14748E9" units="cm"/>
+          <inkml:channel name="Y" type="integer" min="-2.14748E9" max="2.14748E9" units="cm"/>
+          <inkml:channel name="F" type="integer" max="32767" units="dev"/>
+        </inkml:traceFormat>
+        <inkml:channelProperties>
+          <inkml:channelProperty channel="X" name="resolution" value="1000" units="1/cm"/>
+          <inkml:channelProperty channel="Y" name="resolution" value="1000" units="1/cm"/>
+          <inkml:channelProperty channel="F" name="resolution" value="0" units="1/dev"/>
+        </inkml:channelProperties>
+      </inkml:inkSource>
+      <inkml:timestamp xml:id="ts0" timeString="2024-06-20T19:44:45.169"/>
+    </inkml:context>
+    <inkml:brush xml:id="br0">
+      <inkml:brushProperty name="width" value="0.035" units="cm"/>
+      <inkml:brushProperty name="height" value="0.035" units="cm"/>
+      <inkml:brushProperty name="color" value="#F6630D"/>
+    </inkml:brush>
+  </inkml:definitions>
+  <inkml:trace contextRef="#ctx0" brushRef="#br0">55 0 24575,'0'5'0,"-2"12"0,-3 11 0,-3 11 0,-2 1 0,-2 2 0,1-6 0,5-8 0,7-8 0,12-11 0,6-9 0,15-13 0,6-7 0,0-6 0,-7 0-8191</inkml:trace>
+</inkml:ink>
+</file>
+
+<file path=ppt/ink/ink121.xml><?xml version="1.0" encoding="utf-8"?>
+<inkml:ink xmlns:inkml="http://www.w3.org/2003/InkML">
+  <inkml:definitions>
+    <inkml:context xml:id="ctx0">
+      <inkml:inkSource xml:id="inkSrc0">
+        <inkml:traceFormat>
+          <inkml:channel name="X" type="integer" min="-2.14748E9" max="2.14748E9" units="cm"/>
+          <inkml:channel name="Y" type="integer" min="-2.14748E9" max="2.14748E9" units="cm"/>
+          <inkml:channel name="F" type="integer" max="32767" units="dev"/>
+        </inkml:traceFormat>
+        <inkml:channelProperties>
+          <inkml:channelProperty channel="X" name="resolution" value="1000" units="1/cm"/>
+          <inkml:channelProperty channel="Y" name="resolution" value="1000" units="1/cm"/>
+          <inkml:channelProperty channel="F" name="resolution" value="0" units="1/dev"/>
+        </inkml:channelProperties>
+      </inkml:inkSource>
+      <inkml:timestamp xml:id="ts0" timeString="2024-06-20T19:44:45.519"/>
+    </inkml:context>
+    <inkml:brush xml:id="br0">
+      <inkml:brushProperty name="width" value="0.035" units="cm"/>
+      <inkml:brushProperty name="height" value="0.035" units="cm"/>
+      <inkml:brushProperty name="color" value="#F6630D"/>
+    </inkml:brush>
+  </inkml:definitions>
+  <inkml:trace contextRef="#ctx0" brushRef="#br0">38 0 24575,'0'9'0,"0"12"0,-4 7 0,-2 6 0,0 1 0,2-3 0,-2 0 0,1-4 0,2-3 0,0-7-8191</inkml:trace>
+</inkml:ink>
+</file>
+
+<file path=ppt/ink/ink122.xml><?xml version="1.0" encoding="utf-8"?>
+<inkml:ink xmlns:inkml="http://www.w3.org/2003/InkML">
+  <inkml:definitions>
+    <inkml:context xml:id="ctx0">
+      <inkml:inkSource xml:id="inkSrc0">
+        <inkml:traceFormat>
+          <inkml:channel name="X" type="integer" min="-2.14748E9" max="2.14748E9" units="cm"/>
+          <inkml:channel name="Y" type="integer" min="-2.14748E9" max="2.14748E9" units="cm"/>
+          <inkml:channel name="F" type="integer" max="32767" units="dev"/>
+        </inkml:traceFormat>
+        <inkml:channelProperties>
+          <inkml:channelProperty channel="X" name="resolution" value="1000" units="1/cm"/>
+          <inkml:channelProperty channel="Y" name="resolution" value="1000" units="1/cm"/>
+          <inkml:channelProperty channel="F" name="resolution" value="0" units="1/dev"/>
+        </inkml:channelProperties>
+      </inkml:inkSource>
+      <inkml:timestamp xml:id="ts0" timeString="2024-06-20T19:44:46.056"/>
+    </inkml:context>
+    <inkml:brush xml:id="br0">
+      <inkml:brushProperty name="width" value="0.035" units="cm"/>
+      <inkml:brushProperty name="height" value="0.035" units="cm"/>
+      <inkml:brushProperty name="color" value="#F6630D"/>
+    </inkml:brush>
+  </inkml:definitions>
+  <inkml:trace contextRef="#ctx0" brushRef="#br0">0 0 24575,'0'7'0,"2"2"0,1 2 0,0 1 0,-1 6 0,0 4 0,1 4 0,3 8 0,3 9 0,3 13 0,3 12 0,5 9 0,2 7 0,-3-11-8191</inkml:trace>
+</inkml:ink>
+</file>
+
+<file path=ppt/ink/ink123.xml><?xml version="1.0" encoding="utf-8"?>
+<inkml:ink xmlns:inkml="http://www.w3.org/2003/InkML">
+  <inkml:definitions>
+    <inkml:context xml:id="ctx0">
+      <inkml:inkSource xml:id="inkSrc0">
+        <inkml:traceFormat>
+          <inkml:channel name="X" type="integer" min="-2.14748E9" max="2.14748E9" units="cm"/>
+          <inkml:channel name="Y" type="integer" min="-2.14748E9" max="2.14748E9" units="cm"/>
+          <inkml:channel name="F" type="integer" max="32767" units="dev"/>
+        </inkml:traceFormat>
+        <inkml:channelProperties>
+          <inkml:channelProperty channel="X" name="resolution" value="1000" units="1/cm"/>
+          <inkml:channelProperty channel="Y" name="resolution" value="1000" units="1/cm"/>
+          <inkml:channelProperty channel="F" name="resolution" value="0" units="1/dev"/>
+        </inkml:channelProperties>
+      </inkml:inkSource>
+      <inkml:timestamp xml:id="ts0" timeString="2024-06-20T19:44:46.561"/>
+    </inkml:context>
+    <inkml:brush xml:id="br0">
+      <inkml:brushProperty name="width" value="0.035" units="cm"/>
+      <inkml:brushProperty name="height" value="0.035" units="cm"/>
+      <inkml:brushProperty name="color" value="#F6630D"/>
+    </inkml:brush>
+  </inkml:definitions>
+  <inkml:trace contextRef="#ctx0" brushRef="#br0">0 1 24575,'36'0'0,"47"1"0,-70 0 0,-1 0 0,0 1 0,0 1 0,19 6 0,-30-9 0,1 1 0,0-1 0,-1 1 0,1 0 0,-1 0 0,0-1 0,1 1 0,-1 0 0,0 0 0,1 1 0,-1-1 0,0 0 0,0 0 0,0 1 0,0-1 0,0 0 0,0 1 0,-1-1 0,1 1 0,0-1 0,0 3 0,-1-2 0,1 1 0,-1 0 0,0-1 0,0 1 0,0 0 0,-1-1 0,1 1 0,0 0 0,-1-1 0,0 1 0,-2 4 0,0 2 0,-2-1 0,1 0 0,-1-1 0,0 1 0,-1-1 0,-10 11 0,-26 21 0,41-39 0,0 1 0,1-1 0,-1 1 0,0-1 0,1 1 0,-1-1 0,1 1 0,-1 0 0,1 0 0,-1-1 0,1 1 0,-1 0 0,1 0 0,0-1 0,-1 1 0,1 0 0,0 0 0,0 0 0,-1 0 0,1-1 0,0 1 0,0 0 0,0 1 0,1-1 0,-1-1 0,1 1 0,-1 0 0,1-1 0,-1 1 0,1 0 0,-1-1 0,1 1 0,0-1 0,-1 1 0,1-1 0,0 0 0,-1 1 0,1-1 0,0 0 0,0 1 0,-1-1 0,1 0 0,1 1 0,6 0 0,0 0 0,0 0 0,0-1 0,9 0 0,30-5-1365,2-4-5461</inkml:trace>
+</inkml:ink>
+</file>
+
+<file path=ppt/ink/ink124.xml><?xml version="1.0" encoding="utf-8"?>
+<inkml:ink xmlns:inkml="http://www.w3.org/2003/InkML">
+  <inkml:definitions>
+    <inkml:context xml:id="ctx0">
+      <inkml:inkSource xml:id="inkSrc0">
+        <inkml:traceFormat>
+          <inkml:channel name="X" type="integer" min="-2.14748E9" max="2.14748E9" units="cm"/>
+          <inkml:channel name="Y" type="integer" min="-2.14748E9" max="2.14748E9" units="cm"/>
+          <inkml:channel name="F" type="integer" max="32767" units="dev"/>
+        </inkml:traceFormat>
+        <inkml:channelProperties>
+          <inkml:channelProperty channel="X" name="resolution" value="1000" units="1/cm"/>
+          <inkml:channelProperty channel="Y" name="resolution" value="1000" units="1/cm"/>
+          <inkml:channelProperty channel="F" name="resolution" value="0" units="1/dev"/>
+        </inkml:channelProperties>
+      </inkml:inkSource>
+      <inkml:timestamp xml:id="ts0" timeString="2024-06-20T19:44:47.056"/>
+    </inkml:context>
+    <inkml:brush xml:id="br0">
+      <inkml:brushProperty name="width" value="0.035" units="cm"/>
+      <inkml:brushProperty name="height" value="0.035" units="cm"/>
+      <inkml:brushProperty name="color" value="#F6630D"/>
+    </inkml:brush>
+  </inkml:definitions>
+  <inkml:trace contextRef="#ctx0" brushRef="#br0">121 0 24575,'-4'1'0,"0"0"0,0 0 0,1 1 0,-1-1 0,0 1 0,0 0 0,1 0 0,-1 0 0,1 1 0,0-1 0,0 1 0,0-1 0,-4 5 0,1 0 0,1-1 0,-1 1 0,1-1 0,1 1 0,-1 1 0,1-1 0,1 1 0,-1-1 0,1 1 0,-3 14 0,5-19 0,1 1 0,-1 0 0,1 0 0,-1-1 0,1 1 0,0 0 0,1 0 0,-1-1 0,1 1 0,-1 0 0,1-1 0,0 1 0,0 0 0,1-1 0,-1 1 0,1-1 0,0 0 0,0 1 0,0-1 0,0 0 0,0 0 0,1 0 0,0-1 0,-1 1 0,7 4 0,6 3 0,1-1 0,31 13 0,-28-14 0,33 19 0,-50-25 0,1-1 0,-1 1 0,0 0 0,1 0 0,-1 0 0,0 0 0,0 0 0,-1 1 0,1-1 0,0 1 0,-1-1 0,1 1 0,0 3 0,-1-4 0,-1-1 0,0 1 0,1-1 0,-1 1 0,0 0 0,0-1 0,0 1 0,0-1 0,-1 1 0,1-1 0,0 1 0,-1-1 0,1 1 0,-1-1 0,1 1 0,-1-1 0,0 1 0,1-1 0,-1 0 0,0 1 0,0-1 0,0 0 0,0 0 0,0 0 0,-1 0 0,0 1 0,-5 4-2,0-1 0,0 0 0,0-1 0,-1 0 0,-15 7 0,-46 10 90,3 0-1529,45-12-5385</inkml:trace>
+</inkml:ink>
+</file>
+
+<file path=ppt/ink/ink125.xml><?xml version="1.0" encoding="utf-8"?>
+<inkml:ink xmlns:inkml="http://www.w3.org/2003/InkML">
+  <inkml:definitions>
+    <inkml:context xml:id="ctx0">
+      <inkml:inkSource xml:id="inkSrc0">
+        <inkml:traceFormat>
+          <inkml:channel name="X" type="integer" min="-2.14748E9" max="2.14748E9" units="cm"/>
+          <inkml:channel name="Y" type="integer" min="-2.14748E9" max="2.14748E9" units="cm"/>
+          <inkml:channel name="F" type="integer" max="32767" units="dev"/>
+        </inkml:traceFormat>
+        <inkml:channelProperties>
+          <inkml:channelProperty channel="X" name="resolution" value="1000" units="1/cm"/>
+          <inkml:channelProperty channel="Y" name="resolution" value="1000" units="1/cm"/>
+          <inkml:channelProperty channel="F" name="resolution" value="0" units="1/dev"/>
+        </inkml:channelProperties>
+      </inkml:inkSource>
+      <inkml:timestamp xml:id="ts0" timeString="2024-06-20T19:44:50.713"/>
+    </inkml:context>
+    <inkml:brush xml:id="br0">
+      <inkml:brushProperty name="width" value="0.035" units="cm"/>
+      <inkml:brushProperty name="height" value="0.035" units="cm"/>
+      <inkml:brushProperty name="color" value="#F6630D"/>
+    </inkml:brush>
+  </inkml:definitions>
+  <inkml:trace contextRef="#ctx0" brushRef="#br0">0 617 24575,'2'0'0,"8"-11"0,11-15 0,6-15 0,8-13 0,7-13 0,3-7 0,3 0 0,-3 9 0,-3 5 0,-8 12 0,-5 11 0,-4 10 0,-5 9 0,-4 8 0,-2 6 0,-3 3-8191</inkml:trace>
+</inkml:ink>
+</file>
+
+<file path=ppt/ink/ink126.xml><?xml version="1.0" encoding="utf-8"?>
+<inkml:ink xmlns:inkml="http://www.w3.org/2003/InkML">
+  <inkml:definitions>
+    <inkml:context xml:id="ctx0">
+      <inkml:inkSource xml:id="inkSrc0">
+        <inkml:traceFormat>
+          <inkml:channel name="X" type="integer" min="-2.14748E9" max="2.14748E9" units="cm"/>
+          <inkml:channel name="Y" type="integer" min="-2.14748E9" max="2.14748E9" units="cm"/>
+          <inkml:channel name="F" type="integer" max="32767" units="dev"/>
+        </inkml:traceFormat>
+        <inkml:channelProperties>
+          <inkml:channelProperty channel="X" name="resolution" value="1000" units="1/cm"/>
+          <inkml:channelProperty channel="Y" name="resolution" value="1000" units="1/cm"/>
+          <inkml:channelProperty channel="F" name="resolution" value="0" units="1/dev"/>
+        </inkml:channelProperties>
+      </inkml:inkSource>
+      <inkml:timestamp xml:id="ts0" timeString="2024-06-20T19:44:51.402"/>
+    </inkml:context>
+    <inkml:brush xml:id="br0">
+      <inkml:brushProperty name="width" value="0.035" units="cm"/>
+      <inkml:brushProperty name="height" value="0.035" units="cm"/>
+      <inkml:brushProperty name="color" value="#F6630D"/>
+    </inkml:brush>
+  </inkml:definitions>
+  <inkml:trace contextRef="#ctx0" brushRef="#br0">0 2 24575,'22'-1'0,"-14"1"0,1 0 0,-1 0 0,0 0 0,0 1 0,10 2 0,-16-3 0,0 1 0,0 0 0,0 0 0,0 0 0,0 0 0,0 0 0,0 0 0,-1 0 0,1 1 0,0-1 0,-1 0 0,1 1 0,-1 0 0,1-1 0,-1 1 0,0 0 0,0 0 0,0 0 0,0-1 0,0 1 0,0 0 0,0 0 0,-1 1 0,2 2 0,-2 0 0,1 1 0,-1 0 0,0 0 0,0 0 0,0-1 0,-1 1 0,0 0 0,0 0 0,-1-1 0,1 1 0,-1-1 0,0 1 0,-1-1 0,-4 9 0,-5 4 0,0 0 0,-22 25 0,-3 0 0,37-43 0,0 1 0,-1-1 0,1 0 0,0 1 0,0-1 0,0 1 0,-1-1 0,1 1 0,0-1 0,0 1 0,0-1 0,0 1 0,0-1 0,0 1 0,0 0 0,0-1 0,0 1 0,0-1 0,0 1 0,0-1 0,0 1 0,0-1 0,0 1 0,1-1 0,-1 1 0,0-1 0,0 1 0,1-1 0,-1 0 0,0 1 0,1-1 0,-1 1 0,0-1 0,1 0 0,-1 1 0,1-1 0,-1 0 0,0 1 0,1-1 0,-1 0 0,1 0 0,-1 1 0,1-1 0,-1 0 0,1 0 0,-1 0 0,1 0 0,-1 0 0,2 0 0,29 5 0,-28-5 0,23 1-455,0 0 0,31-5 0,-29 0-6371</inkml:trace>
+</inkml:ink>
+</file>
+
+<file path=ppt/ink/ink127.xml><?xml version="1.0" encoding="utf-8"?>
+<inkml:ink xmlns:inkml="http://www.w3.org/2003/InkML">
+  <inkml:definitions>
+    <inkml:context xml:id="ctx0">
+      <inkml:inkSource xml:id="inkSrc0">
+        <inkml:traceFormat>
+          <inkml:channel name="X" type="integer" min="-2.14748E9" max="2.14748E9" units="cm"/>
+          <inkml:channel name="Y" type="integer" min="-2.14748E9" max="2.14748E9" units="cm"/>
+          <inkml:channel name="F" type="integer" max="32767" units="dev"/>
+        </inkml:traceFormat>
+        <inkml:channelProperties>
+          <inkml:channelProperty channel="X" name="resolution" value="1000" units="1/cm"/>
+          <inkml:channelProperty channel="Y" name="resolution" value="1000" units="1/cm"/>
+          <inkml:channelProperty channel="F" name="resolution" value="0" units="1/dev"/>
+        </inkml:channelProperties>
+      </inkml:inkSource>
+      <inkml:timestamp xml:id="ts0" timeString="2024-06-20T19:44:52.073"/>
+    </inkml:context>
+    <inkml:brush xml:id="br0">
+      <inkml:brushProperty name="width" value="0.035" units="cm"/>
+      <inkml:brushProperty name="height" value="0.035" units="cm"/>
+      <inkml:brushProperty name="color" value="#F6630D"/>
+    </inkml:brush>
+  </inkml:definitions>
+  <inkml:trace contextRef="#ctx0" brushRef="#br0">134 0 24575,'0'6'0,"-1"0"0,0-1 0,0 1 0,-1 0 0,0-1 0,0 1 0,-4 7 0,1 0 0,-30 68 0,-19 50 0,35-75 0,18-49 0,-1-1 0,1 0 0,0 0 0,1 1 0,0-1 0,0 0 0,1 7 0,-1-11 0,0-1 0,0 0 0,1 0 0,-1 0 0,0 0 0,1 0 0,-1 0 0,1 0 0,0 0 0,-1 0 0,1 0 0,0 0 0,-1 0 0,1 0 0,0 0 0,0-1 0,0 1 0,0 0 0,0 0 0,2 0 0,-1 0 0,1 0 0,0 0 0,-1 0 0,1-1 0,0 1 0,0-1 0,0 0 0,4 1 0,2-2 0,0 0 0,0 0 0,0-1 0,12-4 0,-17 5 0,0 0 0,0-1 0,0 0 0,-1 0 0,1 0 0,-1 0 0,1 0 0,-1-1 0,0 0 0,0 1 0,0-1 0,0 0 0,-1-1 0,1 1 0,-1 0 0,0-1 0,0 1 0,0-1 0,0 0 0,-1 0 0,1 0 0,-1 0 0,0 0 0,0 0 0,-1 0 0,1-8 0,-1 11-76,0 0 1,0-1-1,0 1 0,0 0 0,0 0 0,-1-1 0,1 1 0,-1 0 1,1 0-1,-1-1 0,1 1 0,-1 0 0,1 0 0,-1 0 1,0 0-1,0 0 0,-1-2 0,-6-2-6750</inkml:trace>
+</inkml:ink>
+</file>
+
+<file path=ppt/ink/ink128.xml><?xml version="1.0" encoding="utf-8"?>
+<inkml:ink xmlns:inkml="http://www.w3.org/2003/InkML">
+  <inkml:definitions>
+    <inkml:context xml:id="ctx0">
+      <inkml:inkSource xml:id="inkSrc0">
+        <inkml:traceFormat>
+          <inkml:channel name="X" type="integer" min="-2.14748E9" max="2.14748E9" units="cm"/>
+          <inkml:channel name="Y" type="integer" min="-2.14748E9" max="2.14748E9" units="cm"/>
+          <inkml:channel name="F" type="integer" max="32767" units="dev"/>
+        </inkml:traceFormat>
+        <inkml:channelProperties>
+          <inkml:channelProperty channel="X" name="resolution" value="1000" units="1/cm"/>
+          <inkml:channelProperty channel="Y" name="resolution" value="1000" units="1/cm"/>
+          <inkml:channelProperty channel="F" name="resolution" value="0" units="1/dev"/>
+        </inkml:channelProperties>
+      </inkml:inkSource>
+      <inkml:timestamp xml:id="ts0" timeString="2024-06-20T19:44:53.320"/>
+    </inkml:context>
+    <inkml:brush xml:id="br0">
+      <inkml:brushProperty name="width" value="0.035" units="cm"/>
+      <inkml:brushProperty name="height" value="0.035" units="cm"/>
+      <inkml:brushProperty name="color" value="#F6630D"/>
+    </inkml:brush>
+  </inkml:definitions>
+  <inkml:trace contextRef="#ctx0" brushRef="#br0">0 427 24575,'3'0'0,"2"0"0,8-2 0,12-8 0,16-11 0,10-11 0,12-6 0,15-11 0,13-4 0,6 1 0,-6 5 0,-10 3 0,-16 9 0,-20 9 0,-16 8-8191</inkml:trace>
+</inkml:ink>
+</file>
+
+<file path=ppt/ink/ink129.xml><?xml version="1.0" encoding="utf-8"?>
+<inkml:ink xmlns:inkml="http://www.w3.org/2003/InkML">
+  <inkml:definitions>
+    <inkml:context xml:id="ctx0">
+      <inkml:inkSource xml:id="inkSrc0">
+        <inkml:traceFormat>
+          <inkml:channel name="X" type="integer" min="-2.14748E9" max="2.14748E9" units="cm"/>
+          <inkml:channel name="Y" type="integer" min="-2.14748E9" max="2.14748E9" units="cm"/>
+          <inkml:channel name="F" type="integer" max="32767" units="dev"/>
+        </inkml:traceFormat>
+        <inkml:channelProperties>
+          <inkml:channelProperty channel="X" name="resolution" value="1000" units="1/cm"/>
+          <inkml:channelProperty channel="Y" name="resolution" value="1000" units="1/cm"/>
+          <inkml:channelProperty channel="F" name="resolution" value="0" units="1/dev"/>
+        </inkml:channelProperties>
+      </inkml:inkSource>
+      <inkml:timestamp xml:id="ts0" timeString="2024-06-20T19:44:57.973"/>
+    </inkml:context>
+    <inkml:brush xml:id="br0">
+      <inkml:brushProperty name="width" value="0.035" units="cm"/>
+      <inkml:brushProperty name="height" value="0.035" units="cm"/>
+      <inkml:brushProperty name="color" value="#F6630D"/>
+    </inkml:brush>
+  </inkml:definitions>
+  <inkml:trace contextRef="#ctx0" brushRef="#br0">52 0 24575,'0'7'0,"0"11"0,0 9 0,-4 11 0,-4 11 0,-3 8 0,1-1 0,1-1 0,4-8 0,1-12-8191</inkml:trace>
+</inkml:ink>
+</file>
+
 <file path=ppt/ink/ink13.xml><?xml version="1.0" encoding="utf-8"?>
 <inkml:ink xmlns:inkml="http://www.w3.org/2003/InkML">
   <inkml:definitions>
@@ -256,6 +1096,286 @@
 </inkml:ink>
 </file>
 
+<file path=ppt/ink/ink130.xml><?xml version="1.0" encoding="utf-8"?>
+<inkml:ink xmlns:inkml="http://www.w3.org/2003/InkML">
+  <inkml:definitions>
+    <inkml:context xml:id="ctx0">
+      <inkml:inkSource xml:id="inkSrc0">
+        <inkml:traceFormat>
+          <inkml:channel name="X" type="integer" min="-2.14748E9" max="2.14748E9" units="cm"/>
+          <inkml:channel name="Y" type="integer" min="-2.14748E9" max="2.14748E9" units="cm"/>
+          <inkml:channel name="F" type="integer" max="32767" units="dev"/>
+        </inkml:traceFormat>
+        <inkml:channelProperties>
+          <inkml:channelProperty channel="X" name="resolution" value="1000" units="1/cm"/>
+          <inkml:channelProperty channel="Y" name="resolution" value="1000" units="1/cm"/>
+          <inkml:channelProperty channel="F" name="resolution" value="0" units="1/dev"/>
+        </inkml:channelProperties>
+      </inkml:inkSource>
+      <inkml:timestamp xml:id="ts0" timeString="2024-06-20T19:44:58.603"/>
+    </inkml:context>
+    <inkml:brush xml:id="br0">
+      <inkml:brushProperty name="width" value="0.035" units="cm"/>
+      <inkml:brushProperty name="height" value="0.035" units="cm"/>
+      <inkml:brushProperty name="color" value="#F6630D"/>
+    </inkml:brush>
+  </inkml:definitions>
+  <inkml:trace contextRef="#ctx0" brushRef="#br0">5 3 24575,'56'-1'0,"-27"0"0,0 0 0,-1 3 0,53 7 0,-79-8 0,0-1 0,1 1 0,-1 0 0,1 0 0,-1 0 0,0 0 0,1 0 0,-1 0 0,0 1 0,0-1 0,0 1 0,0-1 0,0 1 0,-1 0 0,1 0 0,0 0 0,-1 0 0,1 0 0,-1 0 0,2 5 0,-2-4 0,0 0 0,0 0 0,-1 0 0,0 0 0,1 0 0,-1 0 0,0 0 0,-1 0 0,1 0 0,0 0 0,-1 0 0,0 0 0,1 0 0,-1 0 0,0 0 0,-1 0 0,-1 3 0,-3 4 0,0 0 0,-1 0 0,-1-1 0,1 0 0,-1 0 0,-11 8 0,-60 45 0,59-47 0,-19 12-2120,22-16-212,-27 23 0,44-34 2332,0 1 0,-1-1 0,1 0 0,-1 1 0,1-1 0,0 1 0,-1-1 0,1 1 0,0-1 0,-1 0 0,1 1 0,0-1 0,0 1 0,0-1 0,-1 1 0,1-1 0,0 2 0,5 2 0,16-2 0,-19-2 0,57 0-117,62-8 0,-98 4-1056</inkml:trace>
+</inkml:ink>
+</file>
+
+<file path=ppt/ink/ink131.xml><?xml version="1.0" encoding="utf-8"?>
+<inkml:ink xmlns:inkml="http://www.w3.org/2003/InkML">
+  <inkml:definitions>
+    <inkml:context xml:id="ctx0">
+      <inkml:inkSource xml:id="inkSrc0">
+        <inkml:traceFormat>
+          <inkml:channel name="X" type="integer" min="-2.14748E9" max="2.14748E9" units="cm"/>
+          <inkml:channel name="Y" type="integer" min="-2.14748E9" max="2.14748E9" units="cm"/>
+          <inkml:channel name="F" type="integer" max="32767" units="dev"/>
+        </inkml:traceFormat>
+        <inkml:channelProperties>
+          <inkml:channelProperty channel="X" name="resolution" value="1000" units="1/cm"/>
+          <inkml:channelProperty channel="Y" name="resolution" value="1000" units="1/cm"/>
+          <inkml:channelProperty channel="F" name="resolution" value="0" units="1/dev"/>
+        </inkml:channelProperties>
+      </inkml:inkSource>
+      <inkml:timestamp xml:id="ts0" timeString="2024-06-20T19:44:59.477"/>
+    </inkml:context>
+    <inkml:brush xml:id="br0">
+      <inkml:brushProperty name="width" value="0.035" units="cm"/>
+      <inkml:brushProperty name="height" value="0.035" units="cm"/>
+      <inkml:brushProperty name="color" value="#F6630D"/>
+    </inkml:brush>
+  </inkml:definitions>
+  <inkml:trace contextRef="#ctx0" brushRef="#br0">305 1 24575,'2'0'0,"-1"0"0,0 0 0,1 0 0,-1 0 0,1 0 0,-1 0 0,0 0 0,1 1 0,-1-1 0,0 1 0,1-1 0,-1 1 0,0-1 0,0 1 0,0 0 0,1-1 0,-1 1 0,0 0 0,0 0 0,0 0 0,0 0 0,0 0 0,0 0 0,-1 0 0,1 0 0,0 0 0,0 1 0,-1-1 0,1 0 0,-1 0 0,1 1 0,-1-1 0,1 0 0,-1 1 0,0-1 0,0 0 0,0 1 0,0-1 0,0 1 0,0-1 0,0 0 0,0 1 0,-1 1 0,-2 6 0,-1-1 0,0 1 0,0-1 0,-1 0 0,0 0 0,-1 0 0,-11 12 0,7-9 0,-91 102 0,62-74 0,2 2 0,-51 75 0,85-112 0,1 1 0,-1 0 0,1-1 0,-4 11 0,6-14 0,0-1 0,0 1 0,-1 0 0,1-1 0,0 1 0,0 0 0,0 0 0,0-1 0,0 1 0,0 0 0,0 0 0,0-1 0,1 1 0,-1 0 0,0-1 0,0 1 0,0 0 0,1-1 0,-1 1 0,0 0 0,1-1 0,-1 1 0,1 0 0,-1-1 0,1 1 0,-1-1 0,1 1 0,-1-1 0,1 1 0,-1-1 0,1 0 0,0 1 0,-1-1 0,1 0 0,0 1 0,-1-1 0,1 0 0,0 0 0,-1 1 0,1-1 0,0 0 0,0 0 0,0 0 0,4 0 0,-1 0 0,0 0 0,0-1 0,0 1 0,0-1 0,0 0 0,0 0 0,0 0 0,-1-1 0,1 1 0,0-1 0,-1 0 0,1 0 0,-1 0 0,6-5 0,2-2 0,-2 0 0,1 0 0,12-16 0,-19 20 0,1 0 0,-1 0 0,0-1 0,0 1 0,-1-1 0,0 0 0,0 1 0,0-1 0,0 0 0,-1-1 0,0-8 0,1-7 0,-5-42 0,1 24 0,1 35 0,1 0 0,0 0 0,0 0 0,1 0 0,-1 0 0,1 0 0,0 1 0,0-1 0,1 0 0,-1 0 0,1 1 0,0-1 0,0 1 0,1 0 0,-1-1 0,6-4 0,13-21 0,-17 22 0,1 1 0,0 0 0,0 0 0,1 1 0,0-1 0,0 1 0,0 1 0,1-1 0,7-4 0,9 3-1365,-13 6-5461</inkml:trace>
+</inkml:ink>
+</file>
+
+<file path=ppt/ink/ink132.xml><?xml version="1.0" encoding="utf-8"?>
+<inkml:ink xmlns:inkml="http://www.w3.org/2003/InkML">
+  <inkml:definitions>
+    <inkml:context xml:id="ctx0">
+      <inkml:inkSource xml:id="inkSrc0">
+        <inkml:traceFormat>
+          <inkml:channel name="X" type="integer" min="-2.14748E9" max="2.14748E9" units="cm"/>
+          <inkml:channel name="Y" type="integer" min="-2.14748E9" max="2.14748E9" units="cm"/>
+          <inkml:channel name="F" type="integer" max="32767" units="dev"/>
+        </inkml:traceFormat>
+        <inkml:channelProperties>
+          <inkml:channelProperty channel="X" name="resolution" value="1000" units="1/cm"/>
+          <inkml:channelProperty channel="Y" name="resolution" value="1000" units="1/cm"/>
+          <inkml:channelProperty channel="F" name="resolution" value="0" units="1/dev"/>
+        </inkml:channelProperties>
+      </inkml:inkSource>
+      <inkml:timestamp xml:id="ts0" timeString="2024-06-20T19:45:11.509"/>
+    </inkml:context>
+    <inkml:brush xml:id="br0">
+      <inkml:brushProperty name="width" value="0.035" units="cm"/>
+      <inkml:brushProperty name="height" value="0.035" units="cm"/>
+      <inkml:brushProperty name="color" value="#F6630D"/>
+    </inkml:brush>
+  </inkml:definitions>
+  <inkml:trace contextRef="#ctx0" brushRef="#br0">291 0 24575,'0'11'0,"-4"20"0,-9 29 0,-8 22 0,-13 27 0,-2 11 0,-6 9 0,-3-4 0,4-11 0,9-22 0,10-25-8191</inkml:trace>
+</inkml:ink>
+</file>
+
+<file path=ppt/ink/ink133.xml><?xml version="1.0" encoding="utf-8"?>
+<inkml:ink xmlns:inkml="http://www.w3.org/2003/InkML">
+  <inkml:definitions>
+    <inkml:context xml:id="ctx0">
+      <inkml:inkSource xml:id="inkSrc0">
+        <inkml:traceFormat>
+          <inkml:channel name="X" type="integer" min="-2.14748E9" max="2.14748E9" units="cm"/>
+          <inkml:channel name="Y" type="integer" min="-2.14748E9" max="2.14748E9" units="cm"/>
+          <inkml:channel name="F" type="integer" max="32767" units="dev"/>
+        </inkml:traceFormat>
+        <inkml:channelProperties>
+          <inkml:channelProperty channel="X" name="resolution" value="1000" units="1/cm"/>
+          <inkml:channelProperty channel="Y" name="resolution" value="1000" units="1/cm"/>
+          <inkml:channelProperty channel="F" name="resolution" value="0" units="1/dev"/>
+        </inkml:channelProperties>
+      </inkml:inkSource>
+      <inkml:timestamp xml:id="ts0" timeString="2024-06-20T19:45:12.116"/>
+    </inkml:context>
+    <inkml:brush xml:id="br0">
+      <inkml:brushProperty name="width" value="0.035" units="cm"/>
+      <inkml:brushProperty name="height" value="0.035" units="cm"/>
+      <inkml:brushProperty name="color" value="#F6630D"/>
+    </inkml:brush>
+  </inkml:definitions>
+  <inkml:trace contextRef="#ctx0" brushRef="#br0">0 0 24575,'40'1'0,"-1"1"0,0 2 0,0 2 0,0 2 0,72 23 0,-99-27 0,-1 1 0,1 0 0,-1 1 0,12 8 0,-20-12 0,0 0 0,0 1 0,0-1 0,0 1 0,-1-1 0,1 1 0,-1 0 0,0 0 0,0 0 0,0 0 0,0 0 0,0 0 0,-1 0 0,1 1 0,-1-1 0,0 1 0,0-1 0,-1 1 0,2 4 0,-3-2 0,1 0 0,-1 0 0,0 0 0,0 0 0,0 0 0,-1 0 0,0 0 0,0 0 0,-1 0 0,-4 7 0,-3 3 0,-1 0 0,-16 18 0,-83 77 0,31-34 0,75-74 0,0 1 0,1 0 0,0 0 0,0 0 0,0 0 0,0 1 0,-2 4 0,5-8 0,0 0 0,-1 0 0,1-1 0,0 1 0,0 0 0,0-1 0,0 1 0,0 0 0,0 0 0,0-1 0,0 1 0,0 0 0,0 0 0,0-1 0,1 1 0,-1 0 0,0-1 0,0 1 0,1 0 0,-1-1 0,1 2 0,0-1 0,0 0 0,1 0 0,-1 0 0,0 0 0,1 0 0,-1-1 0,0 1 0,1 0 0,-1-1 0,1 1 0,-1-1 0,1 1 0,3-1 0,7 2 0,0-1 0,1 0 0,0-1 0,23-3 0,53-13 0,45-23-1365,-79 20-5461</inkml:trace>
+</inkml:ink>
+</file>
+
+<file path=ppt/ink/ink134.xml><?xml version="1.0" encoding="utf-8"?>
+<inkml:ink xmlns:inkml="http://www.w3.org/2003/InkML">
+  <inkml:definitions>
+    <inkml:context xml:id="ctx0">
+      <inkml:inkSource xml:id="inkSrc0">
+        <inkml:traceFormat>
+          <inkml:channel name="X" type="integer" min="-2.14748E9" max="2.14748E9" units="cm"/>
+          <inkml:channel name="Y" type="integer" min="-2.14748E9" max="2.14748E9" units="cm"/>
+          <inkml:channel name="F" type="integer" max="32767" units="dev"/>
+        </inkml:traceFormat>
+        <inkml:channelProperties>
+          <inkml:channelProperty channel="X" name="resolution" value="1000" units="1/cm"/>
+          <inkml:channelProperty channel="Y" name="resolution" value="1000" units="1/cm"/>
+          <inkml:channelProperty channel="F" name="resolution" value="0" units="1/dev"/>
+        </inkml:channelProperties>
+      </inkml:inkSource>
+      <inkml:timestamp xml:id="ts0" timeString="2024-06-20T19:45:12.690"/>
+    </inkml:context>
+    <inkml:brush xml:id="br0">
+      <inkml:brushProperty name="width" value="0.035" units="cm"/>
+      <inkml:brushProperty name="height" value="0.035" units="cm"/>
+      <inkml:brushProperty name="color" value="#F6630D"/>
+    </inkml:brush>
+  </inkml:definitions>
+  <inkml:trace contextRef="#ctx0" brushRef="#br0">60 72 24575,'5'9'0,"-1"1"0,0 0 0,0 0 0,-1 0 0,0 0 0,2 20 0,-5-25 0,0 1 0,0-1 0,0 0 0,0 1 0,-1-1 0,0 0 0,0 1 0,0-1 0,-1 0 0,0 0 0,0 0 0,0 0 0,0 0 0,-1-1 0,-3 5 0,6-8 0,-1 0 0,1 0 0,-1-1 0,1 1 0,0 0 0,-1-1 0,0 1 0,1-1 0,-1 1 0,1-1 0,-1 1 0,0-1 0,1 1 0,-1-1 0,0 0 0,1 1 0,-1-1 0,0 0 0,0 1 0,1-1 0,-1 0 0,0 0 0,0 0 0,1 0 0,-1 0 0,0 0 0,0 0 0,0 0 0,1 0 0,-1 0 0,0 0 0,0 0 0,1 0 0,-1-1 0,0 1 0,0 0 0,1-1 0,-1 1 0,0-1 0,1 1 0,-1 0 0,0-1 0,1 1 0,-1-2 0,-2-1 0,0 0 0,1-1 0,-1 1 0,1-1 0,0 0 0,0 0 0,-1-4 0,-1-2 0,2 0 0,-1 1 0,1-1 0,1 0 0,0 0 0,0 0 0,1 0 0,0 0 0,1 0 0,0 0 0,4-16 0,-4 20 0,1 1 0,-1 0 0,1 0 0,1 0 0,-1 1 0,1-1 0,0 0 0,0 1 0,0 0 0,5-6 0,-5 8 0,0-1 0,1 1 0,-1-1 0,1 1 0,-1 0 0,1 0 0,-1 0 0,1 1 0,0-1 0,0 1 0,0 0 0,0 0 0,0 1 0,8-1 0,-10 1 0,1 0 0,-1 0 0,1 0 0,0 1 0,-1-1 0,1 1 0,-1-1 0,0 1 0,1 0 0,-1 0 0,0 0 0,1 1 0,-1-1 0,0 0 0,0 1 0,0 0 0,0-1 0,0 1 0,0 0 0,-1 0 0,1 0 0,-1 0 0,1 0 0,1 3 0,1 4 0,0 0 0,0 0 0,-1 0 0,4 19 0,0 6 0,-2-1 0,1 43 0,-6 70 0,-1-87 0,1-44 0,-13 458 0,8-377-1365,0 1-5461</inkml:trace>
+</inkml:ink>
+</file>
+
+<file path=ppt/ink/ink135.xml><?xml version="1.0" encoding="utf-8"?>
+<inkml:ink xmlns:inkml="http://www.w3.org/2003/InkML">
+  <inkml:definitions>
+    <inkml:context xml:id="ctx0">
+      <inkml:inkSource xml:id="inkSrc0">
+        <inkml:traceFormat>
+          <inkml:channel name="X" type="integer" min="-2.14748E9" max="2.14748E9" units="cm"/>
+          <inkml:channel name="Y" type="integer" min="-2.14748E9" max="2.14748E9" units="cm"/>
+          <inkml:channel name="F" type="integer" max="32767" units="dev"/>
+        </inkml:traceFormat>
+        <inkml:channelProperties>
+          <inkml:channelProperty channel="X" name="resolution" value="1000" units="1/cm"/>
+          <inkml:channelProperty channel="Y" name="resolution" value="1000" units="1/cm"/>
+          <inkml:channelProperty channel="F" name="resolution" value="0" units="1/dev"/>
+        </inkml:channelProperties>
+      </inkml:inkSource>
+      <inkml:timestamp xml:id="ts0" timeString="2024-06-20T19:45:15.823"/>
+    </inkml:context>
+    <inkml:brush xml:id="br0">
+      <inkml:brushProperty name="width" value="0.035" units="cm"/>
+      <inkml:brushProperty name="height" value="0.035" units="cm"/>
+      <inkml:brushProperty name="color" value="#F6630D"/>
+    </inkml:brush>
+  </inkml:definitions>
+  <inkml:trace contextRef="#ctx0" brushRef="#br0">109 0 24575,'-6'41'0,"-8"42"0,-2 45 0,-4 31 0,1 21-2169,5 6 2169,4-17 0,4-26 0,3-37 696,2-40-696,2-47 358,4-48-358,1-18-7076</inkml:trace>
+</inkml:ink>
+</file>
+
+<file path=ppt/ink/ink136.xml><?xml version="1.0" encoding="utf-8"?>
+<inkml:ink xmlns:inkml="http://www.w3.org/2003/InkML">
+  <inkml:definitions>
+    <inkml:context xml:id="ctx0">
+      <inkml:inkSource xml:id="inkSrc0">
+        <inkml:traceFormat>
+          <inkml:channel name="X" type="integer" min="-2.14748E9" max="2.14748E9" units="cm"/>
+          <inkml:channel name="Y" type="integer" min="-2.14748E9" max="2.14748E9" units="cm"/>
+          <inkml:channel name="F" type="integer" max="32767" units="dev"/>
+        </inkml:traceFormat>
+        <inkml:channelProperties>
+          <inkml:channelProperty channel="X" name="resolution" value="1000" units="1/cm"/>
+          <inkml:channelProperty channel="Y" name="resolution" value="1000" units="1/cm"/>
+          <inkml:channelProperty channel="F" name="resolution" value="0" units="1/dev"/>
+        </inkml:channelProperties>
+      </inkml:inkSource>
+      <inkml:timestamp xml:id="ts0" timeString="2024-06-20T19:45:16.523"/>
+    </inkml:context>
+    <inkml:brush xml:id="br0">
+      <inkml:brushProperty name="width" value="0.035" units="cm"/>
+      <inkml:brushProperty name="height" value="0.035" units="cm"/>
+      <inkml:brushProperty name="color" value="#F6630D"/>
+    </inkml:brush>
+  </inkml:definitions>
+  <inkml:trace contextRef="#ctx0" brushRef="#br0">0 55 24575,'5'0'0,"0"-1"0,0 0 0,0 0 0,0 0 0,0 0 0,8-5 0,11-2 0,15-2 33,1 2 0,55-3 0,81 5-1262,-168 6 616,0 0 1,0 1-1,0 0 1,0 0-1,13 4 1,-19-5 548,-1 1 0,1-1 0,0 1 1,-1 0-1,1 0 0,-1 0 0,1 0 0,-1 0 0,0 0 1,1 0-1,-1 0 0,0 0 0,0 1 0,0-1 0,0 1 1,0-1-1,0 1 0,0-1 0,0 1 0,0-1 1,-1 1-1,1 0 0,-1-1 0,1 1 0,-1 0 0,0 0 1,0-1-1,1 1 0,-1 0 0,-1 3 0,0 1 64,0-1 0,0 1 0,0-1 0,-1 0 0,0 1 0,0-1 0,0 0 0,-1 0 0,-5 8 0,-4 3 0,-18 20 0,26-31 0,-64 64 1842,45-47-606,0 2-1,2 0 1,-33 47-1,52-68-1235,0-1 0,1 1 0,-1 0 0,1 0 0,0 0 0,0 0 0,0 0 0,0 0 0,1 0 0,-1 1 0,1-1 0,0 4 0,0-5 0,0 0 0,1 1 0,0-1 0,-1 0 0,1 0 0,0 1 0,0-1 0,0 0 0,1 0 0,-1 0 0,0 0 0,1 0 0,-1 0 0,1-1 0,0 1 0,2 2 0,19 14 0,-14-11 0,-1-1 0,-1 1 0,11 11 0,-15-15 0,-1 0 0,0 0 0,0 0 0,-1 1 0,1-1 0,-1 0 0,1 1 0,-1-1 0,0 1 0,0-1 0,-1 1 0,1-1 0,0 8 0,-2-3 0,0 0 0,0 0 0,-1 0 0,1 0 0,-2 0 0,1-1 0,-1 1 0,0-1 0,-1 1 0,0-1 0,0 0 0,-6 7 0,-3 3 0,-2 0 0,0-1 0,-20 18 0,30-30 0,0 0 0,0 0 0,-9 5 0,14-9-37,0 1 0,-1-1 1,1 0-1,0 0 0,-1 0 0,1 1 0,0-1 0,-1 0 0,1 0 0,-1 0 0,1 0 0,0 0 1,-1 0-1,1 0 0,-1 0 0,1 0 0,0 0 0,-1 0 0,1 0 0,0 0 0,-1 0 0,1 0 1,-1 0-1,1 0 0,0-1 0,-1 1 0,1 0 0,0 0 0,-1 0 0,1-1 0,0 1 0,-1 0 1,1 0-1,0-1 0,-1 1 0,1-1 0,-3-14-6789</inkml:trace>
+</inkml:ink>
+</file>
+
+<file path=ppt/ink/ink137.xml><?xml version="1.0" encoding="utf-8"?>
+<inkml:ink xmlns:inkml="http://www.w3.org/2003/InkML">
+  <inkml:definitions>
+    <inkml:context xml:id="ctx0">
+      <inkml:inkSource xml:id="inkSrc0">
+        <inkml:traceFormat>
+          <inkml:channel name="X" type="integer" min="-2.14748E9" max="2.14748E9" units="cm"/>
+          <inkml:channel name="Y" type="integer" min="-2.14748E9" max="2.14748E9" units="cm"/>
+          <inkml:channel name="F" type="integer" max="32767" units="dev"/>
+        </inkml:traceFormat>
+        <inkml:channelProperties>
+          <inkml:channelProperty channel="X" name="resolution" value="1000" units="1/cm"/>
+          <inkml:channelProperty channel="Y" name="resolution" value="1000" units="1/cm"/>
+          <inkml:channelProperty channel="F" name="resolution" value="0" units="1/dev"/>
+        </inkml:channelProperties>
+      </inkml:inkSource>
+      <inkml:timestamp xml:id="ts0" timeString="2024-06-20T19:45:16.998"/>
+    </inkml:context>
+    <inkml:brush xml:id="br0">
+      <inkml:brushProperty name="width" value="0.035" units="cm"/>
+      <inkml:brushProperty name="height" value="0.035" units="cm"/>
+      <inkml:brushProperty name="color" value="#F6630D"/>
+    </inkml:brush>
+  </inkml:definitions>
+  <inkml:trace contextRef="#ctx0" brushRef="#br0">0 163 24575,'36'-25'0,"1"0"0,1 3 0,0 1 0,2 2 0,55-18 0,-93 36 0,4-1 0,0-1 0,1 1 0,0 1 0,-1-1 0,10 0 0,-14 2 0,-1 0 0,0 0 0,0 0 0,1 0 0,-1 0 0,0 1 0,1-1 0,-1 0 0,0 1 0,0-1 0,0 1 0,0-1 0,1 1 0,-1-1 0,0 1 0,0 0 0,0 0 0,0 0 0,0-1 0,0 1 0,-1 0 0,1 0 0,0 0 0,0 0 0,-1 1 0,1-1 0,0 0 0,-1 0 0,1 0 0,-1 0 0,0 1 0,1-1 0,-1 0 0,0 0 0,0 2 0,2 10 0,-1 0 0,-1 0 0,-1 0 0,1 0 0,-5 20 0,-19 68 0,20-90 0,-17 63 0,-4-2 0,-3 0 0,-64 116 0,89-182 0,-1 1 0,0 0 0,0 0 0,-1 0 0,0 0 0,0 0 0,0-1 0,-1 0 0,-9 7 0,14-12 0,0 0 0,0-1 0,1 1 0,-1-1 0,0 1 0,0-1 0,0 0 0,0 1 0,0-1 0,0 0 0,0 0 0,0 0 0,0 0 0,0 1 0,0-1 0,0 0 0,0-1 0,0 1 0,0 0 0,1 0 0,-1 0 0,0-1 0,0 1 0,-2-1 0,2 0 0,0 0 0,-1 0 0,1 0 0,0-1 0,0 1 0,0 0 0,0-1 0,0 1 0,0-1 0,0 1 0,1-1 0,-2-2 0,-1-6 0,1 1 0,0 0 0,-1-19 0,1 10 15,2 0 0,0 0 0,1 0 0,1 0 0,0 0 0,2 0 0,6-20 0,-7 27-129,2 0 0,-1 1-1,1 0 1,1-1 0,0 2 0,0-1-1,1 1 1,0 0 0,1 0 0,0 1-1,0 0 1,13-10 0,-3 6-6712</inkml:trace>
+</inkml:ink>
+</file>
+
+<file path=ppt/ink/ink138.xml><?xml version="1.0" encoding="utf-8"?>
+<inkml:ink xmlns:inkml="http://www.w3.org/2003/InkML">
+  <inkml:definitions>
+    <inkml:context xml:id="ctx0">
+      <inkml:inkSource xml:id="inkSrc0">
+        <inkml:traceFormat>
+          <inkml:channel name="X" type="integer" min="-2.14748E9" max="2.14748E9" units="cm"/>
+          <inkml:channel name="Y" type="integer" min="-2.14748E9" max="2.14748E9" units="cm"/>
+          <inkml:channel name="F" type="integer" max="32767" units="dev"/>
+        </inkml:traceFormat>
+        <inkml:channelProperties>
+          <inkml:channelProperty channel="X" name="resolution" value="1000" units="1/cm"/>
+          <inkml:channelProperty channel="Y" name="resolution" value="1000" units="1/cm"/>
+          <inkml:channelProperty channel="F" name="resolution" value="0" units="1/dev"/>
+        </inkml:channelProperties>
+      </inkml:inkSource>
+      <inkml:timestamp xml:id="ts0" timeString="2024-06-20T19:45:25.751"/>
+    </inkml:context>
+    <inkml:brush xml:id="br0">
+      <inkml:brushProperty name="width" value="0.035" units="cm"/>
+      <inkml:brushProperty name="height" value="0.035" units="cm"/>
+      <inkml:brushProperty name="color" value="#F6630D"/>
+    </inkml:brush>
+  </inkml:definitions>
+  <inkml:trace contextRef="#ctx0" brushRef="#br0">0 0 24575</inkml:trace>
+</inkml:ink>
+</file>
+
+<file path=ppt/ink/ink139.xml><?xml version="1.0" encoding="utf-8"?>
+<inkml:ink xmlns:inkml="http://www.w3.org/2003/InkML">
+  <inkml:definitions>
+    <inkml:context xml:id="ctx0">
+      <inkml:inkSource xml:id="inkSrc0">
+        <inkml:traceFormat>
+          <inkml:channel name="X" type="integer" min="-2.14748E9" max="2.14748E9" units="cm"/>
+          <inkml:channel name="Y" type="integer" min="-2.14748E9" max="2.14748E9" units="cm"/>
+          <inkml:channel name="F" type="integer" max="32767" units="dev"/>
+        </inkml:traceFormat>
+        <inkml:channelProperties>
+          <inkml:channelProperty channel="X" name="resolution" value="1000" units="1/cm"/>
+          <inkml:channelProperty channel="Y" name="resolution" value="1000" units="1/cm"/>
+          <inkml:channelProperty channel="F" name="resolution" value="0" units="1/dev"/>
+        </inkml:channelProperties>
+      </inkml:inkSource>
+      <inkml:timestamp xml:id="ts0" timeString="2024-06-20T19:46:11.908"/>
+    </inkml:context>
+    <inkml:brush xml:id="br0">
+      <inkml:brushProperty name="width" value="0.035" units="cm"/>
+      <inkml:brushProperty name="height" value="0.035" units="cm"/>
+      <inkml:brushProperty name="color" value="#F6630D"/>
+    </inkml:brush>
+  </inkml:definitions>
+  <inkml:trace contextRef="#ctx0" brushRef="#br0">0 956 24575,'149'-207'0,"73"-68"0,6 13 0,-36 50-8191</inkml:trace>
+</inkml:ink>
+</file>
+
 <file path=ppt/ink/ink14.xml><?xml version="1.0" encoding="utf-8"?>
 <inkml:ink xmlns:inkml="http://www.w3.org/2003/InkML">
   <inkml:definitions>
@@ -284,6 +1404,310 @@
 </inkml:ink>
 </file>
 
+<file path=ppt/ink/ink140.xml><?xml version="1.0" encoding="utf-8"?>
+<inkml:ink xmlns:inkml="http://www.w3.org/2003/InkML">
+  <inkml:definitions>
+    <inkml:context xml:id="ctx0">
+      <inkml:inkSource xml:id="inkSrc0">
+        <inkml:traceFormat>
+          <inkml:channel name="X" type="integer" min="-2.14748E9" max="2.14748E9" units="cm"/>
+          <inkml:channel name="Y" type="integer" min="-2.14748E9" max="2.14748E9" units="cm"/>
+          <inkml:channel name="F" type="integer" max="32767" units="dev"/>
+        </inkml:traceFormat>
+        <inkml:channelProperties>
+          <inkml:channelProperty channel="X" name="resolution" value="1000" units="1/cm"/>
+          <inkml:channelProperty channel="Y" name="resolution" value="1000" units="1/cm"/>
+          <inkml:channelProperty channel="F" name="resolution" value="0" units="1/dev"/>
+        </inkml:channelProperties>
+      </inkml:inkSource>
+      <inkml:timestamp xml:id="ts0" timeString="2024-06-20T19:46:50.197"/>
+    </inkml:context>
+    <inkml:brush xml:id="br0">
+      <inkml:brushProperty name="width" value="0.035" units="cm"/>
+      <inkml:brushProperty name="height" value="0.035" units="cm"/>
+      <inkml:brushProperty name="color" value="#F6630D"/>
+    </inkml:brush>
+  </inkml:definitions>
+  <inkml:trace contextRef="#ctx0" brushRef="#br0">0 663 24575,'5'0'0,"0"-1"0,0 1 0,0-1 0,0 0 0,0-1 0,0 1 0,7-4 0,6-2 0,359-106 53,9 19-463,194-54-83,-579 148 493,320-81 97,-223 60 280,154-56-1,-81 9-376,-127 49 0,-34 15-151,1 0-1,0 0 0,0 1 0,1 0 1,-1 1-1,0 1 0,1 0 1,13 0-1,-14 1-6674</inkml:trace>
+</inkml:ink>
+</file>
+
+<file path=ppt/ink/ink141.xml><?xml version="1.0" encoding="utf-8"?>
+<inkml:ink xmlns:inkml="http://www.w3.org/2003/InkML">
+  <inkml:definitions>
+    <inkml:context xml:id="ctx0">
+      <inkml:inkSource xml:id="inkSrc0">
+        <inkml:traceFormat>
+          <inkml:channel name="X" type="integer" min="-2.14748E9" max="2.14748E9" units="cm"/>
+          <inkml:channel name="Y" type="integer" min="-2.14748E9" max="2.14748E9" units="cm"/>
+          <inkml:channel name="F" type="integer" max="32767" units="dev"/>
+        </inkml:traceFormat>
+        <inkml:channelProperties>
+          <inkml:channelProperty channel="X" name="resolution" value="1000" units="1/cm"/>
+          <inkml:channelProperty channel="Y" name="resolution" value="1000" units="1/cm"/>
+          <inkml:channelProperty channel="F" name="resolution" value="0" units="1/dev"/>
+        </inkml:channelProperties>
+      </inkml:inkSource>
+      <inkml:timestamp xml:id="ts0" timeString="2024-06-20T19:46:54.686"/>
+    </inkml:context>
+    <inkml:brush xml:id="br0">
+      <inkml:brushProperty name="width" value="0.05" units="cm"/>
+      <inkml:brushProperty name="height" value="0.05" units="cm"/>
+      <inkml:brushProperty name="color" value="#0B868D"/>
+      <inkml:brushProperty name="inkEffects" value="ocean"/>
+      <inkml:brushProperty name="anchorX" value="30153.94141"/>
+      <inkml:brushProperty name="anchorY" value="655.03192"/>
+      <inkml:brushProperty name="scaleFactor" value="0.5"/>
+    </inkml:brush>
+  </inkml:definitions>
+  <inkml:trace contextRef="#ctx0" brushRef="#br0">481 0 24575,'0'0'0,"0"2"0,0 7 0,0 2 0,0 2 0,-8 14 0,-10 12 0,-17 23 0,-10 13 0,-9 4 0,-9 9 0,1-9 0,3-6 0,10-18 0,13-14 0,10-15 0,9-9 0,9-8 0</inkml:trace>
+</inkml:ink>
+</file>
+
+<file path=ppt/ink/ink142.xml><?xml version="1.0" encoding="utf-8"?>
+<inkml:ink xmlns:inkml="http://www.w3.org/2003/InkML">
+  <inkml:definitions>
+    <inkml:context xml:id="ctx0">
+      <inkml:inkSource xml:id="inkSrc0">
+        <inkml:traceFormat>
+          <inkml:channel name="X" type="integer" min="-2.14748E9" max="2.14748E9" units="cm"/>
+          <inkml:channel name="Y" type="integer" min="-2.14748E9" max="2.14748E9" units="cm"/>
+          <inkml:channel name="F" type="integer" max="32767" units="dev"/>
+        </inkml:traceFormat>
+        <inkml:channelProperties>
+          <inkml:channelProperty channel="X" name="resolution" value="1000" units="1/cm"/>
+          <inkml:channelProperty channel="Y" name="resolution" value="1000" units="1/cm"/>
+          <inkml:channelProperty channel="F" name="resolution" value="0" units="1/dev"/>
+        </inkml:channelProperties>
+      </inkml:inkSource>
+      <inkml:timestamp xml:id="ts0" timeString="2024-06-20T19:46:55.203"/>
+    </inkml:context>
+    <inkml:brush xml:id="br0">
+      <inkml:brushProperty name="width" value="0.05" units="cm"/>
+      <inkml:brushProperty name="height" value="0.05" units="cm"/>
+      <inkml:brushProperty name="color" value="#0B868D"/>
+      <inkml:brushProperty name="inkEffects" value="ocean"/>
+      <inkml:brushProperty name="anchorX" value="31269.61328"/>
+      <inkml:brushProperty name="anchorY" value="585.15887"/>
+      <inkml:brushProperty name="scaleFactor" value="0.5"/>
+    </inkml:brush>
+  </inkml:definitions>
+  <inkml:trace contextRef="#ctx0" brushRef="#br0">501 0 24575,'0'0'0,"2"0"0,2 3 0,-15 16 0,-16 15 0,-9 7 0,-9 14 0,-11 4 0,-3 2 0,1 0 0,1-7 0,9-7 0,7-7 0,9-9 0,10-7 0,8-7 0</inkml:trace>
+</inkml:ink>
+</file>
+
+<file path=ppt/ink/ink143.xml><?xml version="1.0" encoding="utf-8"?>
+<inkml:ink xmlns:inkml="http://www.w3.org/2003/InkML">
+  <inkml:definitions>
+    <inkml:context xml:id="ctx0">
+      <inkml:inkSource xml:id="inkSrc0">
+        <inkml:traceFormat>
+          <inkml:channel name="X" type="integer" min="-2.14748E9" max="2.14748E9" units="cm"/>
+          <inkml:channel name="Y" type="integer" min="-2.14748E9" max="2.14748E9" units="cm"/>
+          <inkml:channel name="F" type="integer" max="32767" units="dev"/>
+        </inkml:traceFormat>
+        <inkml:channelProperties>
+          <inkml:channelProperty channel="X" name="resolution" value="1000" units="1/cm"/>
+          <inkml:channelProperty channel="Y" name="resolution" value="1000" units="1/cm"/>
+          <inkml:channelProperty channel="F" name="resolution" value="0" units="1/dev"/>
+        </inkml:channelProperties>
+      </inkml:inkSource>
+      <inkml:timestamp xml:id="ts0" timeString="2024-06-20T19:47:07.982"/>
+    </inkml:context>
+    <inkml:brush xml:id="br0">
+      <inkml:brushProperty name="width" value="0.05" units="cm"/>
+      <inkml:brushProperty name="height" value="0.05" units="cm"/>
+      <inkml:brushProperty name="color" value="#0B868D"/>
+      <inkml:brushProperty name="inkEffects" value="ocean"/>
+      <inkml:brushProperty name="anchorX" value="32405.03906"/>
+      <inkml:brushProperty name="anchorY" value="674.57043"/>
+      <inkml:brushProperty name="scaleFactor" value="0.5"/>
+    </inkml:brush>
+  </inkml:definitions>
+  <inkml:trace contextRef="#ctx0" brushRef="#br0">0 0 24575,'0'0'0,"0"3"0,0 2 0,0 4 0,0 1 0,0 4 0,3 13 0,0 13 0,-1 16 0,0 12 0,0 2 0,-1-4 0,0-7 0,-1-11 0,0-10 0,0-12 0</inkml:trace>
+</inkml:ink>
+</file>
+
+<file path=ppt/ink/ink144.xml><?xml version="1.0" encoding="utf-8"?>
+<inkml:ink xmlns:inkml="http://www.w3.org/2003/InkML">
+  <inkml:definitions>
+    <inkml:context xml:id="ctx0">
+      <inkml:inkSource xml:id="inkSrc0">
+        <inkml:traceFormat>
+          <inkml:channel name="X" type="integer" min="-2.14748E9" max="2.14748E9" units="cm"/>
+          <inkml:channel name="Y" type="integer" min="-2.14748E9" max="2.14748E9" units="cm"/>
+          <inkml:channel name="F" type="integer" max="32767" units="dev"/>
+        </inkml:traceFormat>
+        <inkml:channelProperties>
+          <inkml:channelProperty channel="X" name="resolution" value="1000" units="1/cm"/>
+          <inkml:channelProperty channel="Y" name="resolution" value="1000" units="1/cm"/>
+          <inkml:channelProperty channel="F" name="resolution" value="0" units="1/dev"/>
+        </inkml:channelProperties>
+      </inkml:inkSource>
+      <inkml:timestamp xml:id="ts0" timeString="2024-06-20T19:47:14.067"/>
+    </inkml:context>
+    <inkml:brush xml:id="br0">
+      <inkml:brushProperty name="width" value="0.05" units="cm"/>
+      <inkml:brushProperty name="height" value="0.05" units="cm"/>
+      <inkml:brushProperty name="color" value="#0B868D"/>
+      <inkml:brushProperty name="inkEffects" value="ocean"/>
+      <inkml:brushProperty name="anchorX" value="31756.58008"/>
+      <inkml:brushProperty name="anchorY" value="-499.28641"/>
+      <inkml:brushProperty name="scaleFactor" value="0.5"/>
+    </inkml:brush>
+  </inkml:definitions>
+  <inkml:trace contextRef="#ctx0" brushRef="#br0">1175 0 24575,'0'0'0,"-2"0"0,-4 0 0,-4 0 0,-11 3 0,-13 7 0,-10 7 0,-18 14 0,-18 10 0,-15 4 0,-24 8 0,-9-1 0,-5-6 0,6-4 0,12-7 0,26-7 0,22-9 0,24-6 0</inkml:trace>
+</inkml:ink>
+</file>
+
+<file path=ppt/ink/ink145.xml><?xml version="1.0" encoding="utf-8"?>
+<inkml:ink xmlns:inkml="http://www.w3.org/2003/InkML">
+  <inkml:definitions>
+    <inkml:context xml:id="ctx0">
+      <inkml:inkSource xml:id="inkSrc0">
+        <inkml:traceFormat>
+          <inkml:channel name="X" type="integer" min="-2.14748E9" max="2.14748E9" units="cm"/>
+          <inkml:channel name="Y" type="integer" min="-2.14748E9" max="2.14748E9" units="cm"/>
+          <inkml:channel name="F" type="integer" max="32767" units="dev"/>
+        </inkml:traceFormat>
+        <inkml:channelProperties>
+          <inkml:channelProperty channel="X" name="resolution" value="1000" units="1/cm"/>
+          <inkml:channelProperty channel="Y" name="resolution" value="1000" units="1/cm"/>
+          <inkml:channelProperty channel="F" name="resolution" value="0" units="1/dev"/>
+        </inkml:channelProperties>
+      </inkml:inkSource>
+      <inkml:timestamp xml:id="ts0" timeString="2024-06-20T19:47:19.842"/>
+    </inkml:context>
+    <inkml:brush xml:id="br0">
+      <inkml:brushProperty name="width" value="0.05" units="cm"/>
+      <inkml:brushProperty name="height" value="0.05" units="cm"/>
+      <inkml:brushProperty name="color" value="#0B868D"/>
+      <inkml:brushProperty name="inkEffects" value="ocean"/>
+      <inkml:brushProperty name="anchorX" value="33566.35547"/>
+      <inkml:brushProperty name="anchorY" value="-298.67081"/>
+      <inkml:brushProperty name="scaleFactor" value="0.5"/>
+    </inkml:brush>
+  </inkml:definitions>
+  <inkml:trace contextRef="#ctx0" brushRef="#br0">1418 0 24575,'0'0'0,"-11"5"0,-18 4 0,-27 12 0,-27 8 0,-20 6 0,-55 17 0,-22 13 0,-13 7 0,12-2-1781,22-6 2290,36-15-763,36-12 254,33-12 0</inkml:trace>
+</inkml:ink>
+</file>
+
+<file path=ppt/ink/ink146.xml><?xml version="1.0" encoding="utf-8"?>
+<inkml:ink xmlns:inkml="http://www.w3.org/2003/InkML">
+  <inkml:definitions>
+    <inkml:context xml:id="ctx0">
+      <inkml:inkSource xml:id="inkSrc0">
+        <inkml:traceFormat>
+          <inkml:channel name="X" type="integer" min="-2.14748E9" max="2.14748E9" units="cm"/>
+          <inkml:channel name="Y" type="integer" min="-2.14748E9" max="2.14748E9" units="cm"/>
+          <inkml:channel name="F" type="integer" max="32767" units="dev"/>
+        </inkml:traceFormat>
+        <inkml:channelProperties>
+          <inkml:channelProperty channel="X" name="resolution" value="1000" units="1/cm"/>
+          <inkml:channelProperty channel="Y" name="resolution" value="1000" units="1/cm"/>
+          <inkml:channelProperty channel="F" name="resolution" value="0" units="1/dev"/>
+        </inkml:channelProperties>
+      </inkml:inkSource>
+      <inkml:timestamp xml:id="ts0" timeString="2024-06-20T19:47:20.508"/>
+    </inkml:context>
+    <inkml:brush xml:id="br0">
+      <inkml:brushProperty name="width" value="0.05" units="cm"/>
+      <inkml:brushProperty name="height" value="0.05" units="cm"/>
+      <inkml:brushProperty name="color" value="#0B868D"/>
+      <inkml:brushProperty name="inkEffects" value="ocean"/>
+      <inkml:brushProperty name="anchorX" value="35619.09766"/>
+      <inkml:brushProperty name="anchorY" value="-196.01154"/>
+      <inkml:brushProperty name="scaleFactor" value="0.5"/>
+    </inkml:brush>
+  </inkml:definitions>
+  <inkml:trace contextRef="#ctx0" brushRef="#br0">1172 0 24575,'0'0'0,"-4"0"0,-31 0 0,-48 13 0,-35 17 0,-42 13 0,-13 11-1959,3 5 2519,19-6-840,28-3 280,30-10 474,31-11-609</inkml:trace>
+</inkml:ink>
+</file>
+
+<file path=ppt/ink/ink147.xml><?xml version="1.0" encoding="utf-8"?>
+<inkml:ink xmlns:inkml="http://www.w3.org/2003/InkML">
+  <inkml:definitions>
+    <inkml:context xml:id="ctx0">
+      <inkml:inkSource xml:id="inkSrc0">
+        <inkml:traceFormat>
+          <inkml:channel name="X" type="integer" min="-2.14748E9" max="2.14748E9" units="cm"/>
+          <inkml:channel name="Y" type="integer" min="-2.14748E9" max="2.14748E9" units="cm"/>
+          <inkml:channel name="F" type="integer" max="32767" units="dev"/>
+        </inkml:traceFormat>
+        <inkml:channelProperties>
+          <inkml:channelProperty channel="X" name="resolution" value="1000" units="1/cm"/>
+          <inkml:channelProperty channel="Y" name="resolution" value="1000" units="1/cm"/>
+          <inkml:channelProperty channel="F" name="resolution" value="0" units="1/dev"/>
+        </inkml:channelProperties>
+      </inkml:inkSource>
+      <inkml:timestamp xml:id="ts0" timeString="2024-06-20T19:44:37.668"/>
+    </inkml:context>
+    <inkml:brush xml:id="br0">
+      <inkml:brushProperty name="width" value="0.035" units="cm"/>
+      <inkml:brushProperty name="height" value="0.035" units="cm"/>
+      <inkml:brushProperty name="color" value="#F6630D"/>
+    </inkml:brush>
+  </inkml:definitions>
+  <inkml:trace contextRef="#ctx0" brushRef="#br0">0 0 24575,'18'1'0,"-1"1"0,0 1 0,1 0 0,-1 1 0,20 8 0,-31-10 0,0 0 0,0 1 0,0 0 0,-1 0 0,1 0 0,-1 0 0,0 1 0,7 7 0,-8-8 0,-1 1 0,0 0 0,-1 0 0,1 0 0,0 1 0,-1-1 0,0 1 0,0-1 0,-1 1 0,1-1 0,1 9 0,-1 1 0,0 1 0,-1 0 0,-1 0 0,0-1 0,-1 1 0,0 0 0,-1 0 0,-1-1 0,-1 1 0,-6 18 0,1-10 0,-1 0 0,-1-1 0,-1 0 0,-1-1 0,-21 27 0,23-36 0,7-7 0,-1 1 0,1-1 0,0 1 0,1-1 0,-6 13 0,8-17 0,1 0 0,0-1 0,0 1 0,0-1 0,-1 1 0,1 0 0,0-1 0,0 1 0,0 0 0,0 0 0,0-1 0,0 1 0,0 0 0,1-1 0,-1 1 0,0 0 0,0-1 0,0 1 0,1-1 0,-1 1 0,0 0 0,1-1 0,-1 1 0,0-1 0,1 1 0,-1-1 0,1 1 0,-1-1 0,1 1 0,-1-1 0,1 1 0,0-1 0,2 2 0,0-1 0,0 0 0,0 0 0,0 0 0,1 0 0,3 0 0,24 3 0,0-1 0,1-1 0,42-5 0,97-18 0,-121 10-1365,-13 1-5461</inkml:trace>
+</inkml:ink>
+</file>
+
+<file path=ppt/ink/ink148.xml><?xml version="1.0" encoding="utf-8"?>
+<inkml:ink xmlns:inkml="http://www.w3.org/2003/InkML">
+  <inkml:definitions>
+    <inkml:context xml:id="ctx0">
+      <inkml:inkSource xml:id="inkSrc0">
+        <inkml:traceFormat>
+          <inkml:channel name="X" type="integer" min="-2.14748E9" max="2.14748E9" units="cm"/>
+          <inkml:channel name="Y" type="integer" min="-2.14748E9" max="2.14748E9" units="cm"/>
+          <inkml:channel name="F" type="integer" max="32767" units="dev"/>
+        </inkml:traceFormat>
+        <inkml:channelProperties>
+          <inkml:channelProperty channel="X" name="resolution" value="1000" units="1/cm"/>
+          <inkml:channelProperty channel="Y" name="resolution" value="1000" units="1/cm"/>
+          <inkml:channelProperty channel="F" name="resolution" value="0" units="1/dev"/>
+        </inkml:channelProperties>
+      </inkml:inkSource>
+      <inkml:timestamp xml:id="ts0" timeString="2024-06-20T19:44:38.295"/>
+    </inkml:context>
+    <inkml:brush xml:id="br0">
+      <inkml:brushProperty name="width" value="0.035" units="cm"/>
+      <inkml:brushProperty name="height" value="0.035" units="cm"/>
+      <inkml:brushProperty name="color" value="#F6630D"/>
+    </inkml:brush>
+  </inkml:definitions>
+  <inkml:trace contextRef="#ctx0" brushRef="#br0">0 11 24575,'260'-5'0,"-93"0"0,-158 5 0,-3 0 0,0 0 0,0 0 0,0 0 0,1 0 0,-1 1 0,0 0 0,8 3 0,-13-3 0,0-1 0,0 0 0,-1 1 0,1-1 0,0 1 0,0-1 0,-1 1 0,1 0 0,0-1 0,-1 1 0,1 0 0,0 0 0,-1-1 0,1 1 0,-1 0 0,1 0 0,-1 0 0,0-1 0,1 1 0,-1 0 0,0 0 0,0 0 0,1 0 0,-1 0 0,0 0 0,0 0 0,0 0 0,0 0 0,0 0 0,0 0 0,-1-1 0,1 1 0,0 0 0,-1 2 0,-1 2 0,0 0 0,0 0 0,0 0 0,-6 8 0,-8 9 0,0-1 0,-32 33 0,-45 33 0,84-79 0,0 0 0,6-6 0,1 0 0,-1 0 0,0 0 0,1 1 0,-1-1 0,1 1 0,0 0 0,0 0 0,0 0 0,0 0 0,-2 6 0,4-9 0,0 1 0,0-1 0,0 1 0,0-1 0,0 1 0,0-1 0,0 1 0,0-1 0,0 1 0,1-1 0,-1 0 0,0 1 0,0-1 0,0 1 0,1-1 0,-1 1 0,0-1 0,1 0 0,-1 1 0,0-1 0,1 0 0,-1 1 0,0-1 0,1 0 0,-1 0 0,1 1 0,-1-1 0,0 0 0,1 0 0,0 1 0,16 3 0,-14-4 0,17 3 0,-7-2 0,-1 1 0,21 5 0,-31-6 0,0 0 0,0-1 0,1 1 0,-1 0 0,0 0 0,0 0 0,0 1 0,0-1 0,0 0 0,0 1 0,-1-1 0,1 1 0,0 0 0,-1-1 0,1 1 0,-1 0 0,0 0 0,1 0 0,-1 0 0,1 3 0,-2-4 0,0 0 0,0 0 0,0 0 0,0 0 0,0 0 0,0 1 0,0-1 0,0 0 0,0 0 0,0 0 0,-1 0 0,1 0 0,0 0 0,-1 0 0,1 0 0,-1 0 0,1 0 0,-1 0 0,0 0 0,1 0 0,-1-1 0,0 1 0,0 0 0,-1 1 0,-26 17 0,19-14 0,-27 21-1365,29-19-5461</inkml:trace>
+</inkml:ink>
+</file>
+
+<file path=ppt/ink/ink149.xml><?xml version="1.0" encoding="utf-8"?>
+<inkml:ink xmlns:inkml="http://www.w3.org/2003/InkML">
+  <inkml:definitions>
+    <inkml:context xml:id="ctx0">
+      <inkml:inkSource xml:id="inkSrc0">
+        <inkml:traceFormat>
+          <inkml:channel name="X" type="integer" min="-2.14748E9" max="2.14748E9" units="cm"/>
+          <inkml:channel name="Y" type="integer" min="-2.14748E9" max="2.14748E9" units="cm"/>
+          <inkml:channel name="F" type="integer" max="32767" units="dev"/>
+        </inkml:traceFormat>
+        <inkml:channelProperties>
+          <inkml:channelProperty channel="X" name="resolution" value="1000" units="1/cm"/>
+          <inkml:channelProperty channel="Y" name="resolution" value="1000" units="1/cm"/>
+          <inkml:channelProperty channel="F" name="resolution" value="0" units="1/dev"/>
+        </inkml:channelProperties>
+      </inkml:inkSource>
+      <inkml:timestamp xml:id="ts0" timeString="2024-06-20T19:44:38.662"/>
+    </inkml:context>
+    <inkml:brush xml:id="br0">
+      <inkml:brushProperty name="width" value="0.035" units="cm"/>
+      <inkml:brushProperty name="height" value="0.035" units="cm"/>
+      <inkml:brushProperty name="color" value="#F6630D"/>
+    </inkml:brush>
+  </inkml:definitions>
+  <inkml:trace contextRef="#ctx0" brushRef="#br0">158 0 24575,'0'2'0,"0"4"0,0 1 0,0 4 0,-2 1 0,-5 1 0,-5 0 0,-1 4 0,-1-1 0,-3 1 0,-1-4 0,1-1 0,1 0 0,0 0 0,2-1 0,2-1-8191</inkml:trace>
+</inkml:ink>
+</file>
+
 <file path=ppt/ink/ink15.xml><?xml version="1.0" encoding="utf-8"?>
 <inkml:ink xmlns:inkml="http://www.w3.org/2003/InkML">
   <inkml:definitions>
@@ -312,6 +1736,306 @@
 </inkml:ink>
 </file>
 
+<file path=ppt/ink/ink150.xml><?xml version="1.0" encoding="utf-8"?>
+<inkml:ink xmlns:inkml="http://www.w3.org/2003/InkML">
+  <inkml:definitions>
+    <inkml:context xml:id="ctx0">
+      <inkml:inkSource xml:id="inkSrc0">
+        <inkml:traceFormat>
+          <inkml:channel name="X" type="integer" min="-2.14748E9" max="2.14748E9" units="cm"/>
+          <inkml:channel name="Y" type="integer" min="-2.14748E9" max="2.14748E9" units="cm"/>
+          <inkml:channel name="F" type="integer" max="32767" units="dev"/>
+        </inkml:traceFormat>
+        <inkml:channelProperties>
+          <inkml:channelProperty channel="X" name="resolution" value="1000" units="1/cm"/>
+          <inkml:channelProperty channel="Y" name="resolution" value="1000" units="1/cm"/>
+          <inkml:channelProperty channel="F" name="resolution" value="0" units="1/dev"/>
+        </inkml:channelProperties>
+      </inkml:inkSource>
+      <inkml:timestamp xml:id="ts0" timeString="2024-06-20T19:44:56.571"/>
+    </inkml:context>
+    <inkml:brush xml:id="br0">
+      <inkml:brushProperty name="width" value="0.035" units="cm"/>
+      <inkml:brushProperty name="height" value="0.035" units="cm"/>
+      <inkml:brushProperty name="color" value="#F6630D"/>
+    </inkml:brush>
+  </inkml:definitions>
+  <inkml:trace contextRef="#ctx0" brushRef="#br0">0 1 24575,'49'0'0,"53"1"0,-100-2 0,1 2 0,-1-1 0,1 0 0,0 1 0,-1-1 0,1 1 0,-1 0 0,1-1 0,-1 1 0,1 1 0,-1-1 0,0 0 0,3 2 0,-3-1 0,-1 0 0,1-1 0,-1 1 0,0 0 0,0 0 0,0 0 0,0 0 0,0 0 0,0 0 0,0 0 0,-1 0 0,1 0 0,-1 0 0,1 1 0,-1-1 0,0 3 0,0 5 0,0 0 0,0 1 0,-1-1 0,-1 0 0,0 0 0,0 0 0,-1 0 0,0 0 0,-1 0 0,0-1 0,-7 12 0,-1 0 0,-1-2 0,-1 1 0,-30 30 0,44-50 0,-1 1 0,1-1 0,-1 1 0,0-1 0,1 1 0,0 0 0,-1-1 0,1 1 0,-1-1 0,1 1 0,0 0 0,-1-1 0,1 1 0,0 0 0,0 0 0,-1-1 0,1 1 0,0 0 0,0-1 0,0 1 0,0 0 0,0 1 0,1-2 0,-1 1 0,0 0 0,1-1 0,-1 1 0,1-1 0,-1 0 0,1 1 0,-1-1 0,1 1 0,-1-1 0,1 0 0,0 1 0,-1-1 0,1 0 0,-1 0 0,1 1 0,0-1 0,-1 0 0,2 0 0,5 1 0,-1-1 0,1 1 0,-1-1 0,9-2 0,25-4-682,60-17-1,-58 10-6143</inkml:trace>
+</inkml:ink>
+</file>
+
+<file path=ppt/ink/ink151.xml><?xml version="1.0" encoding="utf-8"?>
+<inkml:ink xmlns:inkml="http://www.w3.org/2003/InkML">
+  <inkml:definitions>
+    <inkml:context xml:id="ctx0">
+      <inkml:inkSource xml:id="inkSrc0">
+        <inkml:traceFormat>
+          <inkml:channel name="X" type="integer" min="-2.14748E9" max="2.14748E9" units="cm"/>
+          <inkml:channel name="Y" type="integer" min="-2.14748E9" max="2.14748E9" units="cm"/>
+          <inkml:channel name="F" type="integer" max="32767" units="dev"/>
+        </inkml:traceFormat>
+        <inkml:channelProperties>
+          <inkml:channelProperty channel="X" name="resolution" value="1000" units="1/cm"/>
+          <inkml:channelProperty channel="Y" name="resolution" value="1000" units="1/cm"/>
+          <inkml:channelProperty channel="F" name="resolution" value="0" units="1/dev"/>
+        </inkml:channelProperties>
+      </inkml:inkSource>
+      <inkml:timestamp xml:id="ts0" timeString="2024-06-20T19:44:56.943"/>
+    </inkml:context>
+    <inkml:brush xml:id="br0">
+      <inkml:brushProperty name="width" value="0.035" units="cm"/>
+      <inkml:brushProperty name="height" value="0.035" units="cm"/>
+      <inkml:brushProperty name="color" value="#F6630D"/>
+    </inkml:brush>
+  </inkml:definitions>
+  <inkml:trace contextRef="#ctx0" brushRef="#br0">45 0 24575,'0'7'0,"0"9"0,0 13 0,-4 17 0,-7 10 0,0-2 0,0-15 0,3-15-8191</inkml:trace>
+</inkml:ink>
+</file>
+
+<file path=ppt/ink/ink152.xml><?xml version="1.0" encoding="utf-8"?>
+<inkml:ink xmlns:inkml="http://www.w3.org/2003/InkML">
+  <inkml:definitions>
+    <inkml:context xml:id="ctx0">
+      <inkml:inkSource xml:id="inkSrc0">
+        <inkml:traceFormat>
+          <inkml:channel name="X" type="integer" min="-2.14748E9" max="2.14748E9" units="cm"/>
+          <inkml:channel name="Y" type="integer" min="-2.14748E9" max="2.14748E9" units="cm"/>
+          <inkml:channel name="F" type="integer" max="32767" units="dev"/>
+        </inkml:traceFormat>
+        <inkml:channelProperties>
+          <inkml:channelProperty channel="X" name="resolution" value="1000" units="1/cm"/>
+          <inkml:channelProperty channel="Y" name="resolution" value="1000" units="1/cm"/>
+          <inkml:channelProperty channel="F" name="resolution" value="0" units="1/dev"/>
+        </inkml:channelProperties>
+      </inkml:inkSource>
+      <inkml:timestamp xml:id="ts0" timeString="2024-06-20T19:44:57.308"/>
+    </inkml:context>
+    <inkml:brush xml:id="br0">
+      <inkml:brushProperty name="width" value="0.035" units="cm"/>
+      <inkml:brushProperty name="height" value="0.035" units="cm"/>
+      <inkml:brushProperty name="color" value="#F6630D"/>
+    </inkml:brush>
+  </inkml:definitions>
+  <inkml:trace contextRef="#ctx0" brushRef="#br0">0 1 24575,'83'0'0,"87"1"0,-166-2 0,0 2 0,-1-1 0,1 0 0,0 1 0,0 0 0,6 2 0,-9-3 0,0 1 0,0-1 0,0 1 0,0 0 0,-1-1 0,1 1 0,0 0 0,0 0 0,0 0 0,-1-1 0,1 1 0,0 0 0,-1 0 0,1 0 0,-1 0 0,1 0 0,-1 0 0,1 1 0,-1-1 0,0 0 0,1 0 0,-1 0 0,0 0 0,0 0 0,0 3 0,0 6 0,-1 0 0,0 0 0,-1 0 0,0 0 0,-1-1 0,0 1 0,-6 13 0,-35 66 0,41-84 0,-37 61-682,-77 100-1,105-151-6143</inkml:trace>
+</inkml:ink>
+</file>
+
+<file path=ppt/ink/ink153.xml><?xml version="1.0" encoding="utf-8"?>
+<inkml:ink xmlns:inkml="http://www.w3.org/2003/InkML">
+  <inkml:definitions>
+    <inkml:context xml:id="ctx0">
+      <inkml:inkSource xml:id="inkSrc0">
+        <inkml:traceFormat>
+          <inkml:channel name="X" type="integer" min="-2.14748E9" max="2.14748E9" units="cm"/>
+          <inkml:channel name="Y" type="integer" min="-2.14748E9" max="2.14748E9" units="cm"/>
+          <inkml:channel name="F" type="integer" max="32767" units="dev"/>
+        </inkml:traceFormat>
+        <inkml:channelProperties>
+          <inkml:channelProperty channel="X" name="resolution" value="1000" units="1/cm"/>
+          <inkml:channelProperty channel="Y" name="resolution" value="1000" units="1/cm"/>
+          <inkml:channelProperty channel="F" name="resolution" value="0" units="1/dev"/>
+        </inkml:channelProperties>
+      </inkml:inkSource>
+      <inkml:timestamp xml:id="ts0" timeString="2024-06-20T19:47:36.013"/>
+    </inkml:context>
+    <inkml:brush xml:id="br0">
+      <inkml:brushProperty name="width" value="0.035" units="cm"/>
+      <inkml:brushProperty name="height" value="0.035" units="cm"/>
+      <inkml:brushProperty name="color" value="#F6630D"/>
+    </inkml:brush>
+  </inkml:definitions>
+  <inkml:trace contextRef="#ctx0" brushRef="#br0">4905 0 24575,'-3'5'0,"-1"-1"0,0 0 0,-1 1 0,1-1 0,-1-1 0,1 1 0,-11 5 0,2 0 0,-92 54 0,-134 61 0,168-89 0,-174 85-581,-662 337 398,141-3-1413,448-236 1390,11 13 95,-136 119 111,-250 193 0,573-445 1303,-170 183 0,148-133-1232,120-124-71,0 0 0,-27 42 0,-27 58 0,59-97 0,6-9-1365,7-11-5461</inkml:trace>
+</inkml:ink>
+</file>
+
+<file path=ppt/ink/ink154.xml><?xml version="1.0" encoding="utf-8"?>
+<inkml:ink xmlns:inkml="http://www.w3.org/2003/InkML">
+  <inkml:definitions>
+    <inkml:context xml:id="ctx0">
+      <inkml:inkSource xml:id="inkSrc0">
+        <inkml:traceFormat>
+          <inkml:channel name="X" type="integer" min="-2.14748E9" max="2.14748E9" units="cm"/>
+          <inkml:channel name="Y" type="integer" min="-2.14748E9" max="2.14748E9" units="cm"/>
+          <inkml:channel name="F" type="integer" max="32767" units="dev"/>
+        </inkml:traceFormat>
+        <inkml:channelProperties>
+          <inkml:channelProperty channel="X" name="resolution" value="1000" units="1/cm"/>
+          <inkml:channelProperty channel="Y" name="resolution" value="1000" units="1/cm"/>
+          <inkml:channelProperty channel="F" name="resolution" value="0" units="1/dev"/>
+        </inkml:channelProperties>
+      </inkml:inkSource>
+      <inkml:timestamp xml:id="ts0" timeString="2024-06-20T19:47:37.303"/>
+    </inkml:context>
+    <inkml:brush xml:id="br0">
+      <inkml:brushProperty name="width" value="0.035" units="cm"/>
+      <inkml:brushProperty name="height" value="0.035" units="cm"/>
+      <inkml:brushProperty name="color" value="#F6630D"/>
+    </inkml:brush>
+  </inkml:definitions>
+  <inkml:trace contextRef="#ctx0" brushRef="#br0">2540 385 24575,'-63'-2'0,"-111"-17"0,-59-29 0,157 32 0,-248-59-319,-198-40-333,164 58 617,-1 27 0,262 32 355,61-1-80,1 0 1,-55-8-1,-30-9-240,79 13-1365,30 3-5461</inkml:trace>
+</inkml:ink>
+</file>
+
+<file path=ppt/ink/ink155.xml><?xml version="1.0" encoding="utf-8"?>
+<inkml:ink xmlns:inkml="http://www.w3.org/2003/InkML">
+  <inkml:definitions>
+    <inkml:context xml:id="ctx0">
+      <inkml:inkSource xml:id="inkSrc0">
+        <inkml:traceFormat>
+          <inkml:channel name="X" type="integer" min="-2.14748E9" max="2.14748E9" units="cm"/>
+          <inkml:channel name="Y" type="integer" min="-2.14748E9" max="2.14748E9" units="cm"/>
+          <inkml:channel name="F" type="integer" max="32767" units="dev"/>
+        </inkml:traceFormat>
+        <inkml:channelProperties>
+          <inkml:channelProperty channel="X" name="resolution" value="1000" units="1/cm"/>
+          <inkml:channelProperty channel="Y" name="resolution" value="1000" units="1/cm"/>
+          <inkml:channelProperty channel="F" name="resolution" value="0" units="1/dev"/>
+        </inkml:channelProperties>
+      </inkml:inkSource>
+      <inkml:timestamp xml:id="ts0" timeString="2024-06-20T19:48:01.819"/>
+    </inkml:context>
+    <inkml:brush xml:id="br0">
+      <inkml:brushProperty name="width" value="0.05" units="cm"/>
+      <inkml:brushProperty name="height" value="0.05" units="cm"/>
+      <inkml:brushProperty name="color" value="#0B868D"/>
+      <inkml:brushProperty name="inkEffects" value="ocean"/>
+      <inkml:brushProperty name="anchorX" value="37426.07813"/>
+      <inkml:brushProperty name="anchorY" value="67.69007"/>
+      <inkml:brushProperty name="scaleFactor" value="0.5"/>
+    </inkml:brush>
+  </inkml:definitions>
+  <inkml:trace contextRef="#ctx0" brushRef="#br0">0 0 24575,'0'0'0,"7"11"0,5 18 0,7 11 0,4 12 0,8 10 0,18 13 0,16 6 0,9-1 0,0-9-7914,11-2 10175,-7-9-3392,-3-9 1131,-5-6 0,-11-10 0,-11-7 0,-10-7 0,-8-4 0,-9-3 7915,-6-4-10176,-5-1 3391,-4-3-1130</inkml:trace>
+</inkml:ink>
+</file>
+
+<file path=ppt/ink/ink156.xml><?xml version="1.0" encoding="utf-8"?>
+<inkml:ink xmlns:inkml="http://www.w3.org/2003/InkML">
+  <inkml:definitions>
+    <inkml:context xml:id="ctx0">
+      <inkml:inkSource xml:id="inkSrc0">
+        <inkml:traceFormat>
+          <inkml:channel name="X" type="integer" min="-2.14748E9" max="2.14748E9" units="cm"/>
+          <inkml:channel name="Y" type="integer" min="-2.14748E9" max="2.14748E9" units="cm"/>
+          <inkml:channel name="F" type="integer" max="32767" units="dev"/>
+        </inkml:traceFormat>
+        <inkml:channelProperties>
+          <inkml:channelProperty channel="X" name="resolution" value="1000" units="1/cm"/>
+          <inkml:channelProperty channel="Y" name="resolution" value="1000" units="1/cm"/>
+          <inkml:channelProperty channel="F" name="resolution" value="0" units="1/dev"/>
+        </inkml:channelProperties>
+      </inkml:inkSource>
+      <inkml:timestamp xml:id="ts0" timeString="2024-06-20T19:48:02.613"/>
+    </inkml:context>
+    <inkml:brush xml:id="br0">
+      <inkml:brushProperty name="width" value="0.05" units="cm"/>
+      <inkml:brushProperty name="height" value="0.05" units="cm"/>
+      <inkml:brushProperty name="color" value="#0B868D"/>
+      <inkml:brushProperty name="inkEffects" value="ocean"/>
+      <inkml:brushProperty name="anchorX" value="35902.59766"/>
+      <inkml:brushProperty name="anchorY" value="-1433.63098"/>
+      <inkml:brushProperty name="scaleFactor" value="0.5"/>
+    </inkml:brush>
+  </inkml:definitions>
+  <inkml:trace contextRef="#ctx0" brushRef="#br0">613 0 24575,'0'0'0,"0"2"0,-7 17 0,-12 13 0,-18 21 0,-11 16 0,-11 10 0,-14 10 0,-2 4 0,2-4 0,4-8 0,13-11 0,12-16 0,12-11 0,11-14 0</inkml:trace>
+</inkml:ink>
+</file>
+
+<file path=ppt/ink/ink157.xml><?xml version="1.0" encoding="utf-8"?>
+<inkml:ink xmlns:inkml="http://www.w3.org/2003/InkML">
+  <inkml:definitions>
+    <inkml:context xml:id="ctx0">
+      <inkml:inkSource xml:id="inkSrc0">
+        <inkml:traceFormat>
+          <inkml:channel name="X" type="integer" min="-2.14748E9" max="2.14748E9" units="cm"/>
+          <inkml:channel name="Y" type="integer" min="-2.14748E9" max="2.14748E9" units="cm"/>
+          <inkml:channel name="F" type="integer" max="32767" units="dev"/>
+        </inkml:traceFormat>
+        <inkml:channelProperties>
+          <inkml:channelProperty channel="X" name="resolution" value="1000" units="1/cm"/>
+          <inkml:channelProperty channel="Y" name="resolution" value="1000" units="1/cm"/>
+          <inkml:channelProperty channel="F" name="resolution" value="0" units="1/dev"/>
+        </inkml:channelProperties>
+      </inkml:inkSource>
+      <inkml:timestamp xml:id="ts0" timeString="2024-06-20T19:48:29.310"/>
+    </inkml:context>
+    <inkml:brush xml:id="br0">
+      <inkml:brushProperty name="width" value="0.05" units="cm"/>
+      <inkml:brushProperty name="height" value="0.05" units="cm"/>
+      <inkml:brushProperty name="color" value="#0B868D"/>
+      <inkml:brushProperty name="inkEffects" value="ocean"/>
+      <inkml:brushProperty name="anchorX" value="37150.59766"/>
+      <inkml:brushProperty name="anchorY" value="-1600.0437"/>
+      <inkml:brushProperty name="scaleFactor" value="0.5"/>
+    </inkml:brush>
+  </inkml:definitions>
+  <inkml:trace contextRef="#ctx0" brushRef="#br0">1288 0 24575,'0'0'0,"0"2"0,0 4 0,-13 5 0,-14 7 0,-31 13 0,-34 11 0,-14 5 0,-30 6 0,-17 1 0,-3-3-1121,5-2 1441,14-3-480,24-8 160,26-8 0,29-8 0</inkml:trace>
+</inkml:ink>
+</file>
+
+<file path=ppt/ink/ink158.xml><?xml version="1.0" encoding="utf-8"?>
+<inkml:ink xmlns:inkml="http://www.w3.org/2003/InkML">
+  <inkml:definitions>
+    <inkml:context xml:id="ctx0">
+      <inkml:inkSource xml:id="inkSrc0">
+        <inkml:traceFormat>
+          <inkml:channel name="X" type="integer" min="-2.14748E9" max="2.14748E9" units="cm"/>
+          <inkml:channel name="Y" type="integer" min="-2.14748E9" max="2.14748E9" units="cm"/>
+          <inkml:channel name="F" type="integer" max="32767" units="dev"/>
+        </inkml:traceFormat>
+        <inkml:channelProperties>
+          <inkml:channelProperty channel="X" name="resolution" value="1000" units="1/cm"/>
+          <inkml:channelProperty channel="Y" name="resolution" value="1000" units="1/cm"/>
+          <inkml:channelProperty channel="F" name="resolution" value="0" units="1/dev"/>
+        </inkml:channelProperties>
+      </inkml:inkSource>
+      <inkml:timestamp xml:id="ts0" timeString="2024-06-20T19:48:30.177"/>
+    </inkml:context>
+    <inkml:brush xml:id="br0">
+      <inkml:brushProperty name="width" value="0.05" units="cm"/>
+      <inkml:brushProperty name="height" value="0.05" units="cm"/>
+      <inkml:brushProperty name="color" value="#0B868D"/>
+      <inkml:brushProperty name="inkEffects" value="ocean"/>
+      <inkml:brushProperty name="anchorX" value="39073.10547"/>
+      <inkml:brushProperty name="anchorY" value="-1464.72046"/>
+      <inkml:brushProperty name="scaleFactor" value="0.5"/>
+    </inkml:brush>
+  </inkml:definitions>
+  <inkml:trace contextRef="#ctx0" brushRef="#br0">452 0 24575,'0'0'0,"-4"5"0,-8 6 0,-1 5 0,-10 12 0,-9 10 0,-13 12 0,-4 2 0,-10 4 0,-1-2 0,10-9 0,7-9 0,7-5 0,10-9 0</inkml:trace>
+</inkml:ink>
+</file>
+
+<file path=ppt/ink/ink159.xml><?xml version="1.0" encoding="utf-8"?>
+<inkml:ink xmlns:inkml="http://www.w3.org/2003/InkML">
+  <inkml:definitions>
+    <inkml:context xml:id="ctx0">
+      <inkml:inkSource xml:id="inkSrc0">
+        <inkml:traceFormat>
+          <inkml:channel name="X" type="integer" min="-2.14748E9" max="2.14748E9" units="cm"/>
+          <inkml:channel name="Y" type="integer" min="-2.14748E9" max="2.14748E9" units="cm"/>
+          <inkml:channel name="F" type="integer" max="32767" units="dev"/>
+        </inkml:traceFormat>
+        <inkml:channelProperties>
+          <inkml:channelProperty channel="X" name="resolution" value="1000" units="1/cm"/>
+          <inkml:channelProperty channel="Y" name="resolution" value="1000" units="1/cm"/>
+          <inkml:channelProperty channel="F" name="resolution" value="0" units="1/dev"/>
+        </inkml:channelProperties>
+      </inkml:inkSource>
+      <inkml:timestamp xml:id="ts0" timeString="2024-06-20T19:48:42.077"/>
+    </inkml:context>
+    <inkml:brush xml:id="br0">
+      <inkml:brushProperty name="width" value="0.05" units="cm"/>
+      <inkml:brushProperty name="height" value="0.05" units="cm"/>
+      <inkml:brushProperty name="color" value="#0B868D"/>
+      <inkml:brushProperty name="inkEffects" value="ocean"/>
+      <inkml:brushProperty name="anchorX" value="40160.25781"/>
+      <inkml:brushProperty name="anchorY" value="-1273.44666"/>
+      <inkml:brushProperty name="scaleFactor" value="0.5"/>
+    </inkml:brush>
+  </inkml:definitions>
+  <inkml:trace contextRef="#ctx0" brushRef="#br0">452 0 24575,'0'0'0,"0"2"0,0 4 0,-2 2 0,-4 5 0,-2 4 0,-2 4 0,-10 8 0,-9 5 0,-6 7 0,-12 9 0,-6-1 0,0 2 0,2-4 0,4-2 0,7-6 0,10-6 0,10-10 0</inkml:trace>
+</inkml:ink>
+</file>
+
 <file path=ppt/ink/ink16.xml><?xml version="1.0" encoding="utf-8"?>
 <inkml:ink xmlns:inkml="http://www.w3.org/2003/InkML">
   <inkml:definitions>
@@ -340,6 +2064,326 @@
 </inkml:ink>
 </file>
 
+<file path=ppt/ink/ink160.xml><?xml version="1.0" encoding="utf-8"?>
+<inkml:ink xmlns:inkml="http://www.w3.org/2003/InkML">
+  <inkml:definitions>
+    <inkml:context xml:id="ctx0">
+      <inkml:inkSource xml:id="inkSrc0">
+        <inkml:traceFormat>
+          <inkml:channel name="X" type="integer" min="-2.14748E9" max="2.14748E9" units="cm"/>
+          <inkml:channel name="Y" type="integer" min="-2.14748E9" max="2.14748E9" units="cm"/>
+          <inkml:channel name="F" type="integer" max="32767" units="dev"/>
+        </inkml:traceFormat>
+        <inkml:channelProperties>
+          <inkml:channelProperty channel="X" name="resolution" value="1000" units="1/cm"/>
+          <inkml:channelProperty channel="Y" name="resolution" value="1000" units="1/cm"/>
+          <inkml:channelProperty channel="F" name="resolution" value="0" units="1/dev"/>
+        </inkml:channelProperties>
+      </inkml:inkSource>
+      <inkml:timestamp xml:id="ts0" timeString="2024-06-20T19:48:48.347"/>
+    </inkml:context>
+    <inkml:brush xml:id="br0">
+      <inkml:brushProperty name="width" value="0.05" units="cm"/>
+      <inkml:brushProperty name="height" value="0.05" units="cm"/>
+      <inkml:brushProperty name="color" value="#0B868D"/>
+      <inkml:brushProperty name="inkEffects" value="ocean"/>
+      <inkml:brushProperty name="anchorX" value="41246.91797"/>
+      <inkml:brushProperty name="anchorY" value="-1146.3208"/>
+      <inkml:brushProperty name="scaleFactor" value="0.5"/>
+    </inkml:brush>
+  </inkml:definitions>
+  <inkml:trace contextRef="#ctx0" brushRef="#br0">0 0 24575,'0'0'0,"0"2"0,0 9 0,0 19 0,0 20 0,0 23 0,0 8 0,0 13 0,0 2 0,0 2 0,0-11 0,0-10 0,0-11 0,0-16 0,0-12 0,0-14 0</inkml:trace>
+</inkml:ink>
+</file>
+
+<file path=ppt/ink/ink161.xml><?xml version="1.0" encoding="utf-8"?>
+<inkml:ink xmlns:inkml="http://www.w3.org/2003/InkML">
+  <inkml:definitions>
+    <inkml:context xml:id="ctx0">
+      <inkml:inkSource xml:id="inkSrc0">
+        <inkml:traceFormat>
+          <inkml:channel name="X" type="integer" min="-2.14748E9" max="2.14748E9" units="cm"/>
+          <inkml:channel name="Y" type="integer" min="-2.14748E9" max="2.14748E9" units="cm"/>
+          <inkml:channel name="F" type="integer" max="32767" units="dev"/>
+        </inkml:traceFormat>
+        <inkml:channelProperties>
+          <inkml:channelProperty channel="X" name="resolution" value="1000" units="1/cm"/>
+          <inkml:channelProperty channel="Y" name="resolution" value="1000" units="1/cm"/>
+          <inkml:channelProperty channel="F" name="resolution" value="0" units="1/dev"/>
+        </inkml:channelProperties>
+      </inkml:inkSource>
+      <inkml:timestamp xml:id="ts0" timeString="2024-06-20T19:48:55.467"/>
+    </inkml:context>
+    <inkml:brush xml:id="br0">
+      <inkml:brushProperty name="width" value="0.05" units="cm"/>
+      <inkml:brushProperty name="height" value="0.05" units="cm"/>
+      <inkml:brushProperty name="color" value="#0B868D"/>
+      <inkml:brushProperty name="inkEffects" value="ocean"/>
+      <inkml:brushProperty name="anchorX" value="40611.91797"/>
+      <inkml:brushProperty name="anchorY" value="-2657.88672"/>
+      <inkml:brushProperty name="scaleFactor" value="0.5"/>
+    </inkml:brush>
+  </inkml:definitions>
+  <inkml:trace contextRef="#ctx0" brushRef="#br0">582 0 24575,'0'0'0,"-4"7"0,-8 10 0,-9 12 0,-16 21 0,-11 15 0,-6 11 0,-10 8 0,0 3 0,3-7 0,2-1 0,8-11 0,10-10 0,9-14 0,11-11 0,8-12 0</inkml:trace>
+</inkml:ink>
+</file>
+
+<file path=ppt/ink/ink162.xml><?xml version="1.0" encoding="utf-8"?>
+<inkml:ink xmlns:inkml="http://www.w3.org/2003/InkML">
+  <inkml:definitions>
+    <inkml:context xml:id="ctx0">
+      <inkml:inkSource xml:id="inkSrc0">
+        <inkml:traceFormat>
+          <inkml:channel name="X" type="integer" min="-2.14748E9" max="2.14748E9" units="cm"/>
+          <inkml:channel name="Y" type="integer" min="-2.14748E9" max="2.14748E9" units="cm"/>
+          <inkml:channel name="F" type="integer" max="32767" units="dev"/>
+        </inkml:traceFormat>
+        <inkml:channelProperties>
+          <inkml:channelProperty channel="X" name="resolution" value="1000" units="1/cm"/>
+          <inkml:channelProperty channel="Y" name="resolution" value="1000" units="1/cm"/>
+          <inkml:channelProperty channel="F" name="resolution" value="0" units="1/dev"/>
+        </inkml:channelProperties>
+      </inkml:inkSource>
+      <inkml:timestamp xml:id="ts0" timeString="2024-06-20T19:49:09.656"/>
+    </inkml:context>
+    <inkml:brush xml:id="br0">
+      <inkml:brushProperty name="width" value="0.05" units="cm"/>
+      <inkml:brushProperty name="height" value="0.05" units="cm"/>
+      <inkml:brushProperty name="color" value="#0B868D"/>
+      <inkml:brushProperty name="inkEffects" value="ocean"/>
+      <inkml:brushProperty name="anchorX" value="41828.95313"/>
+      <inkml:brushProperty name="anchorY" value="-2820.74951"/>
+      <inkml:brushProperty name="scaleFactor" value="0.5"/>
+    </inkml:brush>
+  </inkml:definitions>
+  <inkml:trace contextRef="#ctx0" brushRef="#br0">48 3 24575,'0'0'0,"0"-2"0,0 1 0,0 6 0,0 9 0,0 8 0,0 5 0,0 7 0,0 10 0,0 2 0,0 4 0,0-1 0,-2-2 0,-1-1 0,-2-5 0,-1-5 0,-1-6 0,1-6 0,-1-7 0,1-4 0,1-4 0</inkml:trace>
+</inkml:ink>
+</file>
+
+<file path=ppt/ink/ink163.xml><?xml version="1.0" encoding="utf-8"?>
+<inkml:ink xmlns:inkml="http://www.w3.org/2003/InkML">
+  <inkml:definitions>
+    <inkml:context xml:id="ctx0">
+      <inkml:inkSource xml:id="inkSrc0">
+        <inkml:traceFormat>
+          <inkml:channel name="X" type="integer" min="-2.14748E9" max="2.14748E9" units="cm"/>
+          <inkml:channel name="Y" type="integer" min="-2.14748E9" max="2.14748E9" units="cm"/>
+          <inkml:channel name="F" type="integer" max="32767" units="dev"/>
+        </inkml:traceFormat>
+        <inkml:channelProperties>
+          <inkml:channelProperty channel="X" name="resolution" value="1000" units="1/cm"/>
+          <inkml:channelProperty channel="Y" name="resolution" value="1000" units="1/cm"/>
+          <inkml:channelProperty channel="F" name="resolution" value="0" units="1/dev"/>
+        </inkml:channelProperties>
+      </inkml:inkSource>
+      <inkml:timestamp xml:id="ts0" timeString="2024-06-20T19:49:20.925"/>
+    </inkml:context>
+    <inkml:brush xml:id="br0">
+      <inkml:brushProperty name="width" value="0.05" units="cm"/>
+      <inkml:brushProperty name="height" value="0.05" units="cm"/>
+      <inkml:brushProperty name="color" value="#0B868D"/>
+      <inkml:brushProperty name="inkEffects" value="ocean"/>
+      <inkml:brushProperty name="anchorX" value="42511.42188"/>
+      <inkml:brushProperty name="anchorY" value="-2736.19019"/>
+      <inkml:brushProperty name="scaleFactor" value="0.5"/>
+    </inkml:brush>
+  </inkml:definitions>
+  <inkml:trace contextRef="#ctx0" brushRef="#br0">0 0 24575,'0'0'0,"2"0"0,4 8 0,18 11 0,26 16 0,24 7 0,12 6 0,-2 0 0,-5-5 0,-5-6 0,-11-8 0,-9-4 0,-6-4 0,-9-3 0,-2-3 0,-4-4 0,-3-1 0,-4-3 0,-7-2 0</inkml:trace>
+</inkml:ink>
+</file>
+
+<file path=ppt/ink/ink164.xml><?xml version="1.0" encoding="utf-8"?>
+<inkml:ink xmlns:inkml="http://www.w3.org/2003/InkML">
+  <inkml:definitions>
+    <inkml:context xml:id="ctx0">
+      <inkml:inkSource xml:id="inkSrc0">
+        <inkml:traceFormat>
+          <inkml:channel name="X" type="integer" min="-2.14748E9" max="2.14748E9" units="cm"/>
+          <inkml:channel name="Y" type="integer" min="-2.14748E9" max="2.14748E9" units="cm"/>
+          <inkml:channel name="F" type="integer" max="32767" units="dev"/>
+        </inkml:traceFormat>
+        <inkml:channelProperties>
+          <inkml:channelProperty channel="X" name="resolution" value="1000" units="1/cm"/>
+          <inkml:channelProperty channel="Y" name="resolution" value="1000" units="1/cm"/>
+          <inkml:channelProperty channel="F" name="resolution" value="0" units="1/dev"/>
+        </inkml:channelProperties>
+      </inkml:inkSource>
+      <inkml:timestamp xml:id="ts0" timeString="2024-06-20T19:49:30.439"/>
+    </inkml:context>
+    <inkml:brush xml:id="br0">
+      <inkml:brushProperty name="width" value="0.05" units="cm"/>
+      <inkml:brushProperty name="height" value="0.05" units="cm"/>
+      <inkml:brushProperty name="color" value="#0B868D"/>
+      <inkml:brushProperty name="inkEffects" value="ocean"/>
+      <inkml:brushProperty name="anchorX" value="41049.08594"/>
+      <inkml:brushProperty name="anchorY" value="-3791.69775"/>
+      <inkml:brushProperty name="scaleFactor" value="0.5"/>
+    </inkml:brush>
+  </inkml:definitions>
+  <inkml:trace contextRef="#ctx0" brushRef="#br0">104 0 24575,'0'0'0,"0"2"0,-8 9 0,-3 11 0,-2 4 0,-2 4 0,0 4 0,0 2 0,3-3 0,3-5 0,3-7 0</inkml:trace>
+</inkml:ink>
+</file>
+
+<file path=ppt/ink/ink165.xml><?xml version="1.0" encoding="utf-8"?>
+<inkml:ink xmlns:inkml="http://www.w3.org/2003/InkML">
+  <inkml:definitions>
+    <inkml:context xml:id="ctx0">
+      <inkml:inkSource xml:id="inkSrc0">
+        <inkml:traceFormat>
+          <inkml:channel name="X" type="integer" min="-2.14748E9" max="2.14748E9" units="cm"/>
+          <inkml:channel name="Y" type="integer" min="-2.14748E9" max="2.14748E9" units="cm"/>
+          <inkml:channel name="F" type="integer" max="32767" units="dev"/>
+        </inkml:traceFormat>
+        <inkml:channelProperties>
+          <inkml:channelProperty channel="X" name="resolution" value="1000" units="1/cm"/>
+          <inkml:channelProperty channel="Y" name="resolution" value="1000" units="1/cm"/>
+          <inkml:channelProperty channel="F" name="resolution" value="0" units="1/dev"/>
+        </inkml:channelProperties>
+      </inkml:inkSource>
+      <inkml:timestamp xml:id="ts0" timeString="2024-06-20T19:49:56.531"/>
+    </inkml:context>
+    <inkml:brush xml:id="br0">
+      <inkml:brushProperty name="width" value="0.05" units="cm"/>
+      <inkml:brushProperty name="height" value="0.05" units="cm"/>
+      <inkml:brushProperty name="color" value="#0B868D"/>
+      <inkml:brushProperty name="inkEffects" value="ocean"/>
+      <inkml:brushProperty name="anchorX" value="41787.95313"/>
+      <inkml:brushProperty name="anchorY" value="-3399.82373"/>
+      <inkml:brushProperty name="scaleFactor" value="0.5"/>
+    </inkml:brush>
+  </inkml:definitions>
+  <inkml:trace contextRef="#ctx0" brushRef="#br0">0 0 24575,'0'0'0,"7"5"0,5 6 0,4 11 0,4 6 0,14 18 0,18 16 0,12 16 0,15 18 0,16 20 0,7 3-861,1 1 1107,-2-7-369,-5-3 123,0-3 0,-5-12 0,-11-15 0,-11-16 0,-19-20 0</inkml:trace>
+</inkml:ink>
+</file>
+
+<file path=ppt/ink/ink166.xml><?xml version="1.0" encoding="utf-8"?>
+<inkml:ink xmlns:inkml="http://www.w3.org/2003/InkML">
+  <inkml:definitions>
+    <inkml:context xml:id="ctx0">
+      <inkml:inkSource xml:id="inkSrc0">
+        <inkml:traceFormat>
+          <inkml:channel name="X" type="integer" min="-2.14748E9" max="2.14748E9" units="cm"/>
+          <inkml:channel name="Y" type="integer" min="-2.14748E9" max="2.14748E9" units="cm"/>
+          <inkml:channel name="F" type="integer" max="32767" units="dev"/>
+        </inkml:traceFormat>
+        <inkml:channelProperties>
+          <inkml:channelProperty channel="X" name="resolution" value="1000" units="1/cm"/>
+          <inkml:channelProperty channel="Y" name="resolution" value="1000" units="1/cm"/>
+          <inkml:channelProperty channel="F" name="resolution" value="0" units="1/dev"/>
+        </inkml:channelProperties>
+      </inkml:inkSource>
+      <inkml:timestamp xml:id="ts0" timeString="2024-06-20T19:49:57.790"/>
+    </inkml:context>
+    <inkml:brush xml:id="br0">
+      <inkml:brushProperty name="width" value="0.05" units="cm"/>
+      <inkml:brushProperty name="height" value="0.05" units="cm"/>
+      <inkml:brushProperty name="color" value="#0B868D"/>
+      <inkml:brushProperty name="inkEffects" value="ocean"/>
+      <inkml:brushProperty name="anchorX" value="39985.85156"/>
+      <inkml:brushProperty name="anchorY" value="-5350.92334"/>
+      <inkml:brushProperty name="scaleFactor" value="0.5"/>
+    </inkml:brush>
+  </inkml:definitions>
+  <inkml:trace contextRef="#ctx0" brushRef="#br0">536 0 24575,'0'0'0,"-5"37"-15837,-9 17 22290,-7 17-9233,-8 18 6911,-10 25-5070,-10 18 1408,-2 0-469,-5 15 0,-1 2 1429,0-3-1837,8-11 612,10-16-204,8-18 7629,11-21-9809,7-23 3270,7-19-1090</inkml:trace>
+</inkml:ink>
+</file>
+
+<file path=ppt/ink/ink167.xml><?xml version="1.0" encoding="utf-8"?>
+<inkml:ink xmlns:inkml="http://www.w3.org/2003/InkML">
+  <inkml:definitions>
+    <inkml:context xml:id="ctx0">
+      <inkml:inkSource xml:id="inkSrc0">
+        <inkml:traceFormat>
+          <inkml:channel name="X" type="integer" min="-2.14748E9" max="2.14748E9" units="cm"/>
+          <inkml:channel name="Y" type="integer" min="-2.14748E9" max="2.14748E9" units="cm"/>
+          <inkml:channel name="F" type="integer" max="32767" units="dev"/>
+        </inkml:traceFormat>
+        <inkml:channelProperties>
+          <inkml:channelProperty channel="X" name="resolution" value="1000" units="1/cm"/>
+          <inkml:channelProperty channel="Y" name="resolution" value="1000" units="1/cm"/>
+          <inkml:channelProperty channel="F" name="resolution" value="0" units="1/dev"/>
+        </inkml:channelProperties>
+      </inkml:inkSource>
+      <inkml:timestamp xml:id="ts0" timeString="2024-06-20T19:50:12.909"/>
+    </inkml:context>
+    <inkml:brush xml:id="br0">
+      <inkml:brushProperty name="width" value="0.05" units="cm"/>
+      <inkml:brushProperty name="height" value="0.05" units="cm"/>
+      <inkml:brushProperty name="color" value="#0B868D"/>
+      <inkml:brushProperty name="inkEffects" value="ocean"/>
+      <inkml:brushProperty name="anchorX" value="41156.94531"/>
+      <inkml:brushProperty name="anchorY" value="-6316.29395"/>
+      <inkml:brushProperty name="scaleFactor" value="0.5"/>
+    </inkml:brush>
+  </inkml:definitions>
+  <inkml:trace contextRef="#ctx0" brushRef="#br0">0 0 24575,'0'0'0,"14"5"0,33 4 0,23 4 0,32 0 0,27 3 0,25-3 0,-4-2-850,-7-3 1093,-25-3-364,-28-3 121,-29-1 209</inkml:trace>
+</inkml:ink>
+</file>
+
+<file path=ppt/ink/ink168.xml><?xml version="1.0" encoding="utf-8"?>
+<inkml:ink xmlns:inkml="http://www.w3.org/2003/InkML">
+  <inkml:definitions>
+    <inkml:context xml:id="ctx0">
+      <inkml:inkSource xml:id="inkSrc0">
+        <inkml:traceFormat>
+          <inkml:channel name="X" type="integer" min="-2.14748E9" max="2.14748E9" units="cm"/>
+          <inkml:channel name="Y" type="integer" min="-2.14748E9" max="2.14748E9" units="cm"/>
+          <inkml:channel name="F" type="integer" max="32767" units="dev"/>
+        </inkml:traceFormat>
+        <inkml:channelProperties>
+          <inkml:channelProperty channel="X" name="resolution" value="1000" units="1/cm"/>
+          <inkml:channelProperty channel="Y" name="resolution" value="1000" units="1/cm"/>
+          <inkml:channelProperty channel="F" name="resolution" value="0" units="1/dev"/>
+        </inkml:channelProperties>
+      </inkml:inkSource>
+      <inkml:timestamp xml:id="ts0" timeString="2024-06-20T19:50:24.327"/>
+    </inkml:context>
+    <inkml:brush xml:id="br0">
+      <inkml:brushProperty name="width" value="0.05" units="cm"/>
+      <inkml:brushProperty name="height" value="0.05" units="cm"/>
+      <inkml:brushProperty name="color" value="#0B868D"/>
+      <inkml:brushProperty name="inkEffects" value="ocean"/>
+      <inkml:brushProperty name="anchorX" value="39444.22266"/>
+      <inkml:brushProperty name="anchorY" value="-7047.10889"/>
+      <inkml:brushProperty name="scaleFactor" value="0.5"/>
+    </inkml:brush>
+  </inkml:definitions>
+  <inkml:trace contextRef="#ctx0" brushRef="#br0">15 0 24575,'0'0'0,"0"3"0,0 5 0,0 5 0,0 8 0,-3 10 0,1 12 0,-1 5 0,0 4 0,2 0 0,0-6 0,0-4 0,1-6 0,0-4 0,0-5 0,0-6 0,0 0 0,0-3 0,0-5 0</inkml:trace>
+</inkml:ink>
+</file>
+
+<file path=ppt/ink/ink169.xml><?xml version="1.0" encoding="utf-8"?>
+<inkml:ink xmlns:inkml="http://www.w3.org/2003/InkML">
+  <inkml:definitions>
+    <inkml:context xml:id="ctx0">
+      <inkml:inkSource xml:id="inkSrc0">
+        <inkml:traceFormat>
+          <inkml:channel name="X" type="integer" min="-2.14748E9" max="2.14748E9" units="cm"/>
+          <inkml:channel name="Y" type="integer" min="-2.14748E9" max="2.14748E9" units="cm"/>
+          <inkml:channel name="F" type="integer" max="32767" units="dev"/>
+        </inkml:traceFormat>
+        <inkml:channelProperties>
+          <inkml:channelProperty channel="X" name="resolution" value="1000" units="1/cm"/>
+          <inkml:channelProperty channel="Y" name="resolution" value="1000" units="1/cm"/>
+          <inkml:channelProperty channel="F" name="resolution" value="0" units="1/dev"/>
+        </inkml:channelProperties>
+      </inkml:inkSource>
+      <inkml:timestamp xml:id="ts0" timeString="2024-06-20T19:50:36.395"/>
+    </inkml:context>
+    <inkml:brush xml:id="br0">
+      <inkml:brushProperty name="width" value="0.05" units="cm"/>
+      <inkml:brushProperty name="height" value="0.05" units="cm"/>
+      <inkml:brushProperty name="color" value="#0B868D"/>
+      <inkml:brushProperty name="inkEffects" value="ocean"/>
+      <inkml:brushProperty name="anchorX" value="40093.28516"/>
+      <inkml:brushProperty name="anchorY" value="-6939.25098"/>
+      <inkml:brushProperty name="scaleFactor" value="0.5"/>
+    </inkml:brush>
+  </inkml:definitions>
+  <inkml:trace contextRef="#ctx0" brushRef="#br0">495 0 24575,'0'0'0,"-4"11"0,-8 10 0,-9 8 0,-8 9 0,-14 7 0,-11 10 0,-3-2 0,1-2 0,5 0 0,7-5 0,4-3 0,10-5 0,6-10 0,9-5 0,5-5 0,5-7 0</inkml:trace>
+</inkml:ink>
+</file>
+
 <file path=ppt/ink/ink17.xml><?xml version="1.0" encoding="utf-8"?>
 <inkml:ink xmlns:inkml="http://www.w3.org/2003/InkML">
   <inkml:definitions>
@@ -368,6 +2412,326 @@
 </inkml:ink>
 </file>
 
+<file path=ppt/ink/ink170.xml><?xml version="1.0" encoding="utf-8"?>
+<inkml:ink xmlns:inkml="http://www.w3.org/2003/InkML">
+  <inkml:definitions>
+    <inkml:context xml:id="ctx0">
+      <inkml:inkSource xml:id="inkSrc0">
+        <inkml:traceFormat>
+          <inkml:channel name="X" type="integer" min="-2.14748E9" max="2.14748E9" units="cm"/>
+          <inkml:channel name="Y" type="integer" min="-2.14748E9" max="2.14748E9" units="cm"/>
+          <inkml:channel name="F" type="integer" max="32767" units="dev"/>
+        </inkml:traceFormat>
+        <inkml:channelProperties>
+          <inkml:channelProperty channel="X" name="resolution" value="1000" units="1/cm"/>
+          <inkml:channelProperty channel="Y" name="resolution" value="1000" units="1/cm"/>
+          <inkml:channelProperty channel="F" name="resolution" value="0" units="1/dev"/>
+        </inkml:channelProperties>
+      </inkml:inkSource>
+      <inkml:timestamp xml:id="ts0" timeString="2024-06-20T19:50:47.733"/>
+    </inkml:context>
+    <inkml:brush xml:id="br0">
+      <inkml:brushProperty name="width" value="0.05" units="cm"/>
+      <inkml:brushProperty name="height" value="0.05" units="cm"/>
+      <inkml:brushProperty name="color" value="#0B868D"/>
+      <inkml:brushProperty name="inkEffects" value="ocean"/>
+      <inkml:brushProperty name="anchorX" value="41223.06641"/>
+      <inkml:brushProperty name="anchorY" value="-6865.34961"/>
+      <inkml:brushProperty name="scaleFactor" value="0.5"/>
+    </inkml:brush>
+  </inkml:definitions>
+  <inkml:trace contextRef="#ctx0" brushRef="#br0">0 0 24575,'0'0'0,"3"2"0,10 15 0,12 15 0,4 5 0,1 5 0,2 5 0,0-3 0,-7-6 0,-3-9 0,-4-8 0,-3-6 0,-4-5 0,1 0 0,0-1 0,-1-2 0</inkml:trace>
+</inkml:ink>
+</file>
+
+<file path=ppt/ink/ink171.xml><?xml version="1.0" encoding="utf-8"?>
+<inkml:ink xmlns:inkml="http://www.w3.org/2003/InkML">
+  <inkml:definitions>
+    <inkml:context xml:id="ctx0">
+      <inkml:inkSource xml:id="inkSrc0">
+        <inkml:traceFormat>
+          <inkml:channel name="X" type="integer" min="-2.14748E9" max="2.14748E9" units="cm"/>
+          <inkml:channel name="Y" type="integer" min="-2.14748E9" max="2.14748E9" units="cm"/>
+          <inkml:channel name="F" type="integer" max="32767" units="dev"/>
+        </inkml:traceFormat>
+        <inkml:channelProperties>
+          <inkml:channelProperty channel="X" name="resolution" value="1000" units="1/cm"/>
+          <inkml:channelProperty channel="Y" name="resolution" value="1000" units="1/cm"/>
+          <inkml:channelProperty channel="F" name="resolution" value="0" units="1/dev"/>
+        </inkml:channelProperties>
+      </inkml:inkSource>
+      <inkml:timestamp xml:id="ts0" timeString="2024-06-20T19:50:57.465"/>
+    </inkml:context>
+    <inkml:brush xml:id="br0">
+      <inkml:brushProperty name="width" value="0.05" units="cm"/>
+      <inkml:brushProperty name="height" value="0.05" units="cm"/>
+      <inkml:brushProperty name="color" value="#0B868D"/>
+      <inkml:brushProperty name="inkEffects" value="ocean"/>
+      <inkml:brushProperty name="anchorX" value="40298.75391"/>
+      <inkml:brushProperty name="anchorY" value="-7860.24561"/>
+      <inkml:brushProperty name="scaleFactor" value="0.5"/>
+    </inkml:brush>
+  </inkml:definitions>
+  <inkml:trace contextRef="#ctx0" brushRef="#br0">0 0 24575,'0'0'0,"0"5"0,3 6 0,0 6 0,0 6 0,2 9 0,-1 2 0,0 0 0,-1-3 0,-1-4 0,-1-5 0,-1-4 0,0-3 0,0-4 0</inkml:trace>
+</inkml:ink>
+</file>
+
+<file path=ppt/ink/ink172.xml><?xml version="1.0" encoding="utf-8"?>
+<inkml:ink xmlns:inkml="http://www.w3.org/2003/InkML">
+  <inkml:definitions>
+    <inkml:context xml:id="ctx0">
+      <inkml:inkSource xml:id="inkSrc0">
+        <inkml:traceFormat>
+          <inkml:channel name="X" type="integer" min="-2.14748E9" max="2.14748E9" units="cm"/>
+          <inkml:channel name="Y" type="integer" min="-2.14748E9" max="2.14748E9" units="cm"/>
+          <inkml:channel name="F" type="integer" max="32767" units="dev"/>
+        </inkml:traceFormat>
+        <inkml:channelProperties>
+          <inkml:channelProperty channel="X" name="resolution" value="1000" units="1/cm"/>
+          <inkml:channelProperty channel="Y" name="resolution" value="1000" units="1/cm"/>
+          <inkml:channelProperty channel="F" name="resolution" value="0" units="1/dev"/>
+        </inkml:channelProperties>
+      </inkml:inkSource>
+      <inkml:timestamp xml:id="ts0" timeString="2024-06-20T19:51:09.863"/>
+    </inkml:context>
+    <inkml:brush xml:id="br0">
+      <inkml:brushProperty name="width" value="0.05" units="cm"/>
+      <inkml:brushProperty name="height" value="0.05" units="cm"/>
+      <inkml:brushProperty name="color" value="#0B868D"/>
+      <inkml:brushProperty name="inkEffects" value="ocean"/>
+      <inkml:brushProperty name="anchorX" value="39635.97266"/>
+      <inkml:brushProperty name="anchorY" value="-8775.47754"/>
+      <inkml:brushProperty name="scaleFactor" value="0.5"/>
+    </inkml:brush>
+  </inkml:definitions>
+  <inkml:trace contextRef="#ctx0" brushRef="#br0">98 0 24575,'0'0'0,"0"11"0,0 15 0,-2 12 0,-4 16 0,1 14 0,0 1 0,-4 2 0,-2-9 0,2-3 0,-2-9 0,3-8 0,1-9 0,0-5 0,2-1 0,2-3 0,-3-3 0,2-6 0</inkml:trace>
+</inkml:ink>
+</file>
+
+<file path=ppt/ink/ink173.xml><?xml version="1.0" encoding="utf-8"?>
+<inkml:ink xmlns:inkml="http://www.w3.org/2003/InkML">
+  <inkml:definitions>
+    <inkml:context xml:id="ctx0">
+      <inkml:inkSource xml:id="inkSrc0">
+        <inkml:traceFormat>
+          <inkml:channel name="X" type="integer" min="-2.14748E9" max="2.14748E9" units="cm"/>
+          <inkml:channel name="Y" type="integer" min="-2.14748E9" max="2.14748E9" units="cm"/>
+          <inkml:channel name="F" type="integer" max="32767" units="dev"/>
+        </inkml:traceFormat>
+        <inkml:channelProperties>
+          <inkml:channelProperty channel="X" name="resolution" value="1000" units="1/cm"/>
+          <inkml:channelProperty channel="Y" name="resolution" value="1000" units="1/cm"/>
+          <inkml:channelProperty channel="F" name="resolution" value="0" units="1/dev"/>
+        </inkml:channelProperties>
+      </inkml:inkSource>
+      <inkml:timestamp xml:id="ts0" timeString="2024-06-20T19:51:24.605"/>
+    </inkml:context>
+    <inkml:brush xml:id="br0">
+      <inkml:brushProperty name="width" value="0.05" units="cm"/>
+      <inkml:brushProperty name="height" value="0.05" units="cm"/>
+      <inkml:brushProperty name="color" value="#0B868D"/>
+      <inkml:brushProperty name="inkEffects" value="ocean"/>
+      <inkml:brushProperty name="anchorX" value="40369.10156"/>
+      <inkml:brushProperty name="anchorY" value="-8838.36621"/>
+      <inkml:brushProperty name="scaleFactor" value="0.5"/>
+    </inkml:brush>
+  </inkml:definitions>
+  <inkml:trace contextRef="#ctx0" brushRef="#br0">0 0 24575,'0'0'0,"0"9"0,0 27 0,0 15 0,0 23 0,0 12 0,0 10 0,0 20 0,0-3 0,0-7 0,0-15 0,0-21 0,0-20 0,0-18 0</inkml:trace>
+</inkml:ink>
+</file>
+
+<file path=ppt/ink/ink174.xml><?xml version="1.0" encoding="utf-8"?>
+<inkml:ink xmlns:inkml="http://www.w3.org/2003/InkML">
+  <inkml:definitions>
+    <inkml:context xml:id="ctx0">
+      <inkml:inkSource xml:id="inkSrc0">
+        <inkml:traceFormat>
+          <inkml:channel name="X" type="integer" min="-2.14748E9" max="2.14748E9" units="cm"/>
+          <inkml:channel name="Y" type="integer" min="-2.14748E9" max="2.14748E9" units="cm"/>
+          <inkml:channel name="F" type="integer" max="32767" units="dev"/>
+        </inkml:traceFormat>
+        <inkml:channelProperties>
+          <inkml:channelProperty channel="X" name="resolution" value="1000" units="1/cm"/>
+          <inkml:channelProperty channel="Y" name="resolution" value="1000" units="1/cm"/>
+          <inkml:channelProperty channel="F" name="resolution" value="0" units="1/dev"/>
+        </inkml:channelProperties>
+      </inkml:inkSource>
+      <inkml:timestamp xml:id="ts0" timeString="2024-06-20T19:51:33.558"/>
+    </inkml:context>
+    <inkml:brush xml:id="br0">
+      <inkml:brushProperty name="width" value="0.05" units="cm"/>
+      <inkml:brushProperty name="height" value="0.05" units="cm"/>
+      <inkml:brushProperty name="color" value="#0B868D"/>
+      <inkml:brushProperty name="inkEffects" value="ocean"/>
+      <inkml:brushProperty name="anchorX" value="39734.10156"/>
+      <inkml:brushProperty name="anchorY" value="-10403.16113"/>
+      <inkml:brushProperty name="scaleFactor" value="0.5"/>
+    </inkml:brush>
+  </inkml:definitions>
+  <inkml:trace contextRef="#ctx0" brushRef="#br0">1177 0 24575,'0'0'0,"-2"2"0,-20 12 0,-18 7 0,-21 14 0,-21 5 0,-16 9 0,-9-1 0,-8 9 0,2 0 0,1-3 0,4-1 0,10-8 0,17-9 0,20-11 0,14-7 0,17-6 0</inkml:trace>
+</inkml:ink>
+</file>
+
+<file path=ppt/ink/ink175.xml><?xml version="1.0" encoding="utf-8"?>
+<inkml:ink xmlns:inkml="http://www.w3.org/2003/InkML">
+  <inkml:definitions>
+    <inkml:context xml:id="ctx0">
+      <inkml:inkSource xml:id="inkSrc0">
+        <inkml:traceFormat>
+          <inkml:channel name="X" type="integer" min="-2.14748E9" max="2.14748E9" units="cm"/>
+          <inkml:channel name="Y" type="integer" min="-2.14748E9" max="2.14748E9" units="cm"/>
+          <inkml:channel name="F" type="integer" max="32767" units="dev"/>
+        </inkml:traceFormat>
+        <inkml:channelProperties>
+          <inkml:channelProperty channel="X" name="resolution" value="1000" units="1/cm"/>
+          <inkml:channelProperty channel="Y" name="resolution" value="1000" units="1/cm"/>
+          <inkml:channelProperty channel="F" name="resolution" value="0" units="1/dev"/>
+        </inkml:channelProperties>
+      </inkml:inkSource>
+      <inkml:timestamp xml:id="ts0" timeString="2024-06-20T19:51:44.977"/>
+    </inkml:context>
+    <inkml:brush xml:id="br0">
+      <inkml:brushProperty name="width" value="0.05" units="cm"/>
+      <inkml:brushProperty name="height" value="0.05" units="cm"/>
+      <inkml:brushProperty name="color" value="#0B868D"/>
+      <inkml:brushProperty name="inkEffects" value="ocean"/>
+      <inkml:brushProperty name="anchorX" value="41546.03906"/>
+      <inkml:brushProperty name="anchorY" value="-10333.55859"/>
+      <inkml:brushProperty name="scaleFactor" value="0.5"/>
+    </inkml:brush>
+  </inkml:definitions>
+  <inkml:trace contextRef="#ctx0" brushRef="#br0">0 0 24575,'0'0'0,"0"2"0,3 7 0,7 17 0,15 30 0,9 28 0,12 22 0,9 8 0,0 4 0,-3-8 0,-9-18 0,-11-25 0</inkml:trace>
+</inkml:ink>
+</file>
+
+<file path=ppt/ink/ink176.xml><?xml version="1.0" encoding="utf-8"?>
+<inkml:ink xmlns:inkml="http://www.w3.org/2003/InkML">
+  <inkml:definitions>
+    <inkml:context xml:id="ctx0">
+      <inkml:inkSource xml:id="inkSrc0">
+        <inkml:traceFormat>
+          <inkml:channel name="X" type="integer" min="-2.14748E9" max="2.14748E9" units="cm"/>
+          <inkml:channel name="Y" type="integer" min="-2.14748E9" max="2.14748E9" units="cm"/>
+          <inkml:channel name="F" type="integer" max="32767" units="dev"/>
+        </inkml:traceFormat>
+        <inkml:channelProperties>
+          <inkml:channelProperty channel="X" name="resolution" value="1000" units="1/cm"/>
+          <inkml:channelProperty channel="Y" name="resolution" value="1000" units="1/cm"/>
+          <inkml:channelProperty channel="F" name="resolution" value="0" units="1/dev"/>
+        </inkml:channelProperties>
+      </inkml:inkSource>
+      <inkml:timestamp xml:id="ts0" timeString="2024-06-20T19:51:54.595"/>
+    </inkml:context>
+    <inkml:brush xml:id="br0">
+      <inkml:brushProperty name="width" value="0.05" units="cm"/>
+      <inkml:brushProperty name="height" value="0.05" units="cm"/>
+      <inkml:brushProperty name="color" value="#0B868D"/>
+      <inkml:brushProperty name="inkEffects" value="ocean"/>
+      <inkml:brushProperty name="anchorX" value="40556.5625"/>
+      <inkml:brushProperty name="anchorY" value="-11752.14746"/>
+      <inkml:brushProperty name="scaleFactor" value="0.5"/>
+    </inkml:brush>
+  </inkml:definitions>
+  <inkml:trace contextRef="#ctx0" brushRef="#br0">282 0 24575,'0'0'0,"0"5"0,0 22 0,-2 19 0,-6 28 0,-8 20 0,-3 20 0,-5 11 0,-9 17 0,2 0-636,-3-12 818,3-10-273,5-23 91,1-23 0,6-21 0,6-20 0</inkml:trace>
+</inkml:ink>
+</file>
+
+<file path=ppt/ink/ink177.xml><?xml version="1.0" encoding="utf-8"?>
+<inkml:ink xmlns:inkml="http://www.w3.org/2003/InkML">
+  <inkml:definitions>
+    <inkml:context xml:id="ctx0">
+      <inkml:inkSource xml:id="inkSrc0">
+        <inkml:traceFormat>
+          <inkml:channel name="X" type="integer" min="-2.14748E9" max="2.14748E9" units="cm"/>
+          <inkml:channel name="Y" type="integer" min="-2.14748E9" max="2.14748E9" units="cm"/>
+          <inkml:channel name="F" type="integer" max="32767" units="dev"/>
+        </inkml:traceFormat>
+        <inkml:channelProperties>
+          <inkml:channelProperty channel="X" name="resolution" value="1000" units="1/cm"/>
+          <inkml:channelProperty channel="Y" name="resolution" value="1000" units="1/cm"/>
+          <inkml:channelProperty channel="F" name="resolution" value="0" units="1/dev"/>
+        </inkml:channelProperties>
+      </inkml:inkSource>
+      <inkml:timestamp xml:id="ts0" timeString="2024-06-20T19:52:04.947"/>
+    </inkml:context>
+    <inkml:brush xml:id="br0">
+      <inkml:brushProperty name="width" value="0.05" units="cm"/>
+      <inkml:brushProperty name="height" value="0.05" units="cm"/>
+      <inkml:brushProperty name="color" value="#0B868D"/>
+      <inkml:brushProperty name="inkEffects" value="ocean"/>
+      <inkml:brushProperty name="anchorX" value="41473.0625"/>
+      <inkml:brushProperty name="anchorY" value="-12392.54688"/>
+      <inkml:brushProperty name="scaleFactor" value="0.5"/>
+    </inkml:brush>
+  </inkml:definitions>
+  <inkml:trace contextRef="#ctx0" brushRef="#br0">0 2 24575,'0'0'0,"0"-2"0,3 7 0,15 19 0,28 27 0,18 16 0,23 17 0,13 6 0,11-1 0,2-8 0,-14-17 0,-17-18 0,-20-17 0,-21-13 0</inkml:trace>
+</inkml:ink>
+</file>
+
+<file path=ppt/ink/ink178.xml><?xml version="1.0" encoding="utf-8"?>
+<inkml:ink xmlns:inkml="http://www.w3.org/2003/InkML">
+  <inkml:definitions>
+    <inkml:context xml:id="ctx0">
+      <inkml:inkSource xml:id="inkSrc0">
+        <inkml:traceFormat>
+          <inkml:channel name="X" type="integer" min="-2.14748E9" max="2.14748E9" units="cm"/>
+          <inkml:channel name="Y" type="integer" min="-2.14748E9" max="2.14748E9" units="cm"/>
+          <inkml:channel name="F" type="integer" max="32767" units="dev"/>
+        </inkml:traceFormat>
+        <inkml:channelProperties>
+          <inkml:channelProperty channel="X" name="resolution" value="1000" units="1/cm"/>
+          <inkml:channelProperty channel="Y" name="resolution" value="1000" units="1/cm"/>
+          <inkml:channelProperty channel="F" name="resolution" value="0" units="1/dev"/>
+        </inkml:channelProperties>
+      </inkml:inkSource>
+      <inkml:timestamp xml:id="ts0" timeString="2024-06-20T19:52:15.166"/>
+    </inkml:context>
+    <inkml:brush xml:id="br0">
+      <inkml:brushProperty name="width" value="0.05" units="cm"/>
+      <inkml:brushProperty name="height" value="0.05" units="cm"/>
+      <inkml:brushProperty name="color" value="#0B868D"/>
+      <inkml:brushProperty name="inkEffects" value="ocean"/>
+      <inkml:brushProperty name="anchorX" value="40012.48047"/>
+      <inkml:brushProperty name="anchorY" value="-13670.96484"/>
+      <inkml:brushProperty name="scaleFactor" value="0.5"/>
+    </inkml:brush>
+  </inkml:definitions>
+  <inkml:trace contextRef="#ctx0" brushRef="#br0">613 0 24575,'0'0'0,"0"3"0,0 5 0,-7 16 0,-9 24 0,-16 25 0,-13 25 0,-15 23 0,-9 15 0,0 10-850,-1 1 1093,1 7-364,6-8 121,12-19 0,14-21 0,13-30 0</inkml:trace>
+</inkml:ink>
+</file>
+
+<file path=ppt/ink/ink179.xml><?xml version="1.0" encoding="utf-8"?>
+<inkml:ink xmlns:inkml="http://www.w3.org/2003/InkML">
+  <inkml:definitions>
+    <inkml:context xml:id="ctx0">
+      <inkml:inkSource xml:id="inkSrc0">
+        <inkml:traceFormat>
+          <inkml:channel name="X" type="integer" min="-2.14748E9" max="2.14748E9" units="cm"/>
+          <inkml:channel name="Y" type="integer" min="-2.14748E9" max="2.14748E9" units="cm"/>
+          <inkml:channel name="F" type="integer" max="32767" units="dev"/>
+        </inkml:traceFormat>
+        <inkml:channelProperties>
+          <inkml:channelProperty channel="X" name="resolution" value="1000" units="1/cm"/>
+          <inkml:channelProperty channel="Y" name="resolution" value="1000" units="1/cm"/>
+          <inkml:channelProperty channel="F" name="resolution" value="0" units="1/dev"/>
+        </inkml:channelProperties>
+      </inkml:inkSource>
+      <inkml:timestamp xml:id="ts0" timeString="2024-06-20T19:52:23.574"/>
+    </inkml:context>
+    <inkml:brush xml:id="br0">
+      <inkml:brushProperty name="width" value="0.05" units="cm"/>
+      <inkml:brushProperty name="height" value="0.05" units="cm"/>
+      <inkml:brushProperty name="color" value="#0B868D"/>
+      <inkml:brushProperty name="inkEffects" value="ocean"/>
+      <inkml:brushProperty name="anchorX" value="41259.91797"/>
+      <inkml:brushProperty name="anchorY" value="-14449.23828"/>
+      <inkml:brushProperty name="scaleFactor" value="0.5"/>
+    </inkml:brush>
+  </inkml:definitions>
+  <inkml:trace contextRef="#ctx0" brushRef="#br0">0 0 24575,'0'0'0,"0"7"0,5 10 0,16 18 0,22 30 0,26 22 0,23 20 0,26 24 0,13 15-2547,14 16 3275,-2 0-1092,-4 2 364,-8-6 0,-18-20 0,-27-28 56,-23-29-72,-23-30 24</inkml:trace>
+</inkml:ink>
+</file>
+
 <file path=ppt/ink/ink18.xml><?xml version="1.0" encoding="utf-8"?>
 <inkml:ink xmlns:inkml="http://www.w3.org/2003/InkML">
   <inkml:definitions>
@@ -393,6 +2757,134 @@
     </inkml:brush>
   </inkml:definitions>
   <inkml:trace contextRef="#ctx0" brushRef="#br0">1 4061 24575,'5'-1'0,"1"-1"0,-1 1 0,1-1 0,-1-1 0,0 1 0,8-6 0,5-1 0,181-83 0,-123 41 0,-44 34 0,-1 1 0,49-33 0,-8 1 0,-46 33 0,-2-1 0,28-23 0,31-37 0,107-124 0,-43 37 0,-15 7 0,-70 86 0,-47 52 0,0 0 0,2 1 0,0 1 0,0 0 0,23-14 0,83-41 0,38-19 0,-26 14 0,-87 50 0,-2-2 0,-1-2 0,57-49 0,-76 57 0,8-5 0,-2 0 0,-1-2 0,-1-2 0,-2 0 0,49-71 0,-56 69 0,-14 22 0,0 0 0,-1 0 0,0 0 0,6-18 0,6-25 0,-4 7 0,26-55 0,-31 76 0,-2 0 0,0 0 0,-2-1 0,0 1 0,-2-1 0,-1 0 0,-2-31 0,2-4 0,0 39 0,-1 1 0,-1-1 0,-1 0 0,-1 1 0,-1-1 0,-10-40 0,0 28 0,1 1 0,2-1 0,-6-43 0,-5-49 0,14 90 0,-1 0 0,-23-63 0,23 74 0,-11-36 0,12 34 0,-1 1 0,-14-29 0,-4-17 0,22 57 0,-1 0 0,-1 0 0,0 1 0,-11-18 0,-10-11 0,0-4 0,-3 2 0,-1 2 0,-61-67 0,-124-83 0,192 173 0,-49-35 0,60 49-1365,0 1-5461</inkml:trace>
+</inkml:ink>
+</file>
+
+<file path=ppt/ink/ink180.xml><?xml version="1.0" encoding="utf-8"?>
+<inkml:ink xmlns:inkml="http://www.w3.org/2003/InkML">
+  <inkml:definitions>
+    <inkml:context xml:id="ctx0">
+      <inkml:inkSource xml:id="inkSrc0">
+        <inkml:traceFormat>
+          <inkml:channel name="X" type="integer" min="-2.14748E9" max="2.14748E9" units="cm"/>
+          <inkml:channel name="Y" type="integer" min="-2.14748E9" max="2.14748E9" units="cm"/>
+          <inkml:channel name="F" type="integer" max="32767" units="dev"/>
+        </inkml:traceFormat>
+        <inkml:channelProperties>
+          <inkml:channelProperty channel="X" name="resolution" value="1000" units="1/cm"/>
+          <inkml:channelProperty channel="Y" name="resolution" value="1000" units="1/cm"/>
+          <inkml:channelProperty channel="F" name="resolution" value="0" units="1/dev"/>
+        </inkml:channelProperties>
+      </inkml:inkSource>
+      <inkml:timestamp xml:id="ts0" timeString="2024-06-20T19:52:33.838"/>
+    </inkml:context>
+    <inkml:brush xml:id="br0">
+      <inkml:brushProperty name="width" value="0.05" units="cm"/>
+      <inkml:brushProperty name="height" value="0.05" units="cm"/>
+      <inkml:brushProperty name="color" value="#0B868D"/>
+      <inkml:brushProperty name="inkEffects" value="ocean"/>
+      <inkml:brushProperty name="anchorX" value="39286.61328"/>
+      <inkml:brushProperty name="anchorY" value="-16705.42383"/>
+      <inkml:brushProperty name="scaleFactor" value="0.5"/>
+    </inkml:brush>
+  </inkml:definitions>
+  <inkml:trace contextRef="#ctx0" brushRef="#br0">369 0 24575,'0'0'0,"-2"16"0,-17 32 0,-13 22 0,-11 13 0,-4 5 0,1-7 0,-2-7 0,7-12 0,7-14 0,7-14 0,9-9 0,7-9 0</inkml:trace>
+</inkml:ink>
+</file>
+
+<file path=ppt/ink/ink181.xml><?xml version="1.0" encoding="utf-8"?>
+<inkml:ink xmlns:inkml="http://www.w3.org/2003/InkML">
+  <inkml:definitions>
+    <inkml:context xml:id="ctx0">
+      <inkml:inkSource xml:id="inkSrc0">
+        <inkml:traceFormat>
+          <inkml:channel name="X" type="integer" min="-2.14748E9" max="2.14748E9" units="cm"/>
+          <inkml:channel name="Y" type="integer" min="-2.14748E9" max="2.14748E9" units="cm"/>
+          <inkml:channel name="F" type="integer" max="32767" units="dev"/>
+        </inkml:traceFormat>
+        <inkml:channelProperties>
+          <inkml:channelProperty channel="X" name="resolution" value="1000" units="1/cm"/>
+          <inkml:channelProperty channel="Y" name="resolution" value="1000" units="1/cm"/>
+          <inkml:channelProperty channel="F" name="resolution" value="0" units="1/dev"/>
+        </inkml:channelProperties>
+      </inkml:inkSource>
+      <inkml:timestamp xml:id="ts0" timeString="2024-06-20T19:52:46.958"/>
+    </inkml:context>
+    <inkml:brush xml:id="br0">
+      <inkml:brushProperty name="width" value="0.05" units="cm"/>
+      <inkml:brushProperty name="height" value="0.05" units="cm"/>
+      <inkml:brushProperty name="color" value="#0B868D"/>
+      <inkml:brushProperty name="inkEffects" value="ocean"/>
+      <inkml:brushProperty name="anchorX" value="40290.15234"/>
+      <inkml:brushProperty name="anchorY" value="-16714.87109"/>
+      <inkml:brushProperty name="scaleFactor" value="0.5"/>
+    </inkml:brush>
+  </inkml:definitions>
+  <inkml:trace contextRef="#ctx0" brushRef="#br0">2843 0 24575,'0'0'0,"-2"0"0,-9 0 0,-8 0 0,-18 5 0,-17 14 0,-22 13 0,-61 26 0,-43 11 0,-61 19-2790,-69 21 3587,-35 7-5421,-14 10 5831,31-9-1811,47-16 604,64-24-1535,65-23 1973,58-22-657</inkml:trace>
+</inkml:ink>
+</file>
+
+<file path=ppt/ink/ink182.xml><?xml version="1.0" encoding="utf-8"?>
+<inkml:ink xmlns:inkml="http://www.w3.org/2003/InkML">
+  <inkml:definitions>
+    <inkml:context xml:id="ctx0">
+      <inkml:inkSource xml:id="inkSrc0">
+        <inkml:traceFormat>
+          <inkml:channel name="X" type="integer" min="-2.14748E9" max="2.14748E9" units="cm"/>
+          <inkml:channel name="Y" type="integer" min="-2.14748E9" max="2.14748E9" units="cm"/>
+          <inkml:channel name="F" type="integer" max="32767" units="dev"/>
+        </inkml:traceFormat>
+        <inkml:channelProperties>
+          <inkml:channelProperty channel="X" name="resolution" value="1000" units="1/cm"/>
+          <inkml:channelProperty channel="Y" name="resolution" value="1000" units="1/cm"/>
+          <inkml:channelProperty channel="F" name="resolution" value="0" units="1/dev"/>
+        </inkml:channelProperties>
+      </inkml:inkSource>
+      <inkml:timestamp xml:id="ts0" timeString="2024-06-20T20:14:41.253"/>
+    </inkml:context>
+    <inkml:brush xml:id="br0">
+      <inkml:brushProperty name="width" value="0.05" units="cm"/>
+      <inkml:brushProperty name="height" value="0.05" units="cm"/>
+      <inkml:brushProperty name="color" value="#0B868D"/>
+      <inkml:brushProperty name="inkEffects" value="ocean"/>
+      <inkml:brushProperty name="anchorX" value="43767.92188"/>
+      <inkml:brushProperty name="anchorY" value="-17083.11523"/>
+      <inkml:brushProperty name="scaleFactor" value="0.5"/>
+    </inkml:brush>
+  </inkml:definitions>
+  <inkml:trace contextRef="#ctx0" brushRef="#br0">0 0 24575,'0'0'0</inkml:trace>
+</inkml:ink>
+</file>
+
+<file path=ppt/ink/ink183.xml><?xml version="1.0" encoding="utf-8"?>
+<inkml:ink xmlns:inkml="http://www.w3.org/2003/InkML">
+  <inkml:definitions>
+    <inkml:context xml:id="ctx0">
+      <inkml:inkSource xml:id="inkSrc0">
+        <inkml:traceFormat>
+          <inkml:channel name="X" type="integer" min="-2.14748E9" max="2.14748E9" units="cm"/>
+          <inkml:channel name="Y" type="integer" min="-2.14748E9" max="2.14748E9" units="cm"/>
+          <inkml:channel name="F" type="integer" max="32767" units="dev"/>
+        </inkml:traceFormat>
+        <inkml:channelProperties>
+          <inkml:channelProperty channel="X" name="resolution" value="1000" units="1/cm"/>
+          <inkml:channelProperty channel="Y" name="resolution" value="1000" units="1/cm"/>
+          <inkml:channelProperty channel="F" name="resolution" value="0" units="1/dev"/>
+        </inkml:channelProperties>
+      </inkml:inkSource>
+      <inkml:timestamp xml:id="ts0" timeString="2024-06-20T20:32:20.871"/>
+    </inkml:context>
+    <inkml:brush xml:id="br0">
+      <inkml:brushProperty name="width" value="0.05" units="cm"/>
+      <inkml:brushProperty name="height" value="0.05" units="cm"/>
+      <inkml:brushProperty name="color" value="#0B868D"/>
+      <inkml:brushProperty name="inkEffects" value="ocean"/>
+      <inkml:brushProperty name="anchorX" value="43132.92188"/>
+      <inkml:brushProperty name="anchorY" value="-17718.11523"/>
+      <inkml:brushProperty name="scaleFactor" value="0.5"/>
+    </inkml:brush>
+  </inkml:definitions>
+  <inkml:trace contextRef="#ctx0" brushRef="#br0">0 1 24575,'0'0'0</inkml:trace>
 </inkml:ink>
 </file>
 
@@ -2676,6 +5168,90 @@
 </inkml:ink>
 </file>
 
+<file path=ppt/ink/ink87.xml><?xml version="1.0" encoding="utf-8"?>
+<inkml:ink xmlns:inkml="http://www.w3.org/2003/InkML">
+  <inkml:definitions>
+    <inkml:context xml:id="ctx0">
+      <inkml:inkSource xml:id="inkSrc0">
+        <inkml:traceFormat>
+          <inkml:channel name="X" type="integer" min="-2.14748E9" max="2.14748E9" units="cm"/>
+          <inkml:channel name="Y" type="integer" min="-2.14748E9" max="2.14748E9" units="cm"/>
+          <inkml:channel name="F" type="integer" max="32767" units="dev"/>
+        </inkml:traceFormat>
+        <inkml:channelProperties>
+          <inkml:channelProperty channel="X" name="resolution" value="1000" units="1/cm"/>
+          <inkml:channelProperty channel="Y" name="resolution" value="1000" units="1/cm"/>
+          <inkml:channelProperty channel="F" name="resolution" value="0" units="1/dev"/>
+        </inkml:channelProperties>
+      </inkml:inkSource>
+      <inkml:timestamp xml:id="ts0" timeString="2024-06-20T19:43:52.152"/>
+    </inkml:context>
+    <inkml:brush xml:id="br0">
+      <inkml:brushProperty name="width" value="0.035" units="cm"/>
+      <inkml:brushProperty name="height" value="0.035" units="cm"/>
+      <inkml:brushProperty name="color" value="#E71224"/>
+    </inkml:brush>
+  </inkml:definitions>
+  <inkml:trace contextRef="#ctx0" brushRef="#br0">0 1020 24575,'17'-1'0,"-1"-1"0,0 0 0,1-1 0,16-7 0,-7 4 0,313-98 0,-212 63 0,626-174-701,-566 175 701,150-37 0,-280 61 100,1-3 0,-2-2 0,-1-3 1,-1-2-1,-1-2 0,49-36 0,-78 48-100,1 1 0,0 1 0,1 1 0,0 1 0,1 2 0,0 0 0,1 2 0,39-7 0,-22 7 0,6-2 0,0 2 0,68-2 0,-87 9 0,-1-2 0,45-8 0,61-22 0,-46 10 0,-5 3 0,225-56 0,-298 73-1365,-3 1-5461</inkml:trace>
+</inkml:ink>
+</file>
+
+<file path=ppt/ink/ink88.xml><?xml version="1.0" encoding="utf-8"?>
+<inkml:ink xmlns:inkml="http://www.w3.org/2003/InkML">
+  <inkml:definitions>
+    <inkml:context xml:id="ctx0">
+      <inkml:inkSource xml:id="inkSrc0">
+        <inkml:traceFormat>
+          <inkml:channel name="X" type="integer" min="-2.14748E9" max="2.14748E9" units="cm"/>
+          <inkml:channel name="Y" type="integer" min="-2.14748E9" max="2.14748E9" units="cm"/>
+          <inkml:channel name="F" type="integer" max="32767" units="dev"/>
+        </inkml:traceFormat>
+        <inkml:channelProperties>
+          <inkml:channelProperty channel="X" name="resolution" value="1000" units="1/cm"/>
+          <inkml:channelProperty channel="Y" name="resolution" value="1000" units="1/cm"/>
+          <inkml:channelProperty channel="F" name="resolution" value="0" units="1/dev"/>
+        </inkml:channelProperties>
+      </inkml:inkSource>
+      <inkml:timestamp xml:id="ts0" timeString="2024-06-20T19:43:12.225"/>
+    </inkml:context>
+    <inkml:brush xml:id="br0">
+      <inkml:brushProperty name="width" value="0.035" units="cm"/>
+      <inkml:brushProperty name="height" value="0.035" units="cm"/>
+      <inkml:brushProperty name="color" value="#E71224"/>
+    </inkml:brush>
+  </inkml:definitions>
+  <inkml:trace contextRef="#ctx0" brushRef="#br0">0 0 24575,'0'0'-8191</inkml:trace>
+</inkml:ink>
+</file>
+
+<file path=ppt/ink/ink89.xml><?xml version="1.0" encoding="utf-8"?>
+<inkml:ink xmlns:inkml="http://www.w3.org/2003/InkML">
+  <inkml:definitions>
+    <inkml:context xml:id="ctx0">
+      <inkml:inkSource xml:id="inkSrc0">
+        <inkml:traceFormat>
+          <inkml:channel name="X" type="integer" min="-2.14748E9" max="2.14748E9" units="cm"/>
+          <inkml:channel name="Y" type="integer" min="-2.14748E9" max="2.14748E9" units="cm"/>
+          <inkml:channel name="F" type="integer" max="32767" units="dev"/>
+        </inkml:traceFormat>
+        <inkml:channelProperties>
+          <inkml:channelProperty channel="X" name="resolution" value="1000" units="1/cm"/>
+          <inkml:channelProperty channel="Y" name="resolution" value="1000" units="1/cm"/>
+          <inkml:channelProperty channel="F" name="resolution" value="0" units="1/dev"/>
+        </inkml:channelProperties>
+      </inkml:inkSource>
+      <inkml:timestamp xml:id="ts0" timeString="2024-06-20T19:43:13.087"/>
+    </inkml:context>
+    <inkml:brush xml:id="br0">
+      <inkml:brushProperty name="width" value="0.035" units="cm"/>
+      <inkml:brushProperty name="height" value="0.035" units="cm"/>
+      <inkml:brushProperty name="color" value="#E71224"/>
+    </inkml:brush>
+  </inkml:definitions>
+  <inkml:trace contextRef="#ctx0" brushRef="#br0">0 0 24575,'27'8'0,"146"16"0,-152-21 0,171 17-322,53 8-967,44 6 393,1438 211-4724,-1492-209 4901,-192-30 913,131 19 1468,-60-13 3811,-57-1-3956,461 87-1383,-98-17-1633,-352-70-5327</inkml:trace>
+</inkml:ink>
+</file>
+
 <file path=ppt/ink/ink9.xml><?xml version="1.0" encoding="utf-8"?>
 <inkml:ink xmlns:inkml="http://www.w3.org/2003/InkML">
   <inkml:definitions>
@@ -2701,6 +5277,286 @@
     </inkml:brush>
   </inkml:definitions>
   <inkml:trace contextRef="#ctx0" brushRef="#br0">1 1 24575,'20'0'0,"0"0"0,0 2 0,0 1 0,-1 0 0,23 7 0,-37-8 0,0 0 0,0 0 0,0 0 0,-1 1 0,1-1 0,-1 1 0,1 0 0,-1 0 0,0 1 0,0-1 0,3 5 0,-5-5 0,0 0 0,-1-1 0,1 1 0,-1 0 0,1 0 0,-1 1 0,0-1 0,0 0 0,0 0 0,-1 0 0,1 1 0,-1-1 0,0 0 0,0 1 0,0-1 0,0 0 0,-1 0 0,1 1 0,-2 3 0,0-3 0,1 0 0,-1 0 0,0 0 0,0-1 0,-1 1 0,1-1 0,-1 1 0,0-1 0,0 0 0,0 0 0,0 0 0,-1 0 0,1-1 0,-1 1 0,1-1 0,-1 0 0,0 0 0,0 0 0,0-1 0,-5 2 0,0 1 0,8-4 0,1 0 0,0 0 0,0 0 0,0 1 0,0-1 0,0 0 0,0 0 0,0 0 0,-1 0 0,1 0 0,0 0 0,0 0 0,0 0 0,0 0 0,0 0 0,0 0 0,0 0 0,0 1 0,0-1 0,-1 0 0,1 0 0,0 0 0,0 0 0,0 0 0,0 0 0,0 0 0,0 1 0,0-1 0,0 0 0,0 0 0,0 0 0,0 0 0,0 0 0,0 1 0,0-1 0,0 0 0,0 0 0,0 0 0,0 0 0,0 0 0,0 0 0,0 0 0,0 1 0,0-1 0,0 0 0,1 0 0,-1 0 0,0 0 0,0 0 0,0 0 0,0 0 0,0 1 0,0-1 0,0 0 0,0 0 0,0 0 0,1 0 0,10 6 0,14 2 0,-19-8 0,0 1 0,-1 1 0,1-1 0,0 1 0,-1 0 0,1 1 0,-1-1 0,1 1 0,-1 0 0,0 0 0,5 5 0,-8-6 0,0 0 0,0 0 0,-1 0 0,1 0 0,-1 0 0,1 0 0,-1 1 0,0-1 0,0 0 0,0 1 0,0-1 0,0 1 0,0-1 0,-1 1 0,1 0 0,-1-1 0,0 1 0,0 0 0,0-1 0,0 1 0,0 0 0,-1-1 0,1 1 0,-1-1 0,1 1 0,-1-1 0,-2 6 0,0-4 3,-1 0-1,1 1 0,-1-1 0,0 0 1,0-1-1,0 1 0,0-1 0,0 0 1,-1 0-1,0 0 0,1 0 0,-1-1 1,0 0-1,-1 0 0,1 0 0,0-1 1,-6 2-1,-30 13-1408,29-9-5420</inkml:trace>
+</inkml:ink>
+</file>
+
+<file path=ppt/ink/ink90.xml><?xml version="1.0" encoding="utf-8"?>
+<inkml:ink xmlns:inkml="http://www.w3.org/2003/InkML">
+  <inkml:definitions>
+    <inkml:context xml:id="ctx0">
+      <inkml:inkSource xml:id="inkSrc0">
+        <inkml:traceFormat>
+          <inkml:channel name="X" type="integer" min="-2.14748E9" max="2.14748E9" units="cm"/>
+          <inkml:channel name="Y" type="integer" min="-2.14748E9" max="2.14748E9" units="cm"/>
+          <inkml:channel name="F" type="integer" max="32767" units="dev"/>
+        </inkml:traceFormat>
+        <inkml:channelProperties>
+          <inkml:channelProperty channel="X" name="resolution" value="1000" units="1/cm"/>
+          <inkml:channelProperty channel="Y" name="resolution" value="1000" units="1/cm"/>
+          <inkml:channelProperty channel="F" name="resolution" value="0" units="1/dev"/>
+        </inkml:channelProperties>
+      </inkml:inkSource>
+      <inkml:timestamp xml:id="ts0" timeString="2024-06-20T19:43:27.148"/>
+    </inkml:context>
+    <inkml:brush xml:id="br0">
+      <inkml:brushProperty name="width" value="0.035" units="cm"/>
+      <inkml:brushProperty name="height" value="0.035" units="cm"/>
+      <inkml:brushProperty name="color" value="#E71224"/>
+    </inkml:brush>
+  </inkml:definitions>
+  <inkml:trace contextRef="#ctx0" brushRef="#br0">7686 298 24575,'-10'5'0,"-1"-2"0,1 1 0,-19 2 0,6 0 0,-96 18-174,-231 19-1,-131-28-1477,452-15 1562,-283 3-1979,-1840-6-3526,1868-2 5224,-672-72 1679,824 62-1079,-265-36 7484,-152-20-6837,15 16-876,-38-3 0,300 29 0,-120-7 0,336 32-1365,41 2-5461</inkml:trace>
+</inkml:ink>
+</file>
+
+<file path=ppt/ink/ink91.xml><?xml version="1.0" encoding="utf-8"?>
+<inkml:ink xmlns:inkml="http://www.w3.org/2003/InkML">
+  <inkml:definitions>
+    <inkml:context xml:id="ctx0">
+      <inkml:inkSource xml:id="inkSrc0">
+        <inkml:traceFormat>
+          <inkml:channel name="X" type="integer" min="-2.14748E9" max="2.14748E9" units="cm"/>
+          <inkml:channel name="Y" type="integer" min="-2.14748E9" max="2.14748E9" units="cm"/>
+          <inkml:channel name="F" type="integer" max="32767" units="dev"/>
+        </inkml:traceFormat>
+        <inkml:channelProperties>
+          <inkml:channelProperty channel="X" name="resolution" value="1000" units="1/cm"/>
+          <inkml:channelProperty channel="Y" name="resolution" value="1000" units="1/cm"/>
+          <inkml:channelProperty channel="F" name="resolution" value="0" units="1/dev"/>
+        </inkml:channelProperties>
+      </inkml:inkSource>
+      <inkml:timestamp xml:id="ts0" timeString="2024-06-20T19:43:28.080"/>
+    </inkml:context>
+    <inkml:brush xml:id="br0">
+      <inkml:brushProperty name="width" value="0.035" units="cm"/>
+      <inkml:brushProperty name="height" value="0.035" units="cm"/>
+      <inkml:brushProperty name="color" value="#E71224"/>
+    </inkml:brush>
+  </inkml:definitions>
+  <inkml:trace contextRef="#ctx0" brushRef="#br0">657 1169 24575,'-18'-47'0,"-3"0"0,-30-48 0,3 4 0,-179-317 0,172 328 0,-29-46 0,67 98 0,1-2 0,-18-46 0,24 38 0,8 27 0,0 1 0,-6-14 0,7 21 0,-1 0 0,1 0 0,-1 0 0,0 1 0,1-1 0,-1 0 0,0 1 0,-1 0 0,1-1 0,0 1 0,-1 0 0,-3-2 0,-22-13-1365,21 11-5461</inkml:trace>
+</inkml:ink>
+</file>
+
+<file path=ppt/ink/ink92.xml><?xml version="1.0" encoding="utf-8"?>
+<inkml:ink xmlns:inkml="http://www.w3.org/2003/InkML">
+  <inkml:definitions>
+    <inkml:context xml:id="ctx0">
+      <inkml:inkSource xml:id="inkSrc0">
+        <inkml:traceFormat>
+          <inkml:channel name="X" type="integer" min="-2.14748E9" max="2.14748E9" units="cm"/>
+          <inkml:channel name="Y" type="integer" min="-2.14748E9" max="2.14748E9" units="cm"/>
+          <inkml:channel name="F" type="integer" max="32767" units="dev"/>
+        </inkml:traceFormat>
+        <inkml:channelProperties>
+          <inkml:channelProperty channel="X" name="resolution" value="1000" units="1/cm"/>
+          <inkml:channelProperty channel="Y" name="resolution" value="1000" units="1/cm"/>
+          <inkml:channelProperty channel="F" name="resolution" value="0" units="1/dev"/>
+        </inkml:channelProperties>
+      </inkml:inkSource>
+      <inkml:timestamp xml:id="ts0" timeString="2024-06-20T19:43:28.492"/>
+    </inkml:context>
+    <inkml:brush xml:id="br0">
+      <inkml:brushProperty name="width" value="0.035" units="cm"/>
+      <inkml:brushProperty name="height" value="0.035" units="cm"/>
+      <inkml:brushProperty name="color" value="#E71224"/>
+    </inkml:brush>
+  </inkml:definitions>
+  <inkml:trace contextRef="#ctx0" brushRef="#br0">1422 733 24575,'-265'-99'0,"-374"-212"-1053,609 295 984,-14-5-21,-174-95 295,174 89-636,2-1 0,-72-62 0,88 66-5460</inkml:trace>
+</inkml:ink>
+</file>
+
+<file path=ppt/ink/ink93.xml><?xml version="1.0" encoding="utf-8"?>
+<inkml:ink xmlns:inkml="http://www.w3.org/2003/InkML">
+  <inkml:definitions>
+    <inkml:context xml:id="ctx0">
+      <inkml:inkSource xml:id="inkSrc0">
+        <inkml:traceFormat>
+          <inkml:channel name="X" type="integer" min="-2.14748E9" max="2.14748E9" units="cm"/>
+          <inkml:channel name="Y" type="integer" min="-2.14748E9" max="2.14748E9" units="cm"/>
+          <inkml:channel name="F" type="integer" max="32767" units="dev"/>
+        </inkml:traceFormat>
+        <inkml:channelProperties>
+          <inkml:channelProperty channel="X" name="resolution" value="1000" units="1/cm"/>
+          <inkml:channelProperty channel="Y" name="resolution" value="1000" units="1/cm"/>
+          <inkml:channelProperty channel="F" name="resolution" value="0" units="1/dev"/>
+        </inkml:channelProperties>
+      </inkml:inkSource>
+      <inkml:timestamp xml:id="ts0" timeString="2024-06-20T19:43:28.817"/>
+    </inkml:context>
+    <inkml:brush xml:id="br0">
+      <inkml:brushProperty name="width" value="0.035" units="cm"/>
+      <inkml:brushProperty name="height" value="0.035" units="cm"/>
+      <inkml:brushProperty name="color" value="#E71224"/>
+    </inkml:brush>
+  </inkml:definitions>
+  <inkml:trace contextRef="#ctx0" brushRef="#br0">579 280 24575,'-68'-35'0,"-145"-66"0,24 36 0,124 43 0,63 21-40,-1 0 0,1 0-1,0-1 1,-1 1 0,1-1-1,0 1 1,0-1-1,0 0 1,0 0 0,0 0-1,0 0 1,1 0 0,-1 0-1,1-1 1,-1 1 0,1-1-1,0 1 1,0 0 0,0-1-1,-1-3 1,0 1-478,-1-3-6308</inkml:trace>
+</inkml:ink>
+</file>
+
+<file path=ppt/ink/ink94.xml><?xml version="1.0" encoding="utf-8"?>
+<inkml:ink xmlns:inkml="http://www.w3.org/2003/InkML">
+  <inkml:definitions>
+    <inkml:context xml:id="ctx0">
+      <inkml:inkSource xml:id="inkSrc0">
+        <inkml:traceFormat>
+          <inkml:channel name="X" type="integer" min="-2.14748E9" max="2.14748E9" units="cm"/>
+          <inkml:channel name="Y" type="integer" min="-2.14748E9" max="2.14748E9" units="cm"/>
+          <inkml:channel name="F" type="integer" max="32767" units="dev"/>
+        </inkml:traceFormat>
+        <inkml:channelProperties>
+          <inkml:channelProperty channel="X" name="resolution" value="1000" units="1/cm"/>
+          <inkml:channelProperty channel="Y" name="resolution" value="1000" units="1/cm"/>
+          <inkml:channelProperty channel="F" name="resolution" value="0" units="1/dev"/>
+        </inkml:channelProperties>
+      </inkml:inkSource>
+      <inkml:timestamp xml:id="ts0" timeString="2024-06-20T19:43:30.018"/>
+    </inkml:context>
+    <inkml:brush xml:id="br0">
+      <inkml:brushProperty name="width" value="0.035" units="cm"/>
+      <inkml:brushProperty name="height" value="0.035" units="cm"/>
+      <inkml:brushProperty name="color" value="#E71224"/>
+    </inkml:brush>
+  </inkml:definitions>
+  <inkml:trace contextRef="#ctx0" brushRef="#br0">1786 3432 24575,'-6'-9'0,"-1"1"0,-13-14 0,-7-7 0,-126-195 0,18-15 0,92 160 0,-80-147 0,-126-223 0,234 422 0,1 1 0,1-2 0,1 0 0,-12-46 0,19 56 0,-1-1 0,-2 1 0,-9-18 0,-33-52 0,25 47 0,-221-426 0,166 309 0,60 119 0,-82-166 0,15-6 0,54 117 0,-47-91 0,13 41 0,-35-64 0,92 189-1365,4 5-5461</inkml:trace>
+</inkml:ink>
+</file>
+
+<file path=ppt/ink/ink95.xml><?xml version="1.0" encoding="utf-8"?>
+<inkml:ink xmlns:inkml="http://www.w3.org/2003/InkML">
+  <inkml:definitions>
+    <inkml:context xml:id="ctx0">
+      <inkml:inkSource xml:id="inkSrc0">
+        <inkml:traceFormat>
+          <inkml:channel name="X" type="integer" min="-2.14748E9" max="2.14748E9" units="cm"/>
+          <inkml:channel name="Y" type="integer" min="-2.14748E9" max="2.14748E9" units="cm"/>
+          <inkml:channel name="F" type="integer" max="32767" units="dev"/>
+        </inkml:traceFormat>
+        <inkml:channelProperties>
+          <inkml:channelProperty channel="X" name="resolution" value="1000" units="1/cm"/>
+          <inkml:channelProperty channel="Y" name="resolution" value="1000" units="1/cm"/>
+          <inkml:channelProperty channel="F" name="resolution" value="0" units="1/dev"/>
+        </inkml:channelProperties>
+      </inkml:inkSource>
+      <inkml:timestamp xml:id="ts0" timeString="2024-06-20T19:43:32.030"/>
+    </inkml:context>
+    <inkml:brush xml:id="br0">
+      <inkml:brushProperty name="width" value="0.035" units="cm"/>
+      <inkml:brushProperty name="height" value="0.035" units="cm"/>
+      <inkml:brushProperty name="color" value="#E71224"/>
+    </inkml:brush>
+  </inkml:definitions>
+  <inkml:trace contextRef="#ctx0" brushRef="#br0">808 1218 24575,'0'-2'0,"-1"-1"0,0 1 0,0-1 0,0 1 0,0 0 0,-1-1 0,1 1 0,-1 0 0,1 0 0,-1 0 0,0 0 0,-2-2 0,-6-8 0,-200-312 0,125 190 0,-113-148 0,0 0 0,153 203 130,15 25-1625,17 34-5331</inkml:trace>
+</inkml:ink>
+</file>
+
+<file path=ppt/ink/ink96.xml><?xml version="1.0" encoding="utf-8"?>
+<inkml:ink xmlns:inkml="http://www.w3.org/2003/InkML">
+  <inkml:definitions>
+    <inkml:context xml:id="ctx0">
+      <inkml:inkSource xml:id="inkSrc0">
+        <inkml:traceFormat>
+          <inkml:channel name="X" type="integer" min="-2.14748E9" max="2.14748E9" units="cm"/>
+          <inkml:channel name="Y" type="integer" min="-2.14748E9" max="2.14748E9" units="cm"/>
+          <inkml:channel name="F" type="integer" max="32767" units="dev"/>
+        </inkml:traceFormat>
+        <inkml:channelProperties>
+          <inkml:channelProperty channel="X" name="resolution" value="1000" units="1/cm"/>
+          <inkml:channelProperty channel="Y" name="resolution" value="1000" units="1/cm"/>
+          <inkml:channelProperty channel="F" name="resolution" value="0" units="1/dev"/>
+        </inkml:channelProperties>
+      </inkml:inkSource>
+      <inkml:timestamp xml:id="ts0" timeString="2024-06-20T19:43:32.671"/>
+    </inkml:context>
+    <inkml:brush xml:id="br0">
+      <inkml:brushProperty name="width" value="0.035" units="cm"/>
+      <inkml:brushProperty name="height" value="0.035" units="cm"/>
+      <inkml:brushProperty name="color" value="#E71224"/>
+    </inkml:brush>
+  </inkml:definitions>
+  <inkml:trace contextRef="#ctx0" brushRef="#br0">1654 639 24575,'-9'-4'0,"-9"-11"0,-21-14 0,-22-11 0,-25-10 0,-26-7 0,-24-2 0,-20-1-746,-17 0 746,-9 4 0,9 4-6537,14 5 6537,27 8 0,29 8 0,32 7 0,28 8-908</inkml:trace>
+</inkml:ink>
+</file>
+
+<file path=ppt/ink/ink97.xml><?xml version="1.0" encoding="utf-8"?>
+<inkml:ink xmlns:inkml="http://www.w3.org/2003/InkML">
+  <inkml:definitions>
+    <inkml:context xml:id="ctx0">
+      <inkml:inkSource xml:id="inkSrc0">
+        <inkml:traceFormat>
+          <inkml:channel name="X" type="integer" min="-2.14748E9" max="2.14748E9" units="cm"/>
+          <inkml:channel name="Y" type="integer" min="-2.14748E9" max="2.14748E9" units="cm"/>
+          <inkml:channel name="F" type="integer" max="32767" units="dev"/>
+        </inkml:traceFormat>
+        <inkml:channelProperties>
+          <inkml:channelProperty channel="X" name="resolution" value="1000" units="1/cm"/>
+          <inkml:channelProperty channel="Y" name="resolution" value="1000" units="1/cm"/>
+          <inkml:channelProperty channel="F" name="resolution" value="0" units="1/dev"/>
+        </inkml:channelProperties>
+      </inkml:inkSource>
+      <inkml:timestamp xml:id="ts0" timeString="2024-06-20T19:43:35.726"/>
+    </inkml:context>
+    <inkml:brush xml:id="br0">
+      <inkml:brushProperty name="width" value="0.035" units="cm"/>
+      <inkml:brushProperty name="height" value="0.035" units="cm"/>
+      <inkml:brushProperty name="color" value="#E71224"/>
+    </inkml:brush>
+  </inkml:definitions>
+  <inkml:trace contextRef="#ctx0" brushRef="#br0">2621 0 24575,'-24'22'0,"-2"-1"0,-45 29 0,25-19 0,-240 183 0,110-81 0,-209 115 0,-23-44 0,356-180 0,0 2 0,-52 36 0,30-12 0,-220 166 0,220-152 0,3 3 0,-78 97 0,86-85 0,4 3 0,-74 133 0,132-211 0,-1 0 0,1 0 0,0 0 0,0 1 0,-1 6 0,-3 11 0,-2-3-341,-1 0 0,-1 0-1,-13 19 1,7-14-6485</inkml:trace>
+</inkml:ink>
+</file>
+
+<file path=ppt/ink/ink98.xml><?xml version="1.0" encoding="utf-8"?>
+<inkml:ink xmlns:inkml="http://www.w3.org/2003/InkML">
+  <inkml:definitions>
+    <inkml:context xml:id="ctx0">
+      <inkml:inkSource xml:id="inkSrc0">
+        <inkml:traceFormat>
+          <inkml:channel name="X" type="integer" min="-2.14748E9" max="2.14748E9" units="cm"/>
+          <inkml:channel name="Y" type="integer" min="-2.14748E9" max="2.14748E9" units="cm"/>
+          <inkml:channel name="F" type="integer" max="32767" units="dev"/>
+        </inkml:traceFormat>
+        <inkml:channelProperties>
+          <inkml:channelProperty channel="X" name="resolution" value="1000" units="1/cm"/>
+          <inkml:channelProperty channel="Y" name="resolution" value="1000" units="1/cm"/>
+          <inkml:channelProperty channel="F" name="resolution" value="0" units="1/dev"/>
+        </inkml:channelProperties>
+      </inkml:inkSource>
+      <inkml:timestamp xml:id="ts0" timeString="2024-06-20T19:43:36.491"/>
+    </inkml:context>
+    <inkml:brush xml:id="br0">
+      <inkml:brushProperty name="width" value="0.035" units="cm"/>
+      <inkml:brushProperty name="height" value="0.035" units="cm"/>
+      <inkml:brushProperty name="color" value="#E71224"/>
+    </inkml:brush>
+  </inkml:definitions>
+  <inkml:trace contextRef="#ctx0" brushRef="#br0">3112 417 24575,'0'1'0,"0"-1"0,-1 1 0,1-1 0,0 0 0,-1 1 0,1-1 0,0 0 0,-1 1 0,1-1 0,-1 0 0,1 1 0,-1-1 0,1 0 0,0 0 0,-1 0 0,1 1 0,-1-1 0,1 0 0,-1 0 0,1 0 0,-1 0 0,1 0 0,-2 0 0,-16 2 0,15-1 0,-65 3 10,-96-6 0,-72-19-268,-622-102-934,599 77 1706,-345-81-7338,555 119 6164,-22-1 7203,16 3-4686,-189-20-1857,-124-18 0,310 34-1365,12 3-5461</inkml:trace>
+</inkml:ink>
+</file>
+
+<file path=ppt/ink/ink99.xml><?xml version="1.0" encoding="utf-8"?>
+<inkml:ink xmlns:inkml="http://www.w3.org/2003/InkML">
+  <inkml:definitions>
+    <inkml:context xml:id="ctx0">
+      <inkml:inkSource xml:id="inkSrc0">
+        <inkml:traceFormat>
+          <inkml:channel name="X" type="integer" min="-2.14748E9" max="2.14748E9" units="cm"/>
+          <inkml:channel name="Y" type="integer" min="-2.14748E9" max="2.14748E9" units="cm"/>
+          <inkml:channel name="F" type="integer" max="32767" units="dev"/>
+        </inkml:traceFormat>
+        <inkml:channelProperties>
+          <inkml:channelProperty channel="X" name="resolution" value="1000" units="1/cm"/>
+          <inkml:channelProperty channel="Y" name="resolution" value="1000" units="1/cm"/>
+          <inkml:channelProperty channel="F" name="resolution" value="0" units="1/dev"/>
+        </inkml:channelProperties>
+      </inkml:inkSource>
+      <inkml:timestamp xml:id="ts0" timeString="2024-06-20T19:43:37.246"/>
+    </inkml:context>
+    <inkml:brush xml:id="br0">
+      <inkml:brushProperty name="width" value="0.035" units="cm"/>
+      <inkml:brushProperty name="height" value="0.035" units="cm"/>
+      <inkml:brushProperty name="color" value="#E71224"/>
+    </inkml:brush>
+  </inkml:definitions>
+  <inkml:trace contextRef="#ctx0" brushRef="#br0">0 918 24575,'1'-3'0,"0"0"0,0 0 0,1 1 0,-1-1 0,0 0 0,1 0 0,0 1 0,0-1 0,0 1 0,0 0 0,4-4 0,3-5 0,135-145 0,11 11 0,-133 126 0,-9 7 0,250-239 0,-178 170 0,-5 5 0,-65 60 0,0 0 0,23-37 0,-17 18-1365,-13 24-5461</inkml:trace>
 </inkml:ink>
 </file>
 
@@ -2786,7 +5642,7 @@
           <a:p>
             <a:fld id="{A5A78F9D-3B9E-499D-8FE7-EF4E3B34BE1D}" type="datetimeFigureOut">
               <a:rPr lang="ko-KR" altLang="en-US" smtClean="0"/>
-              <a:t>2024-06-20</a:t>
+              <a:t>2024-06-21</a:t>
             </a:fld>
             <a:endParaRPr lang="ko-KR" altLang="en-US"/>
           </a:p>
@@ -3368,7 +6224,7 @@
           <a:p>
             <a:fld id="{AE74DC06-2FED-4DD1-B76E-01B9D03E1585}" type="datetimeFigureOut">
               <a:rPr lang="ko-KR" altLang="en-US" smtClean="0"/>
-              <a:t>2024-06-20</a:t>
+              <a:t>2024-06-21</a:t>
             </a:fld>
             <a:endParaRPr lang="ko-KR" altLang="en-US"/>
           </a:p>
@@ -3566,7 +6422,7 @@
           <a:p>
             <a:fld id="{AE74DC06-2FED-4DD1-B76E-01B9D03E1585}" type="datetimeFigureOut">
               <a:rPr lang="ko-KR" altLang="en-US" smtClean="0"/>
-              <a:t>2024-06-20</a:t>
+              <a:t>2024-06-21</a:t>
             </a:fld>
             <a:endParaRPr lang="ko-KR" altLang="en-US"/>
           </a:p>
@@ -3774,7 +6630,7 @@
           <a:p>
             <a:fld id="{AE74DC06-2FED-4DD1-B76E-01B9D03E1585}" type="datetimeFigureOut">
               <a:rPr lang="ko-KR" altLang="en-US" smtClean="0"/>
-              <a:t>2024-06-20</a:t>
+              <a:t>2024-06-21</a:t>
             </a:fld>
             <a:endParaRPr lang="ko-KR" altLang="en-US"/>
           </a:p>
@@ -3972,7 +6828,7 @@
           <a:p>
             <a:fld id="{AE74DC06-2FED-4DD1-B76E-01B9D03E1585}" type="datetimeFigureOut">
               <a:rPr lang="ko-KR" altLang="en-US" smtClean="0"/>
-              <a:t>2024-06-20</a:t>
+              <a:t>2024-06-21</a:t>
             </a:fld>
             <a:endParaRPr lang="ko-KR" altLang="en-US"/>
           </a:p>
@@ -4247,7 +7103,7 @@
           <a:p>
             <a:fld id="{AE74DC06-2FED-4DD1-B76E-01B9D03E1585}" type="datetimeFigureOut">
               <a:rPr lang="ko-KR" altLang="en-US" smtClean="0"/>
-              <a:t>2024-06-20</a:t>
+              <a:t>2024-06-21</a:t>
             </a:fld>
             <a:endParaRPr lang="ko-KR" altLang="en-US"/>
           </a:p>
@@ -4512,7 +7368,7 @@
           <a:p>
             <a:fld id="{AE74DC06-2FED-4DD1-B76E-01B9D03E1585}" type="datetimeFigureOut">
               <a:rPr lang="ko-KR" altLang="en-US" smtClean="0"/>
-              <a:t>2024-06-20</a:t>
+              <a:t>2024-06-21</a:t>
             </a:fld>
             <a:endParaRPr lang="ko-KR" altLang="en-US"/>
           </a:p>
@@ -4924,7 +7780,7 @@
           <a:p>
             <a:fld id="{AE74DC06-2FED-4DD1-B76E-01B9D03E1585}" type="datetimeFigureOut">
               <a:rPr lang="ko-KR" altLang="en-US" smtClean="0"/>
-              <a:t>2024-06-20</a:t>
+              <a:t>2024-06-21</a:t>
             </a:fld>
             <a:endParaRPr lang="ko-KR" altLang="en-US"/>
           </a:p>
@@ -5065,7 +7921,7 @@
           <a:p>
             <a:fld id="{AE74DC06-2FED-4DD1-B76E-01B9D03E1585}" type="datetimeFigureOut">
               <a:rPr lang="ko-KR" altLang="en-US" smtClean="0"/>
-              <a:t>2024-06-20</a:t>
+              <a:t>2024-06-21</a:t>
             </a:fld>
             <a:endParaRPr lang="ko-KR" altLang="en-US"/>
           </a:p>
@@ -5178,7 +8034,7 @@
           <a:p>
             <a:fld id="{AE74DC06-2FED-4DD1-B76E-01B9D03E1585}" type="datetimeFigureOut">
               <a:rPr lang="ko-KR" altLang="en-US" smtClean="0"/>
-              <a:t>2024-06-20</a:t>
+              <a:t>2024-06-21</a:t>
             </a:fld>
             <a:endParaRPr lang="ko-KR" altLang="en-US"/>
           </a:p>
@@ -5489,7 +8345,7 @@
           <a:p>
             <a:fld id="{AE74DC06-2FED-4DD1-B76E-01B9D03E1585}" type="datetimeFigureOut">
               <a:rPr lang="ko-KR" altLang="en-US" smtClean="0"/>
-              <a:t>2024-06-20</a:t>
+              <a:t>2024-06-21</a:t>
             </a:fld>
             <a:endParaRPr lang="ko-KR" altLang="en-US"/>
           </a:p>
@@ -5777,7 +8633,7 @@
           <a:p>
             <a:fld id="{AE74DC06-2FED-4DD1-B76E-01B9D03E1585}" type="datetimeFigureOut">
               <a:rPr lang="ko-KR" altLang="en-US" smtClean="0"/>
-              <a:t>2024-06-20</a:t>
+              <a:t>2024-06-21</a:t>
             </a:fld>
             <a:endParaRPr lang="ko-KR" altLang="en-US"/>
           </a:p>
@@ -6018,7 +8874,7 @@
           <a:p>
             <a:fld id="{AE74DC06-2FED-4DD1-B76E-01B9D03E1585}" type="datetimeFigureOut">
               <a:rPr lang="ko-KR" altLang="en-US" smtClean="0"/>
-              <a:t>2024-06-20</a:t>
+              <a:t>2024-06-21</a:t>
             </a:fld>
             <a:endParaRPr lang="ko-KR" altLang="en-US"/>
           </a:p>
@@ -11383,8 +14239,8 @@
           </p:pic>
         </mc:Fallback>
       </mc:AlternateContent>
-      <mc:AlternateContent xmlns:mc="http://schemas.openxmlformats.org/markup-compatibility/2006">
-        <mc:Choice xmlns:p14="http://schemas.microsoft.com/office/powerpoint/2010/main" Requires="p14">
+      <mc:AlternateContent xmlns:mc="http://schemas.openxmlformats.org/markup-compatibility/2006" xmlns:p14="http://schemas.microsoft.com/office/powerpoint/2010/main">
+        <mc:Choice Requires="p14">
           <p:contentPart p14:bwMode="auto" r:id="rId6">
             <p14:nvContentPartPr>
               <p14:cNvPr id="19" name="잉크 18">
@@ -11403,7 +14259,7 @@
             </p14:xfrm>
           </p:contentPart>
         </mc:Choice>
-        <mc:Fallback>
+        <mc:Fallback xmlns="">
           <p:pic>
             <p:nvPicPr>
               <p:cNvPr id="19" name="잉크 18">
@@ -11477,6 +14333,5163 @@
               <a:xfrm>
                 <a:off x="-559080" y="1255620"/>
                 <a:ext cx="19440" cy="18000"/>
+              </a:xfrm>
+              <a:prstGeom prst="rect">
+                <a:avLst/>
+              </a:prstGeom>
+            </p:spPr>
+          </p:pic>
+        </mc:Fallback>
+      </mc:AlternateContent>
+      <mc:AlternateContent xmlns:mc="http://schemas.openxmlformats.org/markup-compatibility/2006">
+        <mc:Choice xmlns:p14="http://schemas.microsoft.com/office/powerpoint/2010/main" Requires="p14">
+          <p:contentPart p14:bwMode="auto" r:id="rId9">
+            <p14:nvContentPartPr>
+              <p14:cNvPr id="81" name="잉크 80">
+                <a:extLst>
+                  <a:ext uri="{FF2B5EF4-FFF2-40B4-BE49-F238E27FC236}">
+                    <a16:creationId xmlns:a16="http://schemas.microsoft.com/office/drawing/2014/main" id="{8199DD8E-2294-3C8A-6C2A-1B46A8F0F58E}"/>
+                  </a:ext>
+                </a:extLst>
+              </p14:cNvPr>
+              <p14:cNvContentPartPr/>
+              <p14:nvPr/>
+            </p14:nvContentPartPr>
+            <p14:xfrm>
+              <a:off x="4033665" y="2404620"/>
+              <a:ext cx="1307520" cy="367560"/>
+            </p14:xfrm>
+          </p:contentPart>
+        </mc:Choice>
+        <mc:Fallback>
+          <p:pic>
+            <p:nvPicPr>
+              <p:cNvPr id="81" name="잉크 80">
+                <a:extLst>
+                  <a:ext uri="{FF2B5EF4-FFF2-40B4-BE49-F238E27FC236}">
+                    <a16:creationId xmlns:a16="http://schemas.microsoft.com/office/drawing/2014/main" id="{8199DD8E-2294-3C8A-6C2A-1B46A8F0F58E}"/>
+                  </a:ext>
+                </a:extLst>
+              </p:cNvPr>
+              <p:cNvPicPr/>
+              <p:nvPr/>
+            </p:nvPicPr>
+            <p:blipFill>
+              <a:blip r:embed="rId10"/>
+              <a:stretch>
+                <a:fillRect/>
+              </a:stretch>
+            </p:blipFill>
+            <p:spPr>
+              <a:xfrm>
+                <a:off x="4027545" y="2398500"/>
+                <a:ext cx="1319760" cy="379800"/>
+              </a:xfrm>
+              <a:prstGeom prst="rect">
+                <a:avLst/>
+              </a:prstGeom>
+            </p:spPr>
+          </p:pic>
+        </mc:Fallback>
+      </mc:AlternateContent>
+      <p:grpSp>
+        <p:nvGrpSpPr>
+          <p:cNvPr id="98" name="그룹 97">
+            <a:extLst>
+              <a:ext uri="{FF2B5EF4-FFF2-40B4-BE49-F238E27FC236}">
+                <a16:creationId xmlns:a16="http://schemas.microsoft.com/office/drawing/2014/main" id="{7A056EAA-DB11-A7B5-E0C6-48DEE2E3E0DF}"/>
+              </a:ext>
+            </a:extLst>
+          </p:cNvPr>
+          <p:cNvGrpSpPr/>
+          <p:nvPr/>
+        </p:nvGrpSpPr>
+        <p:grpSpPr>
+          <a:xfrm>
+            <a:off x="766688" y="1255140"/>
+            <a:ext cx="10596937" cy="2306880"/>
+            <a:chOff x="766688" y="1255140"/>
+            <a:chExt cx="10596937" cy="2306880"/>
+          </a:xfrm>
+        </p:grpSpPr>
+        <mc:AlternateContent xmlns:mc="http://schemas.openxmlformats.org/markup-compatibility/2006">
+          <mc:Choice xmlns:p14="http://schemas.microsoft.com/office/powerpoint/2010/main" Requires="p14">
+            <p:contentPart p14:bwMode="auto" r:id="rId11">
+              <p14:nvContentPartPr>
+                <p14:cNvPr id="39" name="잉크 38">
+                  <a:extLst>
+                    <a:ext uri="{FF2B5EF4-FFF2-40B4-BE49-F238E27FC236}">
+                      <a16:creationId xmlns:a16="http://schemas.microsoft.com/office/drawing/2014/main" id="{D6053738-BFCE-69BE-02DC-30EA48583EE2}"/>
+                    </a:ext>
+                  </a:extLst>
+                </p14:cNvPr>
+                <p14:cNvContentPartPr/>
+                <p14:nvPr/>
+              </p14:nvContentPartPr>
+              <p14:xfrm>
+                <a:off x="9643905" y="3143340"/>
+                <a:ext cx="360" cy="360"/>
+              </p14:xfrm>
+            </p:contentPart>
+          </mc:Choice>
+          <mc:Fallback>
+            <p:pic>
+              <p:nvPicPr>
+                <p:cNvPr id="39" name="잉크 38">
+                  <a:extLst>
+                    <a:ext uri="{FF2B5EF4-FFF2-40B4-BE49-F238E27FC236}">
+                      <a16:creationId xmlns:a16="http://schemas.microsoft.com/office/drawing/2014/main" id="{D6053738-BFCE-69BE-02DC-30EA48583EE2}"/>
+                    </a:ext>
+                  </a:extLst>
+                </p:cNvPr>
+                <p:cNvPicPr/>
+                <p:nvPr/>
+              </p:nvPicPr>
+              <p:blipFill>
+                <a:blip r:embed="rId12"/>
+                <a:stretch>
+                  <a:fillRect/>
+                </a:stretch>
+              </p:blipFill>
+              <p:spPr>
+                <a:xfrm>
+                  <a:off x="9637785" y="3137220"/>
+                  <a:ext cx="12600" cy="12600"/>
+                </a:xfrm>
+                <a:prstGeom prst="rect">
+                  <a:avLst/>
+                </a:prstGeom>
+              </p:spPr>
+            </p:pic>
+          </mc:Fallback>
+        </mc:AlternateContent>
+        <mc:AlternateContent xmlns:mc="http://schemas.openxmlformats.org/markup-compatibility/2006">
+          <mc:Choice xmlns:p14="http://schemas.microsoft.com/office/powerpoint/2010/main" Requires="p14">
+            <p:contentPart p14:bwMode="auto" r:id="rId13">
+              <p14:nvContentPartPr>
+                <p14:cNvPr id="40" name="잉크 39">
+                  <a:extLst>
+                    <a:ext uri="{FF2B5EF4-FFF2-40B4-BE49-F238E27FC236}">
+                      <a16:creationId xmlns:a16="http://schemas.microsoft.com/office/drawing/2014/main" id="{A5F1CBF9-CEE0-370C-1FCC-12EA5BE8A2C0}"/>
+                    </a:ext>
+                  </a:extLst>
+                </p14:cNvPr>
+                <p14:cNvContentPartPr/>
+                <p14:nvPr/>
+              </p14:nvContentPartPr>
+              <p14:xfrm>
+                <a:off x="9643905" y="3143340"/>
+                <a:ext cx="1549440" cy="231480"/>
+              </p14:xfrm>
+            </p:contentPart>
+          </mc:Choice>
+          <mc:Fallback>
+            <p:pic>
+              <p:nvPicPr>
+                <p:cNvPr id="40" name="잉크 39">
+                  <a:extLst>
+                    <a:ext uri="{FF2B5EF4-FFF2-40B4-BE49-F238E27FC236}">
+                      <a16:creationId xmlns:a16="http://schemas.microsoft.com/office/drawing/2014/main" id="{A5F1CBF9-CEE0-370C-1FCC-12EA5BE8A2C0}"/>
+                    </a:ext>
+                  </a:extLst>
+                </p:cNvPr>
+                <p:cNvPicPr/>
+                <p:nvPr/>
+              </p:nvPicPr>
+              <p:blipFill>
+                <a:blip r:embed="rId14"/>
+                <a:stretch>
+                  <a:fillRect/>
+                </a:stretch>
+              </p:blipFill>
+              <p:spPr>
+                <a:xfrm>
+                  <a:off x="9637785" y="3137220"/>
+                  <a:ext cx="1561680" cy="243720"/>
+                </a:xfrm>
+                <a:prstGeom prst="rect">
+                  <a:avLst/>
+                </a:prstGeom>
+              </p:spPr>
+            </p:pic>
+          </mc:Fallback>
+        </mc:AlternateContent>
+        <mc:AlternateContent xmlns:mc="http://schemas.openxmlformats.org/markup-compatibility/2006">
+          <mc:Choice xmlns:p14="http://schemas.microsoft.com/office/powerpoint/2010/main" Requires="p14">
+            <p:contentPart p14:bwMode="auto" r:id="rId15">
+              <p14:nvContentPartPr>
+                <p14:cNvPr id="55" name="잉크 54">
+                  <a:extLst>
+                    <a:ext uri="{FF2B5EF4-FFF2-40B4-BE49-F238E27FC236}">
+                      <a16:creationId xmlns:a16="http://schemas.microsoft.com/office/drawing/2014/main" id="{E6D43157-4993-86A1-E85B-373C13439219}"/>
+                    </a:ext>
+                  </a:extLst>
+                </p14:cNvPr>
+                <p14:cNvContentPartPr/>
+                <p14:nvPr/>
+              </p14:nvContentPartPr>
+              <p14:xfrm>
+                <a:off x="8596305" y="3359700"/>
+                <a:ext cx="2767320" cy="146520"/>
+              </p14:xfrm>
+            </p:contentPart>
+          </mc:Choice>
+          <mc:Fallback>
+            <p:pic>
+              <p:nvPicPr>
+                <p:cNvPr id="55" name="잉크 54">
+                  <a:extLst>
+                    <a:ext uri="{FF2B5EF4-FFF2-40B4-BE49-F238E27FC236}">
+                      <a16:creationId xmlns:a16="http://schemas.microsoft.com/office/drawing/2014/main" id="{E6D43157-4993-86A1-E85B-373C13439219}"/>
+                    </a:ext>
+                  </a:extLst>
+                </p:cNvPr>
+                <p:cNvPicPr/>
+                <p:nvPr/>
+              </p:nvPicPr>
+              <p:blipFill>
+                <a:blip r:embed="rId16"/>
+                <a:stretch>
+                  <a:fillRect/>
+                </a:stretch>
+              </p:blipFill>
+              <p:spPr>
+                <a:xfrm>
+                  <a:off x="8590185" y="3353580"/>
+                  <a:ext cx="2779560" cy="158760"/>
+                </a:xfrm>
+                <a:prstGeom prst="rect">
+                  <a:avLst/>
+                </a:prstGeom>
+              </p:spPr>
+            </p:pic>
+          </mc:Fallback>
+        </mc:AlternateContent>
+        <mc:AlternateContent xmlns:mc="http://schemas.openxmlformats.org/markup-compatibility/2006">
+          <mc:Choice xmlns:p14="http://schemas.microsoft.com/office/powerpoint/2010/main" Requires="p14">
+            <p:contentPart p14:bwMode="auto" r:id="rId17">
+              <p14:nvContentPartPr>
+                <p14:cNvPr id="56" name="잉크 55">
+                  <a:extLst>
+                    <a:ext uri="{FF2B5EF4-FFF2-40B4-BE49-F238E27FC236}">
+                      <a16:creationId xmlns:a16="http://schemas.microsoft.com/office/drawing/2014/main" id="{0B9B2421-2753-3B12-01E1-A82939C9A1C4}"/>
+                    </a:ext>
+                  </a:extLst>
+                </p14:cNvPr>
+                <p14:cNvContentPartPr/>
+                <p14:nvPr/>
+              </p14:nvContentPartPr>
+              <p14:xfrm>
+                <a:off x="9417105" y="2727180"/>
+                <a:ext cx="236880" cy="421200"/>
+              </p14:xfrm>
+            </p:contentPart>
+          </mc:Choice>
+          <mc:Fallback>
+            <p:pic>
+              <p:nvPicPr>
+                <p:cNvPr id="56" name="잉크 55">
+                  <a:extLst>
+                    <a:ext uri="{FF2B5EF4-FFF2-40B4-BE49-F238E27FC236}">
+                      <a16:creationId xmlns:a16="http://schemas.microsoft.com/office/drawing/2014/main" id="{0B9B2421-2753-3B12-01E1-A82939C9A1C4}"/>
+                    </a:ext>
+                  </a:extLst>
+                </p:cNvPr>
+                <p:cNvPicPr/>
+                <p:nvPr/>
+              </p:nvPicPr>
+              <p:blipFill>
+                <a:blip r:embed="rId18"/>
+                <a:stretch>
+                  <a:fillRect/>
+                </a:stretch>
+              </p:blipFill>
+              <p:spPr>
+                <a:xfrm>
+                  <a:off x="9410985" y="2721060"/>
+                  <a:ext cx="249120" cy="433440"/>
+                </a:xfrm>
+                <a:prstGeom prst="rect">
+                  <a:avLst/>
+                </a:prstGeom>
+              </p:spPr>
+            </p:pic>
+          </mc:Fallback>
+        </mc:AlternateContent>
+        <mc:AlternateContent xmlns:mc="http://schemas.openxmlformats.org/markup-compatibility/2006">
+          <mc:Choice xmlns:p14="http://schemas.microsoft.com/office/powerpoint/2010/main" Requires="p14">
+            <p:contentPart p14:bwMode="auto" r:id="rId19">
+              <p14:nvContentPartPr>
+                <p14:cNvPr id="57" name="잉크 56">
+                  <a:extLst>
+                    <a:ext uri="{FF2B5EF4-FFF2-40B4-BE49-F238E27FC236}">
+                      <a16:creationId xmlns:a16="http://schemas.microsoft.com/office/drawing/2014/main" id="{391BE2A2-377D-55A7-15A3-662BBEB44655}"/>
+                    </a:ext>
+                  </a:extLst>
+                </p14:cNvPr>
+                <p14:cNvContentPartPr/>
+                <p14:nvPr/>
+              </p14:nvContentPartPr>
+              <p14:xfrm>
+                <a:off x="8898705" y="2436300"/>
+                <a:ext cx="512280" cy="263880"/>
+              </p14:xfrm>
+            </p:contentPart>
+          </mc:Choice>
+          <mc:Fallback>
+            <p:pic>
+              <p:nvPicPr>
+                <p:cNvPr id="57" name="잉크 56">
+                  <a:extLst>
+                    <a:ext uri="{FF2B5EF4-FFF2-40B4-BE49-F238E27FC236}">
+                      <a16:creationId xmlns:a16="http://schemas.microsoft.com/office/drawing/2014/main" id="{391BE2A2-377D-55A7-15A3-662BBEB44655}"/>
+                    </a:ext>
+                  </a:extLst>
+                </p:cNvPr>
+                <p:cNvPicPr/>
+                <p:nvPr/>
+              </p:nvPicPr>
+              <p:blipFill>
+                <a:blip r:embed="rId20"/>
+                <a:stretch>
+                  <a:fillRect/>
+                </a:stretch>
+              </p:blipFill>
+              <p:spPr>
+                <a:xfrm>
+                  <a:off x="8892585" y="2430180"/>
+                  <a:ext cx="524520" cy="276120"/>
+                </a:xfrm>
+                <a:prstGeom prst="rect">
+                  <a:avLst/>
+                </a:prstGeom>
+              </p:spPr>
+            </p:pic>
+          </mc:Fallback>
+        </mc:AlternateContent>
+        <mc:AlternateContent xmlns:mc="http://schemas.openxmlformats.org/markup-compatibility/2006">
+          <mc:Choice xmlns:p14="http://schemas.microsoft.com/office/powerpoint/2010/main" Requires="p14">
+            <p:contentPart p14:bwMode="auto" r:id="rId21">
+              <p14:nvContentPartPr>
+                <p14:cNvPr id="58" name="잉크 57">
+                  <a:extLst>
+                    <a:ext uri="{FF2B5EF4-FFF2-40B4-BE49-F238E27FC236}">
+                      <a16:creationId xmlns:a16="http://schemas.microsoft.com/office/drawing/2014/main" id="{583F40B7-8FD3-D0CA-60A4-12B523FCCDD7}"/>
+                    </a:ext>
+                  </a:extLst>
+                </p14:cNvPr>
+                <p14:cNvContentPartPr/>
+                <p14:nvPr/>
+              </p14:nvContentPartPr>
+              <p14:xfrm>
+                <a:off x="8630505" y="2285100"/>
+                <a:ext cx="208440" cy="101160"/>
+              </p14:xfrm>
+            </p:contentPart>
+          </mc:Choice>
+          <mc:Fallback>
+            <p:pic>
+              <p:nvPicPr>
+                <p:cNvPr id="58" name="잉크 57">
+                  <a:extLst>
+                    <a:ext uri="{FF2B5EF4-FFF2-40B4-BE49-F238E27FC236}">
+                      <a16:creationId xmlns:a16="http://schemas.microsoft.com/office/drawing/2014/main" id="{583F40B7-8FD3-D0CA-60A4-12B523FCCDD7}"/>
+                    </a:ext>
+                  </a:extLst>
+                </p:cNvPr>
+                <p:cNvPicPr/>
+                <p:nvPr/>
+              </p:nvPicPr>
+              <p:blipFill>
+                <a:blip r:embed="rId22"/>
+                <a:stretch>
+                  <a:fillRect/>
+                </a:stretch>
+              </p:blipFill>
+              <p:spPr>
+                <a:xfrm>
+                  <a:off x="8624385" y="2278980"/>
+                  <a:ext cx="220680" cy="113400"/>
+                </a:xfrm>
+                <a:prstGeom prst="rect">
+                  <a:avLst/>
+                </a:prstGeom>
+              </p:spPr>
+            </p:pic>
+          </mc:Fallback>
+        </mc:AlternateContent>
+        <mc:AlternateContent xmlns:mc="http://schemas.openxmlformats.org/markup-compatibility/2006">
+          <mc:Choice xmlns:p14="http://schemas.microsoft.com/office/powerpoint/2010/main" Requires="p14">
+            <p:contentPart p14:bwMode="auto" r:id="rId23">
+              <p14:nvContentPartPr>
+                <p14:cNvPr id="59" name="잉크 58">
+                  <a:extLst>
+                    <a:ext uri="{FF2B5EF4-FFF2-40B4-BE49-F238E27FC236}">
+                      <a16:creationId xmlns:a16="http://schemas.microsoft.com/office/drawing/2014/main" id="{0BFD2E0D-45A4-10EC-406F-9DC1BC18E78A}"/>
+                    </a:ext>
+                  </a:extLst>
+                </p14:cNvPr>
+                <p14:cNvContentPartPr/>
+                <p14:nvPr/>
+              </p14:nvContentPartPr>
+              <p14:xfrm>
+                <a:off x="8043705" y="1255140"/>
+                <a:ext cx="643320" cy="1235880"/>
+              </p14:xfrm>
+            </p:contentPart>
+          </mc:Choice>
+          <mc:Fallback>
+            <p:pic>
+              <p:nvPicPr>
+                <p:cNvPr id="59" name="잉크 58">
+                  <a:extLst>
+                    <a:ext uri="{FF2B5EF4-FFF2-40B4-BE49-F238E27FC236}">
+                      <a16:creationId xmlns:a16="http://schemas.microsoft.com/office/drawing/2014/main" id="{0BFD2E0D-45A4-10EC-406F-9DC1BC18E78A}"/>
+                    </a:ext>
+                  </a:extLst>
+                </p:cNvPr>
+                <p:cNvPicPr/>
+                <p:nvPr/>
+              </p:nvPicPr>
+              <p:blipFill>
+                <a:blip r:embed="rId24"/>
+                <a:stretch>
+                  <a:fillRect/>
+                </a:stretch>
+              </p:blipFill>
+              <p:spPr>
+                <a:xfrm>
+                  <a:off x="8037585" y="1249020"/>
+                  <a:ext cx="655560" cy="1248120"/>
+                </a:xfrm>
+                <a:prstGeom prst="rect">
+                  <a:avLst/>
+                </a:prstGeom>
+              </p:spPr>
+            </p:pic>
+          </mc:Fallback>
+        </mc:AlternateContent>
+        <mc:AlternateContent xmlns:mc="http://schemas.openxmlformats.org/markup-compatibility/2006">
+          <mc:Choice xmlns:p14="http://schemas.microsoft.com/office/powerpoint/2010/main" Requires="p14">
+            <p:contentPart p14:bwMode="auto" r:id="rId25">
+              <p14:nvContentPartPr>
+                <p14:cNvPr id="61" name="잉크 60">
+                  <a:extLst>
+                    <a:ext uri="{FF2B5EF4-FFF2-40B4-BE49-F238E27FC236}">
+                      <a16:creationId xmlns:a16="http://schemas.microsoft.com/office/drawing/2014/main" id="{9F9F614C-49C7-B126-84BD-3DCA404AEC3E}"/>
+                    </a:ext>
+                  </a:extLst>
+                </p14:cNvPr>
+                <p14:cNvContentPartPr/>
+                <p14:nvPr/>
+              </p14:nvContentPartPr>
+              <p14:xfrm>
+                <a:off x="8538705" y="2995380"/>
+                <a:ext cx="291240" cy="438840"/>
+              </p14:xfrm>
+            </p:contentPart>
+          </mc:Choice>
+          <mc:Fallback>
+            <p:pic>
+              <p:nvPicPr>
+                <p:cNvPr id="61" name="잉크 60">
+                  <a:extLst>
+                    <a:ext uri="{FF2B5EF4-FFF2-40B4-BE49-F238E27FC236}">
+                      <a16:creationId xmlns:a16="http://schemas.microsoft.com/office/drawing/2014/main" id="{9F9F614C-49C7-B126-84BD-3DCA404AEC3E}"/>
+                    </a:ext>
+                  </a:extLst>
+                </p:cNvPr>
+                <p:cNvPicPr/>
+                <p:nvPr/>
+              </p:nvPicPr>
+              <p:blipFill>
+                <a:blip r:embed="rId26"/>
+                <a:stretch>
+                  <a:fillRect/>
+                </a:stretch>
+              </p:blipFill>
+              <p:spPr>
+                <a:xfrm>
+                  <a:off x="8532585" y="2989260"/>
+                  <a:ext cx="303480" cy="451080"/>
+                </a:xfrm>
+                <a:prstGeom prst="rect">
+                  <a:avLst/>
+                </a:prstGeom>
+              </p:spPr>
+            </p:pic>
+          </mc:Fallback>
+        </mc:AlternateContent>
+        <mc:AlternateContent xmlns:mc="http://schemas.openxmlformats.org/markup-compatibility/2006">
+          <mc:Choice xmlns:p14="http://schemas.microsoft.com/office/powerpoint/2010/main" Requires="p14">
+            <p:contentPart p14:bwMode="auto" r:id="rId27">
+              <p14:nvContentPartPr>
+                <p14:cNvPr id="62" name="잉크 61">
+                  <a:extLst>
+                    <a:ext uri="{FF2B5EF4-FFF2-40B4-BE49-F238E27FC236}">
+                      <a16:creationId xmlns:a16="http://schemas.microsoft.com/office/drawing/2014/main" id="{6D5106FE-4174-485D-9017-8A4195235CA2}"/>
+                    </a:ext>
+                  </a:extLst>
+                </p14:cNvPr>
+                <p14:cNvContentPartPr/>
+                <p14:nvPr/>
+              </p14:nvContentPartPr>
+              <p14:xfrm>
+                <a:off x="7862625" y="2827260"/>
+                <a:ext cx="595800" cy="230400"/>
+              </p14:xfrm>
+            </p:contentPart>
+          </mc:Choice>
+          <mc:Fallback>
+            <p:pic>
+              <p:nvPicPr>
+                <p:cNvPr id="62" name="잉크 61">
+                  <a:extLst>
+                    <a:ext uri="{FF2B5EF4-FFF2-40B4-BE49-F238E27FC236}">
+                      <a16:creationId xmlns:a16="http://schemas.microsoft.com/office/drawing/2014/main" id="{6D5106FE-4174-485D-9017-8A4195235CA2}"/>
+                    </a:ext>
+                  </a:extLst>
+                </p:cNvPr>
+                <p:cNvPicPr/>
+                <p:nvPr/>
+              </p:nvPicPr>
+              <p:blipFill>
+                <a:blip r:embed="rId28"/>
+                <a:stretch>
+                  <a:fillRect/>
+                </a:stretch>
+              </p:blipFill>
+              <p:spPr>
+                <a:xfrm>
+                  <a:off x="7856505" y="2821140"/>
+                  <a:ext cx="608040" cy="242640"/>
+                </a:xfrm>
+                <a:prstGeom prst="rect">
+                  <a:avLst/>
+                </a:prstGeom>
+              </p:spPr>
+            </p:pic>
+          </mc:Fallback>
+        </mc:AlternateContent>
+        <mc:AlternateContent xmlns:mc="http://schemas.openxmlformats.org/markup-compatibility/2006">
+          <mc:Choice xmlns:p14="http://schemas.microsoft.com/office/powerpoint/2010/main" Requires="p14">
+            <p:contentPart p14:bwMode="auto" r:id="rId29">
+              <p14:nvContentPartPr>
+                <p14:cNvPr id="64" name="잉크 63">
+                  <a:extLst>
+                    <a:ext uri="{FF2B5EF4-FFF2-40B4-BE49-F238E27FC236}">
+                      <a16:creationId xmlns:a16="http://schemas.microsoft.com/office/drawing/2014/main" id="{AC29503C-D235-4C74-4202-37156F00F599}"/>
+                    </a:ext>
+                  </a:extLst>
+                </p14:cNvPr>
+                <p14:cNvContentPartPr/>
+                <p14:nvPr/>
+              </p14:nvContentPartPr>
+              <p14:xfrm>
+                <a:off x="6966945" y="2771820"/>
+                <a:ext cx="943920" cy="772560"/>
+              </p14:xfrm>
+            </p:contentPart>
+          </mc:Choice>
+          <mc:Fallback>
+            <p:pic>
+              <p:nvPicPr>
+                <p:cNvPr id="64" name="잉크 63">
+                  <a:extLst>
+                    <a:ext uri="{FF2B5EF4-FFF2-40B4-BE49-F238E27FC236}">
+                      <a16:creationId xmlns:a16="http://schemas.microsoft.com/office/drawing/2014/main" id="{AC29503C-D235-4C74-4202-37156F00F599}"/>
+                    </a:ext>
+                  </a:extLst>
+                </p:cNvPr>
+                <p:cNvPicPr/>
+                <p:nvPr/>
+              </p:nvPicPr>
+              <p:blipFill>
+                <a:blip r:embed="rId30"/>
+                <a:stretch>
+                  <a:fillRect/>
+                </a:stretch>
+              </p:blipFill>
+              <p:spPr>
+                <a:xfrm>
+                  <a:off x="6960825" y="2765700"/>
+                  <a:ext cx="956160" cy="784800"/>
+                </a:xfrm>
+                <a:prstGeom prst="rect">
+                  <a:avLst/>
+                </a:prstGeom>
+              </p:spPr>
+            </p:pic>
+          </mc:Fallback>
+        </mc:AlternateContent>
+        <mc:AlternateContent xmlns:mc="http://schemas.openxmlformats.org/markup-compatibility/2006">
+          <mc:Choice xmlns:p14="http://schemas.microsoft.com/office/powerpoint/2010/main" Requires="p14">
+            <p:contentPart p14:bwMode="auto" r:id="rId31">
+              <p14:nvContentPartPr>
+                <p14:cNvPr id="65" name="잉크 64">
+                  <a:extLst>
+                    <a:ext uri="{FF2B5EF4-FFF2-40B4-BE49-F238E27FC236}">
+                      <a16:creationId xmlns:a16="http://schemas.microsoft.com/office/drawing/2014/main" id="{DB90AC79-4FC6-B08A-48CC-3B4037728E29}"/>
+                    </a:ext>
+                  </a:extLst>
+                </p14:cNvPr>
+                <p14:cNvContentPartPr/>
+                <p14:nvPr/>
+              </p14:nvContentPartPr>
+              <p14:xfrm>
+                <a:off x="5852025" y="3407220"/>
+                <a:ext cx="1120680" cy="154800"/>
+              </p14:xfrm>
+            </p:contentPart>
+          </mc:Choice>
+          <mc:Fallback>
+            <p:pic>
+              <p:nvPicPr>
+                <p:cNvPr id="65" name="잉크 64">
+                  <a:extLst>
+                    <a:ext uri="{FF2B5EF4-FFF2-40B4-BE49-F238E27FC236}">
+                      <a16:creationId xmlns:a16="http://schemas.microsoft.com/office/drawing/2014/main" id="{DB90AC79-4FC6-B08A-48CC-3B4037728E29}"/>
+                    </a:ext>
+                  </a:extLst>
+                </p:cNvPr>
+                <p:cNvPicPr/>
+                <p:nvPr/>
+              </p:nvPicPr>
+              <p:blipFill>
+                <a:blip r:embed="rId32"/>
+                <a:stretch>
+                  <a:fillRect/>
+                </a:stretch>
+              </p:blipFill>
+              <p:spPr>
+                <a:xfrm>
+                  <a:off x="5845905" y="3401100"/>
+                  <a:ext cx="1132920" cy="167040"/>
+                </a:xfrm>
+                <a:prstGeom prst="rect">
+                  <a:avLst/>
+                </a:prstGeom>
+              </p:spPr>
+            </p:pic>
+          </mc:Fallback>
+        </mc:AlternateContent>
+        <mc:AlternateContent xmlns:mc="http://schemas.openxmlformats.org/markup-compatibility/2006">
+          <mc:Choice xmlns:p14="http://schemas.microsoft.com/office/powerpoint/2010/main" Requires="p14">
+            <p:contentPart p14:bwMode="auto" r:id="rId33">
+              <p14:nvContentPartPr>
+                <p14:cNvPr id="66" name="잉크 65">
+                  <a:extLst>
+                    <a:ext uri="{FF2B5EF4-FFF2-40B4-BE49-F238E27FC236}">
+                      <a16:creationId xmlns:a16="http://schemas.microsoft.com/office/drawing/2014/main" id="{FBBE9254-32D5-4B3F-AC9D-AA60441F21E4}"/>
+                    </a:ext>
+                  </a:extLst>
+                </p14:cNvPr>
+                <p14:cNvContentPartPr/>
+                <p14:nvPr/>
+              </p14:nvContentPartPr>
+              <p14:xfrm>
+                <a:off x="5891265" y="3046140"/>
+                <a:ext cx="320760" cy="330840"/>
+              </p14:xfrm>
+            </p:contentPart>
+          </mc:Choice>
+          <mc:Fallback>
+            <p:pic>
+              <p:nvPicPr>
+                <p:cNvPr id="66" name="잉크 65">
+                  <a:extLst>
+                    <a:ext uri="{FF2B5EF4-FFF2-40B4-BE49-F238E27FC236}">
+                      <a16:creationId xmlns:a16="http://schemas.microsoft.com/office/drawing/2014/main" id="{FBBE9254-32D5-4B3F-AC9D-AA60441F21E4}"/>
+                    </a:ext>
+                  </a:extLst>
+                </p:cNvPr>
+                <p:cNvPicPr/>
+                <p:nvPr/>
+              </p:nvPicPr>
+              <p:blipFill>
+                <a:blip r:embed="rId34"/>
+                <a:stretch>
+                  <a:fillRect/>
+                </a:stretch>
+              </p:blipFill>
+              <p:spPr>
+                <a:xfrm>
+                  <a:off x="5885145" y="3040020"/>
+                  <a:ext cx="333000" cy="343080"/>
+                </a:xfrm>
+                <a:prstGeom prst="rect">
+                  <a:avLst/>
+                </a:prstGeom>
+              </p:spPr>
+            </p:pic>
+          </mc:Fallback>
+        </mc:AlternateContent>
+        <mc:AlternateContent xmlns:mc="http://schemas.openxmlformats.org/markup-compatibility/2006">
+          <mc:Choice xmlns:p14="http://schemas.microsoft.com/office/powerpoint/2010/main" Requires="p14">
+            <p:contentPart p14:bwMode="auto" r:id="rId35">
+              <p14:nvContentPartPr>
+                <p14:cNvPr id="68" name="잉크 67">
+                  <a:extLst>
+                    <a:ext uri="{FF2B5EF4-FFF2-40B4-BE49-F238E27FC236}">
+                      <a16:creationId xmlns:a16="http://schemas.microsoft.com/office/drawing/2014/main" id="{B1B0BFBF-A6CF-3248-463F-688EA3E66DDB}"/>
+                    </a:ext>
+                  </a:extLst>
+                </p14:cNvPr>
+                <p14:cNvContentPartPr/>
+                <p14:nvPr/>
+              </p14:nvContentPartPr>
+              <p14:xfrm>
+                <a:off x="4685985" y="3335580"/>
+                <a:ext cx="1186560" cy="127080"/>
+              </p14:xfrm>
+            </p:contentPart>
+          </mc:Choice>
+          <mc:Fallback>
+            <p:pic>
+              <p:nvPicPr>
+                <p:cNvPr id="68" name="잉크 67">
+                  <a:extLst>
+                    <a:ext uri="{FF2B5EF4-FFF2-40B4-BE49-F238E27FC236}">
+                      <a16:creationId xmlns:a16="http://schemas.microsoft.com/office/drawing/2014/main" id="{B1B0BFBF-A6CF-3248-463F-688EA3E66DDB}"/>
+                    </a:ext>
+                  </a:extLst>
+                </p:cNvPr>
+                <p:cNvPicPr/>
+                <p:nvPr/>
+              </p:nvPicPr>
+              <p:blipFill>
+                <a:blip r:embed="rId36"/>
+                <a:stretch>
+                  <a:fillRect/>
+                </a:stretch>
+              </p:blipFill>
+              <p:spPr>
+                <a:xfrm>
+                  <a:off x="4679865" y="3329460"/>
+                  <a:ext cx="1198800" cy="139320"/>
+                </a:xfrm>
+                <a:prstGeom prst="rect">
+                  <a:avLst/>
+                </a:prstGeom>
+              </p:spPr>
+            </p:pic>
+          </mc:Fallback>
+        </mc:AlternateContent>
+        <mc:AlternateContent xmlns:mc="http://schemas.openxmlformats.org/markup-compatibility/2006">
+          <mc:Choice xmlns:p14="http://schemas.microsoft.com/office/powerpoint/2010/main" Requires="p14">
+            <p:contentPart p14:bwMode="auto" r:id="rId37">
+              <p14:nvContentPartPr>
+                <p14:cNvPr id="70" name="잉크 69">
+                  <a:extLst>
+                    <a:ext uri="{FF2B5EF4-FFF2-40B4-BE49-F238E27FC236}">
+                      <a16:creationId xmlns:a16="http://schemas.microsoft.com/office/drawing/2014/main" id="{6570C4E8-03F5-9DB4-0762-F0B096033286}"/>
+                    </a:ext>
+                  </a:extLst>
+                </p14:cNvPr>
+                <p14:cNvContentPartPr/>
+                <p14:nvPr/>
+              </p14:nvContentPartPr>
+              <p14:xfrm>
+                <a:off x="2729745" y="3304980"/>
+                <a:ext cx="2018880" cy="29880"/>
+              </p14:xfrm>
+            </p:contentPart>
+          </mc:Choice>
+          <mc:Fallback>
+            <p:pic>
+              <p:nvPicPr>
+                <p:cNvPr id="70" name="잉크 69">
+                  <a:extLst>
+                    <a:ext uri="{FF2B5EF4-FFF2-40B4-BE49-F238E27FC236}">
+                      <a16:creationId xmlns:a16="http://schemas.microsoft.com/office/drawing/2014/main" id="{6570C4E8-03F5-9DB4-0762-F0B096033286}"/>
+                    </a:ext>
+                  </a:extLst>
+                </p:cNvPr>
+                <p:cNvPicPr/>
+                <p:nvPr/>
+              </p:nvPicPr>
+              <p:blipFill>
+                <a:blip r:embed="rId38"/>
+                <a:stretch>
+                  <a:fillRect/>
+                </a:stretch>
+              </p:blipFill>
+              <p:spPr>
+                <a:xfrm>
+                  <a:off x="2723625" y="3298860"/>
+                  <a:ext cx="2031120" cy="42120"/>
+                </a:xfrm>
+                <a:prstGeom prst="rect">
+                  <a:avLst/>
+                </a:prstGeom>
+              </p:spPr>
+            </p:pic>
+          </mc:Fallback>
+        </mc:AlternateContent>
+        <mc:AlternateContent xmlns:mc="http://schemas.openxmlformats.org/markup-compatibility/2006">
+          <mc:Choice xmlns:p14="http://schemas.microsoft.com/office/powerpoint/2010/main" Requires="p14">
+            <p:contentPart p14:bwMode="auto" r:id="rId39">
+              <p14:nvContentPartPr>
+                <p14:cNvPr id="72" name="잉크 71">
+                  <a:extLst>
+                    <a:ext uri="{FF2B5EF4-FFF2-40B4-BE49-F238E27FC236}">
+                      <a16:creationId xmlns:a16="http://schemas.microsoft.com/office/drawing/2014/main" id="{EA6F2751-9CE6-8331-CAE6-5E7FF8DE6795}"/>
+                    </a:ext>
+                  </a:extLst>
+                </p14:cNvPr>
+                <p14:cNvContentPartPr/>
+                <p14:nvPr/>
+              </p14:nvContentPartPr>
+              <p14:xfrm>
+                <a:off x="3921345" y="2851380"/>
+                <a:ext cx="874440" cy="454680"/>
+              </p14:xfrm>
+            </p:contentPart>
+          </mc:Choice>
+          <mc:Fallback>
+            <p:pic>
+              <p:nvPicPr>
+                <p:cNvPr id="72" name="잉크 71">
+                  <a:extLst>
+                    <a:ext uri="{FF2B5EF4-FFF2-40B4-BE49-F238E27FC236}">
+                      <a16:creationId xmlns:a16="http://schemas.microsoft.com/office/drawing/2014/main" id="{EA6F2751-9CE6-8331-CAE6-5E7FF8DE6795}"/>
+                    </a:ext>
+                  </a:extLst>
+                </p:cNvPr>
+                <p:cNvPicPr/>
+                <p:nvPr/>
+              </p:nvPicPr>
+              <p:blipFill>
+                <a:blip r:embed="rId40"/>
+                <a:stretch>
+                  <a:fillRect/>
+                </a:stretch>
+              </p:blipFill>
+              <p:spPr>
+                <a:xfrm>
+                  <a:off x="3915225" y="2845260"/>
+                  <a:ext cx="886680" cy="466920"/>
+                </a:xfrm>
+                <a:prstGeom prst="rect">
+                  <a:avLst/>
+                </a:prstGeom>
+              </p:spPr>
+            </p:pic>
+          </mc:Fallback>
+        </mc:AlternateContent>
+        <mc:AlternateContent xmlns:mc="http://schemas.openxmlformats.org/markup-compatibility/2006">
+          <mc:Choice xmlns:p14="http://schemas.microsoft.com/office/powerpoint/2010/main" Requires="p14">
+            <p:contentPart p14:bwMode="auto" r:id="rId41">
+              <p14:nvContentPartPr>
+                <p14:cNvPr id="73" name="잉크 72">
+                  <a:extLst>
+                    <a:ext uri="{FF2B5EF4-FFF2-40B4-BE49-F238E27FC236}">
+                      <a16:creationId xmlns:a16="http://schemas.microsoft.com/office/drawing/2014/main" id="{C0F62CA6-239F-802C-A9C0-18336E7871F9}"/>
+                    </a:ext>
+                  </a:extLst>
+                </p14:cNvPr>
+                <p14:cNvContentPartPr/>
+                <p14:nvPr/>
+              </p14:nvContentPartPr>
+              <p14:xfrm>
+                <a:off x="2785905" y="2676780"/>
+                <a:ext cx="344160" cy="642960"/>
+              </p14:xfrm>
+            </p:contentPart>
+          </mc:Choice>
+          <mc:Fallback>
+            <p:pic>
+              <p:nvPicPr>
+                <p:cNvPr id="73" name="잉크 72">
+                  <a:extLst>
+                    <a:ext uri="{FF2B5EF4-FFF2-40B4-BE49-F238E27FC236}">
+                      <a16:creationId xmlns:a16="http://schemas.microsoft.com/office/drawing/2014/main" id="{C0F62CA6-239F-802C-A9C0-18336E7871F9}"/>
+                    </a:ext>
+                  </a:extLst>
+                </p:cNvPr>
+                <p:cNvPicPr/>
+                <p:nvPr/>
+              </p:nvPicPr>
+              <p:blipFill>
+                <a:blip r:embed="rId42"/>
+                <a:stretch>
+                  <a:fillRect/>
+                </a:stretch>
+              </p:blipFill>
+              <p:spPr>
+                <a:xfrm>
+                  <a:off x="2779785" y="2670660"/>
+                  <a:ext cx="356400" cy="655200"/>
+                </a:xfrm>
+                <a:prstGeom prst="rect">
+                  <a:avLst/>
+                </a:prstGeom>
+              </p:spPr>
+            </p:pic>
+          </mc:Fallback>
+        </mc:AlternateContent>
+        <mc:AlternateContent xmlns:mc="http://schemas.openxmlformats.org/markup-compatibility/2006">
+          <mc:Choice xmlns:p14="http://schemas.microsoft.com/office/powerpoint/2010/main" Requires="p14">
+            <p:contentPart p14:bwMode="auto" r:id="rId43">
+              <p14:nvContentPartPr>
+                <p14:cNvPr id="74" name="잉크 73">
+                  <a:extLst>
+                    <a:ext uri="{FF2B5EF4-FFF2-40B4-BE49-F238E27FC236}">
+                      <a16:creationId xmlns:a16="http://schemas.microsoft.com/office/drawing/2014/main" id="{7155FF92-FA50-E6A9-9D54-0EC455502B53}"/>
+                    </a:ext>
+                  </a:extLst>
+                </p14:cNvPr>
+                <p14:cNvContentPartPr/>
+                <p14:nvPr/>
+              </p14:nvContentPartPr>
+              <p14:xfrm>
+                <a:off x="2889225" y="2389860"/>
+                <a:ext cx="201960" cy="277200"/>
+              </p14:xfrm>
+            </p:contentPart>
+          </mc:Choice>
+          <mc:Fallback>
+            <p:pic>
+              <p:nvPicPr>
+                <p:cNvPr id="74" name="잉크 73">
+                  <a:extLst>
+                    <a:ext uri="{FF2B5EF4-FFF2-40B4-BE49-F238E27FC236}">
+                      <a16:creationId xmlns:a16="http://schemas.microsoft.com/office/drawing/2014/main" id="{7155FF92-FA50-E6A9-9D54-0EC455502B53}"/>
+                    </a:ext>
+                  </a:extLst>
+                </p:cNvPr>
+                <p:cNvPicPr/>
+                <p:nvPr/>
+              </p:nvPicPr>
+              <p:blipFill>
+                <a:blip r:embed="rId44"/>
+                <a:stretch>
+                  <a:fillRect/>
+                </a:stretch>
+              </p:blipFill>
+              <p:spPr>
+                <a:xfrm>
+                  <a:off x="2883105" y="2383740"/>
+                  <a:ext cx="214200" cy="289440"/>
+                </a:xfrm>
+                <a:prstGeom prst="rect">
+                  <a:avLst/>
+                </a:prstGeom>
+              </p:spPr>
+            </p:pic>
+          </mc:Fallback>
+        </mc:AlternateContent>
+        <mc:AlternateContent xmlns:mc="http://schemas.openxmlformats.org/markup-compatibility/2006">
+          <mc:Choice xmlns:p14="http://schemas.microsoft.com/office/powerpoint/2010/main" Requires="p14">
+            <p:contentPart p14:bwMode="auto" r:id="rId45">
+              <p14:nvContentPartPr>
+                <p14:cNvPr id="75" name="잉크 74">
+                  <a:extLst>
+                    <a:ext uri="{FF2B5EF4-FFF2-40B4-BE49-F238E27FC236}">
+                      <a16:creationId xmlns:a16="http://schemas.microsoft.com/office/drawing/2014/main" id="{77BD61A9-D5E9-5821-72F1-937EA018737E}"/>
+                    </a:ext>
+                  </a:extLst>
+                </p14:cNvPr>
+                <p14:cNvContentPartPr/>
+                <p14:nvPr/>
+              </p14:nvContentPartPr>
+              <p14:xfrm>
+                <a:off x="2866905" y="2094300"/>
+                <a:ext cx="250560" cy="177480"/>
+              </p14:xfrm>
+            </p:contentPart>
+          </mc:Choice>
+          <mc:Fallback>
+            <p:pic>
+              <p:nvPicPr>
+                <p:cNvPr id="75" name="잉크 74">
+                  <a:extLst>
+                    <a:ext uri="{FF2B5EF4-FFF2-40B4-BE49-F238E27FC236}">
+                      <a16:creationId xmlns:a16="http://schemas.microsoft.com/office/drawing/2014/main" id="{77BD61A9-D5E9-5821-72F1-937EA018737E}"/>
+                    </a:ext>
+                  </a:extLst>
+                </p:cNvPr>
+                <p:cNvPicPr/>
+                <p:nvPr/>
+              </p:nvPicPr>
+              <p:blipFill>
+                <a:blip r:embed="rId46"/>
+                <a:stretch>
+                  <a:fillRect/>
+                </a:stretch>
+              </p:blipFill>
+              <p:spPr>
+                <a:xfrm>
+                  <a:off x="2860785" y="2088180"/>
+                  <a:ext cx="262800" cy="189720"/>
+                </a:xfrm>
+                <a:prstGeom prst="rect">
+                  <a:avLst/>
+                </a:prstGeom>
+              </p:spPr>
+            </p:pic>
+          </mc:Fallback>
+        </mc:AlternateContent>
+        <mc:AlternateContent xmlns:mc="http://schemas.openxmlformats.org/markup-compatibility/2006">
+          <mc:Choice xmlns:p14="http://schemas.microsoft.com/office/powerpoint/2010/main" Requires="p14">
+            <p:contentPart p14:bwMode="auto" r:id="rId47">
+              <p14:nvContentPartPr>
+                <p14:cNvPr id="78" name="잉크 77">
+                  <a:extLst>
+                    <a:ext uri="{FF2B5EF4-FFF2-40B4-BE49-F238E27FC236}">
+                      <a16:creationId xmlns:a16="http://schemas.microsoft.com/office/drawing/2014/main" id="{436DD502-EB02-9543-4A63-47E1BE8E77A7}"/>
+                    </a:ext>
+                  </a:extLst>
+                </p14:cNvPr>
+                <p14:cNvContentPartPr/>
+                <p14:nvPr/>
+              </p14:nvContentPartPr>
+              <p14:xfrm>
+                <a:off x="3014505" y="2383020"/>
+                <a:ext cx="1223280" cy="183960"/>
+              </p14:xfrm>
+            </p:contentPart>
+          </mc:Choice>
+          <mc:Fallback>
+            <p:pic>
+              <p:nvPicPr>
+                <p:cNvPr id="78" name="잉크 77">
+                  <a:extLst>
+                    <a:ext uri="{FF2B5EF4-FFF2-40B4-BE49-F238E27FC236}">
+                      <a16:creationId xmlns:a16="http://schemas.microsoft.com/office/drawing/2014/main" id="{436DD502-EB02-9543-4A63-47E1BE8E77A7}"/>
+                    </a:ext>
+                  </a:extLst>
+                </p:cNvPr>
+                <p:cNvPicPr/>
+                <p:nvPr/>
+              </p:nvPicPr>
+              <p:blipFill>
+                <a:blip r:embed="rId48"/>
+                <a:stretch>
+                  <a:fillRect/>
+                </a:stretch>
+              </p:blipFill>
+              <p:spPr>
+                <a:xfrm>
+                  <a:off x="3008385" y="2376900"/>
+                  <a:ext cx="1235520" cy="196200"/>
+                </a:xfrm>
+                <a:prstGeom prst="rect">
+                  <a:avLst/>
+                </a:prstGeom>
+              </p:spPr>
+            </p:pic>
+          </mc:Fallback>
+        </mc:AlternateContent>
+        <mc:AlternateContent xmlns:mc="http://schemas.openxmlformats.org/markup-compatibility/2006">
+          <mc:Choice xmlns:p14="http://schemas.microsoft.com/office/powerpoint/2010/main" Requires="p14">
+            <p:contentPart p14:bwMode="auto" r:id="rId49">
+              <p14:nvContentPartPr>
+                <p14:cNvPr id="79" name="잉크 78">
+                  <a:extLst>
+                    <a:ext uri="{FF2B5EF4-FFF2-40B4-BE49-F238E27FC236}">
+                      <a16:creationId xmlns:a16="http://schemas.microsoft.com/office/drawing/2014/main" id="{C84C1926-0FE9-B94B-4B1D-F84D1B23265C}"/>
+                    </a:ext>
+                  </a:extLst>
+                </p14:cNvPr>
+                <p14:cNvContentPartPr/>
+                <p14:nvPr/>
+              </p14:nvContentPartPr>
+              <p14:xfrm>
+                <a:off x="3047985" y="2246220"/>
+                <a:ext cx="932400" cy="254160"/>
+              </p14:xfrm>
+            </p:contentPart>
+          </mc:Choice>
+          <mc:Fallback>
+            <p:pic>
+              <p:nvPicPr>
+                <p:cNvPr id="79" name="잉크 78">
+                  <a:extLst>
+                    <a:ext uri="{FF2B5EF4-FFF2-40B4-BE49-F238E27FC236}">
+                      <a16:creationId xmlns:a16="http://schemas.microsoft.com/office/drawing/2014/main" id="{C84C1926-0FE9-B94B-4B1D-F84D1B23265C}"/>
+                    </a:ext>
+                  </a:extLst>
+                </p:cNvPr>
+                <p:cNvPicPr/>
+                <p:nvPr/>
+              </p:nvPicPr>
+              <p:blipFill>
+                <a:blip r:embed="rId50"/>
+                <a:stretch>
+                  <a:fillRect/>
+                </a:stretch>
+              </p:blipFill>
+              <p:spPr>
+                <a:xfrm>
+                  <a:off x="3041865" y="2240100"/>
+                  <a:ext cx="944640" cy="266400"/>
+                </a:xfrm>
+                <a:prstGeom prst="rect">
+                  <a:avLst/>
+                </a:prstGeom>
+              </p:spPr>
+            </p:pic>
+          </mc:Fallback>
+        </mc:AlternateContent>
+        <mc:AlternateContent xmlns:mc="http://schemas.openxmlformats.org/markup-compatibility/2006">
+          <mc:Choice xmlns:p14="http://schemas.microsoft.com/office/powerpoint/2010/main" Requires="p14">
+            <p:contentPart p14:bwMode="auto" r:id="rId51">
+              <p14:nvContentPartPr>
+                <p14:cNvPr id="85" name="잉크 84">
+                  <a:extLst>
+                    <a:ext uri="{FF2B5EF4-FFF2-40B4-BE49-F238E27FC236}">
+                      <a16:creationId xmlns:a16="http://schemas.microsoft.com/office/drawing/2014/main" id="{88CE66CA-5558-3F22-35CD-44AF8A160564}"/>
+                    </a:ext>
+                  </a:extLst>
+                </p14:cNvPr>
+                <p14:cNvContentPartPr/>
+                <p14:nvPr/>
+              </p14:nvContentPartPr>
+              <p14:xfrm>
+                <a:off x="3143048" y="1817100"/>
+                <a:ext cx="1946160" cy="288360"/>
+              </p14:xfrm>
+            </p:contentPart>
+          </mc:Choice>
+          <mc:Fallback>
+            <p:pic>
+              <p:nvPicPr>
+                <p:cNvPr id="85" name="잉크 84">
+                  <a:extLst>
+                    <a:ext uri="{FF2B5EF4-FFF2-40B4-BE49-F238E27FC236}">
+                      <a16:creationId xmlns:a16="http://schemas.microsoft.com/office/drawing/2014/main" id="{88CE66CA-5558-3F22-35CD-44AF8A160564}"/>
+                    </a:ext>
+                  </a:extLst>
+                </p:cNvPr>
+                <p:cNvPicPr/>
+                <p:nvPr/>
+              </p:nvPicPr>
+              <p:blipFill>
+                <a:blip r:embed="rId52"/>
+                <a:stretch>
+                  <a:fillRect/>
+                </a:stretch>
+              </p:blipFill>
+              <p:spPr>
+                <a:xfrm>
+                  <a:off x="3136928" y="1810980"/>
+                  <a:ext cx="1958400" cy="300600"/>
+                </a:xfrm>
+                <a:prstGeom prst="rect">
+                  <a:avLst/>
+                </a:prstGeom>
+              </p:spPr>
+            </p:pic>
+          </mc:Fallback>
+        </mc:AlternateContent>
+        <mc:AlternateContent xmlns:mc="http://schemas.openxmlformats.org/markup-compatibility/2006">
+          <mc:Choice xmlns:p14="http://schemas.microsoft.com/office/powerpoint/2010/main" Requires="p14">
+            <p:contentPart p14:bwMode="auto" r:id="rId53">
+              <p14:nvContentPartPr>
+                <p14:cNvPr id="87" name="잉크 86">
+                  <a:extLst>
+                    <a:ext uri="{FF2B5EF4-FFF2-40B4-BE49-F238E27FC236}">
+                      <a16:creationId xmlns:a16="http://schemas.microsoft.com/office/drawing/2014/main" id="{D43D16DE-57D4-9A84-6175-D903EE6D25D8}"/>
+                    </a:ext>
+                  </a:extLst>
+                </p14:cNvPr>
+                <p14:cNvContentPartPr/>
+                <p14:nvPr/>
+              </p14:nvContentPartPr>
+              <p14:xfrm>
+                <a:off x="5199728" y="1766700"/>
+                <a:ext cx="153720" cy="652680"/>
+              </p14:xfrm>
+            </p:contentPart>
+          </mc:Choice>
+          <mc:Fallback>
+            <p:pic>
+              <p:nvPicPr>
+                <p:cNvPr id="87" name="잉크 86">
+                  <a:extLst>
+                    <a:ext uri="{FF2B5EF4-FFF2-40B4-BE49-F238E27FC236}">
+                      <a16:creationId xmlns:a16="http://schemas.microsoft.com/office/drawing/2014/main" id="{D43D16DE-57D4-9A84-6175-D903EE6D25D8}"/>
+                    </a:ext>
+                  </a:extLst>
+                </p:cNvPr>
+                <p:cNvPicPr/>
+                <p:nvPr/>
+              </p:nvPicPr>
+              <p:blipFill>
+                <a:blip r:embed="rId54"/>
+                <a:stretch>
+                  <a:fillRect/>
+                </a:stretch>
+              </p:blipFill>
+              <p:spPr>
+                <a:xfrm>
+                  <a:off x="5193608" y="1760580"/>
+                  <a:ext cx="165960" cy="664920"/>
+                </a:xfrm>
+                <a:prstGeom prst="rect">
+                  <a:avLst/>
+                </a:prstGeom>
+              </p:spPr>
+            </p:pic>
+          </mc:Fallback>
+        </mc:AlternateContent>
+        <mc:AlternateContent xmlns:mc="http://schemas.openxmlformats.org/markup-compatibility/2006">
+          <mc:Choice xmlns:p14="http://schemas.microsoft.com/office/powerpoint/2010/main" Requires="p14">
+            <p:contentPart p14:bwMode="auto" r:id="rId55">
+              <p14:nvContentPartPr>
+                <p14:cNvPr id="89" name="잉크 88">
+                  <a:extLst>
+                    <a:ext uri="{FF2B5EF4-FFF2-40B4-BE49-F238E27FC236}">
+                      <a16:creationId xmlns:a16="http://schemas.microsoft.com/office/drawing/2014/main" id="{820CAF82-2736-75E6-C9EE-511A9C48FB7D}"/>
+                    </a:ext>
+                  </a:extLst>
+                </p14:cNvPr>
+                <p14:cNvContentPartPr/>
+                <p14:nvPr/>
+              </p14:nvContentPartPr>
+              <p14:xfrm>
+                <a:off x="4719848" y="1595700"/>
+                <a:ext cx="399960" cy="166320"/>
+              </p14:xfrm>
+            </p:contentPart>
+          </mc:Choice>
+          <mc:Fallback>
+            <p:pic>
+              <p:nvPicPr>
+                <p:cNvPr id="89" name="잉크 88">
+                  <a:extLst>
+                    <a:ext uri="{FF2B5EF4-FFF2-40B4-BE49-F238E27FC236}">
+                      <a16:creationId xmlns:a16="http://schemas.microsoft.com/office/drawing/2014/main" id="{820CAF82-2736-75E6-C9EE-511A9C48FB7D}"/>
+                    </a:ext>
+                  </a:extLst>
+                </p:cNvPr>
+                <p:cNvPicPr/>
+                <p:nvPr/>
+              </p:nvPicPr>
+              <p:blipFill>
+                <a:blip r:embed="rId56"/>
+                <a:stretch>
+                  <a:fillRect/>
+                </a:stretch>
+              </p:blipFill>
+              <p:spPr>
+                <a:xfrm>
+                  <a:off x="4713728" y="1589580"/>
+                  <a:ext cx="412200" cy="178560"/>
+                </a:xfrm>
+                <a:prstGeom prst="rect">
+                  <a:avLst/>
+                </a:prstGeom>
+              </p:spPr>
+            </p:pic>
+          </mc:Fallback>
+        </mc:AlternateContent>
+        <mc:AlternateContent xmlns:mc="http://schemas.openxmlformats.org/markup-compatibility/2006">
+          <mc:Choice xmlns:p14="http://schemas.microsoft.com/office/powerpoint/2010/main" Requires="p14">
+            <p:contentPart p14:bwMode="auto" r:id="rId57">
+              <p14:nvContentPartPr>
+                <p14:cNvPr id="90" name="잉크 89">
+                  <a:extLst>
+                    <a:ext uri="{FF2B5EF4-FFF2-40B4-BE49-F238E27FC236}">
+                      <a16:creationId xmlns:a16="http://schemas.microsoft.com/office/drawing/2014/main" id="{E63244F2-6FD3-890F-469C-A9420D2E5792}"/>
+                    </a:ext>
+                  </a:extLst>
+                </p14:cNvPr>
+                <p14:cNvContentPartPr/>
+                <p14:nvPr/>
+              </p14:nvContentPartPr>
+              <p14:xfrm>
+                <a:off x="4260848" y="1546380"/>
+                <a:ext cx="454320" cy="44640"/>
+              </p14:xfrm>
+            </p:contentPart>
+          </mc:Choice>
+          <mc:Fallback>
+            <p:pic>
+              <p:nvPicPr>
+                <p:cNvPr id="90" name="잉크 89">
+                  <a:extLst>
+                    <a:ext uri="{FF2B5EF4-FFF2-40B4-BE49-F238E27FC236}">
+                      <a16:creationId xmlns:a16="http://schemas.microsoft.com/office/drawing/2014/main" id="{E63244F2-6FD3-890F-469C-A9420D2E5792}"/>
+                    </a:ext>
+                  </a:extLst>
+                </p:cNvPr>
+                <p:cNvPicPr/>
+                <p:nvPr/>
+              </p:nvPicPr>
+              <p:blipFill>
+                <a:blip r:embed="rId58"/>
+                <a:stretch>
+                  <a:fillRect/>
+                </a:stretch>
+              </p:blipFill>
+              <p:spPr>
+                <a:xfrm>
+                  <a:off x="4254728" y="1540260"/>
+                  <a:ext cx="466560" cy="56880"/>
+                </a:xfrm>
+                <a:prstGeom prst="rect">
+                  <a:avLst/>
+                </a:prstGeom>
+              </p:spPr>
+            </p:pic>
+          </mc:Fallback>
+        </mc:AlternateContent>
+        <mc:AlternateContent xmlns:mc="http://schemas.openxmlformats.org/markup-compatibility/2006">
+          <mc:Choice xmlns:p14="http://schemas.microsoft.com/office/powerpoint/2010/main" Requires="p14">
+            <p:contentPart p14:bwMode="auto" r:id="rId59">
+              <p14:nvContentPartPr>
+                <p14:cNvPr id="91" name="잉크 90">
+                  <a:extLst>
+                    <a:ext uri="{FF2B5EF4-FFF2-40B4-BE49-F238E27FC236}">
+                      <a16:creationId xmlns:a16="http://schemas.microsoft.com/office/drawing/2014/main" id="{2E42D76E-EEED-4682-18F3-48AD5B735399}"/>
+                    </a:ext>
+                  </a:extLst>
+                </p14:cNvPr>
+                <p14:cNvContentPartPr/>
+                <p14:nvPr/>
+              </p14:nvContentPartPr>
+              <p14:xfrm>
+                <a:off x="3640928" y="1509660"/>
+                <a:ext cx="631440" cy="14760"/>
+              </p14:xfrm>
+            </p:contentPart>
+          </mc:Choice>
+          <mc:Fallback>
+            <p:pic>
+              <p:nvPicPr>
+                <p:cNvPr id="91" name="잉크 90">
+                  <a:extLst>
+                    <a:ext uri="{FF2B5EF4-FFF2-40B4-BE49-F238E27FC236}">
+                      <a16:creationId xmlns:a16="http://schemas.microsoft.com/office/drawing/2014/main" id="{2E42D76E-EEED-4682-18F3-48AD5B735399}"/>
+                    </a:ext>
+                  </a:extLst>
+                </p:cNvPr>
+                <p:cNvPicPr/>
+                <p:nvPr/>
+              </p:nvPicPr>
+              <p:blipFill>
+                <a:blip r:embed="rId60"/>
+                <a:stretch>
+                  <a:fillRect/>
+                </a:stretch>
+              </p:blipFill>
+              <p:spPr>
+                <a:xfrm>
+                  <a:off x="3634808" y="1503540"/>
+                  <a:ext cx="643680" cy="27000"/>
+                </a:xfrm>
+                <a:prstGeom prst="rect">
+                  <a:avLst/>
+                </a:prstGeom>
+              </p:spPr>
+            </p:pic>
+          </mc:Fallback>
+        </mc:AlternateContent>
+        <mc:AlternateContent xmlns:mc="http://schemas.openxmlformats.org/markup-compatibility/2006">
+          <mc:Choice xmlns:p14="http://schemas.microsoft.com/office/powerpoint/2010/main" Requires="p14">
+            <p:contentPart p14:bwMode="auto" r:id="rId61">
+              <p14:nvContentPartPr>
+                <p14:cNvPr id="92" name="잉크 91">
+                  <a:extLst>
+                    <a:ext uri="{FF2B5EF4-FFF2-40B4-BE49-F238E27FC236}">
+                      <a16:creationId xmlns:a16="http://schemas.microsoft.com/office/drawing/2014/main" id="{CEFED59B-671E-B2E5-D4B9-D0FC847ACCAC}"/>
+                    </a:ext>
+                  </a:extLst>
+                </p14:cNvPr>
+                <p14:cNvContentPartPr/>
+                <p14:nvPr/>
+              </p14:nvContentPartPr>
+              <p14:xfrm>
+                <a:off x="3193448" y="1368540"/>
+                <a:ext cx="459360" cy="160560"/>
+              </p14:xfrm>
+            </p:contentPart>
+          </mc:Choice>
+          <mc:Fallback>
+            <p:pic>
+              <p:nvPicPr>
+                <p:cNvPr id="92" name="잉크 91">
+                  <a:extLst>
+                    <a:ext uri="{FF2B5EF4-FFF2-40B4-BE49-F238E27FC236}">
+                      <a16:creationId xmlns:a16="http://schemas.microsoft.com/office/drawing/2014/main" id="{CEFED59B-671E-B2E5-D4B9-D0FC847ACCAC}"/>
+                    </a:ext>
+                  </a:extLst>
+                </p:cNvPr>
+                <p:cNvPicPr/>
+                <p:nvPr/>
+              </p:nvPicPr>
+              <p:blipFill>
+                <a:blip r:embed="rId62"/>
+                <a:stretch>
+                  <a:fillRect/>
+                </a:stretch>
+              </p:blipFill>
+              <p:spPr>
+                <a:xfrm>
+                  <a:off x="3187328" y="1362420"/>
+                  <a:ext cx="471600" cy="172800"/>
+                </a:xfrm>
+                <a:prstGeom prst="rect">
+                  <a:avLst/>
+                </a:prstGeom>
+              </p:spPr>
+            </p:pic>
+          </mc:Fallback>
+        </mc:AlternateContent>
+        <mc:AlternateContent xmlns:mc="http://schemas.openxmlformats.org/markup-compatibility/2006">
+          <mc:Choice xmlns:p14="http://schemas.microsoft.com/office/powerpoint/2010/main" Requires="p14">
+            <p:contentPart p14:bwMode="auto" r:id="rId63">
+              <p14:nvContentPartPr>
+                <p14:cNvPr id="93" name="잉크 92">
+                  <a:extLst>
+                    <a:ext uri="{FF2B5EF4-FFF2-40B4-BE49-F238E27FC236}">
+                      <a16:creationId xmlns:a16="http://schemas.microsoft.com/office/drawing/2014/main" id="{2A01DE1F-47D2-3449-3EED-57244540489E}"/>
+                    </a:ext>
+                  </a:extLst>
+                </p14:cNvPr>
+                <p14:cNvContentPartPr/>
+                <p14:nvPr/>
+              </p14:nvContentPartPr>
+              <p14:xfrm>
+                <a:off x="2680088" y="1366380"/>
+                <a:ext cx="487080" cy="5400"/>
+              </p14:xfrm>
+            </p:contentPart>
+          </mc:Choice>
+          <mc:Fallback>
+            <p:pic>
+              <p:nvPicPr>
+                <p:cNvPr id="93" name="잉크 92">
+                  <a:extLst>
+                    <a:ext uri="{FF2B5EF4-FFF2-40B4-BE49-F238E27FC236}">
+                      <a16:creationId xmlns:a16="http://schemas.microsoft.com/office/drawing/2014/main" id="{2A01DE1F-47D2-3449-3EED-57244540489E}"/>
+                    </a:ext>
+                  </a:extLst>
+                </p:cNvPr>
+                <p:cNvPicPr/>
+                <p:nvPr/>
+              </p:nvPicPr>
+              <p:blipFill>
+                <a:blip r:embed="rId64"/>
+                <a:stretch>
+                  <a:fillRect/>
+                </a:stretch>
+              </p:blipFill>
+              <p:spPr>
+                <a:xfrm>
+                  <a:off x="2673968" y="1360260"/>
+                  <a:ext cx="499320" cy="17640"/>
+                </a:xfrm>
+                <a:prstGeom prst="rect">
+                  <a:avLst/>
+                </a:prstGeom>
+              </p:spPr>
+            </p:pic>
+          </mc:Fallback>
+        </mc:AlternateContent>
+        <mc:AlternateContent xmlns:mc="http://schemas.openxmlformats.org/markup-compatibility/2006">
+          <mc:Choice xmlns:p14="http://schemas.microsoft.com/office/powerpoint/2010/main" Requires="p14">
+            <p:contentPart p14:bwMode="auto" r:id="rId65">
+              <p14:nvContentPartPr>
+                <p14:cNvPr id="94" name="잉크 93">
+                  <a:extLst>
+                    <a:ext uri="{FF2B5EF4-FFF2-40B4-BE49-F238E27FC236}">
+                      <a16:creationId xmlns:a16="http://schemas.microsoft.com/office/drawing/2014/main" id="{A803C01C-9A2C-4737-5AC4-1B2F24A429FA}"/>
+                    </a:ext>
+                  </a:extLst>
+                </p14:cNvPr>
+                <p14:cNvContentPartPr/>
+                <p14:nvPr/>
+              </p14:nvContentPartPr>
+              <p14:xfrm>
+                <a:off x="2600168" y="1438380"/>
+                <a:ext cx="66960" cy="285480"/>
+              </p14:xfrm>
+            </p:contentPart>
+          </mc:Choice>
+          <mc:Fallback>
+            <p:pic>
+              <p:nvPicPr>
+                <p:cNvPr id="94" name="잉크 93">
+                  <a:extLst>
+                    <a:ext uri="{FF2B5EF4-FFF2-40B4-BE49-F238E27FC236}">
+                      <a16:creationId xmlns:a16="http://schemas.microsoft.com/office/drawing/2014/main" id="{A803C01C-9A2C-4737-5AC4-1B2F24A429FA}"/>
+                    </a:ext>
+                  </a:extLst>
+                </p:cNvPr>
+                <p:cNvPicPr/>
+                <p:nvPr/>
+              </p:nvPicPr>
+              <p:blipFill>
+                <a:blip r:embed="rId66"/>
+                <a:stretch>
+                  <a:fillRect/>
+                </a:stretch>
+              </p:blipFill>
+              <p:spPr>
+                <a:xfrm>
+                  <a:off x="2594048" y="1432260"/>
+                  <a:ext cx="79200" cy="297720"/>
+                </a:xfrm>
+                <a:prstGeom prst="rect">
+                  <a:avLst/>
+                </a:prstGeom>
+              </p:spPr>
+            </p:pic>
+          </mc:Fallback>
+        </mc:AlternateContent>
+        <mc:AlternateContent xmlns:mc="http://schemas.openxmlformats.org/markup-compatibility/2006">
+          <mc:Choice xmlns:p14="http://schemas.microsoft.com/office/powerpoint/2010/main" Requires="p14">
+            <p:contentPart p14:bwMode="auto" r:id="rId67">
+              <p14:nvContentPartPr>
+                <p14:cNvPr id="95" name="잉크 94">
+                  <a:extLst>
+                    <a:ext uri="{FF2B5EF4-FFF2-40B4-BE49-F238E27FC236}">
+                      <a16:creationId xmlns:a16="http://schemas.microsoft.com/office/drawing/2014/main" id="{540B8ED6-CC38-2DBC-AB7E-0A5CB3EDD394}"/>
+                    </a:ext>
+                  </a:extLst>
+                </p14:cNvPr>
+                <p14:cNvContentPartPr/>
+                <p14:nvPr/>
+              </p14:nvContentPartPr>
+              <p14:xfrm>
+                <a:off x="2228648" y="1733580"/>
+                <a:ext cx="258120" cy="39240"/>
+              </p14:xfrm>
+            </p:contentPart>
+          </mc:Choice>
+          <mc:Fallback>
+            <p:pic>
+              <p:nvPicPr>
+                <p:cNvPr id="95" name="잉크 94">
+                  <a:extLst>
+                    <a:ext uri="{FF2B5EF4-FFF2-40B4-BE49-F238E27FC236}">
+                      <a16:creationId xmlns:a16="http://schemas.microsoft.com/office/drawing/2014/main" id="{540B8ED6-CC38-2DBC-AB7E-0A5CB3EDD394}"/>
+                    </a:ext>
+                  </a:extLst>
+                </p:cNvPr>
+                <p:cNvPicPr/>
+                <p:nvPr/>
+              </p:nvPicPr>
+              <p:blipFill>
+                <a:blip r:embed="rId68"/>
+                <a:stretch>
+                  <a:fillRect/>
+                </a:stretch>
+              </p:blipFill>
+              <p:spPr>
+                <a:xfrm>
+                  <a:off x="2222528" y="1727460"/>
+                  <a:ext cx="270360" cy="51480"/>
+                </a:xfrm>
+                <a:prstGeom prst="rect">
+                  <a:avLst/>
+                </a:prstGeom>
+              </p:spPr>
+            </p:pic>
+          </mc:Fallback>
+        </mc:AlternateContent>
+        <mc:AlternateContent xmlns:mc="http://schemas.openxmlformats.org/markup-compatibility/2006">
+          <mc:Choice xmlns:p14="http://schemas.microsoft.com/office/powerpoint/2010/main" Requires="p14">
+            <p:contentPart p14:bwMode="auto" r:id="rId69">
+              <p14:nvContentPartPr>
+                <p14:cNvPr id="97" name="잉크 96">
+                  <a:extLst>
+                    <a:ext uri="{FF2B5EF4-FFF2-40B4-BE49-F238E27FC236}">
+                      <a16:creationId xmlns:a16="http://schemas.microsoft.com/office/drawing/2014/main" id="{15109B95-0972-F368-C1C2-A9B95C8CA363}"/>
+                    </a:ext>
+                  </a:extLst>
+                </p14:cNvPr>
+                <p14:cNvContentPartPr/>
+                <p14:nvPr/>
+              </p14:nvContentPartPr>
+              <p14:xfrm>
+                <a:off x="766688" y="1839420"/>
+                <a:ext cx="1692360" cy="1279800"/>
+              </p14:xfrm>
+            </p:contentPart>
+          </mc:Choice>
+          <mc:Fallback>
+            <p:pic>
+              <p:nvPicPr>
+                <p:cNvPr id="97" name="잉크 96">
+                  <a:extLst>
+                    <a:ext uri="{FF2B5EF4-FFF2-40B4-BE49-F238E27FC236}">
+                      <a16:creationId xmlns:a16="http://schemas.microsoft.com/office/drawing/2014/main" id="{15109B95-0972-F368-C1C2-A9B95C8CA363}"/>
+                    </a:ext>
+                  </a:extLst>
+                </p:cNvPr>
+                <p:cNvPicPr/>
+                <p:nvPr/>
+              </p:nvPicPr>
+              <p:blipFill>
+                <a:blip r:embed="rId70"/>
+                <a:stretch>
+                  <a:fillRect/>
+                </a:stretch>
+              </p:blipFill>
+              <p:spPr>
+                <a:xfrm>
+                  <a:off x="760568" y="1833300"/>
+                  <a:ext cx="1704600" cy="1292040"/>
+                </a:xfrm>
+                <a:prstGeom prst="rect">
+                  <a:avLst/>
+                </a:prstGeom>
+              </p:spPr>
+            </p:pic>
+          </mc:Fallback>
+        </mc:AlternateContent>
+      </p:grpSp>
+      <p:grpSp>
+        <p:nvGrpSpPr>
+          <p:cNvPr id="113" name="그룹 112">
+            <a:extLst>
+              <a:ext uri="{FF2B5EF4-FFF2-40B4-BE49-F238E27FC236}">
+                <a16:creationId xmlns:a16="http://schemas.microsoft.com/office/drawing/2014/main" id="{37FF6D16-BCF4-8C40-5B6A-CDD3B43FA74A}"/>
+              </a:ext>
+            </a:extLst>
+          </p:cNvPr>
+          <p:cNvGrpSpPr/>
+          <p:nvPr/>
+        </p:nvGrpSpPr>
+        <p:grpSpPr>
+          <a:xfrm>
+            <a:off x="5875088" y="3462300"/>
+            <a:ext cx="301680" cy="595800"/>
+            <a:chOff x="5875088" y="3462300"/>
+            <a:chExt cx="301680" cy="595800"/>
+          </a:xfrm>
+        </p:grpSpPr>
+        <mc:AlternateContent xmlns:mc="http://schemas.openxmlformats.org/markup-compatibility/2006">
+          <mc:Choice xmlns:p14="http://schemas.microsoft.com/office/powerpoint/2010/main" Requires="p14">
+            <p:contentPart p14:bwMode="auto" r:id="rId71">
+              <p14:nvContentPartPr>
+                <p14:cNvPr id="105" name="잉크 104">
+                  <a:extLst>
+                    <a:ext uri="{FF2B5EF4-FFF2-40B4-BE49-F238E27FC236}">
+                      <a16:creationId xmlns:a16="http://schemas.microsoft.com/office/drawing/2014/main" id="{1AD65C32-2956-7C13-AE15-E680C09C4CC8}"/>
+                    </a:ext>
+                  </a:extLst>
+                </p14:cNvPr>
+                <p14:cNvContentPartPr/>
+                <p14:nvPr/>
+              </p14:nvContentPartPr>
+              <p14:xfrm>
+                <a:off x="5915048" y="3462300"/>
+                <a:ext cx="24120" cy="282960"/>
+              </p14:xfrm>
+            </p:contentPart>
+          </mc:Choice>
+          <mc:Fallback>
+            <p:pic>
+              <p:nvPicPr>
+                <p:cNvPr id="105" name="잉크 104">
+                  <a:extLst>
+                    <a:ext uri="{FF2B5EF4-FFF2-40B4-BE49-F238E27FC236}">
+                      <a16:creationId xmlns:a16="http://schemas.microsoft.com/office/drawing/2014/main" id="{1AD65C32-2956-7C13-AE15-E680C09C4CC8}"/>
+                    </a:ext>
+                  </a:extLst>
+                </p:cNvPr>
+                <p:cNvPicPr/>
+                <p:nvPr/>
+              </p:nvPicPr>
+              <p:blipFill>
+                <a:blip r:embed="rId72"/>
+                <a:stretch>
+                  <a:fillRect/>
+                </a:stretch>
+              </p:blipFill>
+              <p:spPr>
+                <a:xfrm>
+                  <a:off x="5908928" y="3456180"/>
+                  <a:ext cx="36360" cy="295200"/>
+                </a:xfrm>
+                <a:prstGeom prst="rect">
+                  <a:avLst/>
+                </a:prstGeom>
+              </p:spPr>
+            </p:pic>
+          </mc:Fallback>
+        </mc:AlternateContent>
+        <mc:AlternateContent xmlns:mc="http://schemas.openxmlformats.org/markup-compatibility/2006">
+          <mc:Choice xmlns:p14="http://schemas.microsoft.com/office/powerpoint/2010/main" Requires="p14">
+            <p:contentPart p14:bwMode="auto" r:id="rId73">
+              <p14:nvContentPartPr>
+                <p14:cNvPr id="106" name="잉크 105">
+                  <a:extLst>
+                    <a:ext uri="{FF2B5EF4-FFF2-40B4-BE49-F238E27FC236}">
+                      <a16:creationId xmlns:a16="http://schemas.microsoft.com/office/drawing/2014/main" id="{907D5E35-98FB-A2DD-0A2A-3D5A2345F184}"/>
+                    </a:ext>
+                  </a:extLst>
+                </p14:cNvPr>
+                <p14:cNvContentPartPr/>
+                <p14:nvPr/>
+              </p14:nvContentPartPr>
+              <p14:xfrm>
+                <a:off x="5875088" y="3919140"/>
+                <a:ext cx="88560" cy="138960"/>
+              </p14:xfrm>
+            </p:contentPart>
+          </mc:Choice>
+          <mc:Fallback>
+            <p:pic>
+              <p:nvPicPr>
+                <p:cNvPr id="106" name="잉크 105">
+                  <a:extLst>
+                    <a:ext uri="{FF2B5EF4-FFF2-40B4-BE49-F238E27FC236}">
+                      <a16:creationId xmlns:a16="http://schemas.microsoft.com/office/drawing/2014/main" id="{907D5E35-98FB-A2DD-0A2A-3D5A2345F184}"/>
+                    </a:ext>
+                  </a:extLst>
+                </p:cNvPr>
+                <p:cNvPicPr/>
+                <p:nvPr/>
+              </p:nvPicPr>
+              <p:blipFill>
+                <a:blip r:embed="rId74"/>
+                <a:stretch>
+                  <a:fillRect/>
+                </a:stretch>
+              </p:blipFill>
+              <p:spPr>
+                <a:xfrm>
+                  <a:off x="5868968" y="3913020"/>
+                  <a:ext cx="100800" cy="151200"/>
+                </a:xfrm>
+                <a:prstGeom prst="rect">
+                  <a:avLst/>
+                </a:prstGeom>
+              </p:spPr>
+            </p:pic>
+          </mc:Fallback>
+        </mc:AlternateContent>
+        <mc:AlternateContent xmlns:mc="http://schemas.openxmlformats.org/markup-compatibility/2006">
+          <mc:Choice xmlns:p14="http://schemas.microsoft.com/office/powerpoint/2010/main" Requires="p14">
+            <p:contentPart p14:bwMode="auto" r:id="rId75">
+              <p14:nvContentPartPr>
+                <p14:cNvPr id="107" name="잉크 106">
+                  <a:extLst>
+                    <a:ext uri="{FF2B5EF4-FFF2-40B4-BE49-F238E27FC236}">
+                      <a16:creationId xmlns:a16="http://schemas.microsoft.com/office/drawing/2014/main" id="{70384C9B-81AE-7D06-8FC9-5E2A0D1E0A11}"/>
+                    </a:ext>
+                  </a:extLst>
+                </p14:cNvPr>
+                <p14:cNvContentPartPr/>
+                <p14:nvPr/>
+              </p14:nvContentPartPr>
+              <p14:xfrm>
+                <a:off x="6075968" y="3909780"/>
+                <a:ext cx="65520" cy="95400"/>
+              </p14:xfrm>
+            </p:contentPart>
+          </mc:Choice>
+          <mc:Fallback>
+            <p:pic>
+              <p:nvPicPr>
+                <p:cNvPr id="107" name="잉크 106">
+                  <a:extLst>
+                    <a:ext uri="{FF2B5EF4-FFF2-40B4-BE49-F238E27FC236}">
+                      <a16:creationId xmlns:a16="http://schemas.microsoft.com/office/drawing/2014/main" id="{70384C9B-81AE-7D06-8FC9-5E2A0D1E0A11}"/>
+                    </a:ext>
+                  </a:extLst>
+                </p:cNvPr>
+                <p:cNvPicPr/>
+                <p:nvPr/>
+              </p:nvPicPr>
+              <p:blipFill>
+                <a:blip r:embed="rId76"/>
+                <a:stretch>
+                  <a:fillRect/>
+                </a:stretch>
+              </p:blipFill>
+              <p:spPr>
+                <a:xfrm>
+                  <a:off x="6069848" y="3903660"/>
+                  <a:ext cx="77760" cy="107640"/>
+                </a:xfrm>
+                <a:prstGeom prst="rect">
+                  <a:avLst/>
+                </a:prstGeom>
+              </p:spPr>
+            </p:pic>
+          </mc:Fallback>
+        </mc:AlternateContent>
+        <mc:AlternateContent xmlns:mc="http://schemas.openxmlformats.org/markup-compatibility/2006">
+          <mc:Choice xmlns:p14="http://schemas.microsoft.com/office/powerpoint/2010/main" Requires="p14">
+            <p:contentPart p14:bwMode="auto" r:id="rId77">
+              <p14:nvContentPartPr>
+                <p14:cNvPr id="108" name="잉크 107">
+                  <a:extLst>
+                    <a:ext uri="{FF2B5EF4-FFF2-40B4-BE49-F238E27FC236}">
+                      <a16:creationId xmlns:a16="http://schemas.microsoft.com/office/drawing/2014/main" id="{37A47FF3-AB9A-A594-6EA8-DE03A382830C}"/>
+                    </a:ext>
+                  </a:extLst>
+                </p14:cNvPr>
+                <p14:cNvContentPartPr/>
+                <p14:nvPr/>
+              </p14:nvContentPartPr>
+              <p14:xfrm>
+                <a:off x="6163088" y="3890700"/>
+                <a:ext cx="13680" cy="94320"/>
+              </p14:xfrm>
+            </p:contentPart>
+          </mc:Choice>
+          <mc:Fallback>
+            <p:pic>
+              <p:nvPicPr>
+                <p:cNvPr id="108" name="잉크 107">
+                  <a:extLst>
+                    <a:ext uri="{FF2B5EF4-FFF2-40B4-BE49-F238E27FC236}">
+                      <a16:creationId xmlns:a16="http://schemas.microsoft.com/office/drawing/2014/main" id="{37A47FF3-AB9A-A594-6EA8-DE03A382830C}"/>
+                    </a:ext>
+                  </a:extLst>
+                </p:cNvPr>
+                <p:cNvPicPr/>
+                <p:nvPr/>
+              </p:nvPicPr>
+              <p:blipFill>
+                <a:blip r:embed="rId78"/>
+                <a:stretch>
+                  <a:fillRect/>
+                </a:stretch>
+              </p:blipFill>
+              <p:spPr>
+                <a:xfrm>
+                  <a:off x="6156968" y="3884580"/>
+                  <a:ext cx="25920" cy="106560"/>
+                </a:xfrm>
+                <a:prstGeom prst="rect">
+                  <a:avLst/>
+                </a:prstGeom>
+              </p:spPr>
+            </p:pic>
+          </mc:Fallback>
+        </mc:AlternateContent>
+      </p:grpSp>
+      <p:grpSp>
+        <p:nvGrpSpPr>
+          <p:cNvPr id="112" name="그룹 111">
+            <a:extLst>
+              <a:ext uri="{FF2B5EF4-FFF2-40B4-BE49-F238E27FC236}">
+                <a16:creationId xmlns:a16="http://schemas.microsoft.com/office/drawing/2014/main" id="{5FAB709F-3FE9-C0F4-B9BC-576515D10E22}"/>
+              </a:ext>
+            </a:extLst>
+          </p:cNvPr>
+          <p:cNvGrpSpPr/>
+          <p:nvPr/>
+        </p:nvGrpSpPr>
+        <p:grpSpPr>
+          <a:xfrm>
+            <a:off x="6924488" y="3576420"/>
+            <a:ext cx="291960" cy="425160"/>
+            <a:chOff x="6924488" y="3576420"/>
+            <a:chExt cx="291960" cy="425160"/>
+          </a:xfrm>
+        </p:grpSpPr>
+        <mc:AlternateContent xmlns:mc="http://schemas.openxmlformats.org/markup-compatibility/2006">
+          <mc:Choice xmlns:p14="http://schemas.microsoft.com/office/powerpoint/2010/main" Requires="p14">
+            <p:contentPart p14:bwMode="auto" r:id="rId79">
+              <p14:nvContentPartPr>
+                <p14:cNvPr id="109" name="잉크 108">
+                  <a:extLst>
+                    <a:ext uri="{FF2B5EF4-FFF2-40B4-BE49-F238E27FC236}">
+                      <a16:creationId xmlns:a16="http://schemas.microsoft.com/office/drawing/2014/main" id="{4B6836F0-0C20-86F7-BDC6-5755EB18983A}"/>
+                    </a:ext>
+                  </a:extLst>
+                </p14:cNvPr>
+                <p14:cNvContentPartPr/>
+                <p14:nvPr/>
+              </p14:nvContentPartPr>
+              <p14:xfrm>
+                <a:off x="6938888" y="3576420"/>
+                <a:ext cx="42840" cy="194400"/>
+              </p14:xfrm>
+            </p:contentPart>
+          </mc:Choice>
+          <mc:Fallback>
+            <p:pic>
+              <p:nvPicPr>
+                <p:cNvPr id="109" name="잉크 108">
+                  <a:extLst>
+                    <a:ext uri="{FF2B5EF4-FFF2-40B4-BE49-F238E27FC236}">
+                      <a16:creationId xmlns:a16="http://schemas.microsoft.com/office/drawing/2014/main" id="{4B6836F0-0C20-86F7-BDC6-5755EB18983A}"/>
+                    </a:ext>
+                  </a:extLst>
+                </p:cNvPr>
+                <p:cNvPicPr/>
+                <p:nvPr/>
+              </p:nvPicPr>
+              <p:blipFill>
+                <a:blip r:embed="rId80"/>
+                <a:stretch>
+                  <a:fillRect/>
+                </a:stretch>
+              </p:blipFill>
+              <p:spPr>
+                <a:xfrm>
+                  <a:off x="6932768" y="3570300"/>
+                  <a:ext cx="55080" cy="206640"/>
+                </a:xfrm>
+                <a:prstGeom prst="rect">
+                  <a:avLst/>
+                </a:prstGeom>
+              </p:spPr>
+            </p:pic>
+          </mc:Fallback>
+        </mc:AlternateContent>
+        <mc:AlternateContent xmlns:mc="http://schemas.openxmlformats.org/markup-compatibility/2006">
+          <mc:Choice xmlns:p14="http://schemas.microsoft.com/office/powerpoint/2010/main" Requires="p14">
+            <p:contentPart p14:bwMode="auto" r:id="rId81">
+              <p14:nvContentPartPr>
+                <p14:cNvPr id="110" name="잉크 109">
+                  <a:extLst>
+                    <a:ext uri="{FF2B5EF4-FFF2-40B4-BE49-F238E27FC236}">
+                      <a16:creationId xmlns:a16="http://schemas.microsoft.com/office/drawing/2014/main" id="{AFFA9394-181A-3784-1DD1-54C7E068A2F7}"/>
+                    </a:ext>
+                  </a:extLst>
+                </p14:cNvPr>
+                <p14:cNvContentPartPr/>
+                <p14:nvPr/>
+              </p14:nvContentPartPr>
+              <p14:xfrm>
+                <a:off x="6924488" y="3885660"/>
+                <a:ext cx="101880" cy="77400"/>
+              </p14:xfrm>
+            </p:contentPart>
+          </mc:Choice>
+          <mc:Fallback>
+            <p:pic>
+              <p:nvPicPr>
+                <p:cNvPr id="110" name="잉크 109">
+                  <a:extLst>
+                    <a:ext uri="{FF2B5EF4-FFF2-40B4-BE49-F238E27FC236}">
+                      <a16:creationId xmlns:a16="http://schemas.microsoft.com/office/drawing/2014/main" id="{AFFA9394-181A-3784-1DD1-54C7E068A2F7}"/>
+                    </a:ext>
+                  </a:extLst>
+                </p:cNvPr>
+                <p:cNvPicPr/>
+                <p:nvPr/>
+              </p:nvPicPr>
+              <p:blipFill>
+                <a:blip r:embed="rId82"/>
+                <a:stretch>
+                  <a:fillRect/>
+                </a:stretch>
+              </p:blipFill>
+              <p:spPr>
+                <a:xfrm>
+                  <a:off x="6918368" y="3879540"/>
+                  <a:ext cx="114120" cy="89640"/>
+                </a:xfrm>
+                <a:prstGeom prst="rect">
+                  <a:avLst/>
+                </a:prstGeom>
+              </p:spPr>
+            </p:pic>
+          </mc:Fallback>
+        </mc:AlternateContent>
+        <mc:AlternateContent xmlns:mc="http://schemas.openxmlformats.org/markup-compatibility/2006">
+          <mc:Choice xmlns:p14="http://schemas.microsoft.com/office/powerpoint/2010/main" Requires="p14">
+            <p:contentPart p14:bwMode="auto" r:id="rId83">
+              <p14:nvContentPartPr>
+                <p14:cNvPr id="111" name="잉크 110">
+                  <a:extLst>
+                    <a:ext uri="{FF2B5EF4-FFF2-40B4-BE49-F238E27FC236}">
+                      <a16:creationId xmlns:a16="http://schemas.microsoft.com/office/drawing/2014/main" id="{3B4589AE-6D40-5944-1867-3372315E0D06}"/>
+                    </a:ext>
+                  </a:extLst>
+                </p14:cNvPr>
+                <p14:cNvContentPartPr/>
+                <p14:nvPr/>
+              </p14:nvContentPartPr>
+              <p14:xfrm>
+                <a:off x="7133288" y="3838500"/>
+                <a:ext cx="83160" cy="163080"/>
+              </p14:xfrm>
+            </p:contentPart>
+          </mc:Choice>
+          <mc:Fallback>
+            <p:pic>
+              <p:nvPicPr>
+                <p:cNvPr id="111" name="잉크 110">
+                  <a:extLst>
+                    <a:ext uri="{FF2B5EF4-FFF2-40B4-BE49-F238E27FC236}">
+                      <a16:creationId xmlns:a16="http://schemas.microsoft.com/office/drawing/2014/main" id="{3B4589AE-6D40-5944-1867-3372315E0D06}"/>
+                    </a:ext>
+                  </a:extLst>
+                </p:cNvPr>
+                <p:cNvPicPr/>
+                <p:nvPr/>
+              </p:nvPicPr>
+              <p:blipFill>
+                <a:blip r:embed="rId84"/>
+                <a:stretch>
+                  <a:fillRect/>
+                </a:stretch>
+              </p:blipFill>
+              <p:spPr>
+                <a:xfrm>
+                  <a:off x="7127168" y="3832380"/>
+                  <a:ext cx="95400" cy="175320"/>
+                </a:xfrm>
+                <a:prstGeom prst="rect">
+                  <a:avLst/>
+                </a:prstGeom>
+              </p:spPr>
+            </p:pic>
+          </mc:Fallback>
+        </mc:AlternateContent>
+      </p:grpSp>
+      <p:grpSp>
+        <p:nvGrpSpPr>
+          <p:cNvPr id="117" name="그룹 116">
+            <a:extLst>
+              <a:ext uri="{FF2B5EF4-FFF2-40B4-BE49-F238E27FC236}">
+                <a16:creationId xmlns:a16="http://schemas.microsoft.com/office/drawing/2014/main" id="{FC346D38-3217-7FF4-9B46-40BA11653ADE}"/>
+              </a:ext>
+            </a:extLst>
+          </p:cNvPr>
+          <p:cNvGrpSpPr/>
+          <p:nvPr/>
+        </p:nvGrpSpPr>
+        <p:grpSpPr>
+          <a:xfrm>
+            <a:off x="3905168" y="1776420"/>
+            <a:ext cx="427680" cy="405000"/>
+            <a:chOff x="3905168" y="1776420"/>
+            <a:chExt cx="427680" cy="405000"/>
+          </a:xfrm>
+        </p:grpSpPr>
+        <mc:AlternateContent xmlns:mc="http://schemas.openxmlformats.org/markup-compatibility/2006">
+          <mc:Choice xmlns:p14="http://schemas.microsoft.com/office/powerpoint/2010/main" Requires="p14">
+            <p:contentPart p14:bwMode="auto" r:id="rId85">
+              <p14:nvContentPartPr>
+                <p14:cNvPr id="114" name="잉크 113">
+                  <a:extLst>
+                    <a:ext uri="{FF2B5EF4-FFF2-40B4-BE49-F238E27FC236}">
+                      <a16:creationId xmlns:a16="http://schemas.microsoft.com/office/drawing/2014/main" id="{567EE7C4-C91F-E269-345B-6E7791A576C6}"/>
+                    </a:ext>
+                  </a:extLst>
+                </p14:cNvPr>
+                <p14:cNvContentPartPr/>
+                <p14:nvPr/>
+              </p14:nvContentPartPr>
+              <p14:xfrm>
+                <a:off x="3905168" y="1958940"/>
+                <a:ext cx="168120" cy="222480"/>
+              </p14:xfrm>
+            </p:contentPart>
+          </mc:Choice>
+          <mc:Fallback>
+            <p:pic>
+              <p:nvPicPr>
+                <p:cNvPr id="114" name="잉크 113">
+                  <a:extLst>
+                    <a:ext uri="{FF2B5EF4-FFF2-40B4-BE49-F238E27FC236}">
+                      <a16:creationId xmlns:a16="http://schemas.microsoft.com/office/drawing/2014/main" id="{567EE7C4-C91F-E269-345B-6E7791A576C6}"/>
+                    </a:ext>
+                  </a:extLst>
+                </p:cNvPr>
+                <p:cNvPicPr/>
+                <p:nvPr/>
+              </p:nvPicPr>
+              <p:blipFill>
+                <a:blip r:embed="rId86"/>
+                <a:stretch>
+                  <a:fillRect/>
+                </a:stretch>
+              </p:blipFill>
+              <p:spPr>
+                <a:xfrm>
+                  <a:off x="3899048" y="1952820"/>
+                  <a:ext cx="180360" cy="234720"/>
+                </a:xfrm>
+                <a:prstGeom prst="rect">
+                  <a:avLst/>
+                </a:prstGeom>
+              </p:spPr>
+            </p:pic>
+          </mc:Fallback>
+        </mc:AlternateContent>
+        <mc:AlternateContent xmlns:mc="http://schemas.openxmlformats.org/markup-compatibility/2006">
+          <mc:Choice xmlns:p14="http://schemas.microsoft.com/office/powerpoint/2010/main" Requires="p14">
+            <p:contentPart p14:bwMode="auto" r:id="rId87">
+              <p14:nvContentPartPr>
+                <p14:cNvPr id="115" name="잉크 114">
+                  <a:extLst>
+                    <a:ext uri="{FF2B5EF4-FFF2-40B4-BE49-F238E27FC236}">
+                      <a16:creationId xmlns:a16="http://schemas.microsoft.com/office/drawing/2014/main" id="{EC7F3B22-9704-9C20-AB2C-1B45C15E8A97}"/>
+                    </a:ext>
+                  </a:extLst>
+                </p14:cNvPr>
+                <p14:cNvContentPartPr/>
+                <p14:nvPr/>
+              </p14:nvContentPartPr>
+              <p14:xfrm>
+                <a:off x="4133768" y="1846980"/>
+                <a:ext cx="66960" cy="102960"/>
+              </p14:xfrm>
+            </p:contentPart>
+          </mc:Choice>
+          <mc:Fallback>
+            <p:pic>
+              <p:nvPicPr>
+                <p:cNvPr id="115" name="잉크 114">
+                  <a:extLst>
+                    <a:ext uri="{FF2B5EF4-FFF2-40B4-BE49-F238E27FC236}">
+                      <a16:creationId xmlns:a16="http://schemas.microsoft.com/office/drawing/2014/main" id="{EC7F3B22-9704-9C20-AB2C-1B45C15E8A97}"/>
+                    </a:ext>
+                  </a:extLst>
+                </p:cNvPr>
+                <p:cNvPicPr/>
+                <p:nvPr/>
+              </p:nvPicPr>
+              <p:blipFill>
+                <a:blip r:embed="rId88"/>
+                <a:stretch>
+                  <a:fillRect/>
+                </a:stretch>
+              </p:blipFill>
+              <p:spPr>
+                <a:xfrm>
+                  <a:off x="4127648" y="1840860"/>
+                  <a:ext cx="79200" cy="115200"/>
+                </a:xfrm>
+                <a:prstGeom prst="rect">
+                  <a:avLst/>
+                </a:prstGeom>
+              </p:spPr>
+            </p:pic>
+          </mc:Fallback>
+        </mc:AlternateContent>
+        <mc:AlternateContent xmlns:mc="http://schemas.openxmlformats.org/markup-compatibility/2006">
+          <mc:Choice xmlns:p14="http://schemas.microsoft.com/office/powerpoint/2010/main" Requires="p14">
+            <p:contentPart p14:bwMode="auto" r:id="rId89">
+              <p14:nvContentPartPr>
+                <p14:cNvPr id="116" name="잉크 115">
+                  <a:extLst>
+                    <a:ext uri="{FF2B5EF4-FFF2-40B4-BE49-F238E27FC236}">
+                      <a16:creationId xmlns:a16="http://schemas.microsoft.com/office/drawing/2014/main" id="{20967509-E400-865B-2848-BAD57C98AE51}"/>
+                    </a:ext>
+                  </a:extLst>
+                </p14:cNvPr>
+                <p14:cNvContentPartPr/>
+                <p14:nvPr/>
+              </p14:nvContentPartPr>
+              <p14:xfrm>
+                <a:off x="4271288" y="1776420"/>
+                <a:ext cx="61560" cy="150480"/>
+              </p14:xfrm>
+            </p:contentPart>
+          </mc:Choice>
+          <mc:Fallback>
+            <p:pic>
+              <p:nvPicPr>
+                <p:cNvPr id="116" name="잉크 115">
+                  <a:extLst>
+                    <a:ext uri="{FF2B5EF4-FFF2-40B4-BE49-F238E27FC236}">
+                      <a16:creationId xmlns:a16="http://schemas.microsoft.com/office/drawing/2014/main" id="{20967509-E400-865B-2848-BAD57C98AE51}"/>
+                    </a:ext>
+                  </a:extLst>
+                </p:cNvPr>
+                <p:cNvPicPr/>
+                <p:nvPr/>
+              </p:nvPicPr>
+              <p:blipFill>
+                <a:blip r:embed="rId90"/>
+                <a:stretch>
+                  <a:fillRect/>
+                </a:stretch>
+              </p:blipFill>
+              <p:spPr>
+                <a:xfrm>
+                  <a:off x="4265168" y="1770300"/>
+                  <a:ext cx="73800" cy="162720"/>
+                </a:xfrm>
+                <a:prstGeom prst="rect">
+                  <a:avLst/>
+                </a:prstGeom>
+              </p:spPr>
+            </p:pic>
+          </mc:Fallback>
+        </mc:AlternateContent>
+      </p:grpSp>
+      <mc:AlternateContent xmlns:mc="http://schemas.openxmlformats.org/markup-compatibility/2006">
+        <mc:Choice xmlns:p14="http://schemas.microsoft.com/office/powerpoint/2010/main" Requires="p14">
+          <p:contentPart p14:bwMode="auto" r:id="rId91">
+            <p14:nvContentPartPr>
+              <p14:cNvPr id="118" name="잉크 117">
+                <a:extLst>
+                  <a:ext uri="{FF2B5EF4-FFF2-40B4-BE49-F238E27FC236}">
+                    <a16:creationId xmlns:a16="http://schemas.microsoft.com/office/drawing/2014/main" id="{35A43901-6044-DCC9-7818-431198A4E94C}"/>
+                  </a:ext>
+                </a:extLst>
+              </p14:cNvPr>
+              <p14:cNvContentPartPr/>
+              <p14:nvPr/>
+            </p14:nvContentPartPr>
+            <p14:xfrm>
+              <a:off x="5348048" y="2275020"/>
+              <a:ext cx="280080" cy="154080"/>
+            </p14:xfrm>
+          </p:contentPart>
+        </mc:Choice>
+        <mc:Fallback>
+          <p:pic>
+            <p:nvPicPr>
+              <p:cNvPr id="118" name="잉크 117">
+                <a:extLst>
+                  <a:ext uri="{FF2B5EF4-FFF2-40B4-BE49-F238E27FC236}">
+                    <a16:creationId xmlns:a16="http://schemas.microsoft.com/office/drawing/2014/main" id="{35A43901-6044-DCC9-7818-431198A4E94C}"/>
+                  </a:ext>
+                </a:extLst>
+              </p:cNvPr>
+              <p:cNvPicPr/>
+              <p:nvPr/>
+            </p:nvPicPr>
+            <p:blipFill>
+              <a:blip r:embed="rId92"/>
+              <a:stretch>
+                <a:fillRect/>
+              </a:stretch>
+            </p:blipFill>
+            <p:spPr>
+              <a:xfrm>
+                <a:off x="5341928" y="2268900"/>
+                <a:ext cx="292320" cy="166320"/>
+              </a:xfrm>
+              <a:prstGeom prst="rect">
+                <a:avLst/>
+              </a:prstGeom>
+            </p:spPr>
+          </p:pic>
+        </mc:Fallback>
+      </mc:AlternateContent>
+      <p:grpSp>
+        <p:nvGrpSpPr>
+          <p:cNvPr id="125" name="그룹 124">
+            <a:extLst>
+              <a:ext uri="{FF2B5EF4-FFF2-40B4-BE49-F238E27FC236}">
+                <a16:creationId xmlns:a16="http://schemas.microsoft.com/office/drawing/2014/main" id="{5A1BF4D1-FC31-AF69-06FF-A46871FEF136}"/>
+              </a:ext>
+            </a:extLst>
+          </p:cNvPr>
+          <p:cNvGrpSpPr/>
+          <p:nvPr/>
+        </p:nvGrpSpPr>
+        <p:grpSpPr>
+          <a:xfrm>
+            <a:off x="3605288" y="1180620"/>
+            <a:ext cx="360720" cy="279000"/>
+            <a:chOff x="3605288" y="1180620"/>
+            <a:chExt cx="360720" cy="279000"/>
+          </a:xfrm>
+        </p:grpSpPr>
+        <mc:AlternateContent xmlns:mc="http://schemas.openxmlformats.org/markup-compatibility/2006">
+          <mc:Choice xmlns:p14="http://schemas.microsoft.com/office/powerpoint/2010/main" Requires="p14">
+            <p:contentPart p14:bwMode="auto" r:id="rId93">
+              <p14:nvContentPartPr>
+                <p14:cNvPr id="122" name="잉크 121">
+                  <a:extLst>
+                    <a:ext uri="{FF2B5EF4-FFF2-40B4-BE49-F238E27FC236}">
+                      <a16:creationId xmlns:a16="http://schemas.microsoft.com/office/drawing/2014/main" id="{926FC387-B530-9701-864C-7D4CAA21F06B}"/>
+                    </a:ext>
+                  </a:extLst>
+                </p14:cNvPr>
+                <p14:cNvContentPartPr/>
+                <p14:nvPr/>
+              </p14:nvContentPartPr>
+              <p14:xfrm>
+                <a:off x="3605288" y="1319220"/>
+                <a:ext cx="18720" cy="140400"/>
+              </p14:xfrm>
+            </p:contentPart>
+          </mc:Choice>
+          <mc:Fallback>
+            <p:pic>
+              <p:nvPicPr>
+                <p:cNvPr id="122" name="잉크 121">
+                  <a:extLst>
+                    <a:ext uri="{FF2B5EF4-FFF2-40B4-BE49-F238E27FC236}">
+                      <a16:creationId xmlns:a16="http://schemas.microsoft.com/office/drawing/2014/main" id="{926FC387-B530-9701-864C-7D4CAA21F06B}"/>
+                    </a:ext>
+                  </a:extLst>
+                </p:cNvPr>
+                <p:cNvPicPr/>
+                <p:nvPr/>
+              </p:nvPicPr>
+              <p:blipFill>
+                <a:blip r:embed="rId94"/>
+                <a:stretch>
+                  <a:fillRect/>
+                </a:stretch>
+              </p:blipFill>
+              <p:spPr>
+                <a:xfrm>
+                  <a:off x="3599168" y="1313100"/>
+                  <a:ext cx="30960" cy="152640"/>
+                </a:xfrm>
+                <a:prstGeom prst="rect">
+                  <a:avLst/>
+                </a:prstGeom>
+              </p:spPr>
+            </p:pic>
+          </mc:Fallback>
+        </mc:AlternateContent>
+        <mc:AlternateContent xmlns:mc="http://schemas.openxmlformats.org/markup-compatibility/2006">
+          <mc:Choice xmlns:p14="http://schemas.microsoft.com/office/powerpoint/2010/main" Requires="p14">
+            <p:contentPart p14:bwMode="auto" r:id="rId95">
+              <p14:nvContentPartPr>
+                <p14:cNvPr id="123" name="잉크 122">
+                  <a:extLst>
+                    <a:ext uri="{FF2B5EF4-FFF2-40B4-BE49-F238E27FC236}">
+                      <a16:creationId xmlns:a16="http://schemas.microsoft.com/office/drawing/2014/main" id="{8602EF0B-6419-F0FC-28EB-25184CB76B9F}"/>
+                    </a:ext>
+                  </a:extLst>
+                </p14:cNvPr>
+                <p14:cNvContentPartPr/>
+                <p14:nvPr/>
+              </p14:nvContentPartPr>
+              <p14:xfrm>
+                <a:off x="3708248" y="1203660"/>
+                <a:ext cx="99360" cy="123120"/>
+              </p14:xfrm>
+            </p:contentPart>
+          </mc:Choice>
+          <mc:Fallback>
+            <p:pic>
+              <p:nvPicPr>
+                <p:cNvPr id="123" name="잉크 122">
+                  <a:extLst>
+                    <a:ext uri="{FF2B5EF4-FFF2-40B4-BE49-F238E27FC236}">
+                      <a16:creationId xmlns:a16="http://schemas.microsoft.com/office/drawing/2014/main" id="{8602EF0B-6419-F0FC-28EB-25184CB76B9F}"/>
+                    </a:ext>
+                  </a:extLst>
+                </p:cNvPr>
+                <p:cNvPicPr/>
+                <p:nvPr/>
+              </p:nvPicPr>
+              <p:blipFill>
+                <a:blip r:embed="rId96"/>
+                <a:stretch>
+                  <a:fillRect/>
+                </a:stretch>
+              </p:blipFill>
+              <p:spPr>
+                <a:xfrm>
+                  <a:off x="3702128" y="1197540"/>
+                  <a:ext cx="111600" cy="135360"/>
+                </a:xfrm>
+                <a:prstGeom prst="rect">
+                  <a:avLst/>
+                </a:prstGeom>
+              </p:spPr>
+            </p:pic>
+          </mc:Fallback>
+        </mc:AlternateContent>
+        <mc:AlternateContent xmlns:mc="http://schemas.openxmlformats.org/markup-compatibility/2006">
+          <mc:Choice xmlns:p14="http://schemas.microsoft.com/office/powerpoint/2010/main" Requires="p14">
+            <p:contentPart p14:bwMode="auto" r:id="rId97">
+              <p14:nvContentPartPr>
+                <p14:cNvPr id="124" name="잉크 123">
+                  <a:extLst>
+                    <a:ext uri="{FF2B5EF4-FFF2-40B4-BE49-F238E27FC236}">
+                      <a16:creationId xmlns:a16="http://schemas.microsoft.com/office/drawing/2014/main" id="{FB544138-CF62-653A-3208-FA29F706BA5F}"/>
+                    </a:ext>
+                  </a:extLst>
+                </p14:cNvPr>
+                <p14:cNvContentPartPr/>
+                <p14:nvPr/>
+              </p14:nvContentPartPr>
+              <p14:xfrm>
+                <a:off x="3842888" y="1180620"/>
+                <a:ext cx="123120" cy="178200"/>
+              </p14:xfrm>
+            </p:contentPart>
+          </mc:Choice>
+          <mc:Fallback>
+            <p:pic>
+              <p:nvPicPr>
+                <p:cNvPr id="124" name="잉크 123">
+                  <a:extLst>
+                    <a:ext uri="{FF2B5EF4-FFF2-40B4-BE49-F238E27FC236}">
+                      <a16:creationId xmlns:a16="http://schemas.microsoft.com/office/drawing/2014/main" id="{FB544138-CF62-653A-3208-FA29F706BA5F}"/>
+                    </a:ext>
+                  </a:extLst>
+                </p:cNvPr>
+                <p:cNvPicPr/>
+                <p:nvPr/>
+              </p:nvPicPr>
+              <p:blipFill>
+                <a:blip r:embed="rId98"/>
+                <a:stretch>
+                  <a:fillRect/>
+                </a:stretch>
+              </p:blipFill>
+              <p:spPr>
+                <a:xfrm>
+                  <a:off x="3836768" y="1174500"/>
+                  <a:ext cx="135360" cy="190440"/>
+                </a:xfrm>
+                <a:prstGeom prst="rect">
+                  <a:avLst/>
+                </a:prstGeom>
+              </p:spPr>
+            </p:pic>
+          </mc:Fallback>
+        </mc:AlternateContent>
+      </p:grpSp>
+      <mc:AlternateContent xmlns:mc="http://schemas.openxmlformats.org/markup-compatibility/2006">
+        <mc:Choice xmlns:p14="http://schemas.microsoft.com/office/powerpoint/2010/main" Requires="p14">
+          <p:contentPart p14:bwMode="auto" r:id="rId99">
+            <p14:nvContentPartPr>
+              <p14:cNvPr id="127" name="잉크 126">
+                <a:extLst>
+                  <a:ext uri="{FF2B5EF4-FFF2-40B4-BE49-F238E27FC236}">
+                    <a16:creationId xmlns:a16="http://schemas.microsoft.com/office/drawing/2014/main" id="{D44C0539-3677-7213-69A5-E7F8F2E54EDE}"/>
+                  </a:ext>
+                </a:extLst>
+              </p14:cNvPr>
+              <p14:cNvContentPartPr/>
+              <p14:nvPr/>
+            </p14:nvContentPartPr>
+            <p14:xfrm>
+              <a:off x="11348865" y="2966940"/>
+              <a:ext cx="104760" cy="338760"/>
+            </p14:xfrm>
+          </p:contentPart>
+        </mc:Choice>
+        <mc:Fallback>
+          <p:pic>
+            <p:nvPicPr>
+              <p:cNvPr id="127" name="잉크 126">
+                <a:extLst>
+                  <a:ext uri="{FF2B5EF4-FFF2-40B4-BE49-F238E27FC236}">
+                    <a16:creationId xmlns:a16="http://schemas.microsoft.com/office/drawing/2014/main" id="{D44C0539-3677-7213-69A5-E7F8F2E54EDE}"/>
+                  </a:ext>
+                </a:extLst>
+              </p:cNvPr>
+              <p:cNvPicPr/>
+              <p:nvPr/>
+            </p:nvPicPr>
+            <p:blipFill>
+              <a:blip r:embed="rId100"/>
+              <a:stretch>
+                <a:fillRect/>
+              </a:stretch>
+            </p:blipFill>
+            <p:spPr>
+              <a:xfrm>
+                <a:off x="11342745" y="2960820"/>
+                <a:ext cx="117000" cy="351000"/>
+              </a:xfrm>
+              <a:prstGeom prst="rect">
+                <a:avLst/>
+              </a:prstGeom>
+            </p:spPr>
+          </p:pic>
+        </mc:Fallback>
+      </mc:AlternateContent>
+      <p:grpSp>
+        <p:nvGrpSpPr>
+          <p:cNvPr id="130" name="그룹 129">
+            <a:extLst>
+              <a:ext uri="{FF2B5EF4-FFF2-40B4-BE49-F238E27FC236}">
+                <a16:creationId xmlns:a16="http://schemas.microsoft.com/office/drawing/2014/main" id="{E5244AEF-B52B-6B72-D4B8-2A8B7B9D97D5}"/>
+              </a:ext>
+            </a:extLst>
+          </p:cNvPr>
+          <p:cNvGrpSpPr/>
+          <p:nvPr/>
+        </p:nvGrpSpPr>
+        <p:grpSpPr>
+          <a:xfrm>
+            <a:off x="11058345" y="2359980"/>
+            <a:ext cx="344520" cy="405360"/>
+            <a:chOff x="11058345" y="2359980"/>
+            <a:chExt cx="344520" cy="405360"/>
+          </a:xfrm>
+        </p:grpSpPr>
+        <mc:AlternateContent xmlns:mc="http://schemas.openxmlformats.org/markup-compatibility/2006">
+          <mc:Choice xmlns:p14="http://schemas.microsoft.com/office/powerpoint/2010/main" Requires="p14">
+            <p:contentPart p14:bwMode="auto" r:id="rId101">
+              <p14:nvContentPartPr>
+                <p14:cNvPr id="128" name="잉크 127">
+                  <a:extLst>
+                    <a:ext uri="{FF2B5EF4-FFF2-40B4-BE49-F238E27FC236}">
+                      <a16:creationId xmlns:a16="http://schemas.microsoft.com/office/drawing/2014/main" id="{3FB0D310-B297-65B6-1C7F-26EBC6EAA6B1}"/>
+                    </a:ext>
+                  </a:extLst>
+                </p14:cNvPr>
+                <p14:cNvContentPartPr/>
+                <p14:nvPr/>
+              </p14:nvContentPartPr>
+              <p14:xfrm>
+                <a:off x="11058345" y="2404980"/>
+                <a:ext cx="186840" cy="196560"/>
+              </p14:xfrm>
+            </p:contentPart>
+          </mc:Choice>
+          <mc:Fallback>
+            <p:pic>
+              <p:nvPicPr>
+                <p:cNvPr id="128" name="잉크 127">
+                  <a:extLst>
+                    <a:ext uri="{FF2B5EF4-FFF2-40B4-BE49-F238E27FC236}">
+                      <a16:creationId xmlns:a16="http://schemas.microsoft.com/office/drawing/2014/main" id="{3FB0D310-B297-65B6-1C7F-26EBC6EAA6B1}"/>
+                    </a:ext>
+                  </a:extLst>
+                </p:cNvPr>
+                <p:cNvPicPr/>
+                <p:nvPr/>
+              </p:nvPicPr>
+              <p:blipFill>
+                <a:blip r:embed="rId102"/>
+                <a:stretch>
+                  <a:fillRect/>
+                </a:stretch>
+              </p:blipFill>
+              <p:spPr>
+                <a:xfrm>
+                  <a:off x="11052225" y="2398860"/>
+                  <a:ext cx="199080" cy="208800"/>
+                </a:xfrm>
+                <a:prstGeom prst="rect">
+                  <a:avLst/>
+                </a:prstGeom>
+              </p:spPr>
+            </p:pic>
+          </mc:Fallback>
+        </mc:AlternateContent>
+        <mc:AlternateContent xmlns:mc="http://schemas.openxmlformats.org/markup-compatibility/2006">
+          <mc:Choice xmlns:p14="http://schemas.microsoft.com/office/powerpoint/2010/main" Requires="p14">
+            <p:contentPart p14:bwMode="auto" r:id="rId103">
+              <p14:nvContentPartPr>
+                <p14:cNvPr id="129" name="잉크 128">
+                  <a:extLst>
+                    <a:ext uri="{FF2B5EF4-FFF2-40B4-BE49-F238E27FC236}">
+                      <a16:creationId xmlns:a16="http://schemas.microsoft.com/office/drawing/2014/main" id="{DC72536D-4B55-62BF-FB98-262225319EA8}"/>
+                    </a:ext>
+                  </a:extLst>
+                </p14:cNvPr>
+                <p14:cNvContentPartPr/>
+                <p14:nvPr/>
+              </p14:nvContentPartPr>
+              <p14:xfrm>
+                <a:off x="11331945" y="2359980"/>
+                <a:ext cx="70920" cy="405360"/>
+              </p14:xfrm>
+            </p:contentPart>
+          </mc:Choice>
+          <mc:Fallback>
+            <p:pic>
+              <p:nvPicPr>
+                <p:cNvPr id="129" name="잉크 128">
+                  <a:extLst>
+                    <a:ext uri="{FF2B5EF4-FFF2-40B4-BE49-F238E27FC236}">
+                      <a16:creationId xmlns:a16="http://schemas.microsoft.com/office/drawing/2014/main" id="{DC72536D-4B55-62BF-FB98-262225319EA8}"/>
+                    </a:ext>
+                  </a:extLst>
+                </p:cNvPr>
+                <p:cNvPicPr/>
+                <p:nvPr/>
+              </p:nvPicPr>
+              <p:blipFill>
+                <a:blip r:embed="rId104"/>
+                <a:stretch>
+                  <a:fillRect/>
+                </a:stretch>
+              </p:blipFill>
+              <p:spPr>
+                <a:xfrm>
+                  <a:off x="11325825" y="2353860"/>
+                  <a:ext cx="83160" cy="417600"/>
+                </a:xfrm>
+                <a:prstGeom prst="rect">
+                  <a:avLst/>
+                </a:prstGeom>
+              </p:spPr>
+            </p:pic>
+          </mc:Fallback>
+        </mc:AlternateContent>
+      </p:grpSp>
+      <mc:AlternateContent xmlns:mc="http://schemas.openxmlformats.org/markup-compatibility/2006">
+        <mc:Choice xmlns:p14="http://schemas.microsoft.com/office/powerpoint/2010/main" Requires="p14">
+          <p:contentPart p14:bwMode="auto" r:id="rId105">
+            <p14:nvContentPartPr>
+              <p14:cNvPr id="131" name="잉크 130">
+                <a:extLst>
+                  <a:ext uri="{FF2B5EF4-FFF2-40B4-BE49-F238E27FC236}">
+                    <a16:creationId xmlns:a16="http://schemas.microsoft.com/office/drawing/2014/main" id="{8EB7FE4B-F13C-3030-103E-F44413AF3610}"/>
+                  </a:ext>
+                </a:extLst>
+              </p14:cNvPr>
+              <p14:cNvContentPartPr/>
+              <p14:nvPr/>
+            </p14:nvContentPartPr>
+            <p14:xfrm>
+              <a:off x="655860" y="2695500"/>
+              <a:ext cx="39600" cy="461160"/>
+            </p14:xfrm>
+          </p:contentPart>
+        </mc:Choice>
+        <mc:Fallback>
+          <p:pic>
+            <p:nvPicPr>
+              <p:cNvPr id="131" name="잉크 130">
+                <a:extLst>
+                  <a:ext uri="{FF2B5EF4-FFF2-40B4-BE49-F238E27FC236}">
+                    <a16:creationId xmlns:a16="http://schemas.microsoft.com/office/drawing/2014/main" id="{8EB7FE4B-F13C-3030-103E-F44413AF3610}"/>
+                  </a:ext>
+                </a:extLst>
+              </p:cNvPr>
+              <p:cNvPicPr/>
+              <p:nvPr/>
+            </p:nvPicPr>
+            <p:blipFill>
+              <a:blip r:embed="rId106"/>
+              <a:stretch>
+                <a:fillRect/>
+              </a:stretch>
+            </p:blipFill>
+            <p:spPr>
+              <a:xfrm>
+                <a:off x="649740" y="2689380"/>
+                <a:ext cx="51840" cy="473400"/>
+              </a:xfrm>
+              <a:prstGeom prst="rect">
+                <a:avLst/>
+              </a:prstGeom>
+            </p:spPr>
+          </p:pic>
+        </mc:Fallback>
+      </mc:AlternateContent>
+      <p:grpSp>
+        <p:nvGrpSpPr>
+          <p:cNvPr id="134" name="그룹 133">
+            <a:extLst>
+              <a:ext uri="{FF2B5EF4-FFF2-40B4-BE49-F238E27FC236}">
+                <a16:creationId xmlns:a16="http://schemas.microsoft.com/office/drawing/2014/main" id="{D3DFCD07-0964-6B66-A7B7-F4E81EDC5C76}"/>
+              </a:ext>
+            </a:extLst>
+          </p:cNvPr>
+          <p:cNvGrpSpPr/>
+          <p:nvPr/>
+        </p:nvGrpSpPr>
+        <p:grpSpPr>
+          <a:xfrm>
+            <a:off x="557220" y="2127420"/>
+            <a:ext cx="518760" cy="383040"/>
+            <a:chOff x="557220" y="2127420"/>
+            <a:chExt cx="518760" cy="383040"/>
+          </a:xfrm>
+        </p:grpSpPr>
+        <mc:AlternateContent xmlns:mc="http://schemas.openxmlformats.org/markup-compatibility/2006">
+          <mc:Choice xmlns:p14="http://schemas.microsoft.com/office/powerpoint/2010/main" Requires="p14">
+            <p:contentPart p14:bwMode="auto" r:id="rId107">
+              <p14:nvContentPartPr>
+                <p14:cNvPr id="132" name="잉크 131">
+                  <a:extLst>
+                    <a:ext uri="{FF2B5EF4-FFF2-40B4-BE49-F238E27FC236}">
+                      <a16:creationId xmlns:a16="http://schemas.microsoft.com/office/drawing/2014/main" id="{9641B5C4-D05E-0359-3E60-37ACA6E15F4F}"/>
+                    </a:ext>
+                  </a:extLst>
+                </p14:cNvPr>
+                <p14:cNvContentPartPr/>
+                <p14:nvPr/>
+              </p14:nvContentPartPr>
+              <p14:xfrm>
+                <a:off x="557220" y="2228220"/>
+                <a:ext cx="182880" cy="282240"/>
+              </p14:xfrm>
+            </p:contentPart>
+          </mc:Choice>
+          <mc:Fallback>
+            <p:pic>
+              <p:nvPicPr>
+                <p:cNvPr id="132" name="잉크 131">
+                  <a:extLst>
+                    <a:ext uri="{FF2B5EF4-FFF2-40B4-BE49-F238E27FC236}">
+                      <a16:creationId xmlns:a16="http://schemas.microsoft.com/office/drawing/2014/main" id="{9641B5C4-D05E-0359-3E60-37ACA6E15F4F}"/>
+                    </a:ext>
+                  </a:extLst>
+                </p:cNvPr>
+                <p:cNvPicPr/>
+                <p:nvPr/>
+              </p:nvPicPr>
+              <p:blipFill>
+                <a:blip r:embed="rId108"/>
+                <a:stretch>
+                  <a:fillRect/>
+                </a:stretch>
+              </p:blipFill>
+              <p:spPr>
+                <a:xfrm>
+                  <a:off x="551100" y="2222100"/>
+                  <a:ext cx="195120" cy="294480"/>
+                </a:xfrm>
+                <a:prstGeom prst="rect">
+                  <a:avLst/>
+                </a:prstGeom>
+              </p:spPr>
+            </p:pic>
+          </mc:Fallback>
+        </mc:AlternateContent>
+        <mc:AlternateContent xmlns:mc="http://schemas.openxmlformats.org/markup-compatibility/2006">
+          <mc:Choice xmlns:p14="http://schemas.microsoft.com/office/powerpoint/2010/main" Requires="p14">
+            <p:contentPart p14:bwMode="auto" r:id="rId109">
+              <p14:nvContentPartPr>
+                <p14:cNvPr id="133" name="잉크 132">
+                  <a:extLst>
+                    <a:ext uri="{FF2B5EF4-FFF2-40B4-BE49-F238E27FC236}">
+                      <a16:creationId xmlns:a16="http://schemas.microsoft.com/office/drawing/2014/main" id="{5B61E602-C520-EA5B-95A5-76DCA4F42DD6}"/>
+                    </a:ext>
+                  </a:extLst>
+                </p14:cNvPr>
+                <p14:cNvContentPartPr/>
+                <p14:nvPr/>
+              </p14:nvContentPartPr>
+              <p14:xfrm>
+                <a:off x="942780" y="2127420"/>
+                <a:ext cx="133200" cy="260640"/>
+              </p14:xfrm>
+            </p:contentPart>
+          </mc:Choice>
+          <mc:Fallback>
+            <p:pic>
+              <p:nvPicPr>
+                <p:cNvPr id="133" name="잉크 132">
+                  <a:extLst>
+                    <a:ext uri="{FF2B5EF4-FFF2-40B4-BE49-F238E27FC236}">
+                      <a16:creationId xmlns:a16="http://schemas.microsoft.com/office/drawing/2014/main" id="{5B61E602-C520-EA5B-95A5-76DCA4F42DD6}"/>
+                    </a:ext>
+                  </a:extLst>
+                </p:cNvPr>
+                <p:cNvPicPr/>
+                <p:nvPr/>
+              </p:nvPicPr>
+              <p:blipFill>
+                <a:blip r:embed="rId110"/>
+                <a:stretch>
+                  <a:fillRect/>
+                </a:stretch>
+              </p:blipFill>
+              <p:spPr>
+                <a:xfrm>
+                  <a:off x="936660" y="2121300"/>
+                  <a:ext cx="145440" cy="272880"/>
+                </a:xfrm>
+                <a:prstGeom prst="rect">
+                  <a:avLst/>
+                </a:prstGeom>
+              </p:spPr>
+            </p:pic>
+          </mc:Fallback>
+        </mc:AlternateContent>
+      </p:grpSp>
+      <mc:AlternateContent xmlns:mc="http://schemas.openxmlformats.org/markup-compatibility/2006">
+        <mc:Choice xmlns:p14="http://schemas.microsoft.com/office/powerpoint/2010/main" Requires="p14">
+          <p:contentPart p14:bwMode="auto" r:id="rId111">
+            <p14:nvContentPartPr>
+              <p14:cNvPr id="135" name="잉크 134">
+                <a:extLst>
+                  <a:ext uri="{FF2B5EF4-FFF2-40B4-BE49-F238E27FC236}">
+                    <a16:creationId xmlns:a16="http://schemas.microsoft.com/office/drawing/2014/main" id="{E77A2486-C85C-4DC8-136F-212EA80DEF64}"/>
+                  </a:ext>
+                </a:extLst>
+              </p14:cNvPr>
+              <p14:cNvContentPartPr/>
+              <p14:nvPr/>
+            </p14:nvContentPartPr>
+            <p14:xfrm>
+              <a:off x="9515483" y="6157620"/>
+              <a:ext cx="360" cy="360"/>
+            </p14:xfrm>
+          </p:contentPart>
+        </mc:Choice>
+        <mc:Fallback>
+          <p:pic>
+            <p:nvPicPr>
+              <p:cNvPr id="135" name="잉크 134">
+                <a:extLst>
+                  <a:ext uri="{FF2B5EF4-FFF2-40B4-BE49-F238E27FC236}">
+                    <a16:creationId xmlns:a16="http://schemas.microsoft.com/office/drawing/2014/main" id="{E77A2486-C85C-4DC8-136F-212EA80DEF64}"/>
+                  </a:ext>
+                </a:extLst>
+              </p:cNvPr>
+              <p:cNvPicPr/>
+              <p:nvPr/>
+            </p:nvPicPr>
+            <p:blipFill>
+              <a:blip r:embed="rId112"/>
+              <a:stretch>
+                <a:fillRect/>
+              </a:stretch>
+            </p:blipFill>
+            <p:spPr>
+              <a:xfrm>
+                <a:off x="9509363" y="6151500"/>
+                <a:ext cx="12600" cy="12600"/>
+              </a:xfrm>
+              <a:prstGeom prst="rect">
+                <a:avLst/>
+              </a:prstGeom>
+            </p:spPr>
+          </p:pic>
+        </mc:Fallback>
+      </mc:AlternateContent>
+      <mc:AlternateContent xmlns:mc="http://schemas.openxmlformats.org/markup-compatibility/2006">
+        <mc:Choice xmlns:p14="http://schemas.microsoft.com/office/powerpoint/2010/main" Requires="p14">
+          <p:contentPart p14:bwMode="auto" r:id="rId113">
+            <p14:nvContentPartPr>
+              <p14:cNvPr id="136" name="잉크 135">
+                <a:extLst>
+                  <a:ext uri="{FF2B5EF4-FFF2-40B4-BE49-F238E27FC236}">
+                    <a16:creationId xmlns:a16="http://schemas.microsoft.com/office/drawing/2014/main" id="{AA6765EC-D501-A782-E322-13E86D191766}"/>
+                  </a:ext>
+                </a:extLst>
+              </p14:cNvPr>
+              <p14:cNvContentPartPr/>
+              <p14:nvPr/>
+            </p14:nvContentPartPr>
+            <p14:xfrm>
+              <a:off x="8629523" y="3437100"/>
+              <a:ext cx="285120" cy="344520"/>
+            </p14:xfrm>
+          </p:contentPart>
+        </mc:Choice>
+        <mc:Fallback>
+          <p:pic>
+            <p:nvPicPr>
+              <p:cNvPr id="136" name="잉크 135">
+                <a:extLst>
+                  <a:ext uri="{FF2B5EF4-FFF2-40B4-BE49-F238E27FC236}">
+                    <a16:creationId xmlns:a16="http://schemas.microsoft.com/office/drawing/2014/main" id="{AA6765EC-D501-A782-E322-13E86D191766}"/>
+                  </a:ext>
+                </a:extLst>
+              </p:cNvPr>
+              <p:cNvPicPr/>
+              <p:nvPr/>
+            </p:nvPicPr>
+            <p:blipFill>
+              <a:blip r:embed="rId114"/>
+              <a:stretch>
+                <a:fillRect/>
+              </a:stretch>
+            </p:blipFill>
+            <p:spPr>
+              <a:xfrm>
+                <a:off x="8623403" y="3430980"/>
+                <a:ext cx="297360" cy="356760"/>
+              </a:xfrm>
+              <a:prstGeom prst="rect">
+                <a:avLst/>
+              </a:prstGeom>
+            </p:spPr>
+          </p:pic>
+        </mc:Fallback>
+      </mc:AlternateContent>
+      <mc:AlternateContent xmlns:mc="http://schemas.openxmlformats.org/markup-compatibility/2006">
+        <mc:Choice xmlns:p14="http://schemas.microsoft.com/office/powerpoint/2010/main" Requires="p14">
+          <p:contentPart p14:bwMode="auto" r:id="rId115">
+            <p14:nvContentPartPr>
+              <p14:cNvPr id="137" name="잉크 136">
+                <a:extLst>
+                  <a:ext uri="{FF2B5EF4-FFF2-40B4-BE49-F238E27FC236}">
+                    <a16:creationId xmlns:a16="http://schemas.microsoft.com/office/drawing/2014/main" id="{AAF2C6C0-31CA-7757-38EC-803FE93ACEB6}"/>
+                  </a:ext>
+                </a:extLst>
+              </p14:cNvPr>
+              <p14:cNvContentPartPr/>
+              <p14:nvPr/>
+            </p14:nvContentPartPr>
+            <p14:xfrm>
+              <a:off x="8672363" y="3061620"/>
+              <a:ext cx="871560" cy="238680"/>
+            </p14:xfrm>
+          </p:contentPart>
+        </mc:Choice>
+        <mc:Fallback>
+          <p:pic>
+            <p:nvPicPr>
+              <p:cNvPr id="137" name="잉크 136">
+                <a:extLst>
+                  <a:ext uri="{FF2B5EF4-FFF2-40B4-BE49-F238E27FC236}">
+                    <a16:creationId xmlns:a16="http://schemas.microsoft.com/office/drawing/2014/main" id="{AAF2C6C0-31CA-7757-38EC-803FE93ACEB6}"/>
+                  </a:ext>
+                </a:extLst>
+              </p:cNvPr>
+              <p:cNvPicPr/>
+              <p:nvPr/>
+            </p:nvPicPr>
+            <p:blipFill>
+              <a:blip r:embed="rId116"/>
+              <a:stretch>
+                <a:fillRect/>
+              </a:stretch>
+            </p:blipFill>
+            <p:spPr>
+              <a:xfrm>
+                <a:off x="8666243" y="3055500"/>
+                <a:ext cx="883800" cy="250920"/>
+              </a:xfrm>
+              <a:prstGeom prst="rect">
+                <a:avLst/>
+              </a:prstGeom>
+            </p:spPr>
+          </p:pic>
+        </mc:Fallback>
+      </mc:AlternateContent>
+      <p:grpSp>
+        <p:nvGrpSpPr>
+          <p:cNvPr id="140" name="그룹 139">
+            <a:extLst>
+              <a:ext uri="{FF2B5EF4-FFF2-40B4-BE49-F238E27FC236}">
+                <a16:creationId xmlns:a16="http://schemas.microsoft.com/office/drawing/2014/main" id="{EB6B8BC2-73D8-97B6-4F21-F7D8F58E781C}"/>
+              </a:ext>
+            </a:extLst>
+          </p:cNvPr>
+          <p:cNvGrpSpPr/>
+          <p:nvPr/>
+        </p:nvGrpSpPr>
+        <p:grpSpPr>
+          <a:xfrm>
+            <a:off x="10235123" y="3052620"/>
+            <a:ext cx="280800" cy="534960"/>
+            <a:chOff x="10235123" y="3052620"/>
+            <a:chExt cx="280800" cy="534960"/>
+          </a:xfrm>
+        </p:grpSpPr>
+        <mc:AlternateContent xmlns:mc="http://schemas.openxmlformats.org/markup-compatibility/2006">
+          <mc:Choice xmlns:p14="http://schemas.microsoft.com/office/powerpoint/2010/main" xmlns:aink="http://schemas.microsoft.com/office/drawing/2016/ink" Requires="p14 aink">
+            <p:contentPart p14:bwMode="auto" r:id="rId117">
+              <p14:nvContentPartPr>
+                <p14:cNvPr id="138" name="잉크 137">
+                  <a:extLst>
+                    <a:ext uri="{FF2B5EF4-FFF2-40B4-BE49-F238E27FC236}">
+                      <a16:creationId xmlns:a16="http://schemas.microsoft.com/office/drawing/2014/main" id="{48CE8CFD-6A9B-DAE2-32C2-3F6E937EF5FB}"/>
+                    </a:ext>
+                  </a:extLst>
+                </p14:cNvPr>
+                <p14:cNvContentPartPr/>
+                <p14:nvPr/>
+              </p14:nvContentPartPr>
+              <p14:xfrm>
+                <a:off x="10342403" y="3052620"/>
+                <a:ext cx="173520" cy="254160"/>
+              </p14:xfrm>
+            </p:contentPart>
+          </mc:Choice>
+          <mc:Fallback>
+            <p:pic>
+              <p:nvPicPr>
+                <p:cNvPr id="138" name="잉크 137">
+                  <a:extLst>
+                    <a:ext uri="{FF2B5EF4-FFF2-40B4-BE49-F238E27FC236}">
+                      <a16:creationId xmlns:a16="http://schemas.microsoft.com/office/drawing/2014/main" id="{48CE8CFD-6A9B-DAE2-32C2-3F6E937EF5FB}"/>
+                    </a:ext>
+                  </a:extLst>
+                </p:cNvPr>
+                <p:cNvPicPr/>
+                <p:nvPr/>
+              </p:nvPicPr>
+              <p:blipFill>
+                <a:blip r:embed="rId118"/>
+                <a:stretch>
+                  <a:fillRect/>
+                </a:stretch>
+              </p:blipFill>
+              <p:spPr>
+                <a:xfrm>
+                  <a:off x="10333763" y="3043620"/>
+                  <a:ext cx="191160" cy="271800"/>
+                </a:xfrm>
+                <a:prstGeom prst="rect">
+                  <a:avLst/>
+                </a:prstGeom>
+              </p:spPr>
+            </p:pic>
+          </mc:Fallback>
+        </mc:AlternateContent>
+        <mc:AlternateContent xmlns:mc="http://schemas.openxmlformats.org/markup-compatibility/2006">
+          <mc:Choice xmlns:p14="http://schemas.microsoft.com/office/powerpoint/2010/main" xmlns:aink="http://schemas.microsoft.com/office/drawing/2016/ink" Requires="p14 aink">
+            <p:contentPart p14:bwMode="auto" r:id="rId119">
+              <p14:nvContentPartPr>
+                <p14:cNvPr id="139" name="잉크 138">
+                  <a:extLst>
+                    <a:ext uri="{FF2B5EF4-FFF2-40B4-BE49-F238E27FC236}">
+                      <a16:creationId xmlns:a16="http://schemas.microsoft.com/office/drawing/2014/main" id="{A3106F1F-3CC8-95F9-6889-C7BB08A91463}"/>
+                    </a:ext>
+                  </a:extLst>
+                </p14:cNvPr>
+                <p14:cNvContentPartPr/>
+                <p14:nvPr/>
+              </p14:nvContentPartPr>
+              <p14:xfrm>
+                <a:off x="10235123" y="3390660"/>
+                <a:ext cx="182520" cy="196920"/>
+              </p14:xfrm>
+            </p:contentPart>
+          </mc:Choice>
+          <mc:Fallback>
+            <p:pic>
+              <p:nvPicPr>
+                <p:cNvPr id="139" name="잉크 138">
+                  <a:extLst>
+                    <a:ext uri="{FF2B5EF4-FFF2-40B4-BE49-F238E27FC236}">
+                      <a16:creationId xmlns:a16="http://schemas.microsoft.com/office/drawing/2014/main" id="{A3106F1F-3CC8-95F9-6889-C7BB08A91463}"/>
+                    </a:ext>
+                  </a:extLst>
+                </p:cNvPr>
+                <p:cNvPicPr/>
+                <p:nvPr/>
+              </p:nvPicPr>
+              <p:blipFill>
+                <a:blip r:embed="rId120"/>
+                <a:stretch>
+                  <a:fillRect/>
+                </a:stretch>
+              </p:blipFill>
+              <p:spPr>
+                <a:xfrm>
+                  <a:off x="10226483" y="3381660"/>
+                  <a:ext cx="200160" cy="214560"/>
+                </a:xfrm>
+                <a:prstGeom prst="rect">
+                  <a:avLst/>
+                </a:prstGeom>
+              </p:spPr>
+            </p:pic>
+          </mc:Fallback>
+        </mc:AlternateContent>
+      </p:grpSp>
+      <mc:AlternateContent xmlns:mc="http://schemas.openxmlformats.org/markup-compatibility/2006">
+        <mc:Choice xmlns:p14="http://schemas.microsoft.com/office/powerpoint/2010/main" xmlns:aink="http://schemas.microsoft.com/office/drawing/2016/ink" Requires="p14 aink">
+          <p:contentPart p14:bwMode="auto" r:id="rId121">
+            <p14:nvContentPartPr>
+              <p14:cNvPr id="141" name="잉크 140">
+                <a:extLst>
+                  <a:ext uri="{FF2B5EF4-FFF2-40B4-BE49-F238E27FC236}">
+                    <a16:creationId xmlns:a16="http://schemas.microsoft.com/office/drawing/2014/main" id="{B4C481E6-4095-4C48-DB72-379C8B49B0C5}"/>
+                  </a:ext>
+                </a:extLst>
+              </p14:cNvPr>
+              <p14:cNvContentPartPr/>
+              <p14:nvPr/>
+            </p14:nvContentPartPr>
+            <p14:xfrm>
+              <a:off x="9201203" y="3014460"/>
+              <a:ext cx="5400" cy="194400"/>
+            </p14:xfrm>
+          </p:contentPart>
+        </mc:Choice>
+        <mc:Fallback>
+          <p:pic>
+            <p:nvPicPr>
+              <p:cNvPr id="141" name="잉크 140">
+                <a:extLst>
+                  <a:ext uri="{FF2B5EF4-FFF2-40B4-BE49-F238E27FC236}">
+                    <a16:creationId xmlns:a16="http://schemas.microsoft.com/office/drawing/2014/main" id="{B4C481E6-4095-4C48-DB72-379C8B49B0C5}"/>
+                  </a:ext>
+                </a:extLst>
+              </p:cNvPr>
+              <p:cNvPicPr/>
+              <p:nvPr/>
+            </p:nvPicPr>
+            <p:blipFill>
+              <a:blip r:embed="rId122"/>
+              <a:stretch>
+                <a:fillRect/>
+              </a:stretch>
+            </p:blipFill>
+            <p:spPr>
+              <a:xfrm>
+                <a:off x="9192203" y="3005460"/>
+                <a:ext cx="23040" cy="212040"/>
+              </a:xfrm>
+              <a:prstGeom prst="rect">
+                <a:avLst/>
+              </a:prstGeom>
+            </p:spPr>
+          </p:pic>
+        </mc:Fallback>
+      </mc:AlternateContent>
+      <mc:AlternateContent xmlns:mc="http://schemas.openxmlformats.org/markup-compatibility/2006">
+        <mc:Choice xmlns:p14="http://schemas.microsoft.com/office/powerpoint/2010/main" xmlns:aink="http://schemas.microsoft.com/office/drawing/2016/ink" Requires="p14 aink">
+          <p:contentPart p14:bwMode="auto" r:id="rId123">
+            <p14:nvContentPartPr>
+              <p14:cNvPr id="142" name="잉크 141">
+                <a:extLst>
+                  <a:ext uri="{FF2B5EF4-FFF2-40B4-BE49-F238E27FC236}">
+                    <a16:creationId xmlns:a16="http://schemas.microsoft.com/office/drawing/2014/main" id="{D05160A9-DA77-324C-2876-DDAA7B7BA39F}"/>
+                  </a:ext>
+                </a:extLst>
+              </p14:cNvPr>
+              <p14:cNvContentPartPr/>
+              <p14:nvPr/>
+            </p14:nvContentPartPr>
+            <p14:xfrm>
+              <a:off x="9306683" y="2781180"/>
+              <a:ext cx="423360" cy="156600"/>
+            </p14:xfrm>
+          </p:contentPart>
+        </mc:Choice>
+        <mc:Fallback>
+          <p:pic>
+            <p:nvPicPr>
+              <p:cNvPr id="142" name="잉크 141">
+                <a:extLst>
+                  <a:ext uri="{FF2B5EF4-FFF2-40B4-BE49-F238E27FC236}">
+                    <a16:creationId xmlns:a16="http://schemas.microsoft.com/office/drawing/2014/main" id="{D05160A9-DA77-324C-2876-DDAA7B7BA39F}"/>
+                  </a:ext>
+                </a:extLst>
+              </p:cNvPr>
+              <p:cNvPicPr/>
+              <p:nvPr/>
+            </p:nvPicPr>
+            <p:blipFill>
+              <a:blip r:embed="rId124"/>
+              <a:stretch>
+                <a:fillRect/>
+              </a:stretch>
+            </p:blipFill>
+            <p:spPr>
+              <a:xfrm>
+                <a:off x="9297683" y="2772180"/>
+                <a:ext cx="441000" cy="174240"/>
+              </a:xfrm>
+              <a:prstGeom prst="rect">
+                <a:avLst/>
+              </a:prstGeom>
+            </p:spPr>
+          </p:pic>
+        </mc:Fallback>
+      </mc:AlternateContent>
+      <mc:AlternateContent xmlns:mc="http://schemas.openxmlformats.org/markup-compatibility/2006">
+        <mc:Choice xmlns:p14="http://schemas.microsoft.com/office/powerpoint/2010/main" xmlns:aink="http://schemas.microsoft.com/office/drawing/2016/ink" Requires="p14 aink">
+          <p:contentPart p14:bwMode="auto" r:id="rId125">
+            <p14:nvContentPartPr>
+              <p14:cNvPr id="143" name="잉크 142">
+                <a:extLst>
+                  <a:ext uri="{FF2B5EF4-FFF2-40B4-BE49-F238E27FC236}">
+                    <a16:creationId xmlns:a16="http://schemas.microsoft.com/office/drawing/2014/main" id="{8F826316-3C86-50ED-3306-D2B01F372E38}"/>
+                  </a:ext>
+                </a:extLst>
+              </p14:cNvPr>
+              <p14:cNvContentPartPr/>
+              <p14:nvPr/>
+            </p14:nvContentPartPr>
+            <p14:xfrm>
+              <a:off x="8719163" y="2433420"/>
+              <a:ext cx="510840" cy="191880"/>
+            </p14:xfrm>
+          </p:contentPart>
+        </mc:Choice>
+        <mc:Fallback>
+          <p:pic>
+            <p:nvPicPr>
+              <p:cNvPr id="143" name="잉크 142">
+                <a:extLst>
+                  <a:ext uri="{FF2B5EF4-FFF2-40B4-BE49-F238E27FC236}">
+                    <a16:creationId xmlns:a16="http://schemas.microsoft.com/office/drawing/2014/main" id="{8F826316-3C86-50ED-3306-D2B01F372E38}"/>
+                  </a:ext>
+                </a:extLst>
+              </p:cNvPr>
+              <p:cNvPicPr/>
+              <p:nvPr/>
+            </p:nvPicPr>
+            <p:blipFill>
+              <a:blip r:embed="rId126"/>
+              <a:stretch>
+                <a:fillRect/>
+              </a:stretch>
+            </p:blipFill>
+            <p:spPr>
+              <a:xfrm>
+                <a:off x="8710523" y="2424420"/>
+                <a:ext cx="528480" cy="209520"/>
+              </a:xfrm>
+              <a:prstGeom prst="rect">
+                <a:avLst/>
+              </a:prstGeom>
+            </p:spPr>
+          </p:pic>
+        </mc:Fallback>
+      </mc:AlternateContent>
+      <mc:AlternateContent xmlns:mc="http://schemas.openxmlformats.org/markup-compatibility/2006">
+        <mc:Choice xmlns:p14="http://schemas.microsoft.com/office/powerpoint/2010/main" xmlns:aink="http://schemas.microsoft.com/office/drawing/2016/ink" Requires="p14 aink">
+          <p:contentPart p14:bwMode="auto" r:id="rId127">
+            <p14:nvContentPartPr>
+              <p14:cNvPr id="144" name="잉크 143">
+                <a:extLst>
+                  <a:ext uri="{FF2B5EF4-FFF2-40B4-BE49-F238E27FC236}">
+                    <a16:creationId xmlns:a16="http://schemas.microsoft.com/office/drawing/2014/main" id="{1FF4B54B-CD8E-96ED-E310-0D5B2895BB8D}"/>
+                  </a:ext>
+                </a:extLst>
+              </p14:cNvPr>
+              <p14:cNvContentPartPr/>
+              <p14:nvPr/>
+            </p14:nvContentPartPr>
+            <p14:xfrm>
+              <a:off x="8050643" y="1819260"/>
+              <a:ext cx="422280" cy="133920"/>
+            </p14:xfrm>
+          </p:contentPart>
+        </mc:Choice>
+        <mc:Fallback>
+          <p:pic>
+            <p:nvPicPr>
+              <p:cNvPr id="144" name="잉크 143">
+                <a:extLst>
+                  <a:ext uri="{FF2B5EF4-FFF2-40B4-BE49-F238E27FC236}">
+                    <a16:creationId xmlns:a16="http://schemas.microsoft.com/office/drawing/2014/main" id="{1FF4B54B-CD8E-96ED-E310-0D5B2895BB8D}"/>
+                  </a:ext>
+                </a:extLst>
+              </p:cNvPr>
+              <p:cNvPicPr/>
+              <p:nvPr/>
+            </p:nvPicPr>
+            <p:blipFill>
+              <a:blip r:embed="rId128"/>
+              <a:stretch>
+                <a:fillRect/>
+              </a:stretch>
+            </p:blipFill>
+            <p:spPr>
+              <a:xfrm>
+                <a:off x="8041643" y="1810260"/>
+                <a:ext cx="439920" cy="151560"/>
+              </a:xfrm>
+              <a:prstGeom prst="rect">
+                <a:avLst/>
+              </a:prstGeom>
+            </p:spPr>
+          </p:pic>
+        </mc:Fallback>
+      </mc:AlternateContent>
+      <p:grpSp>
+        <p:nvGrpSpPr>
+          <p:cNvPr id="147" name="그룹 146">
+            <a:extLst>
+              <a:ext uri="{FF2B5EF4-FFF2-40B4-BE49-F238E27FC236}">
+                <a16:creationId xmlns:a16="http://schemas.microsoft.com/office/drawing/2014/main" id="{26644F5D-8C2A-F9F6-49CC-3DB69AF6D95E}"/>
+              </a:ext>
+            </a:extLst>
+          </p:cNvPr>
+          <p:cNvGrpSpPr/>
+          <p:nvPr/>
+        </p:nvGrpSpPr>
+        <p:grpSpPr>
+          <a:xfrm>
+            <a:off x="5486363" y="1266660"/>
+            <a:ext cx="2647800" cy="1305360"/>
+            <a:chOff x="5486363" y="1266660"/>
+            <a:chExt cx="2647800" cy="1305360"/>
+          </a:xfrm>
+        </p:grpSpPr>
+        <mc:AlternateContent xmlns:mc="http://schemas.openxmlformats.org/markup-compatibility/2006">
+          <mc:Choice xmlns:p14="http://schemas.microsoft.com/office/powerpoint/2010/main" Requires="p14">
+            <p:contentPart p14:bwMode="auto" r:id="rId129">
+              <p14:nvContentPartPr>
+                <p14:cNvPr id="101" name="잉크 100">
+                  <a:extLst>
+                    <a:ext uri="{FF2B5EF4-FFF2-40B4-BE49-F238E27FC236}">
+                      <a16:creationId xmlns:a16="http://schemas.microsoft.com/office/drawing/2014/main" id="{11D30154-08BE-5A60-6CFE-4BBBECB89769}"/>
+                    </a:ext>
+                  </a:extLst>
+                </p14:cNvPr>
+                <p14:cNvContentPartPr/>
+                <p14:nvPr/>
+              </p14:nvContentPartPr>
+              <p14:xfrm>
+                <a:off x="5986328" y="2290860"/>
+                <a:ext cx="189000" cy="198360"/>
+              </p14:xfrm>
+            </p:contentPart>
+          </mc:Choice>
+          <mc:Fallback>
+            <p:pic>
+              <p:nvPicPr>
+                <p:cNvPr id="101" name="잉크 100">
+                  <a:extLst>
+                    <a:ext uri="{FF2B5EF4-FFF2-40B4-BE49-F238E27FC236}">
+                      <a16:creationId xmlns:a16="http://schemas.microsoft.com/office/drawing/2014/main" id="{11D30154-08BE-5A60-6CFE-4BBBECB89769}"/>
+                    </a:ext>
+                  </a:extLst>
+                </p:cNvPr>
+                <p:cNvPicPr/>
+                <p:nvPr/>
+              </p:nvPicPr>
+              <p:blipFill>
+                <a:blip r:embed="rId130"/>
+                <a:stretch>
+                  <a:fillRect/>
+                </a:stretch>
+              </p:blipFill>
+              <p:spPr>
+                <a:xfrm>
+                  <a:off x="5980208" y="2284740"/>
+                  <a:ext cx="201240" cy="210600"/>
+                </a:xfrm>
+                <a:prstGeom prst="rect">
+                  <a:avLst/>
+                </a:prstGeom>
+              </p:spPr>
+            </p:pic>
+          </mc:Fallback>
+        </mc:AlternateContent>
+        <mc:AlternateContent xmlns:mc="http://schemas.openxmlformats.org/markup-compatibility/2006">
+          <mc:Choice xmlns:p14="http://schemas.microsoft.com/office/powerpoint/2010/main" Requires="p14">
+            <p:contentPart p14:bwMode="auto" r:id="rId131">
+              <p14:nvContentPartPr>
+                <p14:cNvPr id="102" name="잉크 101">
+                  <a:extLst>
+                    <a:ext uri="{FF2B5EF4-FFF2-40B4-BE49-F238E27FC236}">
+                      <a16:creationId xmlns:a16="http://schemas.microsoft.com/office/drawing/2014/main" id="{81454135-394C-A735-B7D6-2D23A2B71174}"/>
+                    </a:ext>
+                  </a:extLst>
+                </p14:cNvPr>
+                <p14:cNvContentPartPr/>
+                <p14:nvPr/>
+              </p14:nvContentPartPr>
+              <p14:xfrm>
+                <a:off x="6210248" y="2305620"/>
+                <a:ext cx="182880" cy="162720"/>
+              </p14:xfrm>
+            </p:contentPart>
+          </mc:Choice>
+          <mc:Fallback>
+            <p:pic>
+              <p:nvPicPr>
+                <p:cNvPr id="102" name="잉크 101">
+                  <a:extLst>
+                    <a:ext uri="{FF2B5EF4-FFF2-40B4-BE49-F238E27FC236}">
+                      <a16:creationId xmlns:a16="http://schemas.microsoft.com/office/drawing/2014/main" id="{81454135-394C-A735-B7D6-2D23A2B71174}"/>
+                    </a:ext>
+                  </a:extLst>
+                </p:cNvPr>
+                <p:cNvPicPr/>
+                <p:nvPr/>
+              </p:nvPicPr>
+              <p:blipFill>
+                <a:blip r:embed="rId132"/>
+                <a:stretch>
+                  <a:fillRect/>
+                </a:stretch>
+              </p:blipFill>
+              <p:spPr>
+                <a:xfrm>
+                  <a:off x="6204128" y="2299500"/>
+                  <a:ext cx="195120" cy="174960"/>
+                </a:xfrm>
+                <a:prstGeom prst="rect">
+                  <a:avLst/>
+                </a:prstGeom>
+              </p:spPr>
+            </p:pic>
+          </mc:Fallback>
+        </mc:AlternateContent>
+        <mc:AlternateContent xmlns:mc="http://schemas.openxmlformats.org/markup-compatibility/2006">
+          <mc:Choice xmlns:p14="http://schemas.microsoft.com/office/powerpoint/2010/main" Requires="p14">
+            <p:contentPart p14:bwMode="auto" r:id="rId133">
+              <p14:nvContentPartPr>
+                <p14:cNvPr id="103" name="잉크 102">
+                  <a:extLst>
+                    <a:ext uri="{FF2B5EF4-FFF2-40B4-BE49-F238E27FC236}">
+                      <a16:creationId xmlns:a16="http://schemas.microsoft.com/office/drawing/2014/main" id="{ADC5A355-3BBF-2742-28B2-EAE7D4E4274A}"/>
+                    </a:ext>
+                  </a:extLst>
+                </p14:cNvPr>
+                <p14:cNvContentPartPr/>
+                <p14:nvPr/>
+              </p14:nvContentPartPr>
+              <p14:xfrm>
+                <a:off x="6358208" y="2500380"/>
+                <a:ext cx="57240" cy="66600"/>
+              </p14:xfrm>
+            </p:contentPart>
+          </mc:Choice>
+          <mc:Fallback>
+            <p:pic>
+              <p:nvPicPr>
+                <p:cNvPr id="103" name="잉크 102">
+                  <a:extLst>
+                    <a:ext uri="{FF2B5EF4-FFF2-40B4-BE49-F238E27FC236}">
+                      <a16:creationId xmlns:a16="http://schemas.microsoft.com/office/drawing/2014/main" id="{ADC5A355-3BBF-2742-28B2-EAE7D4E4274A}"/>
+                    </a:ext>
+                  </a:extLst>
+                </p:cNvPr>
+                <p:cNvPicPr/>
+                <p:nvPr/>
+              </p:nvPicPr>
+              <p:blipFill>
+                <a:blip r:embed="rId134"/>
+                <a:stretch>
+                  <a:fillRect/>
+                </a:stretch>
+              </p:blipFill>
+              <p:spPr>
+                <a:xfrm>
+                  <a:off x="6352088" y="2494260"/>
+                  <a:ext cx="69480" cy="78840"/>
+                </a:xfrm>
+                <a:prstGeom prst="rect">
+                  <a:avLst/>
+                </a:prstGeom>
+              </p:spPr>
+            </p:pic>
+          </mc:Fallback>
+        </mc:AlternateContent>
+        <mc:AlternateContent xmlns:mc="http://schemas.openxmlformats.org/markup-compatibility/2006">
+          <mc:Choice xmlns:p14="http://schemas.microsoft.com/office/powerpoint/2010/main" Requires="p14">
+            <p:contentPart p14:bwMode="auto" r:id="rId135">
+              <p14:nvContentPartPr>
+                <p14:cNvPr id="119" name="잉크 118">
+                  <a:extLst>
+                    <a:ext uri="{FF2B5EF4-FFF2-40B4-BE49-F238E27FC236}">
+                      <a16:creationId xmlns:a16="http://schemas.microsoft.com/office/drawing/2014/main" id="{C331C7D4-EF21-08DB-0382-6F3EDF50DEC7}"/>
+                    </a:ext>
+                  </a:extLst>
+                </p14:cNvPr>
+                <p14:cNvContentPartPr/>
+                <p14:nvPr/>
+              </p14:nvContentPartPr>
+              <p14:xfrm>
+                <a:off x="5552888" y="2023740"/>
+                <a:ext cx="114120" cy="113760"/>
+              </p14:xfrm>
+            </p:contentPart>
+          </mc:Choice>
+          <mc:Fallback>
+            <p:pic>
+              <p:nvPicPr>
+                <p:cNvPr id="119" name="잉크 118">
+                  <a:extLst>
+                    <a:ext uri="{FF2B5EF4-FFF2-40B4-BE49-F238E27FC236}">
+                      <a16:creationId xmlns:a16="http://schemas.microsoft.com/office/drawing/2014/main" id="{C331C7D4-EF21-08DB-0382-6F3EDF50DEC7}"/>
+                    </a:ext>
+                  </a:extLst>
+                </p:cNvPr>
+                <p:cNvPicPr/>
+                <p:nvPr/>
+              </p:nvPicPr>
+              <p:blipFill>
+                <a:blip r:embed="rId136"/>
+                <a:stretch>
+                  <a:fillRect/>
+                </a:stretch>
+              </p:blipFill>
+              <p:spPr>
+                <a:xfrm>
+                  <a:off x="5546768" y="2017620"/>
+                  <a:ext cx="126360" cy="126000"/>
+                </a:xfrm>
+                <a:prstGeom prst="rect">
+                  <a:avLst/>
+                </a:prstGeom>
+              </p:spPr>
+            </p:pic>
+          </mc:Fallback>
+        </mc:AlternateContent>
+        <mc:AlternateContent xmlns:mc="http://schemas.openxmlformats.org/markup-compatibility/2006">
+          <mc:Choice xmlns:p14="http://schemas.microsoft.com/office/powerpoint/2010/main" Requires="p14">
+            <p:contentPart p14:bwMode="auto" r:id="rId137">
+              <p14:nvContentPartPr>
+                <p14:cNvPr id="120" name="잉크 119">
+                  <a:extLst>
+                    <a:ext uri="{FF2B5EF4-FFF2-40B4-BE49-F238E27FC236}">
+                      <a16:creationId xmlns:a16="http://schemas.microsoft.com/office/drawing/2014/main" id="{82A70A26-A25F-9428-76A4-FACBC9C6B544}"/>
+                    </a:ext>
+                  </a:extLst>
+                </p14:cNvPr>
+                <p14:cNvContentPartPr/>
+                <p14:nvPr/>
+              </p14:nvContentPartPr>
+              <p14:xfrm>
+                <a:off x="5717768" y="1995300"/>
+                <a:ext cx="16560" cy="97920"/>
+              </p14:xfrm>
+            </p:contentPart>
+          </mc:Choice>
+          <mc:Fallback>
+            <p:pic>
+              <p:nvPicPr>
+                <p:cNvPr id="120" name="잉크 119">
+                  <a:extLst>
+                    <a:ext uri="{FF2B5EF4-FFF2-40B4-BE49-F238E27FC236}">
+                      <a16:creationId xmlns:a16="http://schemas.microsoft.com/office/drawing/2014/main" id="{82A70A26-A25F-9428-76A4-FACBC9C6B544}"/>
+                    </a:ext>
+                  </a:extLst>
+                </p:cNvPr>
+                <p:cNvPicPr/>
+                <p:nvPr/>
+              </p:nvPicPr>
+              <p:blipFill>
+                <a:blip r:embed="rId138"/>
+                <a:stretch>
+                  <a:fillRect/>
+                </a:stretch>
+              </p:blipFill>
+              <p:spPr>
+                <a:xfrm>
+                  <a:off x="5711648" y="1989180"/>
+                  <a:ext cx="28800" cy="110160"/>
+                </a:xfrm>
+                <a:prstGeom prst="rect">
+                  <a:avLst/>
+                </a:prstGeom>
+              </p:spPr>
+            </p:pic>
+          </mc:Fallback>
+        </mc:AlternateContent>
+        <mc:AlternateContent xmlns:mc="http://schemas.openxmlformats.org/markup-compatibility/2006">
+          <mc:Choice xmlns:p14="http://schemas.microsoft.com/office/powerpoint/2010/main" Requires="p14">
+            <p:contentPart p14:bwMode="auto" r:id="rId139">
+              <p14:nvContentPartPr>
+                <p14:cNvPr id="121" name="잉크 120">
+                  <a:extLst>
+                    <a:ext uri="{FF2B5EF4-FFF2-40B4-BE49-F238E27FC236}">
+                      <a16:creationId xmlns:a16="http://schemas.microsoft.com/office/drawing/2014/main" id="{EC1F4146-0C73-144F-BAFF-C493E2EC91D0}"/>
+                    </a:ext>
+                  </a:extLst>
+                </p14:cNvPr>
+                <p14:cNvContentPartPr/>
+                <p14:nvPr/>
+              </p14:nvContentPartPr>
+              <p14:xfrm>
+                <a:off x="5729288" y="2004660"/>
+                <a:ext cx="108720" cy="168120"/>
+              </p14:xfrm>
+            </p:contentPart>
+          </mc:Choice>
+          <mc:Fallback>
+            <p:pic>
+              <p:nvPicPr>
+                <p:cNvPr id="121" name="잉크 120">
+                  <a:extLst>
+                    <a:ext uri="{FF2B5EF4-FFF2-40B4-BE49-F238E27FC236}">
+                      <a16:creationId xmlns:a16="http://schemas.microsoft.com/office/drawing/2014/main" id="{EC1F4146-0C73-144F-BAFF-C493E2EC91D0}"/>
+                    </a:ext>
+                  </a:extLst>
+                </p:cNvPr>
+                <p:cNvPicPr/>
+                <p:nvPr/>
+              </p:nvPicPr>
+              <p:blipFill>
+                <a:blip r:embed="rId140"/>
+                <a:stretch>
+                  <a:fillRect/>
+                </a:stretch>
+              </p:blipFill>
+              <p:spPr>
+                <a:xfrm>
+                  <a:off x="5723168" y="1998540"/>
+                  <a:ext cx="120960" cy="180360"/>
+                </a:xfrm>
+                <a:prstGeom prst="rect">
+                  <a:avLst/>
+                </a:prstGeom>
+              </p:spPr>
+            </p:pic>
+          </mc:Fallback>
+        </mc:AlternateContent>
+        <mc:AlternateContent xmlns:mc="http://schemas.openxmlformats.org/markup-compatibility/2006">
+          <mc:Choice xmlns:p14="http://schemas.microsoft.com/office/powerpoint/2010/main" Requires="p14">
+            <p:contentPart p14:bwMode="auto" r:id="rId141">
+              <p14:nvContentPartPr>
+                <p14:cNvPr id="145" name="잉크 144">
+                  <a:extLst>
+                    <a:ext uri="{FF2B5EF4-FFF2-40B4-BE49-F238E27FC236}">
+                      <a16:creationId xmlns:a16="http://schemas.microsoft.com/office/drawing/2014/main" id="{D35ED35D-D160-0D1C-6A18-5D64022E73DC}"/>
+                    </a:ext>
+                  </a:extLst>
+                </p14:cNvPr>
+                <p14:cNvContentPartPr/>
+                <p14:nvPr/>
+              </p14:nvContentPartPr>
+              <p14:xfrm>
+                <a:off x="6368363" y="1266660"/>
+                <a:ext cx="1765800" cy="1245600"/>
+              </p14:xfrm>
+            </p:contentPart>
+          </mc:Choice>
+          <mc:Fallback>
+            <p:pic>
+              <p:nvPicPr>
+                <p:cNvPr id="145" name="잉크 144">
+                  <a:extLst>
+                    <a:ext uri="{FF2B5EF4-FFF2-40B4-BE49-F238E27FC236}">
+                      <a16:creationId xmlns:a16="http://schemas.microsoft.com/office/drawing/2014/main" id="{D35ED35D-D160-0D1C-6A18-5D64022E73DC}"/>
+                    </a:ext>
+                  </a:extLst>
+                </p:cNvPr>
+                <p:cNvPicPr/>
+                <p:nvPr/>
+              </p:nvPicPr>
+              <p:blipFill>
+                <a:blip r:embed="rId142"/>
+                <a:stretch>
+                  <a:fillRect/>
+                </a:stretch>
+              </p:blipFill>
+              <p:spPr>
+                <a:xfrm>
+                  <a:off x="6362243" y="1260540"/>
+                  <a:ext cx="1778040" cy="1257840"/>
+                </a:xfrm>
+                <a:prstGeom prst="rect">
+                  <a:avLst/>
+                </a:prstGeom>
+              </p:spPr>
+            </p:pic>
+          </mc:Fallback>
+        </mc:AlternateContent>
+        <mc:AlternateContent xmlns:mc="http://schemas.openxmlformats.org/markup-compatibility/2006">
+          <mc:Choice xmlns:p14="http://schemas.microsoft.com/office/powerpoint/2010/main" Requires="p14">
+            <p:contentPart p14:bwMode="auto" r:id="rId143">
+              <p14:nvContentPartPr>
+                <p14:cNvPr id="146" name="잉크 145">
+                  <a:extLst>
+                    <a:ext uri="{FF2B5EF4-FFF2-40B4-BE49-F238E27FC236}">
+                      <a16:creationId xmlns:a16="http://schemas.microsoft.com/office/drawing/2014/main" id="{148FD703-4693-0354-1680-B9E4BC8BE1D0}"/>
+                    </a:ext>
+                  </a:extLst>
+                </p14:cNvPr>
+                <p14:cNvContentPartPr/>
+                <p14:nvPr/>
+              </p14:nvContentPartPr>
+              <p14:xfrm>
+                <a:off x="5486363" y="2433060"/>
+                <a:ext cx="914400" cy="138960"/>
+              </p14:xfrm>
+            </p:contentPart>
+          </mc:Choice>
+          <mc:Fallback>
+            <p:pic>
+              <p:nvPicPr>
+                <p:cNvPr id="146" name="잉크 145">
+                  <a:extLst>
+                    <a:ext uri="{FF2B5EF4-FFF2-40B4-BE49-F238E27FC236}">
+                      <a16:creationId xmlns:a16="http://schemas.microsoft.com/office/drawing/2014/main" id="{148FD703-4693-0354-1680-B9E4BC8BE1D0}"/>
+                    </a:ext>
+                  </a:extLst>
+                </p:cNvPr>
+                <p:cNvPicPr/>
+                <p:nvPr/>
+              </p:nvPicPr>
+              <p:blipFill>
+                <a:blip r:embed="rId144"/>
+                <a:stretch>
+                  <a:fillRect/>
+                </a:stretch>
+              </p:blipFill>
+              <p:spPr>
+                <a:xfrm>
+                  <a:off x="5480243" y="2426940"/>
+                  <a:ext cx="926640" cy="151200"/>
+                </a:xfrm>
+                <a:prstGeom prst="rect">
+                  <a:avLst/>
+                </a:prstGeom>
+              </p:spPr>
+            </p:pic>
+          </mc:Fallback>
+        </mc:AlternateContent>
+      </p:grpSp>
+      <mc:AlternateContent xmlns:mc="http://schemas.openxmlformats.org/markup-compatibility/2006">
+        <mc:Choice xmlns:p14="http://schemas.microsoft.com/office/powerpoint/2010/main" xmlns:aink="http://schemas.microsoft.com/office/drawing/2016/ink" Requires="p14 aink">
+          <p:contentPart p14:bwMode="auto" r:id="rId145">
+            <p14:nvContentPartPr>
+              <p14:cNvPr id="148" name="잉크 147">
+                <a:extLst>
+                  <a:ext uri="{FF2B5EF4-FFF2-40B4-BE49-F238E27FC236}">
+                    <a16:creationId xmlns:a16="http://schemas.microsoft.com/office/drawing/2014/main" id="{C8235DDF-4863-C754-D9DD-06801B768D41}"/>
+                  </a:ext>
+                </a:extLst>
+              </p14:cNvPr>
+              <p14:cNvContentPartPr/>
+              <p14:nvPr/>
+            </p14:nvContentPartPr>
+            <p14:xfrm>
+              <a:off x="6972083" y="1690740"/>
+              <a:ext cx="320040" cy="312120"/>
+            </p14:xfrm>
+          </p:contentPart>
+        </mc:Choice>
+        <mc:Fallback>
+          <p:pic>
+            <p:nvPicPr>
+              <p:cNvPr id="148" name="잉크 147">
+                <a:extLst>
+                  <a:ext uri="{FF2B5EF4-FFF2-40B4-BE49-F238E27FC236}">
+                    <a16:creationId xmlns:a16="http://schemas.microsoft.com/office/drawing/2014/main" id="{C8235DDF-4863-C754-D9DD-06801B768D41}"/>
+                  </a:ext>
+                </a:extLst>
+              </p:cNvPr>
+              <p:cNvPicPr/>
+              <p:nvPr/>
+            </p:nvPicPr>
+            <p:blipFill>
+              <a:blip r:embed="rId146"/>
+              <a:stretch>
+                <a:fillRect/>
+              </a:stretch>
+            </p:blipFill>
+            <p:spPr>
+              <a:xfrm>
+                <a:off x="6963083" y="1681740"/>
+                <a:ext cx="337680" cy="329760"/>
+              </a:xfrm>
+              <a:prstGeom prst="rect">
+                <a:avLst/>
+              </a:prstGeom>
+            </p:spPr>
+          </p:pic>
+        </mc:Fallback>
+      </mc:AlternateContent>
+      <mc:AlternateContent xmlns:mc="http://schemas.openxmlformats.org/markup-compatibility/2006">
+        <mc:Choice xmlns:p14="http://schemas.microsoft.com/office/powerpoint/2010/main" xmlns:aink="http://schemas.microsoft.com/office/drawing/2016/ink" Requires="p14 aink">
+          <p:contentPart p14:bwMode="auto" r:id="rId147">
+            <p14:nvContentPartPr>
+              <p14:cNvPr id="149" name="잉크 148">
+                <a:extLst>
+                  <a:ext uri="{FF2B5EF4-FFF2-40B4-BE49-F238E27FC236}">
+                    <a16:creationId xmlns:a16="http://schemas.microsoft.com/office/drawing/2014/main" id="{8804A3F1-DF66-26BD-120C-3E95C0F6B7E3}"/>
+                  </a:ext>
+                </a:extLst>
+              </p14:cNvPr>
+              <p14:cNvContentPartPr/>
+              <p14:nvPr/>
+            </p14:nvContentPartPr>
+            <p14:xfrm>
+              <a:off x="5794163" y="2276460"/>
+              <a:ext cx="221040" cy="288720"/>
+            </p14:xfrm>
+          </p:contentPart>
+        </mc:Choice>
+        <mc:Fallback>
+          <p:pic>
+            <p:nvPicPr>
+              <p:cNvPr id="149" name="잉크 148">
+                <a:extLst>
+                  <a:ext uri="{FF2B5EF4-FFF2-40B4-BE49-F238E27FC236}">
+                    <a16:creationId xmlns:a16="http://schemas.microsoft.com/office/drawing/2014/main" id="{8804A3F1-DF66-26BD-120C-3E95C0F6B7E3}"/>
+                  </a:ext>
+                </a:extLst>
+              </p:cNvPr>
+              <p:cNvPicPr/>
+              <p:nvPr/>
+            </p:nvPicPr>
+            <p:blipFill>
+              <a:blip r:embed="rId148"/>
+              <a:stretch>
+                <a:fillRect/>
+              </a:stretch>
+            </p:blipFill>
+            <p:spPr>
+              <a:xfrm>
+                <a:off x="5785163" y="2267460"/>
+                <a:ext cx="238680" cy="306360"/>
+              </a:xfrm>
+              <a:prstGeom prst="rect">
+                <a:avLst/>
+              </a:prstGeom>
+            </p:spPr>
+          </p:pic>
+        </mc:Fallback>
+      </mc:AlternateContent>
+      <p:grpSp>
+        <p:nvGrpSpPr>
+          <p:cNvPr id="152" name="그룹 151">
+            <a:extLst>
+              <a:ext uri="{FF2B5EF4-FFF2-40B4-BE49-F238E27FC236}">
+                <a16:creationId xmlns:a16="http://schemas.microsoft.com/office/drawing/2014/main" id="{F3168B5A-FFF1-36A1-0CB6-684B030CB1C5}"/>
+              </a:ext>
+            </a:extLst>
+          </p:cNvPr>
+          <p:cNvGrpSpPr/>
+          <p:nvPr/>
+        </p:nvGrpSpPr>
+        <p:grpSpPr>
+          <a:xfrm>
+            <a:off x="4866443" y="1652580"/>
+            <a:ext cx="601200" cy="437400"/>
+            <a:chOff x="4866443" y="1652580"/>
+            <a:chExt cx="601200" cy="437400"/>
+          </a:xfrm>
+        </p:grpSpPr>
+        <mc:AlternateContent xmlns:mc="http://schemas.openxmlformats.org/markup-compatibility/2006">
+          <mc:Choice xmlns:p14="http://schemas.microsoft.com/office/powerpoint/2010/main" xmlns:aink="http://schemas.microsoft.com/office/drawing/2016/ink" Requires="p14 aink">
+            <p:contentPart p14:bwMode="auto" r:id="rId149">
+              <p14:nvContentPartPr>
+                <p14:cNvPr id="150" name="잉크 149">
+                  <a:extLst>
+                    <a:ext uri="{FF2B5EF4-FFF2-40B4-BE49-F238E27FC236}">
+                      <a16:creationId xmlns:a16="http://schemas.microsoft.com/office/drawing/2014/main" id="{FC1D0EEA-8866-4B26-2C5F-9C9867D3D207}"/>
+                    </a:ext>
+                  </a:extLst>
+                </p14:cNvPr>
+                <p14:cNvContentPartPr/>
+                <p14:nvPr/>
+              </p14:nvContentPartPr>
+              <p14:xfrm>
+                <a:off x="5003603" y="1909620"/>
+                <a:ext cx="464040" cy="180360"/>
+              </p14:xfrm>
+            </p:contentPart>
+          </mc:Choice>
+          <mc:Fallback>
+            <p:pic>
+              <p:nvPicPr>
+                <p:cNvPr id="150" name="잉크 149">
+                  <a:extLst>
+                    <a:ext uri="{FF2B5EF4-FFF2-40B4-BE49-F238E27FC236}">
+                      <a16:creationId xmlns:a16="http://schemas.microsoft.com/office/drawing/2014/main" id="{FC1D0EEA-8866-4B26-2C5F-9C9867D3D207}"/>
+                    </a:ext>
+                  </a:extLst>
+                </p:cNvPr>
+                <p:cNvPicPr/>
+                <p:nvPr/>
+              </p:nvPicPr>
+              <p:blipFill>
+                <a:blip r:embed="rId150"/>
+                <a:stretch>
+                  <a:fillRect/>
+                </a:stretch>
+              </p:blipFill>
+              <p:spPr>
+                <a:xfrm>
+                  <a:off x="4994963" y="1900620"/>
+                  <a:ext cx="481680" cy="198000"/>
+                </a:xfrm>
+                <a:prstGeom prst="rect">
+                  <a:avLst/>
+                </a:prstGeom>
+              </p:spPr>
+            </p:pic>
+          </mc:Fallback>
+        </mc:AlternateContent>
+        <mc:AlternateContent xmlns:mc="http://schemas.openxmlformats.org/markup-compatibility/2006">
+          <mc:Choice xmlns:p14="http://schemas.microsoft.com/office/powerpoint/2010/main" xmlns:aink="http://schemas.microsoft.com/office/drawing/2016/ink" Requires="p14 aink">
+            <p:contentPart p14:bwMode="auto" r:id="rId151">
+              <p14:nvContentPartPr>
+                <p14:cNvPr id="151" name="잉크 150">
+                  <a:extLst>
+                    <a:ext uri="{FF2B5EF4-FFF2-40B4-BE49-F238E27FC236}">
+                      <a16:creationId xmlns:a16="http://schemas.microsoft.com/office/drawing/2014/main" id="{2CE852C4-8B40-A215-577E-0580CF0D38E7}"/>
+                    </a:ext>
+                  </a:extLst>
+                </p14:cNvPr>
+                <p14:cNvContentPartPr/>
+                <p14:nvPr/>
+              </p14:nvContentPartPr>
+              <p14:xfrm>
+                <a:off x="4866443" y="1652580"/>
+                <a:ext cx="163080" cy="160200"/>
+              </p14:xfrm>
+            </p:contentPart>
+          </mc:Choice>
+          <mc:Fallback>
+            <p:pic>
+              <p:nvPicPr>
+                <p:cNvPr id="151" name="잉크 150">
+                  <a:extLst>
+                    <a:ext uri="{FF2B5EF4-FFF2-40B4-BE49-F238E27FC236}">
+                      <a16:creationId xmlns:a16="http://schemas.microsoft.com/office/drawing/2014/main" id="{2CE852C4-8B40-A215-577E-0580CF0D38E7}"/>
+                    </a:ext>
+                  </a:extLst>
+                </p:cNvPr>
+                <p:cNvPicPr/>
+                <p:nvPr/>
+              </p:nvPicPr>
+              <p:blipFill>
+                <a:blip r:embed="rId152"/>
+                <a:stretch>
+                  <a:fillRect/>
+                </a:stretch>
+              </p:blipFill>
+              <p:spPr>
+                <a:xfrm>
+                  <a:off x="4857443" y="1643580"/>
+                  <a:ext cx="180720" cy="177840"/>
+                </a:xfrm>
+                <a:prstGeom prst="rect">
+                  <a:avLst/>
+                </a:prstGeom>
+              </p:spPr>
+            </p:pic>
+          </mc:Fallback>
+        </mc:AlternateContent>
+      </p:grpSp>
+      <mc:AlternateContent xmlns:mc="http://schemas.openxmlformats.org/markup-compatibility/2006">
+        <mc:Choice xmlns:p14="http://schemas.microsoft.com/office/powerpoint/2010/main" xmlns:aink="http://schemas.microsoft.com/office/drawing/2016/ink" Requires="p14 aink">
+          <p:contentPart p14:bwMode="auto" r:id="rId153">
+            <p14:nvContentPartPr>
+              <p14:cNvPr id="153" name="잉크 152">
+                <a:extLst>
+                  <a:ext uri="{FF2B5EF4-FFF2-40B4-BE49-F238E27FC236}">
+                    <a16:creationId xmlns:a16="http://schemas.microsoft.com/office/drawing/2014/main" id="{694D6EA8-5E34-9BD8-6C60-3D400E53B83E}"/>
+                  </a:ext>
+                </a:extLst>
+              </p14:cNvPr>
+              <p14:cNvContentPartPr/>
+              <p14:nvPr/>
+            </p14:nvContentPartPr>
+            <p14:xfrm>
+              <a:off x="4409243" y="1509660"/>
+              <a:ext cx="163080" cy="183240"/>
+            </p14:xfrm>
+          </p:contentPart>
+        </mc:Choice>
+        <mc:Fallback>
+          <p:pic>
+            <p:nvPicPr>
+              <p:cNvPr id="153" name="잉크 152">
+                <a:extLst>
+                  <a:ext uri="{FF2B5EF4-FFF2-40B4-BE49-F238E27FC236}">
+                    <a16:creationId xmlns:a16="http://schemas.microsoft.com/office/drawing/2014/main" id="{694D6EA8-5E34-9BD8-6C60-3D400E53B83E}"/>
+                  </a:ext>
+                </a:extLst>
+              </p:cNvPr>
+              <p:cNvPicPr/>
+              <p:nvPr/>
+            </p:nvPicPr>
+            <p:blipFill>
+              <a:blip r:embed="rId154"/>
+              <a:stretch>
+                <a:fillRect/>
+              </a:stretch>
+            </p:blipFill>
+            <p:spPr>
+              <a:xfrm>
+                <a:off x="4400603" y="1500660"/>
+                <a:ext cx="180720" cy="200880"/>
+              </a:xfrm>
+              <a:prstGeom prst="rect">
+                <a:avLst/>
+              </a:prstGeom>
+            </p:spPr>
+          </p:pic>
+        </mc:Fallback>
+      </mc:AlternateContent>
+      <mc:AlternateContent xmlns:mc="http://schemas.openxmlformats.org/markup-compatibility/2006">
+        <mc:Choice xmlns:p14="http://schemas.microsoft.com/office/powerpoint/2010/main" xmlns:aink="http://schemas.microsoft.com/office/drawing/2016/ink" Requires="p14 aink">
+          <p:contentPart p14:bwMode="auto" r:id="rId155">
+            <p14:nvContentPartPr>
+              <p14:cNvPr id="154" name="잉크 153">
+                <a:extLst>
+                  <a:ext uri="{FF2B5EF4-FFF2-40B4-BE49-F238E27FC236}">
+                    <a16:creationId xmlns:a16="http://schemas.microsoft.com/office/drawing/2014/main" id="{A340CEAB-F70E-15A0-D6F0-9252E65426A8}"/>
+                  </a:ext>
+                </a:extLst>
+              </p14:cNvPr>
+              <p14:cNvContentPartPr/>
+              <p14:nvPr/>
+            </p14:nvContentPartPr>
+            <p14:xfrm>
+              <a:off x="3905243" y="1419300"/>
+              <a:ext cx="360" cy="316080"/>
+            </p14:xfrm>
+          </p:contentPart>
+        </mc:Choice>
+        <mc:Fallback>
+          <p:pic>
+            <p:nvPicPr>
+              <p:cNvPr id="154" name="잉크 153">
+                <a:extLst>
+                  <a:ext uri="{FF2B5EF4-FFF2-40B4-BE49-F238E27FC236}">
+                    <a16:creationId xmlns:a16="http://schemas.microsoft.com/office/drawing/2014/main" id="{A340CEAB-F70E-15A0-D6F0-9252E65426A8}"/>
+                  </a:ext>
+                </a:extLst>
+              </p:cNvPr>
+              <p:cNvPicPr/>
+              <p:nvPr/>
+            </p:nvPicPr>
+            <p:blipFill>
+              <a:blip r:embed="rId156"/>
+              <a:stretch>
+                <a:fillRect/>
+              </a:stretch>
+            </p:blipFill>
+            <p:spPr>
+              <a:xfrm>
+                <a:off x="3896243" y="1410300"/>
+                <a:ext cx="18000" cy="333720"/>
+              </a:xfrm>
+              <a:prstGeom prst="rect">
+                <a:avLst/>
+              </a:prstGeom>
+            </p:spPr>
+          </p:pic>
+        </mc:Fallback>
+      </mc:AlternateContent>
+      <mc:AlternateContent xmlns:mc="http://schemas.openxmlformats.org/markup-compatibility/2006">
+        <mc:Choice xmlns:p14="http://schemas.microsoft.com/office/powerpoint/2010/main" xmlns:aink="http://schemas.microsoft.com/office/drawing/2016/ink" Requires="p14 aink">
+          <p:contentPart p14:bwMode="auto" r:id="rId157">
+            <p14:nvContentPartPr>
+              <p14:cNvPr id="155" name="잉크 154">
+                <a:extLst>
+                  <a:ext uri="{FF2B5EF4-FFF2-40B4-BE49-F238E27FC236}">
+                    <a16:creationId xmlns:a16="http://schemas.microsoft.com/office/drawing/2014/main" id="{F9BF1D3A-379F-DFFE-68A3-1BB346450D3D}"/>
+                  </a:ext>
+                </a:extLst>
+              </p14:cNvPr>
+              <p14:cNvContentPartPr/>
+              <p14:nvPr/>
+            </p14:nvContentPartPr>
+            <p14:xfrm>
+              <a:off x="3157523" y="1357380"/>
+              <a:ext cx="209880" cy="287640"/>
+            </p14:xfrm>
+          </p:contentPart>
+        </mc:Choice>
+        <mc:Fallback>
+          <p:pic>
+            <p:nvPicPr>
+              <p:cNvPr id="155" name="잉크 154">
+                <a:extLst>
+                  <a:ext uri="{FF2B5EF4-FFF2-40B4-BE49-F238E27FC236}">
+                    <a16:creationId xmlns:a16="http://schemas.microsoft.com/office/drawing/2014/main" id="{F9BF1D3A-379F-DFFE-68A3-1BB346450D3D}"/>
+                  </a:ext>
+                </a:extLst>
+              </p:cNvPr>
+              <p:cNvPicPr/>
+              <p:nvPr/>
+            </p:nvPicPr>
+            <p:blipFill>
+              <a:blip r:embed="rId158"/>
+              <a:stretch>
+                <a:fillRect/>
+              </a:stretch>
+            </p:blipFill>
+            <p:spPr>
+              <a:xfrm>
+                <a:off x="3148523" y="1348380"/>
+                <a:ext cx="227520" cy="305280"/>
+              </a:xfrm>
+              <a:prstGeom prst="rect">
+                <a:avLst/>
+              </a:prstGeom>
+            </p:spPr>
+          </p:pic>
+        </mc:Fallback>
+      </mc:AlternateContent>
+      <mc:AlternateContent xmlns:mc="http://schemas.openxmlformats.org/markup-compatibility/2006">
+        <mc:Choice xmlns:p14="http://schemas.microsoft.com/office/powerpoint/2010/main" xmlns:aink="http://schemas.microsoft.com/office/drawing/2016/ink" Requires="p14 aink">
+          <p:contentPart p14:bwMode="auto" r:id="rId159">
+            <p14:nvContentPartPr>
+              <p14:cNvPr id="156" name="잉크 155">
+                <a:extLst>
+                  <a:ext uri="{FF2B5EF4-FFF2-40B4-BE49-F238E27FC236}">
+                    <a16:creationId xmlns:a16="http://schemas.microsoft.com/office/drawing/2014/main" id="{C8A30088-34D0-31A1-3FE6-3FA181C74B83}"/>
+                  </a:ext>
+                </a:extLst>
+              </p14:cNvPr>
+              <p14:cNvContentPartPr/>
+              <p14:nvPr/>
+            </p14:nvContentPartPr>
+            <p14:xfrm>
+              <a:off x="2849723" y="1289700"/>
+              <a:ext cx="17280" cy="199440"/>
+            </p14:xfrm>
+          </p:contentPart>
+        </mc:Choice>
+        <mc:Fallback>
+          <p:pic>
+            <p:nvPicPr>
+              <p:cNvPr id="156" name="잉크 155">
+                <a:extLst>
+                  <a:ext uri="{FF2B5EF4-FFF2-40B4-BE49-F238E27FC236}">
+                    <a16:creationId xmlns:a16="http://schemas.microsoft.com/office/drawing/2014/main" id="{C8A30088-34D0-31A1-3FE6-3FA181C74B83}"/>
+                  </a:ext>
+                </a:extLst>
+              </p:cNvPr>
+              <p:cNvPicPr/>
+              <p:nvPr/>
+            </p:nvPicPr>
+            <p:blipFill>
+              <a:blip r:embed="rId160"/>
+              <a:stretch>
+                <a:fillRect/>
+              </a:stretch>
+            </p:blipFill>
+            <p:spPr>
+              <a:xfrm>
+                <a:off x="2841083" y="1280700"/>
+                <a:ext cx="34920" cy="217080"/>
+              </a:xfrm>
+              <a:prstGeom prst="rect">
+                <a:avLst/>
+              </a:prstGeom>
+            </p:spPr>
+          </p:pic>
+        </mc:Fallback>
+      </mc:AlternateContent>
+      <mc:AlternateContent xmlns:mc="http://schemas.openxmlformats.org/markup-compatibility/2006">
+        <mc:Choice xmlns:p14="http://schemas.microsoft.com/office/powerpoint/2010/main" xmlns:aink="http://schemas.microsoft.com/office/drawing/2016/ink" Requires="p14 aink">
+          <p:contentPart p14:bwMode="auto" r:id="rId161">
+            <p14:nvContentPartPr>
+              <p14:cNvPr id="157" name="잉크 156">
+                <a:extLst>
+                  <a:ext uri="{FF2B5EF4-FFF2-40B4-BE49-F238E27FC236}">
+                    <a16:creationId xmlns:a16="http://schemas.microsoft.com/office/drawing/2014/main" id="{312C31F3-9D43-B9CB-1538-0A442C49BDFF}"/>
+                  </a:ext>
+                </a:extLst>
+              </p14:cNvPr>
+              <p14:cNvContentPartPr/>
+              <p14:nvPr/>
+            </p14:nvContentPartPr>
+            <p14:xfrm>
+              <a:off x="2514563" y="1571580"/>
+              <a:ext cx="298080" cy="151920"/>
+            </p14:xfrm>
+          </p:contentPart>
+        </mc:Choice>
+        <mc:Fallback>
+          <p:pic>
+            <p:nvPicPr>
+              <p:cNvPr id="157" name="잉크 156">
+                <a:extLst>
+                  <a:ext uri="{FF2B5EF4-FFF2-40B4-BE49-F238E27FC236}">
+                    <a16:creationId xmlns:a16="http://schemas.microsoft.com/office/drawing/2014/main" id="{312C31F3-9D43-B9CB-1538-0A442C49BDFF}"/>
+                  </a:ext>
+                </a:extLst>
+              </p:cNvPr>
+              <p:cNvPicPr/>
+              <p:nvPr/>
+            </p:nvPicPr>
+            <p:blipFill>
+              <a:blip r:embed="rId162"/>
+              <a:stretch>
+                <a:fillRect/>
+              </a:stretch>
+            </p:blipFill>
+            <p:spPr>
+              <a:xfrm>
+                <a:off x="2505563" y="1562580"/>
+                <a:ext cx="315720" cy="169560"/>
+              </a:xfrm>
+              <a:prstGeom prst="rect">
+                <a:avLst/>
+              </a:prstGeom>
+            </p:spPr>
+          </p:pic>
+        </mc:Fallback>
+      </mc:AlternateContent>
+      <mc:AlternateContent xmlns:mc="http://schemas.openxmlformats.org/markup-compatibility/2006">
+        <mc:Choice xmlns:p14="http://schemas.microsoft.com/office/powerpoint/2010/main" xmlns:aink="http://schemas.microsoft.com/office/drawing/2016/ink" Requires="p14 aink">
+          <p:contentPart p14:bwMode="auto" r:id="rId163">
+            <p14:nvContentPartPr>
+              <p14:cNvPr id="158" name="잉크 157">
+                <a:extLst>
+                  <a:ext uri="{FF2B5EF4-FFF2-40B4-BE49-F238E27FC236}">
+                    <a16:creationId xmlns:a16="http://schemas.microsoft.com/office/drawing/2014/main" id="{B787B9EC-A4CD-3D85-A114-12F70DFA0A92}"/>
+                  </a:ext>
+                </a:extLst>
+              </p14:cNvPr>
+              <p14:cNvContentPartPr/>
+              <p14:nvPr/>
+            </p14:nvContentPartPr>
+            <p14:xfrm>
+              <a:off x="2396123" y="1657260"/>
+              <a:ext cx="37800" cy="87840"/>
+            </p14:xfrm>
+          </p:contentPart>
+        </mc:Choice>
+        <mc:Fallback>
+          <p:pic>
+            <p:nvPicPr>
+              <p:cNvPr id="158" name="잉크 157">
+                <a:extLst>
+                  <a:ext uri="{FF2B5EF4-FFF2-40B4-BE49-F238E27FC236}">
+                    <a16:creationId xmlns:a16="http://schemas.microsoft.com/office/drawing/2014/main" id="{B787B9EC-A4CD-3D85-A114-12F70DFA0A92}"/>
+                  </a:ext>
+                </a:extLst>
+              </p:cNvPr>
+              <p:cNvPicPr/>
+              <p:nvPr/>
+            </p:nvPicPr>
+            <p:blipFill>
+              <a:blip r:embed="rId164"/>
+              <a:stretch>
+                <a:fillRect/>
+              </a:stretch>
+            </p:blipFill>
+            <p:spPr>
+              <a:xfrm>
+                <a:off x="2387123" y="1648260"/>
+                <a:ext cx="55440" cy="105480"/>
+              </a:xfrm>
+              <a:prstGeom prst="rect">
+                <a:avLst/>
+              </a:prstGeom>
+            </p:spPr>
+          </p:pic>
+        </mc:Fallback>
+      </mc:AlternateContent>
+      <mc:AlternateContent xmlns:mc="http://schemas.openxmlformats.org/markup-compatibility/2006">
+        <mc:Choice xmlns:p14="http://schemas.microsoft.com/office/powerpoint/2010/main" xmlns:aink="http://schemas.microsoft.com/office/drawing/2016/ink" Requires="p14 aink">
+          <p:contentPart p14:bwMode="auto" r:id="rId165">
+            <p14:nvContentPartPr>
+              <p14:cNvPr id="159" name="잉크 158">
+                <a:extLst>
+                  <a:ext uri="{FF2B5EF4-FFF2-40B4-BE49-F238E27FC236}">
+                    <a16:creationId xmlns:a16="http://schemas.microsoft.com/office/drawing/2014/main" id="{BC56A822-FAE4-AA1C-C522-67E006E7B4CF}"/>
+                  </a:ext>
+                </a:extLst>
+              </p14:cNvPr>
+              <p14:cNvContentPartPr/>
+              <p14:nvPr/>
+            </p14:nvContentPartPr>
+            <p14:xfrm>
+              <a:off x="1062060" y="2223900"/>
+              <a:ext cx="420480" cy="474120"/>
+            </p14:xfrm>
+          </p:contentPart>
+        </mc:Choice>
+        <mc:Fallback>
+          <p:pic>
+            <p:nvPicPr>
+              <p:cNvPr id="159" name="잉크 158">
+                <a:extLst>
+                  <a:ext uri="{FF2B5EF4-FFF2-40B4-BE49-F238E27FC236}">
+                    <a16:creationId xmlns:a16="http://schemas.microsoft.com/office/drawing/2014/main" id="{BC56A822-FAE4-AA1C-C522-67E006E7B4CF}"/>
+                  </a:ext>
+                </a:extLst>
+              </p:cNvPr>
+              <p:cNvPicPr/>
+              <p:nvPr/>
+            </p:nvPicPr>
+            <p:blipFill>
+              <a:blip r:embed="rId166"/>
+              <a:stretch>
+                <a:fillRect/>
+              </a:stretch>
+            </p:blipFill>
+            <p:spPr>
+              <a:xfrm>
+                <a:off x="1053060" y="2214900"/>
+                <a:ext cx="438120" cy="491760"/>
+              </a:xfrm>
+              <a:prstGeom prst="rect">
+                <a:avLst/>
+              </a:prstGeom>
+            </p:spPr>
+          </p:pic>
+        </mc:Fallback>
+      </mc:AlternateContent>
+      <mc:AlternateContent xmlns:mc="http://schemas.openxmlformats.org/markup-compatibility/2006">
+        <mc:Choice xmlns:p14="http://schemas.microsoft.com/office/powerpoint/2010/main" xmlns:aink="http://schemas.microsoft.com/office/drawing/2016/ink" Requires="p14 aink">
+          <p:contentPart p14:bwMode="auto" r:id="rId167">
+            <p14:nvContentPartPr>
+              <p14:cNvPr id="160" name="잉크 159">
+                <a:extLst>
+                  <a:ext uri="{FF2B5EF4-FFF2-40B4-BE49-F238E27FC236}">
+                    <a16:creationId xmlns:a16="http://schemas.microsoft.com/office/drawing/2014/main" id="{809B9E01-9519-C660-50D6-BD29137DDE74}"/>
+                  </a:ext>
+                </a:extLst>
+              </p14:cNvPr>
+              <p14:cNvContentPartPr/>
+              <p14:nvPr/>
+            </p14:nvContentPartPr>
+            <p14:xfrm>
+              <a:off x="1531140" y="3190860"/>
+              <a:ext cx="193320" cy="576360"/>
+            </p14:xfrm>
+          </p:contentPart>
+        </mc:Choice>
+        <mc:Fallback>
+          <p:pic>
+            <p:nvPicPr>
+              <p:cNvPr id="160" name="잉크 159">
+                <a:extLst>
+                  <a:ext uri="{FF2B5EF4-FFF2-40B4-BE49-F238E27FC236}">
+                    <a16:creationId xmlns:a16="http://schemas.microsoft.com/office/drawing/2014/main" id="{809B9E01-9519-C660-50D6-BD29137DDE74}"/>
+                  </a:ext>
+                </a:extLst>
+              </p:cNvPr>
+              <p:cNvPicPr/>
+              <p:nvPr/>
+            </p:nvPicPr>
+            <p:blipFill>
+              <a:blip r:embed="rId168"/>
+              <a:stretch>
+                <a:fillRect/>
+              </a:stretch>
+            </p:blipFill>
+            <p:spPr>
+              <a:xfrm>
+                <a:off x="1522140" y="3181860"/>
+                <a:ext cx="210960" cy="594000"/>
+              </a:xfrm>
+              <a:prstGeom prst="rect">
+                <a:avLst/>
+              </a:prstGeom>
+            </p:spPr>
+          </p:pic>
+        </mc:Fallback>
+      </mc:AlternateContent>
+      <mc:AlternateContent xmlns:mc="http://schemas.openxmlformats.org/markup-compatibility/2006">
+        <mc:Choice xmlns:p14="http://schemas.microsoft.com/office/powerpoint/2010/main" xmlns:aink="http://schemas.microsoft.com/office/drawing/2016/ink" Requires="p14 aink">
+          <p:contentPart p14:bwMode="auto" r:id="rId169">
+            <p14:nvContentPartPr>
+              <p14:cNvPr id="161" name="잉크 160">
+                <a:extLst>
+                  <a:ext uri="{FF2B5EF4-FFF2-40B4-BE49-F238E27FC236}">
+                    <a16:creationId xmlns:a16="http://schemas.microsoft.com/office/drawing/2014/main" id="{4BF41145-04EC-D5FA-DCCB-797EA796B571}"/>
+                  </a:ext>
+                </a:extLst>
+              </p14:cNvPr>
+              <p14:cNvContentPartPr/>
+              <p14:nvPr/>
+            </p14:nvContentPartPr>
+            <p14:xfrm>
+              <a:off x="2881140" y="3005100"/>
+              <a:ext cx="388440" cy="34920"/>
+            </p14:xfrm>
+          </p:contentPart>
+        </mc:Choice>
+        <mc:Fallback>
+          <p:pic>
+            <p:nvPicPr>
+              <p:cNvPr id="161" name="잉크 160">
+                <a:extLst>
+                  <a:ext uri="{FF2B5EF4-FFF2-40B4-BE49-F238E27FC236}">
+                    <a16:creationId xmlns:a16="http://schemas.microsoft.com/office/drawing/2014/main" id="{4BF41145-04EC-D5FA-DCCB-797EA796B571}"/>
+                  </a:ext>
+                </a:extLst>
+              </p:cNvPr>
+              <p:cNvPicPr/>
+              <p:nvPr/>
+            </p:nvPicPr>
+            <p:blipFill>
+              <a:blip r:embed="rId170"/>
+              <a:stretch>
+                <a:fillRect/>
+              </a:stretch>
+            </p:blipFill>
+            <p:spPr>
+              <a:xfrm>
+                <a:off x="2872140" y="2996100"/>
+                <a:ext cx="406080" cy="52560"/>
+              </a:xfrm>
+              <a:prstGeom prst="rect">
+                <a:avLst/>
+              </a:prstGeom>
+            </p:spPr>
+          </p:pic>
+        </mc:Fallback>
+      </mc:AlternateContent>
+      <mc:AlternateContent xmlns:mc="http://schemas.openxmlformats.org/markup-compatibility/2006">
+        <mc:Choice xmlns:p14="http://schemas.microsoft.com/office/powerpoint/2010/main" xmlns:aink="http://schemas.microsoft.com/office/drawing/2016/ink" Requires="p14 aink">
+          <p:contentPart p14:bwMode="auto" r:id="rId171">
+            <p14:nvContentPartPr>
+              <p14:cNvPr id="162" name="잉크 161">
+                <a:extLst>
+                  <a:ext uri="{FF2B5EF4-FFF2-40B4-BE49-F238E27FC236}">
+                    <a16:creationId xmlns:a16="http://schemas.microsoft.com/office/drawing/2014/main" id="{8F166F71-2397-240A-062B-22CA1C5A1CFA}"/>
+                  </a:ext>
+                </a:extLst>
+              </p14:cNvPr>
+              <p14:cNvContentPartPr/>
+              <p14:nvPr/>
+            </p14:nvContentPartPr>
+            <p14:xfrm>
+              <a:off x="3757020" y="2452500"/>
+              <a:ext cx="5760" cy="190080"/>
+            </p14:xfrm>
+          </p:contentPart>
+        </mc:Choice>
+        <mc:Fallback>
+          <p:pic>
+            <p:nvPicPr>
+              <p:cNvPr id="162" name="잉크 161">
+                <a:extLst>
+                  <a:ext uri="{FF2B5EF4-FFF2-40B4-BE49-F238E27FC236}">
+                    <a16:creationId xmlns:a16="http://schemas.microsoft.com/office/drawing/2014/main" id="{8F166F71-2397-240A-062B-22CA1C5A1CFA}"/>
+                  </a:ext>
+                </a:extLst>
+              </p:cNvPr>
+              <p:cNvPicPr/>
+              <p:nvPr/>
+            </p:nvPicPr>
+            <p:blipFill>
+              <a:blip r:embed="rId172"/>
+              <a:stretch>
+                <a:fillRect/>
+              </a:stretch>
+            </p:blipFill>
+            <p:spPr>
+              <a:xfrm>
+                <a:off x="3748380" y="2443500"/>
+                <a:ext cx="23400" cy="207720"/>
+              </a:xfrm>
+              <a:prstGeom prst="rect">
+                <a:avLst/>
+              </a:prstGeom>
+            </p:spPr>
+          </p:pic>
+        </mc:Fallback>
+      </mc:AlternateContent>
+      <mc:AlternateContent xmlns:mc="http://schemas.openxmlformats.org/markup-compatibility/2006">
+        <mc:Choice xmlns:p14="http://schemas.microsoft.com/office/powerpoint/2010/main" xmlns:aink="http://schemas.microsoft.com/office/drawing/2016/ink" Requires="p14 aink">
+          <p:contentPart p14:bwMode="auto" r:id="rId173">
+            <p14:nvContentPartPr>
+              <p14:cNvPr id="163" name="잉크 162">
+                <a:extLst>
+                  <a:ext uri="{FF2B5EF4-FFF2-40B4-BE49-F238E27FC236}">
+                    <a16:creationId xmlns:a16="http://schemas.microsoft.com/office/drawing/2014/main" id="{AE8A4316-7A48-C47C-4574-7310B4D48B4B}"/>
+                  </a:ext>
+                </a:extLst>
+              </p14:cNvPr>
+              <p14:cNvContentPartPr/>
+              <p14:nvPr/>
+            </p14:nvContentPartPr>
+            <p14:xfrm>
+              <a:off x="2822100" y="2338380"/>
+              <a:ext cx="178560" cy="202320"/>
+            </p14:xfrm>
+          </p:contentPart>
+        </mc:Choice>
+        <mc:Fallback>
+          <p:pic>
+            <p:nvPicPr>
+              <p:cNvPr id="163" name="잉크 162">
+                <a:extLst>
+                  <a:ext uri="{FF2B5EF4-FFF2-40B4-BE49-F238E27FC236}">
+                    <a16:creationId xmlns:a16="http://schemas.microsoft.com/office/drawing/2014/main" id="{AE8A4316-7A48-C47C-4574-7310B4D48B4B}"/>
+                  </a:ext>
+                </a:extLst>
+              </p:cNvPr>
+              <p:cNvPicPr/>
+              <p:nvPr/>
+            </p:nvPicPr>
+            <p:blipFill>
+              <a:blip r:embed="rId174"/>
+              <a:stretch>
+                <a:fillRect/>
+              </a:stretch>
+            </p:blipFill>
+            <p:spPr>
+              <a:xfrm>
+                <a:off x="2813100" y="2329380"/>
+                <a:ext cx="196200" cy="219960"/>
+              </a:xfrm>
+              <a:prstGeom prst="rect">
+                <a:avLst/>
+              </a:prstGeom>
+            </p:spPr>
+          </p:pic>
+        </mc:Fallback>
+      </mc:AlternateContent>
+      <mc:AlternateContent xmlns:mc="http://schemas.openxmlformats.org/markup-compatibility/2006">
+        <mc:Choice xmlns:p14="http://schemas.microsoft.com/office/powerpoint/2010/main" xmlns:aink="http://schemas.microsoft.com/office/drawing/2016/ink" Requires="p14 aink">
+          <p:contentPart p14:bwMode="auto" r:id="rId175">
+            <p14:nvContentPartPr>
+              <p14:cNvPr id="164" name="잉크 163">
+                <a:extLst>
+                  <a:ext uri="{FF2B5EF4-FFF2-40B4-BE49-F238E27FC236}">
+                    <a16:creationId xmlns:a16="http://schemas.microsoft.com/office/drawing/2014/main" id="{55B048DE-6DDC-4901-6FB4-6CE86D4D119A}"/>
+                  </a:ext>
+                </a:extLst>
+              </p14:cNvPr>
+              <p14:cNvContentPartPr/>
+              <p14:nvPr/>
+            </p14:nvContentPartPr>
+            <p14:xfrm>
+              <a:off x="2885820" y="2105100"/>
+              <a:ext cx="104400" cy="129960"/>
+            </p14:xfrm>
+          </p:contentPart>
+        </mc:Choice>
+        <mc:Fallback>
+          <p:pic>
+            <p:nvPicPr>
+              <p:cNvPr id="164" name="잉크 163">
+                <a:extLst>
+                  <a:ext uri="{FF2B5EF4-FFF2-40B4-BE49-F238E27FC236}">
+                    <a16:creationId xmlns:a16="http://schemas.microsoft.com/office/drawing/2014/main" id="{55B048DE-6DDC-4901-6FB4-6CE86D4D119A}"/>
+                  </a:ext>
+                </a:extLst>
+              </p:cNvPr>
+              <p:cNvPicPr/>
+              <p:nvPr/>
+            </p:nvPicPr>
+            <p:blipFill>
+              <a:blip r:embed="rId176"/>
+              <a:stretch>
+                <a:fillRect/>
+              </a:stretch>
+            </p:blipFill>
+            <p:spPr>
+              <a:xfrm>
+                <a:off x="2876820" y="2096100"/>
+                <a:ext cx="122040" cy="147600"/>
+              </a:xfrm>
+              <a:prstGeom prst="rect">
+                <a:avLst/>
+              </a:prstGeom>
+            </p:spPr>
+          </p:pic>
+        </mc:Fallback>
+      </mc:AlternateContent>
+      <mc:AlternateContent xmlns:mc="http://schemas.openxmlformats.org/markup-compatibility/2006">
+        <mc:Choice xmlns:p14="http://schemas.microsoft.com/office/powerpoint/2010/main" xmlns:aink="http://schemas.microsoft.com/office/drawing/2016/ink" Requires="p14 aink">
+          <p:contentPart p14:bwMode="auto" r:id="rId177">
+            <p14:nvContentPartPr>
+              <p14:cNvPr id="165" name="잉크 164">
+                <a:extLst>
+                  <a:ext uri="{FF2B5EF4-FFF2-40B4-BE49-F238E27FC236}">
+                    <a16:creationId xmlns:a16="http://schemas.microsoft.com/office/drawing/2014/main" id="{80748B40-12C1-335C-3242-F9370B45D2D2}"/>
+                  </a:ext>
+                </a:extLst>
+              </p14:cNvPr>
+              <p14:cNvContentPartPr/>
+              <p14:nvPr/>
+            </p14:nvContentPartPr>
+            <p14:xfrm>
+              <a:off x="3571620" y="2262060"/>
+              <a:ext cx="10440" cy="101160"/>
+            </p14:xfrm>
+          </p:contentPart>
+        </mc:Choice>
+        <mc:Fallback>
+          <p:pic>
+            <p:nvPicPr>
+              <p:cNvPr id="165" name="잉크 164">
+                <a:extLst>
+                  <a:ext uri="{FF2B5EF4-FFF2-40B4-BE49-F238E27FC236}">
+                    <a16:creationId xmlns:a16="http://schemas.microsoft.com/office/drawing/2014/main" id="{80748B40-12C1-335C-3242-F9370B45D2D2}"/>
+                  </a:ext>
+                </a:extLst>
+              </p:cNvPr>
+              <p:cNvPicPr/>
+              <p:nvPr/>
+            </p:nvPicPr>
+            <p:blipFill>
+              <a:blip r:embed="rId178"/>
+              <a:stretch>
+                <a:fillRect/>
+              </a:stretch>
+            </p:blipFill>
+            <p:spPr>
+              <a:xfrm>
+                <a:off x="3562620" y="2253060"/>
+                <a:ext cx="28080" cy="118800"/>
+              </a:xfrm>
+              <a:prstGeom prst="rect">
+                <a:avLst/>
+              </a:prstGeom>
+            </p:spPr>
+          </p:pic>
+        </mc:Fallback>
+      </mc:AlternateContent>
+      <mc:AlternateContent xmlns:mc="http://schemas.openxmlformats.org/markup-compatibility/2006">
+        <mc:Choice xmlns:p14="http://schemas.microsoft.com/office/powerpoint/2010/main" xmlns:aink="http://schemas.microsoft.com/office/drawing/2016/ink" Requires="p14 aink">
+          <p:contentPart p14:bwMode="auto" r:id="rId179">
+            <p14:nvContentPartPr>
+              <p14:cNvPr id="166" name="잉크 165">
+                <a:extLst>
+                  <a:ext uri="{FF2B5EF4-FFF2-40B4-BE49-F238E27FC236}">
+                    <a16:creationId xmlns:a16="http://schemas.microsoft.com/office/drawing/2014/main" id="{AF12505D-BFCA-6E2F-9356-6F0F4C94904C}"/>
+                  </a:ext>
+                </a:extLst>
+              </p14:cNvPr>
+              <p14:cNvContentPartPr/>
+              <p14:nvPr/>
+            </p14:nvContentPartPr>
+            <p14:xfrm>
+              <a:off x="3593580" y="1966860"/>
+              <a:ext cx="35640" cy="251640"/>
+            </p14:xfrm>
+          </p:contentPart>
+        </mc:Choice>
+        <mc:Fallback>
+          <p:pic>
+            <p:nvPicPr>
+              <p:cNvPr id="166" name="잉크 165">
+                <a:extLst>
+                  <a:ext uri="{FF2B5EF4-FFF2-40B4-BE49-F238E27FC236}">
+                    <a16:creationId xmlns:a16="http://schemas.microsoft.com/office/drawing/2014/main" id="{AF12505D-BFCA-6E2F-9356-6F0F4C94904C}"/>
+                  </a:ext>
+                </a:extLst>
+              </p:cNvPr>
+              <p:cNvPicPr/>
+              <p:nvPr/>
+            </p:nvPicPr>
+            <p:blipFill>
+              <a:blip r:embed="rId180"/>
+              <a:stretch>
+                <a:fillRect/>
+              </a:stretch>
+            </p:blipFill>
+            <p:spPr>
+              <a:xfrm>
+                <a:off x="3584580" y="1957860"/>
+                <a:ext cx="53280" cy="269280"/>
+              </a:xfrm>
+              <a:prstGeom prst="rect">
+                <a:avLst/>
+              </a:prstGeom>
+            </p:spPr>
+          </p:pic>
+        </mc:Fallback>
+      </mc:AlternateContent>
+      <mc:AlternateContent xmlns:mc="http://schemas.openxmlformats.org/markup-compatibility/2006">
+        <mc:Choice xmlns:p14="http://schemas.microsoft.com/office/powerpoint/2010/main" xmlns:aink="http://schemas.microsoft.com/office/drawing/2016/ink" Requires="p14 aink">
+          <p:contentPart p14:bwMode="auto" r:id="rId181">
+            <p14:nvContentPartPr>
+              <p14:cNvPr id="167" name="잉크 166">
+                <a:extLst>
+                  <a:ext uri="{FF2B5EF4-FFF2-40B4-BE49-F238E27FC236}">
+                    <a16:creationId xmlns:a16="http://schemas.microsoft.com/office/drawing/2014/main" id="{039865E5-5650-B793-3258-143E5CB61286}"/>
+                  </a:ext>
+                </a:extLst>
+              </p14:cNvPr>
+              <p14:cNvContentPartPr/>
+              <p14:nvPr/>
+            </p14:nvContentPartPr>
+            <p14:xfrm>
+              <a:off x="4047900" y="3271860"/>
+              <a:ext cx="360" cy="335160"/>
+            </p14:xfrm>
+          </p:contentPart>
+        </mc:Choice>
+        <mc:Fallback>
+          <p:pic>
+            <p:nvPicPr>
+              <p:cNvPr id="167" name="잉크 166">
+                <a:extLst>
+                  <a:ext uri="{FF2B5EF4-FFF2-40B4-BE49-F238E27FC236}">
+                    <a16:creationId xmlns:a16="http://schemas.microsoft.com/office/drawing/2014/main" id="{039865E5-5650-B793-3258-143E5CB61286}"/>
+                  </a:ext>
+                </a:extLst>
+              </p:cNvPr>
+              <p:cNvPicPr/>
+              <p:nvPr/>
+            </p:nvPicPr>
+            <p:blipFill>
+              <a:blip r:embed="rId182"/>
+              <a:stretch>
+                <a:fillRect/>
+              </a:stretch>
+            </p:blipFill>
+            <p:spPr>
+              <a:xfrm>
+                <a:off x="4038900" y="3262860"/>
+                <a:ext cx="18000" cy="352800"/>
+              </a:xfrm>
+              <a:prstGeom prst="rect">
+                <a:avLst/>
+              </a:prstGeom>
+            </p:spPr>
+          </p:pic>
+        </mc:Fallback>
+      </mc:AlternateContent>
+      <mc:AlternateContent xmlns:mc="http://schemas.openxmlformats.org/markup-compatibility/2006">
+        <mc:Choice xmlns:p14="http://schemas.microsoft.com/office/powerpoint/2010/main" xmlns:aink="http://schemas.microsoft.com/office/drawing/2016/ink" Requires="p14 aink">
+          <p:contentPart p14:bwMode="auto" r:id="rId183">
+            <p14:nvContentPartPr>
+              <p14:cNvPr id="168" name="잉크 167">
+                <a:extLst>
+                  <a:ext uri="{FF2B5EF4-FFF2-40B4-BE49-F238E27FC236}">
+                    <a16:creationId xmlns:a16="http://schemas.microsoft.com/office/drawing/2014/main" id="{D9137D9D-77F5-C7F3-7232-FA92B2BC3BBE}"/>
+                  </a:ext>
+                </a:extLst>
+              </p14:cNvPr>
+              <p14:cNvContentPartPr/>
+              <p14:nvPr/>
+            </p14:nvContentPartPr>
+            <p14:xfrm>
+              <a:off x="4024500" y="3062340"/>
+              <a:ext cx="424080" cy="203760"/>
+            </p14:xfrm>
+          </p:contentPart>
+        </mc:Choice>
+        <mc:Fallback>
+          <p:pic>
+            <p:nvPicPr>
+              <p:cNvPr id="168" name="잉크 167">
+                <a:extLst>
+                  <a:ext uri="{FF2B5EF4-FFF2-40B4-BE49-F238E27FC236}">
+                    <a16:creationId xmlns:a16="http://schemas.microsoft.com/office/drawing/2014/main" id="{D9137D9D-77F5-C7F3-7232-FA92B2BC3BBE}"/>
+                  </a:ext>
+                </a:extLst>
+              </p:cNvPr>
+              <p:cNvPicPr/>
+              <p:nvPr/>
+            </p:nvPicPr>
+            <p:blipFill>
+              <a:blip r:embed="rId184"/>
+              <a:stretch>
+                <a:fillRect/>
+              </a:stretch>
+            </p:blipFill>
+            <p:spPr>
+              <a:xfrm>
+                <a:off x="4015500" y="3053340"/>
+                <a:ext cx="441720" cy="221400"/>
+              </a:xfrm>
+              <a:prstGeom prst="rect">
+                <a:avLst/>
+              </a:prstGeom>
+            </p:spPr>
+          </p:pic>
+        </mc:Fallback>
+      </mc:AlternateContent>
+      <mc:AlternateContent xmlns:mc="http://schemas.openxmlformats.org/markup-compatibility/2006">
+        <mc:Choice xmlns:p14="http://schemas.microsoft.com/office/powerpoint/2010/main" xmlns:aink="http://schemas.microsoft.com/office/drawing/2016/ink" Requires="p14 aink">
+          <p:contentPart p14:bwMode="auto" r:id="rId185">
+            <p14:nvContentPartPr>
+              <p14:cNvPr id="169" name="잉크 168">
+                <a:extLst>
+                  <a:ext uri="{FF2B5EF4-FFF2-40B4-BE49-F238E27FC236}">
+                    <a16:creationId xmlns:a16="http://schemas.microsoft.com/office/drawing/2014/main" id="{8CE06BD5-E135-4373-4A7E-7E3AC5AE869B}"/>
+                  </a:ext>
+                </a:extLst>
+              </p14:cNvPr>
+              <p14:cNvContentPartPr/>
+              <p14:nvPr/>
+            </p14:nvContentPartPr>
+            <p14:xfrm>
+              <a:off x="4891020" y="2366820"/>
+              <a:ext cx="127800" cy="282600"/>
+            </p14:xfrm>
+          </p:contentPart>
+        </mc:Choice>
+        <mc:Fallback>
+          <p:pic>
+            <p:nvPicPr>
+              <p:cNvPr id="169" name="잉크 168">
+                <a:extLst>
+                  <a:ext uri="{FF2B5EF4-FFF2-40B4-BE49-F238E27FC236}">
+                    <a16:creationId xmlns:a16="http://schemas.microsoft.com/office/drawing/2014/main" id="{8CE06BD5-E135-4373-4A7E-7E3AC5AE869B}"/>
+                  </a:ext>
+                </a:extLst>
+              </p:cNvPr>
+              <p:cNvPicPr/>
+              <p:nvPr/>
+            </p:nvPicPr>
+            <p:blipFill>
+              <a:blip r:embed="rId186"/>
+              <a:stretch>
+                <a:fillRect/>
+              </a:stretch>
+            </p:blipFill>
+            <p:spPr>
+              <a:xfrm>
+                <a:off x="4882020" y="2357820"/>
+                <a:ext cx="145440" cy="300240"/>
+              </a:xfrm>
+              <a:prstGeom prst="rect">
+                <a:avLst/>
+              </a:prstGeom>
+            </p:spPr>
+          </p:pic>
+        </mc:Fallback>
+      </mc:AlternateContent>
+      <mc:AlternateContent xmlns:mc="http://schemas.openxmlformats.org/markup-compatibility/2006">
+        <mc:Choice xmlns:p14="http://schemas.microsoft.com/office/powerpoint/2010/main" xmlns:aink="http://schemas.microsoft.com/office/drawing/2016/ink" Requires="p14 aink">
+          <p:contentPart p14:bwMode="auto" r:id="rId187">
+            <p14:nvContentPartPr>
+              <p14:cNvPr id="170" name="잉크 169">
+                <a:extLst>
+                  <a:ext uri="{FF2B5EF4-FFF2-40B4-BE49-F238E27FC236}">
+                    <a16:creationId xmlns:a16="http://schemas.microsoft.com/office/drawing/2014/main" id="{05C33621-0E40-E8E4-6A50-9423745E8739}"/>
+                  </a:ext>
+                </a:extLst>
+              </p14:cNvPr>
+              <p14:cNvContentPartPr/>
+              <p14:nvPr/>
+            </p14:nvContentPartPr>
+            <p14:xfrm>
+              <a:off x="5403660" y="3362220"/>
+              <a:ext cx="101880" cy="459360"/>
+            </p14:xfrm>
+          </p:contentPart>
+        </mc:Choice>
+        <mc:Fallback>
+          <p:pic>
+            <p:nvPicPr>
+              <p:cNvPr id="170" name="잉크 169">
+                <a:extLst>
+                  <a:ext uri="{FF2B5EF4-FFF2-40B4-BE49-F238E27FC236}">
+                    <a16:creationId xmlns:a16="http://schemas.microsoft.com/office/drawing/2014/main" id="{05C33621-0E40-E8E4-6A50-9423745E8739}"/>
+                  </a:ext>
+                </a:extLst>
+              </p:cNvPr>
+              <p:cNvPicPr/>
+              <p:nvPr/>
+            </p:nvPicPr>
+            <p:blipFill>
+              <a:blip r:embed="rId188"/>
+              <a:stretch>
+                <a:fillRect/>
+              </a:stretch>
+            </p:blipFill>
+            <p:spPr>
+              <a:xfrm>
+                <a:off x="5395020" y="3353220"/>
+                <a:ext cx="119520" cy="477000"/>
+              </a:xfrm>
+              <a:prstGeom prst="rect">
+                <a:avLst/>
+              </a:prstGeom>
+            </p:spPr>
+          </p:pic>
+        </mc:Fallback>
+      </mc:AlternateContent>
+      <mc:AlternateContent xmlns:mc="http://schemas.openxmlformats.org/markup-compatibility/2006">
+        <mc:Choice xmlns:p14="http://schemas.microsoft.com/office/powerpoint/2010/main" xmlns:aink="http://schemas.microsoft.com/office/drawing/2016/ink" Requires="p14 aink">
+          <p:contentPart p14:bwMode="auto" r:id="rId189">
+            <p14:nvContentPartPr>
+              <p14:cNvPr id="171" name="잉크 170">
+                <a:extLst>
+                  <a:ext uri="{FF2B5EF4-FFF2-40B4-BE49-F238E27FC236}">
+                    <a16:creationId xmlns:a16="http://schemas.microsoft.com/office/drawing/2014/main" id="{DF4DFD82-3FBE-4764-FAE9-5F3271EBBB3D}"/>
+                  </a:ext>
+                </a:extLst>
+              </p14:cNvPr>
+              <p14:cNvContentPartPr/>
+              <p14:nvPr/>
+            </p14:nvContentPartPr>
+            <p14:xfrm>
+              <a:off x="5986500" y="3171060"/>
+              <a:ext cx="297720" cy="232920"/>
+            </p14:xfrm>
+          </p:contentPart>
+        </mc:Choice>
+        <mc:Fallback>
+          <p:pic>
+            <p:nvPicPr>
+              <p:cNvPr id="171" name="잉크 170">
+                <a:extLst>
+                  <a:ext uri="{FF2B5EF4-FFF2-40B4-BE49-F238E27FC236}">
+                    <a16:creationId xmlns:a16="http://schemas.microsoft.com/office/drawing/2014/main" id="{DF4DFD82-3FBE-4764-FAE9-5F3271EBBB3D}"/>
+                  </a:ext>
+                </a:extLst>
+              </p:cNvPr>
+              <p:cNvPicPr/>
+              <p:nvPr/>
+            </p:nvPicPr>
+            <p:blipFill>
+              <a:blip r:embed="rId190"/>
+              <a:stretch>
+                <a:fillRect/>
+              </a:stretch>
+            </p:blipFill>
+            <p:spPr>
+              <a:xfrm>
+                <a:off x="5977500" y="3162060"/>
+                <a:ext cx="315360" cy="250560"/>
+              </a:xfrm>
+              <a:prstGeom prst="rect">
+                <a:avLst/>
+              </a:prstGeom>
+            </p:spPr>
+          </p:pic>
+        </mc:Fallback>
+      </mc:AlternateContent>
+      <mc:AlternateContent xmlns:mc="http://schemas.openxmlformats.org/markup-compatibility/2006">
+        <mc:Choice xmlns:p14="http://schemas.microsoft.com/office/powerpoint/2010/main" xmlns:aink="http://schemas.microsoft.com/office/drawing/2016/ink" Requires="p14 aink">
+          <p:contentPart p14:bwMode="auto" r:id="rId191">
+            <p14:nvContentPartPr>
+              <p14:cNvPr id="172" name="잉크 171">
+                <a:extLst>
+                  <a:ext uri="{FF2B5EF4-FFF2-40B4-BE49-F238E27FC236}">
+                    <a16:creationId xmlns:a16="http://schemas.microsoft.com/office/drawing/2014/main" id="{0E119002-2277-B6EF-3A0C-71E871D2E3F3}"/>
+                  </a:ext>
+                </a:extLst>
+              </p14:cNvPr>
+              <p14:cNvContentPartPr/>
+              <p14:nvPr/>
+            </p14:nvContentPartPr>
+            <p14:xfrm>
+              <a:off x="6175140" y="3452580"/>
+              <a:ext cx="220680" cy="509040"/>
+            </p14:xfrm>
+          </p:contentPart>
+        </mc:Choice>
+        <mc:Fallback>
+          <p:pic>
+            <p:nvPicPr>
+              <p:cNvPr id="172" name="잉크 171">
+                <a:extLst>
+                  <a:ext uri="{FF2B5EF4-FFF2-40B4-BE49-F238E27FC236}">
+                    <a16:creationId xmlns:a16="http://schemas.microsoft.com/office/drawing/2014/main" id="{0E119002-2277-B6EF-3A0C-71E871D2E3F3}"/>
+                  </a:ext>
+                </a:extLst>
+              </p:cNvPr>
+              <p:cNvPicPr/>
+              <p:nvPr/>
+            </p:nvPicPr>
+            <p:blipFill>
+              <a:blip r:embed="rId192"/>
+              <a:stretch>
+                <a:fillRect/>
+              </a:stretch>
+            </p:blipFill>
+            <p:spPr>
+              <a:xfrm>
+                <a:off x="6166500" y="3443580"/>
+                <a:ext cx="238320" cy="526680"/>
+              </a:xfrm>
+              <a:prstGeom prst="rect">
+                <a:avLst/>
+              </a:prstGeom>
+            </p:spPr>
+          </p:pic>
+        </mc:Fallback>
+      </mc:AlternateContent>
+      <mc:AlternateContent xmlns:mc="http://schemas.openxmlformats.org/markup-compatibility/2006">
+        <mc:Choice xmlns:p14="http://schemas.microsoft.com/office/powerpoint/2010/main" xmlns:aink="http://schemas.microsoft.com/office/drawing/2016/ink" Requires="p14 aink">
+          <p:contentPart p14:bwMode="auto" r:id="rId193">
+            <p14:nvContentPartPr>
+              <p14:cNvPr id="173" name="잉크 172">
+                <a:extLst>
+                  <a:ext uri="{FF2B5EF4-FFF2-40B4-BE49-F238E27FC236}">
+                    <a16:creationId xmlns:a16="http://schemas.microsoft.com/office/drawing/2014/main" id="{8EBDB838-ADC4-EA84-B064-FFDBAB5ED930}"/>
+                  </a:ext>
+                </a:extLst>
+              </p14:cNvPr>
+              <p14:cNvContentPartPr/>
+              <p14:nvPr/>
+            </p14:nvContentPartPr>
+            <p14:xfrm>
+              <a:off x="7210500" y="2895660"/>
+              <a:ext cx="482040" cy="583920"/>
+            </p14:xfrm>
+          </p:contentPart>
+        </mc:Choice>
+        <mc:Fallback>
+          <p:pic>
+            <p:nvPicPr>
+              <p:cNvPr id="173" name="잉크 172">
+                <a:extLst>
+                  <a:ext uri="{FF2B5EF4-FFF2-40B4-BE49-F238E27FC236}">
+                    <a16:creationId xmlns:a16="http://schemas.microsoft.com/office/drawing/2014/main" id="{8EBDB838-ADC4-EA84-B064-FFDBAB5ED930}"/>
+                  </a:ext>
+                </a:extLst>
+              </p:cNvPr>
+              <p:cNvPicPr/>
+              <p:nvPr/>
+            </p:nvPicPr>
+            <p:blipFill>
+              <a:blip r:embed="rId194"/>
+              <a:stretch>
+                <a:fillRect/>
+              </a:stretch>
+            </p:blipFill>
+            <p:spPr>
+              <a:xfrm>
+                <a:off x="7201500" y="2886660"/>
+                <a:ext cx="499680" cy="601560"/>
+              </a:xfrm>
+              <a:prstGeom prst="rect">
+                <a:avLst/>
+              </a:prstGeom>
+            </p:spPr>
+          </p:pic>
+        </mc:Fallback>
+      </mc:AlternateContent>
+      <mc:AlternateContent xmlns:mc="http://schemas.openxmlformats.org/markup-compatibility/2006">
+        <mc:Choice xmlns:p14="http://schemas.microsoft.com/office/powerpoint/2010/main" xmlns:aink="http://schemas.microsoft.com/office/drawing/2016/ink" Requires="p14 aink">
+          <p:contentPart p14:bwMode="auto" r:id="rId195">
+            <p14:nvContentPartPr>
+              <p14:cNvPr id="174" name="잉크 173">
+                <a:extLst>
+                  <a:ext uri="{FF2B5EF4-FFF2-40B4-BE49-F238E27FC236}">
+                    <a16:creationId xmlns:a16="http://schemas.microsoft.com/office/drawing/2014/main" id="{3A85596F-3A95-1315-671C-E189097BB023}"/>
+                  </a:ext>
+                </a:extLst>
+              </p14:cNvPr>
+              <p14:cNvContentPartPr/>
+              <p14:nvPr/>
+            </p14:nvContentPartPr>
+            <p14:xfrm>
+              <a:off x="8025180" y="2800260"/>
+              <a:ext cx="133200" cy="232200"/>
+            </p14:xfrm>
+          </p:contentPart>
+        </mc:Choice>
+        <mc:Fallback>
+          <p:pic>
+            <p:nvPicPr>
+              <p:cNvPr id="174" name="잉크 173">
+                <a:extLst>
+                  <a:ext uri="{FF2B5EF4-FFF2-40B4-BE49-F238E27FC236}">
+                    <a16:creationId xmlns:a16="http://schemas.microsoft.com/office/drawing/2014/main" id="{3A85596F-3A95-1315-671C-E189097BB023}"/>
+                  </a:ext>
+                </a:extLst>
+              </p:cNvPr>
+              <p:cNvPicPr/>
+              <p:nvPr/>
+            </p:nvPicPr>
+            <p:blipFill>
+              <a:blip r:embed="rId196"/>
+              <a:stretch>
+                <a:fillRect/>
+              </a:stretch>
+            </p:blipFill>
+            <p:spPr>
+              <a:xfrm>
+                <a:off x="8016540" y="2791260"/>
+                <a:ext cx="150840" cy="249840"/>
+              </a:xfrm>
+              <a:prstGeom prst="rect">
+                <a:avLst/>
+              </a:prstGeom>
+            </p:spPr>
+          </p:pic>
+        </mc:Fallback>
+      </mc:AlternateContent>
+      <mc:AlternateContent xmlns:mc="http://schemas.openxmlformats.org/markup-compatibility/2006">
+        <mc:Choice xmlns:p14="http://schemas.microsoft.com/office/powerpoint/2010/main" xmlns:aink="http://schemas.microsoft.com/office/drawing/2016/ink" Requires="p14 aink">
+          <p:contentPart p14:bwMode="auto" r:id="rId197">
+            <p14:nvContentPartPr>
+              <p14:cNvPr id="175" name="잉크 174">
+                <a:extLst>
+                  <a:ext uri="{FF2B5EF4-FFF2-40B4-BE49-F238E27FC236}">
+                    <a16:creationId xmlns:a16="http://schemas.microsoft.com/office/drawing/2014/main" id="{25F7665C-D47D-81B8-40BC-2284A1BEAC82}"/>
+                  </a:ext>
+                </a:extLst>
+              </p14:cNvPr>
+              <p14:cNvContentPartPr/>
+              <p14:nvPr/>
+            </p14:nvContentPartPr>
+            <p14:xfrm>
+              <a:off x="7801260" y="3128940"/>
+              <a:ext cx="1023840" cy="361440"/>
+            </p14:xfrm>
+          </p:contentPart>
+        </mc:Choice>
+        <mc:Fallback>
+          <p:pic>
+            <p:nvPicPr>
+              <p:cNvPr id="175" name="잉크 174">
+                <a:extLst>
+                  <a:ext uri="{FF2B5EF4-FFF2-40B4-BE49-F238E27FC236}">
+                    <a16:creationId xmlns:a16="http://schemas.microsoft.com/office/drawing/2014/main" id="{25F7665C-D47D-81B8-40BC-2284A1BEAC82}"/>
+                  </a:ext>
+                </a:extLst>
+              </p:cNvPr>
+              <p:cNvPicPr/>
+              <p:nvPr/>
+            </p:nvPicPr>
+            <p:blipFill>
+              <a:blip r:embed="rId198"/>
+              <a:stretch>
+                <a:fillRect/>
+              </a:stretch>
+            </p:blipFill>
+            <p:spPr>
+              <a:xfrm>
+                <a:off x="7792260" y="3119940"/>
+                <a:ext cx="1041480" cy="379080"/>
+              </a:xfrm>
+              <a:prstGeom prst="rect">
+                <a:avLst/>
+              </a:prstGeom>
+            </p:spPr>
+          </p:pic>
+        </mc:Fallback>
+      </mc:AlternateContent>
+      <mc:AlternateContent xmlns:mc="http://schemas.openxmlformats.org/markup-compatibility/2006">
+        <mc:Choice xmlns:p14="http://schemas.microsoft.com/office/powerpoint/2010/main" xmlns:aink="http://schemas.microsoft.com/office/drawing/2016/ink" Requires="p14 aink">
+          <p:contentPart p14:bwMode="auto" r:id="rId199">
+            <p14:nvContentPartPr>
+              <p14:cNvPr id="176" name="잉크 175">
+                <a:extLst>
+                  <a:ext uri="{FF2B5EF4-FFF2-40B4-BE49-F238E27FC236}">
+                    <a16:creationId xmlns:a16="http://schemas.microsoft.com/office/drawing/2014/main" id="{F949F409-A035-807C-B1F0-99487755E43A}"/>
+                  </a:ext>
+                </a:extLst>
+              </p14:cNvPr>
+              <p14:cNvContentPartPr/>
+              <p14:nvPr/>
+            </p14:nvContentPartPr>
+            <p14:xfrm>
+              <a:off x="5319780" y="3881340"/>
+              <a:ext cx="360" cy="360"/>
+            </p14:xfrm>
+          </p:contentPart>
+        </mc:Choice>
+        <mc:Fallback>
+          <p:pic>
+            <p:nvPicPr>
+              <p:cNvPr id="176" name="잉크 175">
+                <a:extLst>
+                  <a:ext uri="{FF2B5EF4-FFF2-40B4-BE49-F238E27FC236}">
+                    <a16:creationId xmlns:a16="http://schemas.microsoft.com/office/drawing/2014/main" id="{F949F409-A035-807C-B1F0-99487755E43A}"/>
+                  </a:ext>
+                </a:extLst>
+              </p:cNvPr>
+              <p:cNvPicPr/>
+              <p:nvPr/>
+            </p:nvPicPr>
+            <p:blipFill>
+              <a:blip r:embed="rId200"/>
+              <a:stretch>
+                <a:fillRect/>
+              </a:stretch>
+            </p:blipFill>
+            <p:spPr>
+              <a:xfrm>
+                <a:off x="5310780" y="3872340"/>
+                <a:ext cx="18000" cy="18000"/>
+              </a:xfrm>
+              <a:prstGeom prst="rect">
+                <a:avLst/>
+              </a:prstGeom>
+            </p:spPr>
+          </p:pic>
+        </mc:Fallback>
+      </mc:AlternateContent>
+      <mc:AlternateContent xmlns:mc="http://schemas.openxmlformats.org/markup-compatibility/2006">
+        <mc:Choice xmlns:p14="http://schemas.microsoft.com/office/powerpoint/2010/main" xmlns:aink="http://schemas.microsoft.com/office/drawing/2016/ink" Requires="p14 aink">
+          <p:contentPart p14:bwMode="auto" r:id="rId201">
+            <p14:nvContentPartPr>
+              <p14:cNvPr id="177" name="잉크 176">
+                <a:extLst>
+                  <a:ext uri="{FF2B5EF4-FFF2-40B4-BE49-F238E27FC236}">
+                    <a16:creationId xmlns:a16="http://schemas.microsoft.com/office/drawing/2014/main" id="{5C3FFCC6-B5E3-5ADE-BC33-E51D9D3A5575}"/>
+                  </a:ext>
+                </a:extLst>
+              </p14:cNvPr>
+              <p14:cNvContentPartPr/>
+              <p14:nvPr/>
+            </p14:nvContentPartPr>
+            <p14:xfrm>
+              <a:off x="9594910" y="4114340"/>
+              <a:ext cx="360" cy="360"/>
+            </p14:xfrm>
+          </p:contentPart>
+        </mc:Choice>
+        <mc:Fallback>
+          <p:pic>
+            <p:nvPicPr>
+              <p:cNvPr id="177" name="잉크 176">
+                <a:extLst>
+                  <a:ext uri="{FF2B5EF4-FFF2-40B4-BE49-F238E27FC236}">
+                    <a16:creationId xmlns:a16="http://schemas.microsoft.com/office/drawing/2014/main" id="{5C3FFCC6-B5E3-5ADE-BC33-E51D9D3A5575}"/>
+                  </a:ext>
+                </a:extLst>
+              </p:cNvPr>
+              <p:cNvPicPr/>
+              <p:nvPr/>
+            </p:nvPicPr>
+            <p:blipFill>
+              <a:blip r:embed="rId202"/>
+              <a:stretch>
+                <a:fillRect/>
+              </a:stretch>
+            </p:blipFill>
+            <p:spPr>
+              <a:xfrm>
+                <a:off x="9585910" y="4105700"/>
+                <a:ext cx="18000" cy="18000"/>
               </a:xfrm>
               <a:prstGeom prst="rect">
                 <a:avLst/>
